--- a/问题检索清单.pptx
+++ b/问题检索清单.pptx
@@ -28,6 +28,19 @@
     <p:sldId id="294" r:id="rId23"/>
     <p:sldId id="295" r:id="rId24"/>
     <p:sldId id="313" r:id="rId25"/>
+    <p:sldId id="314" r:id="rId26"/>
+    <p:sldId id="315" r:id="rId27"/>
+    <p:sldId id="316" r:id="rId28"/>
+    <p:sldId id="317" r:id="rId29"/>
+    <p:sldId id="318" r:id="rId30"/>
+    <p:sldId id="319" r:id="rId31"/>
+    <p:sldId id="320" r:id="rId32"/>
+    <p:sldId id="321" r:id="rId33"/>
+    <p:sldId id="322" r:id="rId34"/>
+    <p:sldId id="323" r:id="rId35"/>
+    <p:sldId id="324" r:id="rId36"/>
+    <p:sldId id="325" r:id="rId37"/>
+    <p:sldId id="326" r:id="rId38"/>
   </p:sldIdLst>
   <p:sldSz cx="12192000" cy="6858000"/>
   <p:notesSz cx="6858000" cy="9144000"/>
@@ -4190,7 +4203,12 @@
             <p:ph type="title"/>
           </p:nvPr>
         </p:nvSpPr>
-        <p:spPr/>
+        <p:spPr>
+          <a:xfrm>
+            <a:off x="838200" y="150495"/>
+            <a:ext cx="10515600" cy="1325563"/>
+          </a:xfrm>
+        </p:spPr>
         <p:txBody>
           <a:bodyPr/>
           <a:p>
@@ -4212,9 +4230,222 @@
             <p:ph idx="1"/>
           </p:nvPr>
         </p:nvSpPr>
-        <p:spPr/>
-        <p:txBody>
-          <a:bodyPr/>
+        <p:spPr>
+          <a:xfrm>
+            <a:off x="838200" y="1315720"/>
+            <a:ext cx="10515600" cy="5454015"/>
+          </a:xfrm>
+        </p:spPr>
+        <p:txBody>
+          <a:bodyPr>
+            <a:normAutofit fontScale="60000"/>
+          </a:bodyPr>
+          <a:p>
+            <a:r>
+              <a:rPr lang="en-US" altLang="zh-CN">
+                <a:sym typeface="+mn-ea"/>
+              </a:rPr>
+              <a:t>最基本的是：问题是怎么定义的？</a:t>
+            </a:r>
+            <a:endParaRPr lang="en-US" altLang="zh-CN">
+              <a:sym typeface="+mn-ea"/>
+            </a:endParaRPr>
+          </a:p>
+          <a:p>
+            <a:r>
+              <a:rPr lang="en-US" altLang="zh-CN">
+                <a:sym typeface="+mn-ea"/>
+              </a:rPr>
+              <a:t>解决批量LG系统的方法有哪两种？</a:t>
+            </a:r>
+            <a:endParaRPr lang="en-US" altLang="zh-CN">
+              <a:sym typeface="+mn-ea"/>
+            </a:endParaRPr>
+          </a:p>
+          <a:p>
+            <a:r>
+              <a:rPr lang="en-US" altLang="zh-CN">
+                <a:sym typeface="+mn-ea"/>
+              </a:rPr>
+              <a:t>小插曲：二次型求导的分子布局和分母布局</a:t>
+            </a:r>
+            <a:endParaRPr lang="en-US" altLang="zh-CN">
+              <a:sym typeface="+mn-ea"/>
+            </a:endParaRPr>
+          </a:p>
+          <a:p>
+            <a:r>
+              <a:rPr lang="en-US" altLang="zh-CN">
+                <a:sym typeface="+mn-ea"/>
+              </a:rPr>
+              <a:t>如何看待LG系统的MAP和贝叶斯推断的结果？</a:t>
+            </a:r>
+            <a:endParaRPr lang="en-US" altLang="zh-CN">
+              <a:sym typeface="+mn-ea"/>
+            </a:endParaRPr>
+          </a:p>
+          <a:p>
+            <a:r>
+              <a:rPr lang="en-US" altLang="zh-CN">
+                <a:sym typeface="+mn-ea"/>
+              </a:rPr>
+              <a:t>对于系统的能观性，如何检索思考？</a:t>
+            </a:r>
+            <a:endParaRPr lang="en-US" altLang="zh-CN">
+              <a:sym typeface="+mn-ea"/>
+            </a:endParaRPr>
+          </a:p>
+          <a:p>
+            <a:r>
+              <a:rPr lang="en-US" altLang="zh-CN">
+                <a:sym typeface="+mn-ea"/>
+              </a:rPr>
+              <a:t>MAP估计的协方差是什么？</a:t>
+            </a:r>
+            <a:endParaRPr lang="en-US" altLang="zh-CN">
+              <a:sym typeface="+mn-ea"/>
+            </a:endParaRPr>
+          </a:p>
+          <a:p>
+            <a:r>
+              <a:rPr lang="en-US" altLang="zh-CN">
+                <a:sym typeface="+mn-ea"/>
+              </a:rPr>
+              <a:t>递归平滑算法的使命是什么？</a:t>
+            </a:r>
+            <a:endParaRPr lang="en-US" altLang="zh-CN">
+              <a:sym typeface="+mn-ea"/>
+            </a:endParaRPr>
+          </a:p>
+          <a:p>
+            <a:r>
+              <a:rPr lang="en-US" altLang="zh-CN">
+                <a:sym typeface="+mn-ea"/>
+              </a:rPr>
+              <a:t>递归平滑算法的方法和步骤是怎样的？</a:t>
+            </a:r>
+            <a:endParaRPr lang="en-US" altLang="zh-CN">
+              <a:sym typeface="+mn-ea"/>
+            </a:endParaRPr>
+          </a:p>
+          <a:p>
+            <a:r>
+              <a:rPr lang="en-US" altLang="zh-CN">
+                <a:sym typeface="+mn-ea"/>
+              </a:rPr>
+              <a:t>我一直说要背的卡尔曼增益三公式，是什么？</a:t>
+            </a:r>
+            <a:endParaRPr lang="en-US" altLang="zh-CN">
+              <a:sym typeface="+mn-ea"/>
+            </a:endParaRPr>
+          </a:p>
+          <a:p>
+            <a:r>
+              <a:rPr lang="en-US" altLang="zh-CN">
+                <a:sym typeface="+mn-ea"/>
+              </a:rPr>
+              <a:t>如何理解卡尔曼</a:t>
+            </a:r>
+            <a:r>
+              <a:rPr lang="" altLang="en-US">
+                <a:sym typeface="+mn-ea"/>
+              </a:rPr>
+              <a:t>滤波</a:t>
+            </a:r>
+            <a:r>
+              <a:rPr lang="en-US" altLang="zh-CN">
+                <a:sym typeface="+mn-ea"/>
+              </a:rPr>
+              <a:t>的数学本质？</a:t>
+            </a:r>
+            <a:endParaRPr lang="en-US" altLang="zh-CN">
+              <a:sym typeface="+mn-ea"/>
+            </a:endParaRPr>
+          </a:p>
+          <a:p>
+            <a:r>
+              <a:rPr lang="en-US" altLang="zh-CN">
+                <a:sym typeface="+mn-ea"/>
+              </a:rPr>
+              <a:t>卡尔曼增益后验均值和方差的更新是什么形式？</a:t>
+            </a:r>
+            <a:endParaRPr lang="en-US" altLang="zh-CN">
+              <a:sym typeface="+mn-ea"/>
+            </a:endParaRPr>
+          </a:p>
+          <a:p>
+            <a:r>
+              <a:rPr lang="en-US" altLang="zh-CN">
+                <a:sym typeface="+mn-ea"/>
+              </a:rPr>
+              <a:t>不带卡尔曼增益K的卡尔曼滤波是什么形式？</a:t>
+            </a:r>
+            <a:endParaRPr lang="en-US" altLang="zh-CN">
+              <a:sym typeface="+mn-ea"/>
+            </a:endParaRPr>
+          </a:p>
+          <a:p>
+            <a:r>
+              <a:rPr lang="en-US" altLang="zh-CN">
+                <a:sym typeface="+mn-ea"/>
+              </a:rPr>
+              <a:t>老问题：带卡尔曼增益的经典形式是什么？</a:t>
+            </a:r>
+            <a:endParaRPr lang="en-US" altLang="zh-CN">
+              <a:sym typeface="+mn-ea"/>
+            </a:endParaRPr>
+          </a:p>
+          <a:p>
+            <a:r>
+              <a:rPr lang="en-US" altLang="zh-CN">
+                <a:sym typeface="+mn-ea"/>
+              </a:rPr>
+              <a:t>如何通过MAP来推导得出卡尔曼滤波？</a:t>
+            </a:r>
+            <a:endParaRPr lang="en-US" altLang="zh-CN">
+              <a:sym typeface="+mn-ea"/>
+            </a:endParaRPr>
+          </a:p>
+          <a:p>
+            <a:r>
+              <a:rPr lang="en-US" altLang="zh-CN">
+                <a:sym typeface="+mn-ea"/>
+              </a:rPr>
+              <a:t>如何通过贝叶斯推断得到卡尔曼滤波？</a:t>
+            </a:r>
+            <a:endParaRPr lang="en-US" altLang="zh-CN"/>
+          </a:p>
+          <a:p>
+            <a:endParaRPr lang="en-US" altLang="zh-CN"/>
+          </a:p>
+          <a:p>
+            <a:endParaRPr lang="en-US" altLang="zh-CN"/>
+          </a:p>
+          <a:p>
+            <a:endParaRPr lang="en-US" altLang="zh-CN"/>
+          </a:p>
+          <a:p>
+            <a:endParaRPr lang="en-US" altLang="zh-CN"/>
+          </a:p>
+          <a:p>
+            <a:endParaRPr lang="en-US" altLang="zh-CN">
+              <a:sym typeface="+mn-ea"/>
+            </a:endParaRPr>
+          </a:p>
+          <a:p>
+            <a:endParaRPr lang="en-US" altLang="zh-CN"/>
+          </a:p>
+          <a:p>
+            <a:endParaRPr lang="en-US" altLang="zh-CN"/>
+          </a:p>
+          <a:p>
+            <a:endParaRPr lang="en-US" altLang="zh-CN"/>
+          </a:p>
+          <a:p>
+            <a:endParaRPr lang="en-US" altLang="zh-CN">
+              <a:sym typeface="+mn-ea"/>
+            </a:endParaRPr>
+          </a:p>
           <a:p>
             <a:endParaRPr lang="zh-CN" altLang="en-US"/>
           </a:p>
@@ -4504,10 +4735,644 @@
               <a:buNone/>
             </a:pPr>
             <a:r>
-              <a:rPr lang="x-none" altLang="zh-CN"/>
-              <a:t>d</a:t>
-            </a:r>
-            <a:endParaRPr lang="x-none" altLang="zh-CN"/>
+              <a:rPr lang="en-US" altLang="x-none"/>
+              <a:t>可以在知乎搜索“二次型求导”</a:t>
+            </a:r>
+            <a:endParaRPr lang="en-US" altLang="x-none"/>
+          </a:p>
+          <a:p>
+            <a:pPr marL="0" indent="0">
+              <a:buNone/>
+            </a:pPr>
+            <a:endParaRPr lang="en-US" altLang="x-none"/>
+          </a:p>
+          <a:p>
+            <a:pPr marL="0" indent="0">
+              <a:buNone/>
+            </a:pPr>
+            <a:r>
+              <a:rPr lang="en-US" altLang="x-none"/>
+              <a:t>也可以去wiki上查</a:t>
+            </a:r>
+            <a:endParaRPr lang="en-US" altLang="x-none"/>
+          </a:p>
+          <a:p>
+            <a:pPr marL="0" indent="0">
+              <a:buNone/>
+            </a:pPr>
+            <a:endParaRPr lang="en-US" altLang="x-none"/>
+          </a:p>
+          <a:p>
+            <a:pPr marL="0" indent="0">
+              <a:buNone/>
+            </a:pPr>
+            <a:r>
+              <a:rPr lang="en-US" altLang="x-none"/>
+              <a:t>注意求导有两种定义方式：就是分子布局和分母布局。</a:t>
+            </a:r>
+            <a:endParaRPr lang="en-US" altLang="x-none"/>
+          </a:p>
+          <a:p>
+            <a:pPr marL="0" indent="0">
+              <a:buNone/>
+            </a:pPr>
+            <a:r>
+              <a:rPr lang="en-US" altLang="x-none"/>
+              <a:t>我们常用的雅克比形式是分子布局。</a:t>
+            </a:r>
+            <a:endParaRPr lang="en-US" altLang="x-none"/>
+          </a:p>
+        </p:txBody>
+      </p:sp>
+    </p:spTree>
+  </p:cSld>
+  <p:clrMapOvr>
+    <a:masterClrMapping/>
+  </p:clrMapOvr>
+</p:sld>
+</file>
+
+<file path=ppt/slides/slide24.xml><?xml version="1.0" encoding="utf-8"?>
+<p:sld xmlns:a="http://schemas.openxmlformats.org/drawingml/2006/main" xmlns:r="http://schemas.openxmlformats.org/officeDocument/2006/relationships" xmlns:p="http://schemas.openxmlformats.org/presentationml/2006/main">
+  <p:cSld>
+    <p:spTree>
+      <p:nvGrpSpPr>
+        <p:cNvPr id="1" name=""/>
+        <p:cNvGrpSpPr/>
+        <p:nvPr/>
+      </p:nvGrpSpPr>
+      <p:grpSpPr/>
+      <p:sp>
+        <p:nvSpPr>
+          <p:cNvPr id="2" name="标题 1"/>
+          <p:cNvSpPr>
+            <a:spLocks noGrp="1"/>
+          </p:cNvSpPr>
+          <p:nvPr>
+            <p:ph type="title"/>
+          </p:nvPr>
+        </p:nvSpPr>
+        <p:spPr/>
+        <p:txBody>
+          <a:bodyPr>
+            <a:normAutofit fontScale="90000"/>
+          </a:bodyPr>
+          <a:p>
+            <a:r>
+              <a:rPr lang="en-US" altLang="zh-CN"/>
+              <a:t>如何看待LG系统的MAP和贝叶斯推断的结果？</a:t>
+            </a:r>
+            <a:endParaRPr lang="en-US" altLang="zh-CN"/>
+          </a:p>
+        </p:txBody>
+      </p:sp>
+      <p:sp>
+        <p:nvSpPr>
+          <p:cNvPr id="3" name="内容占位符 2"/>
+          <p:cNvSpPr>
+            <a:spLocks noGrp="1"/>
+          </p:cNvSpPr>
+          <p:nvPr>
+            <p:ph idx="1"/>
+          </p:nvPr>
+        </p:nvSpPr>
+        <p:spPr/>
+        <p:txBody>
+          <a:bodyPr/>
+          <a:p>
+            <a:r>
+              <a:rPr lang="en-US" altLang="zh-CN"/>
+              <a:t>MAP得到的是最可能的点估计，贝叶斯推断得到的是均值</a:t>
+            </a:r>
+            <a:endParaRPr lang="en-US" altLang="zh-CN"/>
+          </a:p>
+          <a:p>
+            <a:r>
+              <a:rPr lang="en-US" altLang="zh-CN"/>
+              <a:t>在LG系统下两者相等</a:t>
+            </a:r>
+            <a:endParaRPr lang="en-US" altLang="zh-CN"/>
+          </a:p>
+          <a:p>
+            <a:r>
+              <a:rPr lang="en-US" altLang="zh-CN"/>
+              <a:t>贝叶斯推断得到了估计的协方差</a:t>
+            </a:r>
+            <a:endParaRPr lang="en-US" altLang="zh-CN"/>
+          </a:p>
+        </p:txBody>
+      </p:sp>
+    </p:spTree>
+  </p:cSld>
+  <p:clrMapOvr>
+    <a:masterClrMapping/>
+  </p:clrMapOvr>
+</p:sld>
+</file>
+
+<file path=ppt/slides/slide25.xml><?xml version="1.0" encoding="utf-8"?>
+<p:sld xmlns:a="http://schemas.openxmlformats.org/drawingml/2006/main" xmlns:r="http://schemas.openxmlformats.org/officeDocument/2006/relationships" xmlns:p="http://schemas.openxmlformats.org/presentationml/2006/main">
+  <p:cSld>
+    <p:spTree>
+      <p:nvGrpSpPr>
+        <p:cNvPr id="1" name=""/>
+        <p:cNvGrpSpPr/>
+        <p:nvPr/>
+      </p:nvGrpSpPr>
+      <p:grpSpPr/>
+      <p:sp>
+        <p:nvSpPr>
+          <p:cNvPr id="2" name="标题 1"/>
+          <p:cNvSpPr>
+            <a:spLocks noGrp="1"/>
+          </p:cNvSpPr>
+          <p:nvPr>
+            <p:ph type="title"/>
+          </p:nvPr>
+        </p:nvSpPr>
+        <p:spPr/>
+        <p:txBody>
+          <a:bodyPr/>
+          <a:p>
+            <a:r>
+              <a:rPr lang="en-US" altLang="zh-CN"/>
+              <a:t>对于系统的能观性，如何检索思考？</a:t>
+            </a:r>
+            <a:endParaRPr lang="en-US" altLang="zh-CN"/>
+          </a:p>
+        </p:txBody>
+      </p:sp>
+      <p:sp>
+        <p:nvSpPr>
+          <p:cNvPr id="3" name="内容占位符 2"/>
+          <p:cNvSpPr>
+            <a:spLocks noGrp="1"/>
+          </p:cNvSpPr>
+          <p:nvPr>
+            <p:ph idx="1"/>
+          </p:nvPr>
+        </p:nvSpPr>
+        <p:spPr/>
+        <p:txBody>
+          <a:bodyPr/>
+          <a:p>
+            <a:pPr marL="514350" indent="-514350">
+              <a:buAutoNum type="arabicPeriod"/>
+            </a:pPr>
+            <a:r>
+              <a:rPr lang="en-US" altLang="zh-CN"/>
+              <a:t>如何用大白话说出能观性的含义？——能否通过观测变量唯一地确定系统状态</a:t>
+            </a:r>
+            <a:endParaRPr lang="en-US" altLang="zh-CN"/>
+          </a:p>
+          <a:p>
+            <a:pPr marL="514350" indent="-514350">
+              <a:buAutoNum type="arabicPeriod"/>
+            </a:pPr>
+            <a:r>
+              <a:rPr lang="en-US" altLang="zh-CN"/>
+              <a:t>如何用公式推导能观性的条件？——最后rank(H</a:t>
+            </a:r>
+            <a:r>
+              <a:rPr lang="en-US" altLang="zh-CN" baseline="30000"/>
+              <a:t>T</a:t>
+            </a:r>
+            <a:r>
+              <a:rPr lang="en-US" altLang="zh-CN"/>
+              <a:t>) = N(K+1)</a:t>
+            </a:r>
+            <a:endParaRPr lang="en-US" altLang="zh-CN"/>
+          </a:p>
+          <a:p>
+            <a:pPr marL="514350" indent="-514350">
+              <a:buAutoNum type="arabicPeriod"/>
+            </a:pPr>
+            <a:r>
+              <a:rPr lang="en-US" altLang="zh-CN"/>
+              <a:t>如果有先验，是什么情形？</a:t>
+            </a:r>
+            <a:endParaRPr lang="en-US" altLang="zh-CN"/>
+          </a:p>
+          <a:p>
+            <a:pPr marL="514350" indent="-514350">
+              <a:buAutoNum type="arabicPeriod"/>
+            </a:pPr>
+            <a:r>
+              <a:rPr lang="en-US" altLang="zh-CN"/>
+              <a:t>如果没有先验，又会是什么情形？</a:t>
+            </a:r>
+            <a:endParaRPr lang="en-US" altLang="zh-CN"/>
+          </a:p>
+        </p:txBody>
+      </p:sp>
+    </p:spTree>
+  </p:cSld>
+  <p:clrMapOvr>
+    <a:masterClrMapping/>
+  </p:clrMapOvr>
+</p:sld>
+</file>
+
+<file path=ppt/slides/slide26.xml><?xml version="1.0" encoding="utf-8"?>
+<p:sld xmlns:a="http://schemas.openxmlformats.org/drawingml/2006/main" xmlns:r="http://schemas.openxmlformats.org/officeDocument/2006/relationships" xmlns:p="http://schemas.openxmlformats.org/presentationml/2006/main">
+  <p:cSld>
+    <p:spTree>
+      <p:nvGrpSpPr>
+        <p:cNvPr id="1" name=""/>
+        <p:cNvGrpSpPr/>
+        <p:nvPr/>
+      </p:nvGrpSpPr>
+      <p:grpSpPr/>
+      <p:sp>
+        <p:nvSpPr>
+          <p:cNvPr id="2" name="标题 1"/>
+          <p:cNvSpPr>
+            <a:spLocks noGrp="1"/>
+          </p:cNvSpPr>
+          <p:nvPr>
+            <p:ph type="title"/>
+          </p:nvPr>
+        </p:nvSpPr>
+        <p:spPr/>
+        <p:txBody>
+          <a:bodyPr/>
+          <a:p>
+            <a:r>
+              <a:rPr lang="en-US" altLang="zh-CN"/>
+              <a:t>MAP估计的协方差是什么？</a:t>
+            </a:r>
+            <a:endParaRPr lang="en-US" altLang="zh-CN"/>
+          </a:p>
+        </p:txBody>
+      </p:sp>
+      <p:sp>
+        <p:nvSpPr>
+          <p:cNvPr id="3" name="内容占位符 2"/>
+          <p:cNvSpPr>
+            <a:spLocks noGrp="1"/>
+          </p:cNvSpPr>
+          <p:nvPr>
+            <p:ph idx="1"/>
+          </p:nvPr>
+        </p:nvSpPr>
+        <p:spPr/>
+        <p:txBody>
+          <a:bodyPr/>
+          <a:p>
+            <a:pPr marL="0" indent="0">
+              <a:buNone/>
+            </a:pPr>
+            <a:r>
+              <a:rPr lang="en-US" altLang="zh-CN"/>
+              <a:t>后验的逆 = </a:t>
+            </a:r>
+            <a:endParaRPr lang="en-US" altLang="zh-CN"/>
+          </a:p>
+          <a:p>
+            <a:pPr marL="0" indent="0">
+              <a:buNone/>
+            </a:pPr>
+            <a:endParaRPr lang="en-US" altLang="zh-CN"/>
+          </a:p>
+          <a:p>
+            <a:pPr marL="0" indent="0">
+              <a:buNone/>
+            </a:pPr>
+            <a:endParaRPr lang="en-US" altLang="zh-CN"/>
+          </a:p>
+        </p:txBody>
+      </p:sp>
+      <p:pic>
+        <p:nvPicPr>
+          <p:cNvPr id="4" name="图片 3"/>
+          <p:cNvPicPr>
+            <a:picLocks noChangeAspect="1"/>
+          </p:cNvPicPr>
+          <p:nvPr/>
+        </p:nvPicPr>
+        <p:blipFill>
+          <a:blip r:embed="rId1"/>
+          <a:stretch>
+            <a:fillRect/>
+          </a:stretch>
+        </p:blipFill>
+        <p:spPr>
+          <a:xfrm>
+            <a:off x="3223895" y="1825625"/>
+            <a:ext cx="1905000" cy="457200"/>
+          </a:xfrm>
+          <a:prstGeom prst="rect">
+            <a:avLst/>
+          </a:prstGeom>
+        </p:spPr>
+      </p:pic>
+      <p:pic>
+        <p:nvPicPr>
+          <p:cNvPr id="5" name="图片 4"/>
+          <p:cNvPicPr>
+            <a:picLocks noChangeAspect="1"/>
+          </p:cNvPicPr>
+          <p:nvPr/>
+        </p:nvPicPr>
+        <p:blipFill>
+          <a:blip r:embed="rId2"/>
+          <a:stretch>
+            <a:fillRect/>
+          </a:stretch>
+        </p:blipFill>
+        <p:spPr>
+          <a:xfrm>
+            <a:off x="5977255" y="1849120"/>
+            <a:ext cx="1238250" cy="409575"/>
+          </a:xfrm>
+          <a:prstGeom prst="rect">
+            <a:avLst/>
+          </a:prstGeom>
+        </p:spPr>
+      </p:pic>
+    </p:spTree>
+  </p:cSld>
+  <p:clrMapOvr>
+    <a:masterClrMapping/>
+  </p:clrMapOvr>
+</p:sld>
+</file>
+
+<file path=ppt/slides/slide27.xml><?xml version="1.0" encoding="utf-8"?>
+<p:sld xmlns:a="http://schemas.openxmlformats.org/drawingml/2006/main" xmlns:r="http://schemas.openxmlformats.org/officeDocument/2006/relationships" xmlns:p="http://schemas.openxmlformats.org/presentationml/2006/main">
+  <p:cSld>
+    <p:spTree>
+      <p:nvGrpSpPr>
+        <p:cNvPr id="1" name=""/>
+        <p:cNvGrpSpPr/>
+        <p:nvPr/>
+      </p:nvGrpSpPr>
+      <p:grpSpPr/>
+      <p:sp>
+        <p:nvSpPr>
+          <p:cNvPr id="2" name="标题 1"/>
+          <p:cNvSpPr>
+            <a:spLocks noGrp="1"/>
+          </p:cNvSpPr>
+          <p:nvPr>
+            <p:ph type="title"/>
+          </p:nvPr>
+        </p:nvSpPr>
+        <p:spPr/>
+        <p:txBody>
+          <a:bodyPr/>
+          <a:p>
+            <a:r>
+              <a:rPr lang="en-US" altLang="zh-CN"/>
+              <a:t>递归平滑算法的使命是什么？</a:t>
+            </a:r>
+            <a:endParaRPr lang="en-US" altLang="zh-CN"/>
+          </a:p>
+        </p:txBody>
+      </p:sp>
+      <p:sp>
+        <p:nvSpPr>
+          <p:cNvPr id="3" name="内容占位符 2"/>
+          <p:cNvSpPr>
+            <a:spLocks noGrp="1"/>
+          </p:cNvSpPr>
+          <p:nvPr>
+            <p:ph idx="1"/>
+          </p:nvPr>
+        </p:nvSpPr>
+        <p:spPr/>
+        <p:txBody>
+          <a:bodyPr/>
+          <a:p>
+            <a:r>
+              <a:rPr lang="en-US" altLang="zh-CN"/>
+              <a:t>我们想得到递归问题的解法</a:t>
+            </a:r>
+            <a:endParaRPr lang="en-US" altLang="zh-CN"/>
+          </a:p>
+          <a:p>
+            <a:r>
+              <a:rPr lang="en-US" altLang="zh-CN"/>
+              <a:t>我们想要从批量问题的解决方案中，推导处递归问题的解决方案</a:t>
+            </a:r>
+            <a:endParaRPr lang="en-US" altLang="zh-CN"/>
+          </a:p>
+        </p:txBody>
+      </p:sp>
+    </p:spTree>
+  </p:cSld>
+  <p:clrMapOvr>
+    <a:masterClrMapping/>
+  </p:clrMapOvr>
+</p:sld>
+</file>
+
+<file path=ppt/slides/slide28.xml><?xml version="1.0" encoding="utf-8"?>
+<p:sld xmlns:a="http://schemas.openxmlformats.org/drawingml/2006/main" xmlns:r="http://schemas.openxmlformats.org/officeDocument/2006/relationships" xmlns:p="http://schemas.openxmlformats.org/presentationml/2006/main">
+  <p:cSld>
+    <p:spTree>
+      <p:nvGrpSpPr>
+        <p:cNvPr id="1" name=""/>
+        <p:cNvGrpSpPr/>
+        <p:nvPr/>
+      </p:nvGrpSpPr>
+      <p:grpSpPr/>
+      <p:sp>
+        <p:nvSpPr>
+          <p:cNvPr id="2" name="标题 1"/>
+          <p:cNvSpPr>
+            <a:spLocks noGrp="1"/>
+          </p:cNvSpPr>
+          <p:nvPr>
+            <p:ph type="title"/>
+          </p:nvPr>
+        </p:nvSpPr>
+        <p:spPr/>
+        <p:txBody>
+          <a:bodyPr/>
+          <a:p>
+            <a:r>
+              <a:rPr lang="en-US" altLang="zh-CN"/>
+              <a:t>递归平滑算法的方法和步骤是怎样的？</a:t>
+            </a:r>
+            <a:endParaRPr lang="en-US" altLang="zh-CN"/>
+          </a:p>
+        </p:txBody>
+      </p:sp>
+      <p:sp>
+        <p:nvSpPr>
+          <p:cNvPr id="3" name="内容占位符 2"/>
+          <p:cNvSpPr>
+            <a:spLocks noGrp="1"/>
+          </p:cNvSpPr>
+          <p:nvPr>
+            <p:ph idx="1"/>
+          </p:nvPr>
+        </p:nvSpPr>
+        <p:spPr>
+          <a:xfrm>
+            <a:off x="838200" y="1406525"/>
+            <a:ext cx="10515600" cy="4351338"/>
+          </a:xfrm>
+        </p:spPr>
+        <p:txBody>
+          <a:bodyPr/>
+          <a:p>
+            <a:r>
+              <a:rPr lang="en-US" altLang="zh-CN"/>
+              <a:t>方法：cholosky分解</a:t>
+            </a:r>
+            <a:endParaRPr lang="en-US" altLang="zh-CN"/>
+          </a:p>
+          <a:p>
+            <a:r>
+              <a:rPr lang="en-US" altLang="zh-CN"/>
+              <a:t>步骤：</a:t>
+            </a:r>
+            <a:endParaRPr lang="en-US" altLang="zh-CN"/>
+          </a:p>
+          <a:p>
+            <a:pPr marL="0" indent="0">
+              <a:buNone/>
+            </a:pPr>
+            <a:endParaRPr lang="en-US" altLang="zh-CN"/>
+          </a:p>
+          <a:p>
+            <a:pPr marL="0" indent="0">
+              <a:buNone/>
+            </a:pPr>
+            <a:endParaRPr lang="en-US" altLang="zh-CN"/>
+          </a:p>
+        </p:txBody>
+      </p:sp>
+      <p:pic>
+        <p:nvPicPr>
+          <p:cNvPr id="6" name="图片 5"/>
+          <p:cNvPicPr>
+            <a:picLocks noChangeAspect="1"/>
+          </p:cNvPicPr>
+          <p:nvPr/>
+        </p:nvPicPr>
+        <p:blipFill>
+          <a:blip r:embed="rId1"/>
+          <a:stretch>
+            <a:fillRect/>
+          </a:stretch>
+        </p:blipFill>
+        <p:spPr>
+          <a:xfrm>
+            <a:off x="2414905" y="2107565"/>
+            <a:ext cx="9486900" cy="4705350"/>
+          </a:xfrm>
+          <a:prstGeom prst="rect">
+            <a:avLst/>
+          </a:prstGeom>
+        </p:spPr>
+      </p:pic>
+    </p:spTree>
+  </p:cSld>
+  <p:clrMapOvr>
+    <a:masterClrMapping/>
+  </p:clrMapOvr>
+</p:sld>
+</file>
+
+<file path=ppt/slides/slide29.xml><?xml version="1.0" encoding="utf-8"?>
+<p:sld xmlns:a="http://schemas.openxmlformats.org/drawingml/2006/main" xmlns:r="http://schemas.openxmlformats.org/officeDocument/2006/relationships" xmlns:p="http://schemas.openxmlformats.org/presentationml/2006/main">
+  <p:cSld>
+    <p:spTree>
+      <p:nvGrpSpPr>
+        <p:cNvPr id="1" name=""/>
+        <p:cNvGrpSpPr/>
+        <p:nvPr/>
+      </p:nvGrpSpPr>
+      <p:grpSpPr/>
+      <p:sp>
+        <p:nvSpPr>
+          <p:cNvPr id="2" name="标题 1"/>
+          <p:cNvSpPr>
+            <a:spLocks noGrp="1"/>
+          </p:cNvSpPr>
+          <p:nvPr>
+            <p:ph type="title"/>
+          </p:nvPr>
+        </p:nvSpPr>
+        <p:spPr/>
+        <p:txBody>
+          <a:bodyPr>
+            <a:normAutofit fontScale="90000"/>
+          </a:bodyPr>
+          <a:p>
+            <a:r>
+              <a:rPr lang="en-US" altLang="zh-CN"/>
+              <a:t>我一直说要背的卡尔曼增益三公式，是什么？</a:t>
+            </a:r>
+            <a:endParaRPr lang="en-US" altLang="zh-CN"/>
+          </a:p>
+        </p:txBody>
+      </p:sp>
+      <p:sp>
+        <p:nvSpPr>
+          <p:cNvPr id="3" name="内容占位符 2"/>
+          <p:cNvSpPr>
+            <a:spLocks noGrp="1"/>
+          </p:cNvSpPr>
+          <p:nvPr>
+            <p:ph idx="1"/>
+          </p:nvPr>
+        </p:nvSpPr>
+        <p:spPr/>
+        <p:txBody>
+          <a:bodyPr/>
+          <a:p>
+            <a:r>
+              <a:rPr lang="en-US" altLang="zh-CN"/>
+              <a:t>一定要记住的是定义式：</a:t>
+            </a:r>
+            <a:endParaRPr lang="en-US" altLang="zh-CN"/>
+          </a:p>
+          <a:p>
+            <a:pPr marL="0" indent="0">
+              <a:buNone/>
+            </a:pPr>
+            <a:r>
+              <a:rPr lang="en-US" altLang="zh-CN"/>
+              <a:t>K = 后验协方差 × 观测矩阵转置 × 观测协方差的逆</a:t>
+            </a:r>
+            <a:endParaRPr lang="en-US" altLang="zh-CN"/>
+          </a:p>
+          <a:p>
+            <a:pPr marL="0" indent="0">
+              <a:buNone/>
+            </a:pPr>
+            <a:r>
+              <a:rPr lang="en-US" altLang="zh-CN"/>
+              <a:t>协方差传播率：</a:t>
+            </a:r>
+            <a:endParaRPr lang="en-US" altLang="zh-CN"/>
+          </a:p>
+          <a:p>
+            <a:pPr marL="0" indent="0">
+              <a:buNone/>
+            </a:pPr>
+            <a:r>
+              <a:rPr lang="en-US" altLang="zh-CN"/>
+              <a:t>后验信息矩阵 = 先验信息矩阵 + 转换后的观测协方差矩阵</a:t>
+            </a:r>
+            <a:endParaRPr lang="en-US" altLang="zh-CN"/>
+          </a:p>
+          <a:p>
+            <a:pPr marL="0" indent="0">
+              <a:buNone/>
+            </a:pPr>
+            <a:endParaRPr lang="en-US" altLang="zh-CN"/>
+          </a:p>
+          <a:p>
+            <a:r>
+              <a:rPr lang="en-US" altLang="zh-CN"/>
+              <a:t>上面的信息结合，再使用SMW公式，就能得到三个K的定义</a:t>
+            </a:r>
+            <a:endParaRPr lang="en-US" altLang="zh-CN"/>
           </a:p>
         </p:txBody>
       </p:sp>
@@ -4611,6 +5476,658 @@
               <a:t>根据先验和测量，对系统的内在状态进行某种最优重构</a:t>
             </a:r>
             <a:endParaRPr lang="en-US" altLang="zh-CN"/>
+          </a:p>
+        </p:txBody>
+      </p:sp>
+    </p:spTree>
+  </p:cSld>
+  <p:clrMapOvr>
+    <a:masterClrMapping/>
+  </p:clrMapOvr>
+</p:sld>
+</file>
+
+<file path=ppt/slides/slide30.xml><?xml version="1.0" encoding="utf-8"?>
+<p:sld xmlns:a="http://schemas.openxmlformats.org/drawingml/2006/main" xmlns:r="http://schemas.openxmlformats.org/officeDocument/2006/relationships" xmlns:p="http://schemas.openxmlformats.org/presentationml/2006/main">
+  <p:cSld>
+    <p:spTree>
+      <p:nvGrpSpPr>
+        <p:cNvPr id="1" name=""/>
+        <p:cNvGrpSpPr/>
+        <p:nvPr/>
+      </p:nvGrpSpPr>
+      <p:grpSpPr/>
+      <p:sp>
+        <p:nvSpPr>
+          <p:cNvPr id="2" name="标题 1"/>
+          <p:cNvSpPr>
+            <a:spLocks noGrp="1"/>
+          </p:cNvSpPr>
+          <p:nvPr>
+            <p:ph type="title"/>
+          </p:nvPr>
+        </p:nvSpPr>
+        <p:spPr/>
+        <p:txBody>
+          <a:bodyPr/>
+          <a:p>
+            <a:r>
+              <a:rPr lang="en-US" altLang="zh-CN"/>
+              <a:t>如何理解卡尔曼</a:t>
+            </a:r>
+            <a:r>
+              <a:rPr lang="" altLang="en-US"/>
+              <a:t>滤波</a:t>
+            </a:r>
+            <a:r>
+              <a:rPr lang="en-US" altLang="zh-CN"/>
+              <a:t>的数学本质？</a:t>
+            </a:r>
+            <a:endParaRPr lang="en-US" altLang="zh-CN"/>
+          </a:p>
+        </p:txBody>
+      </p:sp>
+      <p:sp>
+        <p:nvSpPr>
+          <p:cNvPr id="3" name="内容占位符 2"/>
+          <p:cNvSpPr>
+            <a:spLocks noGrp="1"/>
+          </p:cNvSpPr>
+          <p:nvPr>
+            <p:ph idx="1"/>
+          </p:nvPr>
+        </p:nvSpPr>
+        <p:spPr>
+          <a:xfrm>
+            <a:off x="838200" y="1897380"/>
+            <a:ext cx="10515600" cy="4351338"/>
+          </a:xfrm>
+        </p:spPr>
+        <p:txBody>
+          <a:bodyPr/>
+          <a:p>
+            <a:r>
+              <a:rPr lang="en-US" altLang="zh-CN"/>
+              <a:t>本质是什么呢？</a:t>
+            </a:r>
+            <a:endParaRPr lang="en-US" altLang="zh-CN"/>
+          </a:p>
+          <a:p>
+            <a:r>
+              <a:rPr lang="en-US" altLang="zh-CN"/>
+              <a:t>预估阶段是一个函数变换！</a:t>
+            </a:r>
+            <a:endParaRPr lang="en-US" altLang="zh-CN"/>
+          </a:p>
+          <a:p>
+            <a:r>
+              <a:rPr lang="en-US" altLang="zh-CN"/>
+              <a:t>校正阶段是一个高斯归一化积！</a:t>
+            </a:r>
+            <a:endParaRPr lang="en-US" altLang="zh-CN"/>
+          </a:p>
+          <a:p>
+            <a:r>
+              <a:rPr lang="en-US" altLang="zh-CN"/>
+              <a:t>更具体地说，预估阶段是高斯分布的线性或非线性变换；而观测阶段是高斯分布的乘积！！这是一个决定性的性质，它决定了卡尔曼滤波的方方面面</a:t>
+            </a:r>
+            <a:endParaRPr lang="en-US" altLang="zh-CN"/>
+          </a:p>
+          <a:p>
+            <a:r>
+              <a:rPr lang="en-US" altLang="zh-CN"/>
+              <a:t>比如先验的协方差传播是函数形式，后验的协方差传播却是一个明显的高斯分布乘积</a:t>
+            </a:r>
+            <a:endParaRPr lang="en-US" altLang="zh-CN"/>
+          </a:p>
+          <a:p>
+            <a:endParaRPr lang="en-US" altLang="zh-CN"/>
+          </a:p>
+        </p:txBody>
+      </p:sp>
+      <p:pic>
+        <p:nvPicPr>
+          <p:cNvPr id="5" name="图片 4"/>
+          <p:cNvPicPr>
+            <a:picLocks noChangeAspect="1"/>
+          </p:cNvPicPr>
+          <p:nvPr/>
+        </p:nvPicPr>
+        <p:blipFill>
+          <a:blip r:embed="rId1"/>
+          <a:stretch>
+            <a:fillRect/>
+          </a:stretch>
+        </p:blipFill>
+        <p:spPr>
+          <a:xfrm>
+            <a:off x="7514590" y="1691005"/>
+            <a:ext cx="3962400" cy="1171575"/>
+          </a:xfrm>
+          <a:prstGeom prst="rect">
+            <a:avLst/>
+          </a:prstGeom>
+        </p:spPr>
+      </p:pic>
+    </p:spTree>
+  </p:cSld>
+  <p:clrMapOvr>
+    <a:masterClrMapping/>
+  </p:clrMapOvr>
+</p:sld>
+</file>
+
+<file path=ppt/slides/slide31.xml><?xml version="1.0" encoding="utf-8"?>
+<p:sld xmlns:a="http://schemas.openxmlformats.org/drawingml/2006/main" xmlns:r="http://schemas.openxmlformats.org/officeDocument/2006/relationships" xmlns:p="http://schemas.openxmlformats.org/presentationml/2006/main">
+  <p:cSld>
+    <p:spTree>
+      <p:nvGrpSpPr>
+        <p:cNvPr id="1" name=""/>
+        <p:cNvGrpSpPr/>
+        <p:nvPr/>
+      </p:nvGrpSpPr>
+      <p:grpSpPr/>
+      <p:sp>
+        <p:nvSpPr>
+          <p:cNvPr id="2" name="标题 1"/>
+          <p:cNvSpPr>
+            <a:spLocks noGrp="1"/>
+          </p:cNvSpPr>
+          <p:nvPr>
+            <p:ph type="title"/>
+          </p:nvPr>
+        </p:nvSpPr>
+        <p:spPr>
+          <a:xfrm>
+            <a:off x="644525" y="283845"/>
+            <a:ext cx="10515600" cy="1325563"/>
+          </a:xfrm>
+        </p:spPr>
+        <p:txBody>
+          <a:bodyPr>
+            <a:normAutofit fontScale="90000"/>
+          </a:bodyPr>
+          <a:p>
+            <a:r>
+              <a:rPr lang="en-US" altLang="zh-CN"/>
+              <a:t>卡尔曼增益后验均值和方差的更新是什么形式？</a:t>
+            </a:r>
+            <a:endParaRPr lang="en-US" altLang="zh-CN"/>
+          </a:p>
+        </p:txBody>
+      </p:sp>
+      <p:pic>
+        <p:nvPicPr>
+          <p:cNvPr id="4" name="内容占位符 3"/>
+          <p:cNvPicPr>
+            <a:picLocks noChangeAspect="1"/>
+          </p:cNvPicPr>
+          <p:nvPr>
+            <p:ph idx="1"/>
+          </p:nvPr>
+        </p:nvPicPr>
+        <p:blipFill>
+          <a:blip r:embed="rId1"/>
+          <a:stretch>
+            <a:fillRect/>
+          </a:stretch>
+        </p:blipFill>
+        <p:spPr>
+          <a:xfrm>
+            <a:off x="746125" y="1511300"/>
+            <a:ext cx="10515600" cy="3305175"/>
+          </a:xfrm>
+          <a:prstGeom prst="rect">
+            <a:avLst/>
+          </a:prstGeom>
+        </p:spPr>
+      </p:pic>
+      <p:pic>
+        <p:nvPicPr>
+          <p:cNvPr id="5" name="图片 4"/>
+          <p:cNvPicPr>
+            <a:picLocks noChangeAspect="1"/>
+          </p:cNvPicPr>
+          <p:nvPr/>
+        </p:nvPicPr>
+        <p:blipFill>
+          <a:blip r:embed="rId2"/>
+          <a:stretch>
+            <a:fillRect/>
+          </a:stretch>
+        </p:blipFill>
+        <p:spPr>
+          <a:xfrm>
+            <a:off x="1275080" y="5209540"/>
+            <a:ext cx="5864860" cy="1031875"/>
+          </a:xfrm>
+          <a:prstGeom prst="rect">
+            <a:avLst/>
+          </a:prstGeom>
+        </p:spPr>
+      </p:pic>
+    </p:spTree>
+  </p:cSld>
+  <p:clrMapOvr>
+    <a:masterClrMapping/>
+  </p:clrMapOvr>
+</p:sld>
+</file>
+
+<file path=ppt/slides/slide32.xml><?xml version="1.0" encoding="utf-8"?>
+<p:sld xmlns:a="http://schemas.openxmlformats.org/drawingml/2006/main" xmlns:r="http://schemas.openxmlformats.org/officeDocument/2006/relationships" xmlns:p="http://schemas.openxmlformats.org/presentationml/2006/main">
+  <p:cSld>
+    <p:spTree>
+      <p:nvGrpSpPr>
+        <p:cNvPr id="1" name=""/>
+        <p:cNvGrpSpPr/>
+        <p:nvPr/>
+      </p:nvGrpSpPr>
+      <p:grpSpPr/>
+      <p:sp>
+        <p:nvSpPr>
+          <p:cNvPr id="2" name="标题 1"/>
+          <p:cNvSpPr>
+            <a:spLocks noGrp="1"/>
+          </p:cNvSpPr>
+          <p:nvPr>
+            <p:ph type="title"/>
+          </p:nvPr>
+        </p:nvSpPr>
+        <p:spPr/>
+        <p:txBody>
+          <a:bodyPr>
+            <a:normAutofit fontScale="90000"/>
+          </a:bodyPr>
+          <a:p>
+            <a:r>
+              <a:rPr lang="en-US" altLang="zh-CN"/>
+              <a:t>不带卡尔曼增益K的卡尔曼滤波是什么形式？</a:t>
+            </a:r>
+            <a:endParaRPr lang="en-US" altLang="zh-CN"/>
+          </a:p>
+        </p:txBody>
+      </p:sp>
+      <p:sp>
+        <p:nvSpPr>
+          <p:cNvPr id="3" name="内容占位符 2"/>
+          <p:cNvSpPr>
+            <a:spLocks noGrp="1"/>
+          </p:cNvSpPr>
+          <p:nvPr>
+            <p:ph idx="1"/>
+          </p:nvPr>
+        </p:nvSpPr>
+        <p:spPr/>
+        <p:txBody>
+          <a:bodyPr/>
+          <a:p>
+            <a:r>
+              <a:rPr lang="en-US" altLang="zh-CN"/>
+              <a:t>先验 ： </a:t>
+            </a:r>
+            <a:endParaRPr lang="en-US" altLang="zh-CN"/>
+          </a:p>
+          <a:p>
+            <a:r>
+              <a:rPr lang="en-US" altLang="zh-CN"/>
+              <a:t>均值（略）</a:t>
+            </a:r>
+            <a:endParaRPr lang="en-US" altLang="zh-CN"/>
+          </a:p>
+          <a:p>
+            <a:r>
+              <a:rPr lang="en-US" altLang="zh-CN"/>
+              <a:t>协方差：函数传递</a:t>
+            </a:r>
+            <a:endParaRPr lang="en-US" altLang="zh-CN"/>
+          </a:p>
+          <a:p>
+            <a:endParaRPr lang="en-US" altLang="zh-CN"/>
+          </a:p>
+          <a:p>
+            <a:endParaRPr lang="en-US" altLang="zh-CN"/>
+          </a:p>
+          <a:p>
+            <a:r>
+              <a:rPr lang="en-US" altLang="zh-CN"/>
+              <a:t>后验：</a:t>
+            </a:r>
+            <a:endParaRPr lang="en-US" altLang="zh-CN"/>
+          </a:p>
+          <a:p>
+            <a:r>
+              <a:rPr lang="en-US" altLang="zh-CN"/>
+              <a:t>均值：</a:t>
+            </a:r>
+            <a:endParaRPr lang="en-US" altLang="zh-CN"/>
+          </a:p>
+          <a:p>
+            <a:r>
+              <a:rPr lang="en-US" altLang="zh-CN"/>
+              <a:t>协方差：高斯归一化积 </a:t>
+            </a:r>
+            <a:endParaRPr lang="en-US" altLang="zh-CN"/>
+          </a:p>
+        </p:txBody>
+      </p:sp>
+      <p:pic>
+        <p:nvPicPr>
+          <p:cNvPr id="4" name="图片 3"/>
+          <p:cNvPicPr>
+            <a:picLocks noChangeAspect="1"/>
+          </p:cNvPicPr>
+          <p:nvPr/>
+        </p:nvPicPr>
+        <p:blipFill>
+          <a:blip r:embed="rId1"/>
+          <a:stretch>
+            <a:fillRect/>
+          </a:stretch>
+        </p:blipFill>
+        <p:spPr>
+          <a:xfrm>
+            <a:off x="4467860" y="2760980"/>
+            <a:ext cx="3705225" cy="457200"/>
+          </a:xfrm>
+          <a:prstGeom prst="rect">
+            <a:avLst/>
+          </a:prstGeom>
+        </p:spPr>
+      </p:pic>
+      <p:pic>
+        <p:nvPicPr>
+          <p:cNvPr id="5" name="图片 4"/>
+          <p:cNvPicPr>
+            <a:picLocks noChangeAspect="1"/>
+          </p:cNvPicPr>
+          <p:nvPr/>
+        </p:nvPicPr>
+        <p:blipFill>
+          <a:blip r:embed="rId2"/>
+          <a:stretch>
+            <a:fillRect/>
+          </a:stretch>
+        </p:blipFill>
+        <p:spPr>
+          <a:xfrm>
+            <a:off x="4942840" y="4714240"/>
+            <a:ext cx="4436745" cy="648970"/>
+          </a:xfrm>
+          <a:prstGeom prst="rect">
+            <a:avLst/>
+          </a:prstGeom>
+        </p:spPr>
+      </p:pic>
+      <p:pic>
+        <p:nvPicPr>
+          <p:cNvPr id="6" name="图片 5"/>
+          <p:cNvPicPr>
+            <a:picLocks noChangeAspect="1"/>
+          </p:cNvPicPr>
+          <p:nvPr/>
+        </p:nvPicPr>
+        <p:blipFill>
+          <a:blip r:embed="rId3"/>
+          <a:stretch>
+            <a:fillRect/>
+          </a:stretch>
+        </p:blipFill>
+        <p:spPr>
+          <a:xfrm>
+            <a:off x="4942840" y="5363210"/>
+            <a:ext cx="3143250" cy="542925"/>
+          </a:xfrm>
+          <a:prstGeom prst="rect">
+            <a:avLst/>
+          </a:prstGeom>
+        </p:spPr>
+      </p:pic>
+    </p:spTree>
+  </p:cSld>
+  <p:clrMapOvr>
+    <a:masterClrMapping/>
+  </p:clrMapOvr>
+</p:sld>
+</file>
+
+<file path=ppt/slides/slide33.xml><?xml version="1.0" encoding="utf-8"?>
+<p:sld xmlns:a="http://schemas.openxmlformats.org/drawingml/2006/main" xmlns:r="http://schemas.openxmlformats.org/officeDocument/2006/relationships" xmlns:p="http://schemas.openxmlformats.org/presentationml/2006/main">
+  <p:cSld>
+    <p:spTree>
+      <p:nvGrpSpPr>
+        <p:cNvPr id="1" name=""/>
+        <p:cNvGrpSpPr/>
+        <p:nvPr/>
+      </p:nvGrpSpPr>
+      <p:grpSpPr/>
+      <p:sp>
+        <p:nvSpPr>
+          <p:cNvPr id="2" name="标题 1"/>
+          <p:cNvSpPr>
+            <a:spLocks noGrp="1"/>
+          </p:cNvSpPr>
+          <p:nvPr>
+            <p:ph type="title"/>
+          </p:nvPr>
+        </p:nvSpPr>
+        <p:spPr/>
+        <p:txBody>
+          <a:bodyPr/>
+          <a:p>
+            <a:r>
+              <a:rPr lang="en-US" altLang="zh-CN"/>
+              <a:t>老问题：带卡尔曼增益的经典形式是什么？</a:t>
+            </a:r>
+            <a:endParaRPr lang="en-US" altLang="zh-CN"/>
+          </a:p>
+        </p:txBody>
+      </p:sp>
+      <p:pic>
+        <p:nvPicPr>
+          <p:cNvPr id="4" name="内容占位符 3"/>
+          <p:cNvPicPr>
+            <a:picLocks noChangeAspect="1"/>
+          </p:cNvPicPr>
+          <p:nvPr>
+            <p:ph idx="1"/>
+          </p:nvPr>
+        </p:nvPicPr>
+        <p:blipFill>
+          <a:blip r:embed="rId1"/>
+          <a:stretch>
+            <a:fillRect/>
+          </a:stretch>
+        </p:blipFill>
+        <p:spPr>
+          <a:xfrm>
+            <a:off x="3462020" y="2510155"/>
+            <a:ext cx="5267325" cy="2981325"/>
+          </a:xfrm>
+          <a:prstGeom prst="rect">
+            <a:avLst/>
+          </a:prstGeom>
+        </p:spPr>
+      </p:pic>
+    </p:spTree>
+  </p:cSld>
+  <p:clrMapOvr>
+    <a:masterClrMapping/>
+  </p:clrMapOvr>
+</p:sld>
+</file>
+
+<file path=ppt/slides/slide34.xml><?xml version="1.0" encoding="utf-8"?>
+<p:sld xmlns:a="http://schemas.openxmlformats.org/drawingml/2006/main" xmlns:r="http://schemas.openxmlformats.org/officeDocument/2006/relationships" xmlns:p="http://schemas.openxmlformats.org/presentationml/2006/main">
+  <p:cSld>
+    <p:spTree>
+      <p:nvGrpSpPr>
+        <p:cNvPr id="1" name=""/>
+        <p:cNvGrpSpPr/>
+        <p:nvPr/>
+      </p:nvGrpSpPr>
+      <p:grpSpPr/>
+      <p:sp>
+        <p:nvSpPr>
+          <p:cNvPr id="2" name="标题 1"/>
+          <p:cNvSpPr>
+            <a:spLocks noGrp="1"/>
+          </p:cNvSpPr>
+          <p:nvPr>
+            <p:ph type="title"/>
+          </p:nvPr>
+        </p:nvSpPr>
+        <p:spPr/>
+        <p:txBody>
+          <a:bodyPr/>
+          <a:p>
+            <a:r>
+              <a:rPr lang="en-US" altLang="zh-CN"/>
+              <a:t>如何通过MAP来推导得出卡尔曼滤波？</a:t>
+            </a:r>
+            <a:endParaRPr lang="en-US" altLang="zh-CN"/>
+          </a:p>
+        </p:txBody>
+      </p:sp>
+      <p:sp>
+        <p:nvSpPr>
+          <p:cNvPr id="3" name="内容占位符 2"/>
+          <p:cNvSpPr>
+            <a:spLocks noGrp="1"/>
+          </p:cNvSpPr>
+          <p:nvPr>
+            <p:ph idx="1"/>
+          </p:nvPr>
+        </p:nvSpPr>
+        <p:spPr/>
+        <p:txBody>
+          <a:bodyPr/>
+          <a:p>
+            <a:r>
+              <a:rPr lang="en-US" altLang="zh-CN"/>
+              <a:t>关键：问题如何定义？</a:t>
+            </a:r>
+            <a:endParaRPr lang="en-US" altLang="zh-CN"/>
+          </a:p>
+        </p:txBody>
+      </p:sp>
+    </p:spTree>
+  </p:cSld>
+  <p:clrMapOvr>
+    <a:masterClrMapping/>
+  </p:clrMapOvr>
+</p:sld>
+</file>
+
+<file path=ppt/slides/slide35.xml><?xml version="1.0" encoding="utf-8"?>
+<p:sld xmlns:a="http://schemas.openxmlformats.org/drawingml/2006/main" xmlns:r="http://schemas.openxmlformats.org/officeDocument/2006/relationships" xmlns:p="http://schemas.openxmlformats.org/presentationml/2006/main">
+  <p:cSld>
+    <p:spTree>
+      <p:nvGrpSpPr>
+        <p:cNvPr id="1" name=""/>
+        <p:cNvGrpSpPr/>
+        <p:nvPr/>
+      </p:nvGrpSpPr>
+      <p:grpSpPr/>
+      <p:sp>
+        <p:nvSpPr>
+          <p:cNvPr id="2" name="标题 1"/>
+          <p:cNvSpPr>
+            <a:spLocks noGrp="1"/>
+          </p:cNvSpPr>
+          <p:nvPr>
+            <p:ph type="title"/>
+          </p:nvPr>
+        </p:nvSpPr>
+        <p:spPr/>
+        <p:txBody>
+          <a:bodyPr/>
+          <a:p>
+            <a:r>
+              <a:rPr lang="en-US" altLang="zh-CN"/>
+              <a:t>如何通过贝叶斯推断得到卡尔曼滤波？</a:t>
+            </a:r>
+            <a:endParaRPr lang="en-US" altLang="zh-CN"/>
+          </a:p>
+        </p:txBody>
+      </p:sp>
+      <p:sp>
+        <p:nvSpPr>
+          <p:cNvPr id="3" name="内容占位符 2"/>
+          <p:cNvSpPr>
+            <a:spLocks noGrp="1"/>
+          </p:cNvSpPr>
+          <p:nvPr>
+            <p:ph idx="1"/>
+          </p:nvPr>
+        </p:nvSpPr>
+        <p:spPr/>
+        <p:txBody>
+          <a:bodyPr/>
+          <a:p>
+            <a:r>
+              <a:rPr lang="en-US" altLang="zh-CN"/>
+              <a:t>关键：问题如何定义</a:t>
+            </a:r>
+            <a:endParaRPr lang="en-US" altLang="zh-CN"/>
+          </a:p>
+        </p:txBody>
+      </p:sp>
+    </p:spTree>
+  </p:cSld>
+  <p:clrMapOvr>
+    <a:masterClrMapping/>
+  </p:clrMapOvr>
+</p:sld>
+</file>
+
+<file path=ppt/slides/slide36.xml><?xml version="1.0" encoding="utf-8"?>
+<p:sld xmlns:a="http://schemas.openxmlformats.org/drawingml/2006/main" xmlns:r="http://schemas.openxmlformats.org/officeDocument/2006/relationships" xmlns:p="http://schemas.openxmlformats.org/presentationml/2006/main">
+  <p:cSld>
+    <p:spTree>
+      <p:nvGrpSpPr>
+        <p:cNvPr id="1" name=""/>
+        <p:cNvGrpSpPr/>
+        <p:nvPr/>
+      </p:nvGrpSpPr>
+      <p:grpSpPr/>
+      <p:sp>
+        <p:nvSpPr>
+          <p:cNvPr id="2" name="标题 1"/>
+          <p:cNvSpPr>
+            <a:spLocks noGrp="1"/>
+          </p:cNvSpPr>
+          <p:nvPr>
+            <p:ph type="title"/>
+          </p:nvPr>
+        </p:nvSpPr>
+        <p:spPr/>
+        <p:txBody>
+          <a:bodyPr/>
+          <a:p>
+            <a:r>
+              <a:rPr lang="" altLang="zh-CN"/>
+              <a:t>第三章 非线性系统</a:t>
+            </a:r>
+            <a:endParaRPr lang="" altLang="zh-CN"/>
+          </a:p>
+        </p:txBody>
+      </p:sp>
+      <p:sp>
+        <p:nvSpPr>
+          <p:cNvPr id="3" name="内容占位符 2"/>
+          <p:cNvSpPr>
+            <a:spLocks noGrp="1"/>
+          </p:cNvSpPr>
+          <p:nvPr>
+            <p:ph idx="1"/>
+          </p:nvPr>
+        </p:nvSpPr>
+        <p:spPr/>
+        <p:txBody>
+          <a:bodyPr/>
+          <a:p>
+            <a:endParaRPr lang="zh-CN" altLang="en-US"/>
           </a:p>
         </p:txBody>
       </p:sp>

--- a/问题检索清单.pptx
+++ b/问题检索清单.pptx
@@ -5,42 +5,54 @@
     <p:sldMasterId id="2147483648" r:id="rId1"/>
   </p:sldMasterIdLst>
   <p:sldIdLst>
-    <p:sldId id="256" r:id="rId3"/>
-    <p:sldId id="292" r:id="rId4"/>
-    <p:sldId id="258" r:id="rId5"/>
-    <p:sldId id="260" r:id="rId6"/>
-    <p:sldId id="262" r:id="rId7"/>
-    <p:sldId id="267" r:id="rId8"/>
-    <p:sldId id="266" r:id="rId9"/>
-    <p:sldId id="269" r:id="rId10"/>
-    <p:sldId id="273" r:id="rId11"/>
-    <p:sldId id="275" r:id="rId12"/>
-    <p:sldId id="277" r:id="rId13"/>
-    <p:sldId id="279" r:id="rId14"/>
-    <p:sldId id="281" r:id="rId15"/>
-    <p:sldId id="283" r:id="rId16"/>
-    <p:sldId id="285" r:id="rId17"/>
-    <p:sldId id="287" r:id="rId18"/>
-    <p:sldId id="289" r:id="rId19"/>
-    <p:sldId id="290" r:id="rId20"/>
-    <p:sldId id="291" r:id="rId21"/>
-    <p:sldId id="293" r:id="rId22"/>
-    <p:sldId id="294" r:id="rId23"/>
-    <p:sldId id="295" r:id="rId24"/>
-    <p:sldId id="313" r:id="rId25"/>
-    <p:sldId id="314" r:id="rId26"/>
-    <p:sldId id="315" r:id="rId27"/>
-    <p:sldId id="316" r:id="rId28"/>
-    <p:sldId id="317" r:id="rId29"/>
-    <p:sldId id="318" r:id="rId30"/>
-    <p:sldId id="319" r:id="rId31"/>
-    <p:sldId id="320" r:id="rId32"/>
-    <p:sldId id="321" r:id="rId33"/>
-    <p:sldId id="322" r:id="rId34"/>
-    <p:sldId id="323" r:id="rId35"/>
-    <p:sldId id="324" r:id="rId36"/>
-    <p:sldId id="325" r:id="rId37"/>
-    <p:sldId id="326" r:id="rId38"/>
+    <p:sldId id="256" r:id="rId2"/>
+    <p:sldId id="292" r:id="rId3"/>
+    <p:sldId id="258" r:id="rId4"/>
+    <p:sldId id="260" r:id="rId5"/>
+    <p:sldId id="262" r:id="rId6"/>
+    <p:sldId id="267" r:id="rId7"/>
+    <p:sldId id="266" r:id="rId8"/>
+    <p:sldId id="269" r:id="rId9"/>
+    <p:sldId id="273" r:id="rId10"/>
+    <p:sldId id="275" r:id="rId11"/>
+    <p:sldId id="277" r:id="rId12"/>
+    <p:sldId id="279" r:id="rId13"/>
+    <p:sldId id="281" r:id="rId14"/>
+    <p:sldId id="283" r:id="rId15"/>
+    <p:sldId id="285" r:id="rId16"/>
+    <p:sldId id="287" r:id="rId17"/>
+    <p:sldId id="289" r:id="rId18"/>
+    <p:sldId id="290" r:id="rId19"/>
+    <p:sldId id="291" r:id="rId20"/>
+    <p:sldId id="293" r:id="rId21"/>
+    <p:sldId id="294" r:id="rId22"/>
+    <p:sldId id="295" r:id="rId23"/>
+    <p:sldId id="313" r:id="rId24"/>
+    <p:sldId id="314" r:id="rId25"/>
+    <p:sldId id="315" r:id="rId26"/>
+    <p:sldId id="316" r:id="rId27"/>
+    <p:sldId id="317" r:id="rId28"/>
+    <p:sldId id="318" r:id="rId29"/>
+    <p:sldId id="319" r:id="rId30"/>
+    <p:sldId id="320" r:id="rId31"/>
+    <p:sldId id="321" r:id="rId32"/>
+    <p:sldId id="322" r:id="rId33"/>
+    <p:sldId id="323" r:id="rId34"/>
+    <p:sldId id="324" r:id="rId35"/>
+    <p:sldId id="325" r:id="rId36"/>
+    <p:sldId id="326" r:id="rId37"/>
+    <p:sldId id="327" r:id="rId38"/>
+    <p:sldId id="328" r:id="rId39"/>
+    <p:sldId id="329" r:id="rId40"/>
+    <p:sldId id="330" r:id="rId41"/>
+    <p:sldId id="331" r:id="rId42"/>
+    <p:sldId id="332" r:id="rId43"/>
+    <p:sldId id="333" r:id="rId44"/>
+    <p:sldId id="334" r:id="rId45"/>
+    <p:sldId id="335" r:id="rId46"/>
+    <p:sldId id="336" r:id="rId47"/>
+    <p:sldId id="337" r:id="rId48"/>
+    <p:sldId id="338" r:id="rId49"/>
   </p:sldIdLst>
   <p:sldSz cx="12192000" cy="6858000"/>
   <p:notesSz cx="6858000" cy="9144000"/>
@@ -139,6 +151,11 @@
       </a:defRPr>
     </a:lvl9pPr>
   </p:defaultTextStyle>
+  <p:extLst>
+    <p:ext uri="{EFAFB233-063F-42B5-8137-9DF3F51BA10A}">
+      <p15:sldGuideLst xmlns:p15="http://schemas.microsoft.com/office/powerpoint/2012/main"/>
+    </p:ext>
+  </p:extLst>
 </p:presentation>
 </file>
 
@@ -184,10 +201,9 @@
           </a:lstStyle>
           <a:p>
             <a:r>
-              <a:rPr lang="zh-CN" altLang="en-US" smtClean="0"/>
+              <a:rPr lang="zh-CN" altLang="en-US"/>
               <a:t>单击此处编辑母版标题样式</a:t>
             </a:r>
-            <a:endParaRPr lang="zh-CN" altLang="en-US"/>
           </a:p>
         </p:txBody>
       </p:sp>
@@ -249,10 +265,9 @@
           </a:lstStyle>
           <a:p>
             <a:r>
-              <a:rPr lang="zh-CN" altLang="en-US" smtClean="0"/>
+              <a:rPr lang="zh-CN" altLang="en-US"/>
               <a:t>单击此处编辑母版副标题样式</a:t>
             </a:r>
-            <a:endParaRPr lang="zh-CN" altLang="en-US"/>
           </a:p>
         </p:txBody>
       </p:sp>
@@ -273,6 +288,7 @@
           <a:p>
             <a:fld id="{D997B5FA-0921-464F-AAE1-844C04324D75}" type="datetimeFigureOut">
               <a:rPr lang="zh-CN" altLang="en-US" smtClean="0"/>
+              <a:t>2021/3/11</a:t>
             </a:fld>
             <a:endParaRPr lang="zh-CN" altLang="en-US"/>
           </a:p>
@@ -314,6 +330,7 @@
           <a:p>
             <a:fld id="{565CE74E-AB26-4998-AD42-012C4C1AD076}" type="slidenum">
               <a:rPr lang="zh-CN" altLang="en-US" smtClean="0"/>
+              <a:t>‹#›</a:t>
             </a:fld>
             <a:endParaRPr lang="zh-CN" altLang="en-US"/>
           </a:p>
@@ -360,10 +377,9 @@
           <a:lstStyle/>
           <a:p>
             <a:r>
-              <a:rPr lang="zh-CN" altLang="en-US" smtClean="0"/>
+              <a:rPr lang="zh-CN" altLang="en-US"/>
               <a:t>单击此处编辑母版标题样式</a:t>
             </a:r>
-            <a:endParaRPr lang="zh-CN" altLang="en-US"/>
           </a:p>
         </p:txBody>
       </p:sp>
@@ -384,42 +400,37 @@
           <a:p>
             <a:pPr lvl="0"/>
             <a:r>
-              <a:rPr lang="zh-CN" altLang="en-US" smtClean="0"/>
+              <a:rPr lang="zh-CN" altLang="en-US"/>
               <a:t>单击此处编辑母版文本样式</a:t>
             </a:r>
-            <a:endParaRPr lang="zh-CN" altLang="en-US" smtClean="0"/>
           </a:p>
           <a:p>
             <a:pPr lvl="1"/>
             <a:r>
-              <a:rPr lang="zh-CN" altLang="en-US" smtClean="0"/>
+              <a:rPr lang="zh-CN" altLang="en-US"/>
               <a:t>第二级</a:t>
             </a:r>
-            <a:endParaRPr lang="zh-CN" altLang="en-US" smtClean="0"/>
           </a:p>
           <a:p>
             <a:pPr lvl="2"/>
             <a:r>
-              <a:rPr lang="zh-CN" altLang="en-US" smtClean="0"/>
+              <a:rPr lang="zh-CN" altLang="en-US"/>
               <a:t>第三级</a:t>
             </a:r>
-            <a:endParaRPr lang="zh-CN" altLang="en-US" smtClean="0"/>
           </a:p>
           <a:p>
             <a:pPr lvl="3"/>
             <a:r>
-              <a:rPr lang="zh-CN" altLang="en-US" smtClean="0"/>
+              <a:rPr lang="zh-CN" altLang="en-US"/>
               <a:t>第四级</a:t>
             </a:r>
-            <a:endParaRPr lang="zh-CN" altLang="en-US" smtClean="0"/>
           </a:p>
           <a:p>
             <a:pPr lvl="4"/>
             <a:r>
-              <a:rPr lang="zh-CN" altLang="en-US" smtClean="0"/>
+              <a:rPr lang="zh-CN" altLang="en-US"/>
               <a:t>第五级</a:t>
             </a:r>
-            <a:endParaRPr lang="zh-CN" altLang="en-US"/>
           </a:p>
         </p:txBody>
       </p:sp>
@@ -440,6 +451,7 @@
           <a:p>
             <a:fld id="{D997B5FA-0921-464F-AAE1-844C04324D75}" type="datetimeFigureOut">
               <a:rPr lang="zh-CN" altLang="en-US" smtClean="0"/>
+              <a:t>2021/3/11</a:t>
             </a:fld>
             <a:endParaRPr lang="zh-CN" altLang="en-US"/>
           </a:p>
@@ -481,6 +493,7 @@
           <a:p>
             <a:fld id="{565CE74E-AB26-4998-AD42-012C4C1AD076}" type="slidenum">
               <a:rPr lang="zh-CN" altLang="en-US" smtClean="0"/>
+              <a:t>‹#›</a:t>
             </a:fld>
             <a:endParaRPr lang="zh-CN" altLang="en-US"/>
           </a:p>
@@ -532,10 +545,9 @@
           <a:lstStyle/>
           <a:p>
             <a:r>
-              <a:rPr lang="zh-CN" altLang="en-US" smtClean="0"/>
+              <a:rPr lang="zh-CN" altLang="en-US"/>
               <a:t>单击此处编辑母版标题样式</a:t>
             </a:r>
-            <a:endParaRPr lang="zh-CN" altLang="en-US"/>
           </a:p>
         </p:txBody>
       </p:sp>
@@ -561,42 +573,37 @@
           <a:p>
             <a:pPr lvl="0"/>
             <a:r>
-              <a:rPr lang="zh-CN" altLang="en-US" smtClean="0"/>
+              <a:rPr lang="zh-CN" altLang="en-US"/>
               <a:t>单击此处编辑母版文本样式</a:t>
             </a:r>
-            <a:endParaRPr lang="zh-CN" altLang="en-US" smtClean="0"/>
           </a:p>
           <a:p>
             <a:pPr lvl="1"/>
             <a:r>
-              <a:rPr lang="zh-CN" altLang="en-US" smtClean="0"/>
+              <a:rPr lang="zh-CN" altLang="en-US"/>
               <a:t>第二级</a:t>
             </a:r>
-            <a:endParaRPr lang="zh-CN" altLang="en-US" smtClean="0"/>
           </a:p>
           <a:p>
             <a:pPr lvl="2"/>
             <a:r>
-              <a:rPr lang="zh-CN" altLang="en-US" smtClean="0"/>
+              <a:rPr lang="zh-CN" altLang="en-US"/>
               <a:t>第三级</a:t>
             </a:r>
-            <a:endParaRPr lang="zh-CN" altLang="en-US" smtClean="0"/>
           </a:p>
           <a:p>
             <a:pPr lvl="3"/>
             <a:r>
-              <a:rPr lang="zh-CN" altLang="en-US" smtClean="0"/>
+              <a:rPr lang="zh-CN" altLang="en-US"/>
               <a:t>第四级</a:t>
             </a:r>
-            <a:endParaRPr lang="zh-CN" altLang="en-US" smtClean="0"/>
           </a:p>
           <a:p>
             <a:pPr lvl="4"/>
             <a:r>
-              <a:rPr lang="zh-CN" altLang="en-US" smtClean="0"/>
+              <a:rPr lang="zh-CN" altLang="en-US"/>
               <a:t>第五级</a:t>
             </a:r>
-            <a:endParaRPr lang="zh-CN" altLang="en-US"/>
           </a:p>
         </p:txBody>
       </p:sp>
@@ -617,6 +624,7 @@
           <a:p>
             <a:fld id="{D997B5FA-0921-464F-AAE1-844C04324D75}" type="datetimeFigureOut">
               <a:rPr lang="zh-CN" altLang="en-US" smtClean="0"/>
+              <a:t>2021/3/11</a:t>
             </a:fld>
             <a:endParaRPr lang="zh-CN" altLang="en-US"/>
           </a:p>
@@ -658,6 +666,7 @@
           <a:p>
             <a:fld id="{565CE74E-AB26-4998-AD42-012C4C1AD076}" type="slidenum">
               <a:rPr lang="zh-CN" altLang="en-US" smtClean="0"/>
+              <a:t>‹#›</a:t>
             </a:fld>
             <a:endParaRPr lang="zh-CN" altLang="en-US"/>
           </a:p>
@@ -704,10 +713,9 @@
           <a:lstStyle/>
           <a:p>
             <a:r>
-              <a:rPr lang="zh-CN" altLang="en-US" smtClean="0"/>
+              <a:rPr lang="zh-CN" altLang="en-US"/>
               <a:t>单击此处编辑母版标题样式</a:t>
             </a:r>
-            <a:endParaRPr lang="zh-CN" altLang="en-US"/>
           </a:p>
         </p:txBody>
       </p:sp>
@@ -728,42 +736,37 @@
           <a:p>
             <a:pPr lvl="0"/>
             <a:r>
-              <a:rPr lang="zh-CN" altLang="en-US" smtClean="0"/>
+              <a:rPr lang="zh-CN" altLang="en-US"/>
               <a:t>单击此处编辑母版文本样式</a:t>
             </a:r>
-            <a:endParaRPr lang="zh-CN" altLang="en-US" smtClean="0"/>
           </a:p>
           <a:p>
             <a:pPr lvl="1"/>
             <a:r>
-              <a:rPr lang="zh-CN" altLang="en-US" smtClean="0"/>
+              <a:rPr lang="zh-CN" altLang="en-US"/>
               <a:t>第二级</a:t>
             </a:r>
-            <a:endParaRPr lang="zh-CN" altLang="en-US" smtClean="0"/>
           </a:p>
           <a:p>
             <a:pPr lvl="2"/>
             <a:r>
-              <a:rPr lang="zh-CN" altLang="en-US" smtClean="0"/>
+              <a:rPr lang="zh-CN" altLang="en-US"/>
               <a:t>第三级</a:t>
             </a:r>
-            <a:endParaRPr lang="zh-CN" altLang="en-US" smtClean="0"/>
           </a:p>
           <a:p>
             <a:pPr lvl="3"/>
             <a:r>
-              <a:rPr lang="zh-CN" altLang="en-US" smtClean="0"/>
+              <a:rPr lang="zh-CN" altLang="en-US"/>
               <a:t>第四级</a:t>
             </a:r>
-            <a:endParaRPr lang="zh-CN" altLang="en-US" smtClean="0"/>
           </a:p>
           <a:p>
             <a:pPr lvl="4"/>
             <a:r>
-              <a:rPr lang="zh-CN" altLang="en-US" smtClean="0"/>
+              <a:rPr lang="zh-CN" altLang="en-US"/>
               <a:t>第五级</a:t>
             </a:r>
-            <a:endParaRPr lang="zh-CN" altLang="en-US"/>
           </a:p>
         </p:txBody>
       </p:sp>
@@ -784,6 +787,7 @@
           <a:p>
             <a:fld id="{D997B5FA-0921-464F-AAE1-844C04324D75}" type="datetimeFigureOut">
               <a:rPr lang="zh-CN" altLang="en-US" smtClean="0"/>
+              <a:t>2021/3/11</a:t>
             </a:fld>
             <a:endParaRPr lang="zh-CN" altLang="en-US"/>
           </a:p>
@@ -825,6 +829,7 @@
           <a:p>
             <a:fld id="{565CE74E-AB26-4998-AD42-012C4C1AD076}" type="slidenum">
               <a:rPr lang="zh-CN" altLang="en-US" smtClean="0"/>
+              <a:t>‹#›</a:t>
             </a:fld>
             <a:endParaRPr lang="zh-CN" altLang="en-US"/>
           </a:p>
@@ -880,10 +885,9 @@
           </a:lstStyle>
           <a:p>
             <a:r>
-              <a:rPr lang="zh-CN" altLang="en-US" smtClean="0"/>
+              <a:rPr lang="zh-CN" altLang="en-US"/>
               <a:t>单击此处编辑母版标题样式</a:t>
             </a:r>
-            <a:endParaRPr lang="zh-CN" altLang="en-US"/>
           </a:p>
         </p:txBody>
       </p:sp>
@@ -1000,10 +1004,9 @@
           <a:p>
             <a:pPr lvl="0"/>
             <a:r>
-              <a:rPr lang="zh-CN" altLang="en-US" smtClean="0"/>
+              <a:rPr lang="zh-CN" altLang="en-US"/>
               <a:t>单击此处编辑母版文本样式</a:t>
             </a:r>
-            <a:endParaRPr lang="zh-CN" altLang="en-US" smtClean="0"/>
           </a:p>
         </p:txBody>
       </p:sp>
@@ -1024,6 +1027,7 @@
           <a:p>
             <a:fld id="{D997B5FA-0921-464F-AAE1-844C04324D75}" type="datetimeFigureOut">
               <a:rPr lang="zh-CN" altLang="en-US" smtClean="0"/>
+              <a:t>2021/3/11</a:t>
             </a:fld>
             <a:endParaRPr lang="zh-CN" altLang="en-US"/>
           </a:p>
@@ -1065,6 +1069,7 @@
           <a:p>
             <a:fld id="{565CE74E-AB26-4998-AD42-012C4C1AD076}" type="slidenum">
               <a:rPr lang="zh-CN" altLang="en-US" smtClean="0"/>
+              <a:t>‹#›</a:t>
             </a:fld>
             <a:endParaRPr lang="zh-CN" altLang="en-US"/>
           </a:p>
@@ -1111,10 +1116,9 @@
           <a:lstStyle/>
           <a:p>
             <a:r>
-              <a:rPr lang="zh-CN" altLang="en-US" smtClean="0"/>
+              <a:rPr lang="zh-CN" altLang="en-US"/>
               <a:t>单击此处编辑母版标题样式</a:t>
             </a:r>
-            <a:endParaRPr lang="zh-CN" altLang="en-US"/>
           </a:p>
         </p:txBody>
       </p:sp>
@@ -1140,42 +1144,37 @@
           <a:p>
             <a:pPr lvl="0"/>
             <a:r>
-              <a:rPr lang="zh-CN" altLang="en-US" smtClean="0"/>
+              <a:rPr lang="zh-CN" altLang="en-US"/>
               <a:t>单击此处编辑母版文本样式</a:t>
             </a:r>
-            <a:endParaRPr lang="zh-CN" altLang="en-US" smtClean="0"/>
           </a:p>
           <a:p>
             <a:pPr lvl="1"/>
             <a:r>
-              <a:rPr lang="zh-CN" altLang="en-US" smtClean="0"/>
+              <a:rPr lang="zh-CN" altLang="en-US"/>
               <a:t>第二级</a:t>
             </a:r>
-            <a:endParaRPr lang="zh-CN" altLang="en-US" smtClean="0"/>
           </a:p>
           <a:p>
             <a:pPr lvl="2"/>
             <a:r>
-              <a:rPr lang="zh-CN" altLang="en-US" smtClean="0"/>
+              <a:rPr lang="zh-CN" altLang="en-US"/>
               <a:t>第三级</a:t>
             </a:r>
-            <a:endParaRPr lang="zh-CN" altLang="en-US" smtClean="0"/>
           </a:p>
           <a:p>
             <a:pPr lvl="3"/>
             <a:r>
-              <a:rPr lang="zh-CN" altLang="en-US" smtClean="0"/>
+              <a:rPr lang="zh-CN" altLang="en-US"/>
               <a:t>第四级</a:t>
             </a:r>
-            <a:endParaRPr lang="zh-CN" altLang="en-US" smtClean="0"/>
           </a:p>
           <a:p>
             <a:pPr lvl="4"/>
             <a:r>
-              <a:rPr lang="zh-CN" altLang="en-US" smtClean="0"/>
+              <a:rPr lang="zh-CN" altLang="en-US"/>
               <a:t>第五级</a:t>
             </a:r>
-            <a:endParaRPr lang="zh-CN" altLang="en-US"/>
           </a:p>
         </p:txBody>
       </p:sp>
@@ -1201,42 +1200,37 @@
           <a:p>
             <a:pPr lvl="0"/>
             <a:r>
-              <a:rPr lang="zh-CN" altLang="en-US" smtClean="0"/>
+              <a:rPr lang="zh-CN" altLang="en-US"/>
               <a:t>单击此处编辑母版文本样式</a:t>
             </a:r>
-            <a:endParaRPr lang="zh-CN" altLang="en-US" smtClean="0"/>
           </a:p>
           <a:p>
             <a:pPr lvl="1"/>
             <a:r>
-              <a:rPr lang="zh-CN" altLang="en-US" smtClean="0"/>
+              <a:rPr lang="zh-CN" altLang="en-US"/>
               <a:t>第二级</a:t>
             </a:r>
-            <a:endParaRPr lang="zh-CN" altLang="en-US" smtClean="0"/>
           </a:p>
           <a:p>
             <a:pPr lvl="2"/>
             <a:r>
-              <a:rPr lang="zh-CN" altLang="en-US" smtClean="0"/>
+              <a:rPr lang="zh-CN" altLang="en-US"/>
               <a:t>第三级</a:t>
             </a:r>
-            <a:endParaRPr lang="zh-CN" altLang="en-US" smtClean="0"/>
           </a:p>
           <a:p>
             <a:pPr lvl="3"/>
             <a:r>
-              <a:rPr lang="zh-CN" altLang="en-US" smtClean="0"/>
+              <a:rPr lang="zh-CN" altLang="en-US"/>
               <a:t>第四级</a:t>
             </a:r>
-            <a:endParaRPr lang="zh-CN" altLang="en-US" smtClean="0"/>
           </a:p>
           <a:p>
             <a:pPr lvl="4"/>
             <a:r>
-              <a:rPr lang="zh-CN" altLang="en-US" smtClean="0"/>
+              <a:rPr lang="zh-CN" altLang="en-US"/>
               <a:t>第五级</a:t>
             </a:r>
-            <a:endParaRPr lang="zh-CN" altLang="en-US"/>
           </a:p>
         </p:txBody>
       </p:sp>
@@ -1257,6 +1251,7 @@
           <a:p>
             <a:fld id="{D997B5FA-0921-464F-AAE1-844C04324D75}" type="datetimeFigureOut">
               <a:rPr lang="zh-CN" altLang="en-US" smtClean="0"/>
+              <a:t>2021/3/11</a:t>
             </a:fld>
             <a:endParaRPr lang="zh-CN" altLang="en-US"/>
           </a:p>
@@ -1298,6 +1293,7 @@
           <a:p>
             <a:fld id="{565CE74E-AB26-4998-AD42-012C4C1AD076}" type="slidenum">
               <a:rPr lang="zh-CN" altLang="en-US" smtClean="0"/>
+              <a:t>‹#›</a:t>
             </a:fld>
             <a:endParaRPr lang="zh-CN" altLang="en-US"/>
           </a:p>
@@ -1349,10 +1345,9 @@
           <a:lstStyle/>
           <a:p>
             <a:r>
-              <a:rPr lang="zh-CN" altLang="en-US" smtClean="0"/>
+              <a:rPr lang="zh-CN" altLang="en-US"/>
               <a:t>单击此处编辑母版标题样式</a:t>
             </a:r>
-            <a:endParaRPr lang="zh-CN" altLang="en-US"/>
           </a:p>
         </p:txBody>
       </p:sp>
@@ -1415,10 +1410,9 @@
           <a:p>
             <a:pPr lvl="0"/>
             <a:r>
-              <a:rPr lang="zh-CN" altLang="en-US" smtClean="0"/>
+              <a:rPr lang="zh-CN" altLang="en-US"/>
               <a:t>单击此处编辑母版文本样式</a:t>
             </a:r>
-            <a:endParaRPr lang="zh-CN" altLang="en-US" smtClean="0"/>
           </a:p>
         </p:txBody>
       </p:sp>
@@ -1444,42 +1438,37 @@
           <a:p>
             <a:pPr lvl="0"/>
             <a:r>
-              <a:rPr lang="zh-CN" altLang="en-US" smtClean="0"/>
+              <a:rPr lang="zh-CN" altLang="en-US"/>
               <a:t>单击此处编辑母版文本样式</a:t>
             </a:r>
-            <a:endParaRPr lang="zh-CN" altLang="en-US" smtClean="0"/>
           </a:p>
           <a:p>
             <a:pPr lvl="1"/>
             <a:r>
-              <a:rPr lang="zh-CN" altLang="en-US" smtClean="0"/>
+              <a:rPr lang="zh-CN" altLang="en-US"/>
               <a:t>第二级</a:t>
             </a:r>
-            <a:endParaRPr lang="zh-CN" altLang="en-US" smtClean="0"/>
           </a:p>
           <a:p>
             <a:pPr lvl="2"/>
             <a:r>
-              <a:rPr lang="zh-CN" altLang="en-US" smtClean="0"/>
+              <a:rPr lang="zh-CN" altLang="en-US"/>
               <a:t>第三级</a:t>
             </a:r>
-            <a:endParaRPr lang="zh-CN" altLang="en-US" smtClean="0"/>
           </a:p>
           <a:p>
             <a:pPr lvl="3"/>
             <a:r>
-              <a:rPr lang="zh-CN" altLang="en-US" smtClean="0"/>
+              <a:rPr lang="zh-CN" altLang="en-US"/>
               <a:t>第四级</a:t>
             </a:r>
-            <a:endParaRPr lang="zh-CN" altLang="en-US" smtClean="0"/>
           </a:p>
           <a:p>
             <a:pPr lvl="4"/>
             <a:r>
-              <a:rPr lang="zh-CN" altLang="en-US" smtClean="0"/>
+              <a:rPr lang="zh-CN" altLang="en-US"/>
               <a:t>第五级</a:t>
             </a:r>
-            <a:endParaRPr lang="zh-CN" altLang="en-US"/>
           </a:p>
         </p:txBody>
       </p:sp>
@@ -1542,10 +1531,9 @@
           <a:p>
             <a:pPr lvl="0"/>
             <a:r>
-              <a:rPr lang="zh-CN" altLang="en-US" smtClean="0"/>
+              <a:rPr lang="zh-CN" altLang="en-US"/>
               <a:t>单击此处编辑母版文本样式</a:t>
             </a:r>
-            <a:endParaRPr lang="zh-CN" altLang="en-US" smtClean="0"/>
           </a:p>
         </p:txBody>
       </p:sp>
@@ -1571,42 +1559,37 @@
           <a:p>
             <a:pPr lvl="0"/>
             <a:r>
-              <a:rPr lang="zh-CN" altLang="en-US" smtClean="0"/>
+              <a:rPr lang="zh-CN" altLang="en-US"/>
               <a:t>单击此处编辑母版文本样式</a:t>
             </a:r>
-            <a:endParaRPr lang="zh-CN" altLang="en-US" smtClean="0"/>
           </a:p>
           <a:p>
             <a:pPr lvl="1"/>
             <a:r>
-              <a:rPr lang="zh-CN" altLang="en-US" smtClean="0"/>
+              <a:rPr lang="zh-CN" altLang="en-US"/>
               <a:t>第二级</a:t>
             </a:r>
-            <a:endParaRPr lang="zh-CN" altLang="en-US" smtClean="0"/>
           </a:p>
           <a:p>
             <a:pPr lvl="2"/>
             <a:r>
-              <a:rPr lang="zh-CN" altLang="en-US" smtClean="0"/>
+              <a:rPr lang="zh-CN" altLang="en-US"/>
               <a:t>第三级</a:t>
             </a:r>
-            <a:endParaRPr lang="zh-CN" altLang="en-US" smtClean="0"/>
           </a:p>
           <a:p>
             <a:pPr lvl="3"/>
             <a:r>
-              <a:rPr lang="zh-CN" altLang="en-US" smtClean="0"/>
+              <a:rPr lang="zh-CN" altLang="en-US"/>
               <a:t>第四级</a:t>
             </a:r>
-            <a:endParaRPr lang="zh-CN" altLang="en-US" smtClean="0"/>
           </a:p>
           <a:p>
             <a:pPr lvl="4"/>
             <a:r>
-              <a:rPr lang="zh-CN" altLang="en-US" smtClean="0"/>
+              <a:rPr lang="zh-CN" altLang="en-US"/>
               <a:t>第五级</a:t>
             </a:r>
-            <a:endParaRPr lang="zh-CN" altLang="en-US"/>
           </a:p>
         </p:txBody>
       </p:sp>
@@ -1627,6 +1610,7 @@
           <a:p>
             <a:fld id="{D997B5FA-0921-464F-AAE1-844C04324D75}" type="datetimeFigureOut">
               <a:rPr lang="zh-CN" altLang="en-US" smtClean="0"/>
+              <a:t>2021/3/11</a:t>
             </a:fld>
             <a:endParaRPr lang="zh-CN" altLang="en-US"/>
           </a:p>
@@ -1668,6 +1652,7 @@
           <a:p>
             <a:fld id="{565CE74E-AB26-4998-AD42-012C4C1AD076}" type="slidenum">
               <a:rPr lang="zh-CN" altLang="en-US" smtClean="0"/>
+              <a:t>‹#›</a:t>
             </a:fld>
             <a:endParaRPr lang="zh-CN" altLang="en-US"/>
           </a:p>
@@ -1714,10 +1699,9 @@
           <a:lstStyle/>
           <a:p>
             <a:r>
-              <a:rPr lang="zh-CN" altLang="en-US" smtClean="0"/>
+              <a:rPr lang="zh-CN" altLang="en-US"/>
               <a:t>单击此处编辑母版标题样式</a:t>
             </a:r>
-            <a:endParaRPr lang="zh-CN" altLang="en-US"/>
           </a:p>
         </p:txBody>
       </p:sp>
@@ -1738,6 +1722,7 @@
           <a:p>
             <a:fld id="{D997B5FA-0921-464F-AAE1-844C04324D75}" type="datetimeFigureOut">
               <a:rPr lang="zh-CN" altLang="en-US" smtClean="0"/>
+              <a:t>2021/3/11</a:t>
             </a:fld>
             <a:endParaRPr lang="zh-CN" altLang="en-US"/>
           </a:p>
@@ -1779,6 +1764,7 @@
           <a:p>
             <a:fld id="{565CE74E-AB26-4998-AD42-012C4C1AD076}" type="slidenum">
               <a:rPr lang="zh-CN" altLang="en-US" smtClean="0"/>
+              <a:t>‹#›</a:t>
             </a:fld>
             <a:endParaRPr lang="zh-CN" altLang="en-US"/>
           </a:p>
@@ -1826,6 +1812,7 @@
           <a:p>
             <a:fld id="{D997B5FA-0921-464F-AAE1-844C04324D75}" type="datetimeFigureOut">
               <a:rPr lang="zh-CN" altLang="en-US" smtClean="0"/>
+              <a:t>2021/3/11</a:t>
             </a:fld>
             <a:endParaRPr lang="zh-CN" altLang="en-US"/>
           </a:p>
@@ -1867,6 +1854,7 @@
           <a:p>
             <a:fld id="{565CE74E-AB26-4998-AD42-012C4C1AD076}" type="slidenum">
               <a:rPr lang="zh-CN" altLang="en-US" smtClean="0"/>
+              <a:t>‹#›</a:t>
             </a:fld>
             <a:endParaRPr lang="zh-CN" altLang="en-US"/>
           </a:p>
@@ -1922,10 +1910,9 @@
           </a:lstStyle>
           <a:p>
             <a:r>
-              <a:rPr lang="zh-CN" altLang="en-US" smtClean="0"/>
+              <a:rPr lang="zh-CN" altLang="en-US"/>
               <a:t>单击此处编辑母版标题样式</a:t>
             </a:r>
-            <a:endParaRPr lang="zh-CN" altLang="en-US"/>
           </a:p>
         </p:txBody>
       </p:sp>
@@ -1979,42 +1966,37 @@
           <a:p>
             <a:pPr lvl="0"/>
             <a:r>
-              <a:rPr lang="zh-CN" altLang="en-US" smtClean="0"/>
+              <a:rPr lang="zh-CN" altLang="en-US"/>
               <a:t>单击此处编辑母版文本样式</a:t>
             </a:r>
-            <a:endParaRPr lang="zh-CN" altLang="en-US" smtClean="0"/>
           </a:p>
           <a:p>
             <a:pPr lvl="1"/>
             <a:r>
-              <a:rPr lang="zh-CN" altLang="en-US" smtClean="0"/>
+              <a:rPr lang="zh-CN" altLang="en-US"/>
               <a:t>第二级</a:t>
             </a:r>
-            <a:endParaRPr lang="zh-CN" altLang="en-US" smtClean="0"/>
           </a:p>
           <a:p>
             <a:pPr lvl="2"/>
             <a:r>
-              <a:rPr lang="zh-CN" altLang="en-US" smtClean="0"/>
+              <a:rPr lang="zh-CN" altLang="en-US"/>
               <a:t>第三级</a:t>
             </a:r>
-            <a:endParaRPr lang="zh-CN" altLang="en-US" smtClean="0"/>
           </a:p>
           <a:p>
             <a:pPr lvl="3"/>
             <a:r>
-              <a:rPr lang="zh-CN" altLang="en-US" smtClean="0"/>
+              <a:rPr lang="zh-CN" altLang="en-US"/>
               <a:t>第四级</a:t>
             </a:r>
-            <a:endParaRPr lang="zh-CN" altLang="en-US" smtClean="0"/>
           </a:p>
           <a:p>
             <a:pPr lvl="4"/>
             <a:r>
-              <a:rPr lang="zh-CN" altLang="en-US" smtClean="0"/>
+              <a:rPr lang="zh-CN" altLang="en-US"/>
               <a:t>第五级</a:t>
             </a:r>
-            <a:endParaRPr lang="zh-CN" altLang="en-US"/>
           </a:p>
         </p:txBody>
       </p:sp>
@@ -2077,10 +2059,9 @@
           <a:p>
             <a:pPr lvl="0"/>
             <a:r>
-              <a:rPr lang="zh-CN" altLang="en-US" smtClean="0"/>
+              <a:rPr lang="zh-CN" altLang="en-US"/>
               <a:t>单击此处编辑母版文本样式</a:t>
             </a:r>
-            <a:endParaRPr lang="zh-CN" altLang="en-US" smtClean="0"/>
           </a:p>
         </p:txBody>
       </p:sp>
@@ -2101,6 +2082,7 @@
           <a:p>
             <a:fld id="{D997B5FA-0921-464F-AAE1-844C04324D75}" type="datetimeFigureOut">
               <a:rPr lang="zh-CN" altLang="en-US" smtClean="0"/>
+              <a:t>2021/3/11</a:t>
             </a:fld>
             <a:endParaRPr lang="zh-CN" altLang="en-US"/>
           </a:p>
@@ -2142,6 +2124,7 @@
           <a:p>
             <a:fld id="{565CE74E-AB26-4998-AD42-012C4C1AD076}" type="slidenum">
               <a:rPr lang="zh-CN" altLang="en-US" smtClean="0"/>
+              <a:t>‹#›</a:t>
             </a:fld>
             <a:endParaRPr lang="zh-CN" altLang="en-US"/>
           </a:p>
@@ -2197,10 +2180,9 @@
           </a:lstStyle>
           <a:p>
             <a:r>
-              <a:rPr lang="zh-CN" altLang="en-US" smtClean="0"/>
+              <a:rPr lang="zh-CN" altLang="en-US"/>
               <a:t>单击此处编辑母版标题样式</a:t>
             </a:r>
-            <a:endParaRPr lang="zh-CN" altLang="en-US"/>
           </a:p>
         </p:txBody>
       </p:sp>
@@ -2324,10 +2306,9 @@
           <a:p>
             <a:pPr lvl="0"/>
             <a:r>
-              <a:rPr lang="zh-CN" altLang="en-US" smtClean="0"/>
+              <a:rPr lang="zh-CN" altLang="en-US"/>
               <a:t>单击此处编辑母版文本样式</a:t>
             </a:r>
-            <a:endParaRPr lang="zh-CN" altLang="en-US" smtClean="0"/>
           </a:p>
         </p:txBody>
       </p:sp>
@@ -2348,6 +2329,7 @@
           <a:p>
             <a:fld id="{D997B5FA-0921-464F-AAE1-844C04324D75}" type="datetimeFigureOut">
               <a:rPr lang="zh-CN" altLang="en-US" smtClean="0"/>
+              <a:t>2021/3/11</a:t>
             </a:fld>
             <a:endParaRPr lang="zh-CN" altLang="en-US"/>
           </a:p>
@@ -2389,6 +2371,7 @@
           <a:p>
             <a:fld id="{565CE74E-AB26-4998-AD42-012C4C1AD076}" type="slidenum">
               <a:rPr lang="zh-CN" altLang="en-US" smtClean="0"/>
+              <a:t>‹#›</a:t>
             </a:fld>
             <a:endParaRPr lang="zh-CN" altLang="en-US"/>
           </a:p>
@@ -2450,10 +2433,9 @@
           <a:lstStyle/>
           <a:p>
             <a:r>
-              <a:rPr lang="zh-CN" altLang="en-US" smtClean="0"/>
+              <a:rPr lang="zh-CN" altLang="en-US"/>
               <a:t>单击此处编辑母版标题样式</a:t>
             </a:r>
-            <a:endParaRPr lang="zh-CN" altLang="en-US"/>
           </a:p>
         </p:txBody>
       </p:sp>
@@ -2484,42 +2466,37 @@
           <a:p>
             <a:pPr lvl="0"/>
             <a:r>
-              <a:rPr lang="zh-CN" altLang="en-US" smtClean="0"/>
+              <a:rPr lang="zh-CN" altLang="en-US"/>
               <a:t>单击此处编辑母版文本样式</a:t>
             </a:r>
-            <a:endParaRPr lang="zh-CN" altLang="en-US" smtClean="0"/>
           </a:p>
           <a:p>
             <a:pPr lvl="1"/>
             <a:r>
-              <a:rPr lang="zh-CN" altLang="en-US" smtClean="0"/>
+              <a:rPr lang="zh-CN" altLang="en-US"/>
               <a:t>第二级</a:t>
             </a:r>
-            <a:endParaRPr lang="zh-CN" altLang="en-US" smtClean="0"/>
           </a:p>
           <a:p>
             <a:pPr lvl="2"/>
             <a:r>
-              <a:rPr lang="zh-CN" altLang="en-US" smtClean="0"/>
+              <a:rPr lang="zh-CN" altLang="en-US"/>
               <a:t>第三级</a:t>
             </a:r>
-            <a:endParaRPr lang="zh-CN" altLang="en-US" smtClean="0"/>
           </a:p>
           <a:p>
             <a:pPr lvl="3"/>
             <a:r>
-              <a:rPr lang="zh-CN" altLang="en-US" smtClean="0"/>
+              <a:rPr lang="zh-CN" altLang="en-US"/>
               <a:t>第四级</a:t>
             </a:r>
-            <a:endParaRPr lang="zh-CN" altLang="en-US" smtClean="0"/>
           </a:p>
           <a:p>
             <a:pPr lvl="4"/>
             <a:r>
-              <a:rPr lang="zh-CN" altLang="en-US" smtClean="0"/>
+              <a:rPr lang="zh-CN" altLang="en-US"/>
               <a:t>第五级</a:t>
             </a:r>
-            <a:endParaRPr lang="zh-CN" altLang="en-US"/>
           </a:p>
         </p:txBody>
       </p:sp>
@@ -2558,6 +2535,7 @@
           <a:p>
             <a:fld id="{D997B5FA-0921-464F-AAE1-844C04324D75}" type="datetimeFigureOut">
               <a:rPr lang="zh-CN" altLang="en-US" smtClean="0"/>
+              <a:t>2021/3/11</a:t>
             </a:fld>
             <a:endParaRPr lang="zh-CN" altLang="en-US"/>
           </a:p>
@@ -2635,6 +2613,7 @@
           <a:p>
             <a:fld id="{565CE74E-AB26-4998-AD42-012C4C1AD076}" type="slidenum">
               <a:rPr lang="zh-CN" altLang="en-US" smtClean="0"/>
+              <a:t>‹#›</a:t>
             </a:fld>
             <a:endParaRPr lang="zh-CN" altLang="en-US"/>
           </a:p>
@@ -2948,7 +2927,14 @@
         <p:cNvGrpSpPr/>
         <p:nvPr/>
       </p:nvGrpSpPr>
-      <p:grpSpPr/>
+      <p:grpSpPr>
+        <a:xfrm>
+          <a:off x="0" y="0"/>
+          <a:ext cx="0" cy="0"/>
+          <a:chOff x="0" y="0"/>
+          <a:chExt cx="0" cy="0"/>
+        </a:xfrm>
+      </p:grpSpPr>
       <p:sp>
         <p:nvSpPr>
           <p:cNvPr id="2" name="标题 1"/>
@@ -2962,12 +2948,12 @@
         <p:spPr/>
         <p:txBody>
           <a:bodyPr/>
+          <a:lstStyle/>
           <a:p>
             <a:r>
               <a:rPr lang="en-US" altLang="zh-CN"/>
               <a:t>状态估计 - 问答清单</a:t>
             </a:r>
-            <a:endParaRPr lang="en-US" altLang="zh-CN"/>
           </a:p>
         </p:txBody>
       </p:sp>
@@ -2984,6 +2970,7 @@
         <p:spPr/>
         <p:txBody>
           <a:bodyPr/>
+          <a:lstStyle/>
           <a:p>
             <a:endParaRPr lang="zh-CN" altLang="en-US"/>
           </a:p>
@@ -3006,7 +2993,14 @@
         <p:cNvGrpSpPr/>
         <p:nvPr/>
       </p:nvGrpSpPr>
-      <p:grpSpPr/>
+      <p:grpSpPr>
+        <a:xfrm>
+          <a:off x="0" y="0"/>
+          <a:ext cx="0" cy="0"/>
+          <a:chOff x="0" y="0"/>
+          <a:chExt cx="0" cy="0"/>
+        </a:xfrm>
+      </p:grpSpPr>
       <p:sp>
         <p:nvSpPr>
           <p:cNvPr id="2" name="标题 1"/>
@@ -3020,6 +3014,7 @@
         <p:spPr/>
         <p:txBody>
           <a:bodyPr/>
+          <a:lstStyle/>
           <a:p>
             <a:r>
               <a:rPr lang="en-US" altLang="zh-CN"/>
@@ -3029,7 +3024,6 @@
               <a:rPr lang="en-US" altLang="en-US"/>
               <a:t>为什么可用于状态估计？</a:t>
             </a:r>
-            <a:endParaRPr lang="en-US" altLang="en-US"/>
           </a:p>
         </p:txBody>
       </p:sp>
@@ -3051,12 +3045,12 @@
         </p:spPr>
         <p:txBody>
           <a:bodyPr/>
+          <a:lstStyle/>
           <a:p>
             <a:r>
               <a:rPr lang="en-US" altLang="zh-CN"/>
               <a:t>它的重大物理意义就是多个分布的融合！</a:t>
             </a:r>
-            <a:endParaRPr lang="en-US" altLang="zh-CN"/>
           </a:p>
           <a:p>
             <a:endParaRPr lang="en-US" altLang="zh-CN"/>
@@ -3072,7 +3066,7 @@
           <p:nvPr/>
         </p:nvPicPr>
         <p:blipFill>
-          <a:blip r:embed="rId1"/>
+          <a:blip r:embed="rId2"/>
           <a:stretch>
             <a:fillRect/>
           </a:stretch>
@@ -3104,7 +3098,14 @@
         <p:cNvGrpSpPr/>
         <p:nvPr/>
       </p:nvGrpSpPr>
-      <p:grpSpPr/>
+      <p:grpSpPr>
+        <a:xfrm>
+          <a:off x="0" y="0"/>
+          <a:ext cx="0" cy="0"/>
+          <a:chOff x="0" y="0"/>
+          <a:chExt cx="0" cy="0"/>
+        </a:xfrm>
+      </p:grpSpPr>
       <p:sp>
         <p:nvSpPr>
           <p:cNvPr id="2" name="标题 1"/>
@@ -3118,12 +3119,12 @@
         <p:spPr/>
         <p:txBody>
           <a:bodyPr/>
+          <a:lstStyle/>
           <a:p>
             <a:r>
               <a:rPr lang="en-US" altLang="zh-CN"/>
               <a:t>关于香农信息，你能想到什么？</a:t>
             </a:r>
-            <a:endParaRPr lang="en-US" altLang="zh-CN"/>
           </a:p>
         </p:txBody>
       </p:sp>
@@ -3140,19 +3141,18 @@
         <p:spPr/>
         <p:txBody>
           <a:bodyPr/>
+          <a:lstStyle/>
           <a:p>
             <a:r>
               <a:rPr lang="en-US" altLang="zh-CN"/>
               <a:t>定义是什么？-ln[p(x)]？错了，是-E[ln p(x)]。概率密度对数函数的负期望，也叫负熵</a:t>
             </a:r>
-            <a:endParaRPr lang="en-US" altLang="zh-CN"/>
           </a:p>
           <a:p>
             <a:r>
               <a:rPr lang="en-US" altLang="zh-CN"/>
               <a:t>用来干什么的？用来描述分布的混乱情况。越混乱，负熵越大。</a:t>
             </a:r>
-            <a:endParaRPr lang="en-US" altLang="zh-CN"/>
           </a:p>
         </p:txBody>
       </p:sp>
@@ -3173,7 +3173,14 @@
         <p:cNvGrpSpPr/>
         <p:nvPr/>
       </p:nvGrpSpPr>
-      <p:grpSpPr/>
+      <p:grpSpPr>
+        <a:xfrm>
+          <a:off x="0" y="0"/>
+          <a:ext cx="0" cy="0"/>
+          <a:chOff x="0" y="0"/>
+          <a:chExt cx="0" cy="0"/>
+        </a:xfrm>
+      </p:grpSpPr>
       <p:sp>
         <p:nvSpPr>
           <p:cNvPr id="2" name="标题 1"/>
@@ -3187,12 +3194,12 @@
         <p:spPr/>
         <p:txBody>
           <a:bodyPr/>
+          <a:lstStyle/>
           <a:p>
             <a:r>
               <a:rPr lang="en-US" altLang="zh-CN"/>
               <a:t>关于马氏距离，你有哪些理解？</a:t>
             </a:r>
-            <a:endParaRPr lang="en-US" altLang="zh-CN"/>
           </a:p>
         </p:txBody>
       </p:sp>
@@ -3209,19 +3216,18 @@
         <p:spPr/>
         <p:txBody>
           <a:bodyPr/>
+          <a:lstStyle/>
           <a:p>
             <a:r>
               <a:rPr lang="en-US" altLang="zh-CN"/>
               <a:t>给出一个自己的定义，哈哈。马氏距离就是随机变量x距离其分布中心的一个一维距离值</a:t>
             </a:r>
-            <a:endParaRPr lang="en-US" altLang="zh-CN"/>
           </a:p>
           <a:p>
             <a:r>
               <a:rPr lang="en-US" altLang="zh-CN"/>
               <a:t>它的具体形式是随机变量x去中心化，然后行乘列变成一维。当然，要以信息矩阵为其权重。</a:t>
             </a:r>
-            <a:endParaRPr lang="en-US" altLang="zh-CN"/>
           </a:p>
         </p:txBody>
       </p:sp>
@@ -3242,7 +3248,14 @@
         <p:cNvGrpSpPr/>
         <p:nvPr/>
       </p:nvGrpSpPr>
-      <p:grpSpPr/>
+      <p:grpSpPr>
+        <a:xfrm>
+          <a:off x="0" y="0"/>
+          <a:ext cx="0" cy="0"/>
+          <a:chOff x="0" y="0"/>
+          <a:chExt cx="0" cy="0"/>
+        </a:xfrm>
+      </p:grpSpPr>
       <p:sp>
         <p:nvSpPr>
           <p:cNvPr id="2" name="标题 1"/>
@@ -3256,12 +3269,12 @@
         <p:spPr/>
         <p:txBody>
           <a:bodyPr/>
+          <a:lstStyle/>
           <a:p>
             <a:r>
               <a:rPr lang="en-US" altLang="zh-CN"/>
               <a:t>关于协方差矩阵，能想到哪些性质？</a:t>
             </a:r>
-            <a:endParaRPr lang="en-US" altLang="zh-CN"/>
           </a:p>
         </p:txBody>
       </p:sp>
@@ -3278,19 +3291,18 @@
         <p:spPr/>
         <p:txBody>
           <a:bodyPr/>
+          <a:lstStyle/>
           <a:p>
             <a:r>
               <a:rPr lang="en-US" altLang="zh-CN"/>
               <a:t>半正定对称矩阵</a:t>
             </a:r>
-            <a:endParaRPr lang="en-US" altLang="zh-CN"/>
           </a:p>
           <a:p>
             <a:r>
               <a:rPr lang="en-US" altLang="zh-CN"/>
               <a:t>其形式通常为椭圆形或者椭球形，背后是标准正态分布的线性变换。</a:t>
             </a:r>
-            <a:endParaRPr lang="en-US" altLang="zh-CN"/>
           </a:p>
         </p:txBody>
       </p:sp>
@@ -3311,7 +3323,14 @@
         <p:cNvGrpSpPr/>
         <p:nvPr/>
       </p:nvGrpSpPr>
-      <p:grpSpPr/>
+      <p:grpSpPr>
+        <a:xfrm>
+          <a:off x="0" y="0"/>
+          <a:ext cx="0" cy="0"/>
+          <a:chOff x="0" y="0"/>
+          <a:chExt cx="0" cy="0"/>
+        </a:xfrm>
+      </p:grpSpPr>
       <p:sp>
         <p:nvSpPr>
           <p:cNvPr id="2" name="标题 1"/>
@@ -3325,12 +3344,12 @@
         <p:spPr/>
         <p:txBody>
           <a:bodyPr/>
+          <a:lstStyle/>
           <a:p>
             <a:r>
               <a:rPr lang="en-US" altLang="zh-CN"/>
               <a:t>高斯推断：联合分布的边缘化有哪些要点？</a:t>
             </a:r>
-            <a:endParaRPr lang="en-US" altLang="zh-CN"/>
           </a:p>
         </p:txBody>
       </p:sp>
@@ -3347,6 +3366,7 @@
         <p:spPr/>
         <p:txBody>
           <a:bodyPr/>
+          <a:lstStyle/>
           <a:p>
             <a:pPr marL="514350" indent="-514350">
               <a:buAutoNum type="arabicPeriod"/>
@@ -3355,7 +3375,6 @@
               <a:rPr lang="en-US" altLang="en-US"/>
               <a:t>结论是什么？</a:t>
             </a:r>
-            <a:endParaRPr lang="en-US" altLang="en-US"/>
           </a:p>
           <a:p>
             <a:pPr marL="514350" indent="-514350">
@@ -3365,7 +3384,6 @@
               <a:rPr lang="en-US" altLang="en-US"/>
               <a:t>是怎么推出来的？</a:t>
             </a:r>
-            <a:endParaRPr lang="en-US" altLang="en-US"/>
           </a:p>
           <a:p>
             <a:pPr marL="514350" indent="-514350">
@@ -3375,7 +3393,6 @@
               <a:rPr lang="en-US" altLang="en-US"/>
               <a:t>关于舒尔补，如何记忆？</a:t>
             </a:r>
-            <a:endParaRPr lang="en-US" altLang="en-US"/>
           </a:p>
           <a:p>
             <a:pPr marL="0" indent="0">
@@ -3385,7 +3402,6 @@
               <a:rPr lang="en-US" altLang="en-US"/>
               <a:t>舒尔补一定要学会自己推导和背诵</a:t>
             </a:r>
-            <a:endParaRPr lang="en-US" altLang="en-US"/>
           </a:p>
           <a:p>
             <a:pPr marL="0" indent="0">
@@ -3412,7 +3428,14 @@
         <p:cNvGrpSpPr/>
         <p:nvPr/>
       </p:nvGrpSpPr>
-      <p:grpSpPr/>
+      <p:grpSpPr>
+        <a:xfrm>
+          <a:off x="0" y="0"/>
+          <a:ext cx="0" cy="0"/>
+          <a:chOff x="0" y="0"/>
+          <a:chExt cx="0" cy="0"/>
+        </a:xfrm>
+      </p:grpSpPr>
       <p:sp>
         <p:nvSpPr>
           <p:cNvPr id="2" name="标题 1"/>
@@ -3426,12 +3449,12 @@
         <p:spPr/>
         <p:txBody>
           <a:bodyPr/>
+          <a:lstStyle/>
           <a:p>
             <a:r>
               <a:rPr lang="en-US" altLang="zh-CN"/>
               <a:t>高斯分布的独立性和不相关性有什么关系？</a:t>
             </a:r>
-            <a:endParaRPr lang="en-US" altLang="zh-CN"/>
           </a:p>
         </p:txBody>
       </p:sp>
@@ -3448,19 +3471,18 @@
         <p:spPr/>
         <p:txBody>
           <a:bodyPr/>
+          <a:lstStyle/>
           <a:p>
             <a:r>
               <a:rPr lang="en-US" altLang="zh-CN"/>
               <a:t>结论 ： 两者是等价的</a:t>
             </a:r>
-            <a:endParaRPr lang="en-US" altLang="zh-CN"/>
           </a:p>
           <a:p>
             <a:r>
               <a:rPr lang="en-US" altLang="zh-CN"/>
               <a:t>一般意义是：</a:t>
             </a:r>
-            <a:endParaRPr lang="en-US" altLang="zh-CN"/>
           </a:p>
           <a:p>
             <a:pPr marL="0" indent="0">
@@ -3470,7 +3492,6 @@
               <a:rPr lang="en-US" altLang="zh-CN"/>
               <a:t>独立表示两个概率分布没有任何关系</a:t>
             </a:r>
-            <a:endParaRPr lang="en-US" altLang="zh-CN"/>
           </a:p>
           <a:p>
             <a:pPr marL="0" indent="0">
@@ -3480,7 +3501,6 @@
               <a:rPr lang="en-US" altLang="zh-CN"/>
               <a:t>不相关表示两个概率分布不存在线性关系</a:t>
             </a:r>
-            <a:endParaRPr lang="en-US" altLang="zh-CN"/>
           </a:p>
         </p:txBody>
       </p:sp>
@@ -3501,7 +3521,14 @@
         <p:cNvGrpSpPr/>
         <p:nvPr/>
       </p:nvGrpSpPr>
-      <p:grpSpPr/>
+      <p:grpSpPr>
+        <a:xfrm>
+          <a:off x="0" y="0"/>
+          <a:ext cx="0" cy="0"/>
+          <a:chOff x="0" y="0"/>
+          <a:chExt cx="0" cy="0"/>
+        </a:xfrm>
+      </p:grpSpPr>
       <p:sp>
         <p:nvSpPr>
           <p:cNvPr id="2" name="标题 1"/>
@@ -3515,12 +3542,12 @@
         <p:spPr/>
         <p:txBody>
           <a:bodyPr/>
+          <a:lstStyle/>
           <a:p>
             <a:r>
               <a:rPr lang="en-US" altLang="zh-CN"/>
               <a:t>高斯分布的归一化积结果是什么？</a:t>
             </a:r>
-            <a:endParaRPr lang="en-US" altLang="zh-CN"/>
           </a:p>
         </p:txBody>
       </p:sp>
@@ -3537,26 +3564,24 @@
         <p:spPr/>
         <p:txBody>
           <a:bodyPr/>
+          <a:lstStyle/>
           <a:p>
             <a:r>
               <a:rPr lang="en-US" altLang="zh-CN"/>
               <a:t>意义就是两个高斯分布融合</a:t>
             </a:r>
-            <a:endParaRPr lang="en-US" altLang="zh-CN"/>
           </a:p>
           <a:p>
             <a:r>
               <a:rPr lang="en-US" altLang="zh-CN"/>
               <a:t>协方差矩阵方面：是信息矩阵相加</a:t>
             </a:r>
-            <a:endParaRPr lang="en-US" altLang="zh-CN"/>
           </a:p>
           <a:p>
             <a:r>
               <a:rPr lang="en-US" altLang="zh-CN"/>
               <a:t>均值方面：是加权均值相加</a:t>
             </a:r>
-            <a:endParaRPr lang="en-US" altLang="zh-CN"/>
           </a:p>
         </p:txBody>
       </p:sp>
@@ -3577,7 +3602,14 @@
         <p:cNvGrpSpPr/>
         <p:nvPr/>
       </p:nvGrpSpPr>
-      <p:grpSpPr/>
+      <p:grpSpPr>
+        <a:xfrm>
+          <a:off x="0" y="0"/>
+          <a:ext cx="0" cy="0"/>
+          <a:chOff x="0" y="0"/>
+          <a:chExt cx="0" cy="0"/>
+        </a:xfrm>
+      </p:grpSpPr>
       <p:sp>
         <p:nvSpPr>
           <p:cNvPr id="2" name="标题 1"/>
@@ -3591,12 +3623,12 @@
         <p:spPr/>
         <p:txBody>
           <a:bodyPr/>
+          <a:lstStyle/>
           <a:p>
             <a:r>
               <a:rPr lang="en-US" altLang="zh-CN"/>
               <a:t>高斯分布线性化的结果是什么？</a:t>
             </a:r>
-            <a:endParaRPr lang="en-US" altLang="zh-CN"/>
           </a:p>
         </p:txBody>
       </p:sp>
@@ -3613,12 +3645,12 @@
         <p:spPr/>
         <p:txBody>
           <a:bodyPr/>
+          <a:lstStyle/>
           <a:p>
             <a:r>
               <a:rPr lang="en-US" altLang="zh-CN"/>
               <a:t>太简单了，哈哈哈</a:t>
             </a:r>
-            <a:endParaRPr lang="en-US" altLang="zh-CN"/>
           </a:p>
         </p:txBody>
       </p:sp>
@@ -3639,7 +3671,14 @@
         <p:cNvGrpSpPr/>
         <p:nvPr/>
       </p:nvGrpSpPr>
-      <p:grpSpPr/>
+      <p:grpSpPr>
+        <a:xfrm>
+          <a:off x="0" y="0"/>
+          <a:ext cx="0" cy="0"/>
+          <a:chOff x="0" y="0"/>
+          <a:chExt cx="0" cy="0"/>
+        </a:xfrm>
+      </p:grpSpPr>
       <p:sp>
         <p:nvSpPr>
           <p:cNvPr id="2" name="标题 1"/>
@@ -3653,12 +3692,12 @@
         <p:spPr/>
         <p:txBody>
           <a:bodyPr/>
+          <a:lstStyle/>
           <a:p>
             <a:r>
               <a:rPr lang="en-US" altLang="zh-CN"/>
               <a:t>SMW公式</a:t>
             </a:r>
-            <a:endParaRPr lang="en-US" altLang="zh-CN"/>
           </a:p>
         </p:txBody>
       </p:sp>
@@ -3675,12 +3714,12 @@
         <p:spPr/>
         <p:txBody>
           <a:bodyPr/>
+          <a:lstStyle/>
           <a:p>
             <a:r>
               <a:rPr lang="en-US" altLang="zh-CN"/>
               <a:t>两个乾坤大挪移公式：</a:t>
             </a:r>
-            <a:endParaRPr lang="en-US" altLang="zh-CN"/>
           </a:p>
           <a:p>
             <a:r>
@@ -3739,7 +3778,6 @@
               <a:rPr lang="en-US" altLang="zh-CN" baseline="30000"/>
               <a:t>-1</a:t>
             </a:r>
-            <a:endParaRPr lang="en-US" altLang="zh-CN" baseline="30000"/>
           </a:p>
           <a:p>
             <a:r>
@@ -3814,9 +3852,6 @@
               </a:rPr>
               <a:t>-1</a:t>
             </a:r>
-            <a:endParaRPr lang="en-US" altLang="en-US" baseline="30000">
-              <a:sym typeface="+mn-ea"/>
-            </a:endParaRPr>
           </a:p>
         </p:txBody>
       </p:sp>
@@ -3837,7 +3872,14 @@
         <p:cNvGrpSpPr/>
         <p:nvPr/>
       </p:nvGrpSpPr>
-      <p:grpSpPr/>
+      <p:grpSpPr>
+        <a:xfrm>
+          <a:off x="0" y="0"/>
+          <a:ext cx="0" cy="0"/>
+          <a:chOff x="0" y="0"/>
+          <a:chExt cx="0" cy="0"/>
+        </a:xfrm>
+      </p:grpSpPr>
       <p:sp>
         <p:nvSpPr>
           <p:cNvPr id="2" name="标题 1"/>
@@ -3851,12 +3893,12 @@
         <p:spPr/>
         <p:txBody>
           <a:bodyPr/>
+          <a:lstStyle/>
           <a:p>
             <a:r>
               <a:rPr lang="en-US" altLang="zh-CN"/>
               <a:t>高斯分布的非线性变换，结果是啥？</a:t>
             </a:r>
-            <a:endParaRPr lang="en-US" altLang="zh-CN"/>
           </a:p>
         </p:txBody>
       </p:sp>
@@ -3873,19 +3915,18 @@
         <p:spPr/>
         <p:txBody>
           <a:bodyPr/>
+          <a:lstStyle/>
           <a:p>
             <a:r>
               <a:rPr lang="en-US" altLang="zh-CN"/>
               <a:t>均值，函数值</a:t>
             </a:r>
-            <a:endParaRPr lang="en-US" altLang="zh-CN"/>
           </a:p>
           <a:p>
             <a:r>
               <a:rPr lang="en-US" altLang="zh-CN"/>
               <a:t>方差：传递协方差 + 观测协方差</a:t>
             </a:r>
-            <a:endParaRPr lang="en-US" altLang="zh-CN"/>
           </a:p>
         </p:txBody>
       </p:sp>
@@ -3906,7 +3947,14 @@
         <p:cNvGrpSpPr/>
         <p:nvPr/>
       </p:nvGrpSpPr>
-      <p:grpSpPr/>
+      <p:grpSpPr>
+        <a:xfrm>
+          <a:off x="0" y="0"/>
+          <a:ext cx="0" cy="0"/>
+          <a:chOff x="0" y="0"/>
+          <a:chExt cx="0" cy="0"/>
+        </a:xfrm>
+      </p:grpSpPr>
       <p:sp>
         <p:nvSpPr>
           <p:cNvPr id="2" name="标题 1"/>
@@ -3925,12 +3973,12 @@
         </p:spPr>
         <p:txBody>
           <a:bodyPr/>
+          <a:lstStyle/>
           <a:p>
             <a:r>
               <a:rPr lang="en-US" altLang="zh-CN"/>
               <a:t>第一章 概率论</a:t>
             </a:r>
-            <a:endParaRPr lang="en-US" altLang="zh-CN"/>
           </a:p>
         </p:txBody>
       </p:sp>
@@ -3952,8 +4000,9 @@
         </p:spPr>
         <p:txBody>
           <a:bodyPr>
-            <a:normAutofit fontScale="50000"/>
+            <a:normAutofit fontScale="57500" lnSpcReduction="10000"/>
           </a:bodyPr>
+          <a:lstStyle/>
           <a:p>
             <a:r>
               <a:rPr lang="en-US" altLang="zh-CN">
@@ -3961,9 +4010,6 @@
               </a:rPr>
               <a:t>状态估计是干什么用的？</a:t>
             </a:r>
-            <a:endParaRPr lang="en-US" altLang="zh-CN">
-              <a:sym typeface="+mn-ea"/>
-            </a:endParaRPr>
           </a:p>
           <a:p>
             <a:r>
@@ -3972,9 +4018,6 @@
               </a:rPr>
               <a:t>状态估计为啥跟概率论扯上了关系？</a:t>
             </a:r>
-            <a:endParaRPr lang="en-US" altLang="zh-CN">
-              <a:sym typeface="+mn-ea"/>
-            </a:endParaRPr>
           </a:p>
           <a:p>
             <a:r>
@@ -3983,9 +4026,6 @@
               </a:rPr>
               <a:t>小插曲：如何用数学来研究现实问题？</a:t>
             </a:r>
-            <a:endParaRPr lang="en-US" altLang="zh-CN">
-              <a:sym typeface="+mn-ea"/>
-            </a:endParaRPr>
           </a:p>
           <a:p>
             <a:r>
@@ -3994,9 +4034,6 @@
               </a:rPr>
               <a:t>贝叶斯公式是怎么用在状态估计中的？</a:t>
             </a:r>
-            <a:endParaRPr lang="en-US" altLang="zh-CN">
-              <a:sym typeface="+mn-ea"/>
-            </a:endParaRPr>
           </a:p>
           <a:p>
             <a:r>
@@ -4005,9 +4042,6 @@
               </a:rPr>
               <a:t>矩是啥？</a:t>
             </a:r>
-            <a:endParaRPr lang="en-US" altLang="zh-CN">
-              <a:sym typeface="+mn-ea"/>
-            </a:endParaRPr>
           </a:p>
           <a:p>
             <a:r>
@@ -4016,9 +4050,6 @@
               </a:rPr>
               <a:t>期望和方差的数学定义和样本求法有啥区别？</a:t>
             </a:r>
-            <a:endParaRPr lang="en-US" altLang="zh-CN">
-              <a:sym typeface="+mn-ea"/>
-            </a:endParaRPr>
           </a:p>
           <a:p>
             <a:r>
@@ -4027,9 +4058,6 @@
               </a:rPr>
               <a:t>独立性和不相关性，你能说清楚吗？</a:t>
             </a:r>
-            <a:endParaRPr lang="en-US" altLang="zh-CN">
-              <a:sym typeface="+mn-ea"/>
-            </a:endParaRPr>
           </a:p>
           <a:p>
             <a:r>
@@ -4038,9 +4066,6 @@
               </a:rPr>
               <a:t>什么是归一化积？为什么可用于状态估计？</a:t>
             </a:r>
-            <a:endParaRPr lang="en-US" altLang="zh-CN">
-              <a:sym typeface="+mn-ea"/>
-            </a:endParaRPr>
           </a:p>
           <a:p>
             <a:r>
@@ -4049,9 +4074,6 @@
               </a:rPr>
               <a:t>关于香农信息，你能想到什么？</a:t>
             </a:r>
-            <a:endParaRPr lang="en-US" altLang="zh-CN">
-              <a:sym typeface="+mn-ea"/>
-            </a:endParaRPr>
           </a:p>
           <a:p>
             <a:r>
@@ -4060,9 +4082,6 @@
               </a:rPr>
               <a:t>关于马氏距离，你有哪些理解？</a:t>
             </a:r>
-            <a:endParaRPr lang="en-US" altLang="zh-CN">
-              <a:sym typeface="+mn-ea"/>
-            </a:endParaRPr>
           </a:p>
           <a:p>
             <a:r>
@@ -4071,9 +4090,6 @@
               </a:rPr>
               <a:t>关于协方差矩阵，能想到哪些性质？</a:t>
             </a:r>
-            <a:endParaRPr lang="en-US" altLang="zh-CN">
-              <a:sym typeface="+mn-ea"/>
-            </a:endParaRPr>
           </a:p>
           <a:p>
             <a:r>
@@ -4082,9 +4098,6 @@
               </a:rPr>
               <a:t>高斯推断：联合分布的边缘化有哪些要点？</a:t>
             </a:r>
-            <a:endParaRPr lang="en-US" altLang="zh-CN">
-              <a:sym typeface="+mn-ea"/>
-            </a:endParaRPr>
           </a:p>
           <a:p>
             <a:r>
@@ -4093,9 +4106,6 @@
               </a:rPr>
               <a:t>高斯分布的独立性和不相关性有什么关系？</a:t>
             </a:r>
-            <a:endParaRPr lang="en-US" altLang="zh-CN">
-              <a:sym typeface="+mn-ea"/>
-            </a:endParaRPr>
           </a:p>
           <a:p>
             <a:r>
@@ -4104,9 +4114,6 @@
               </a:rPr>
               <a:t>高斯分布的归一化积结果是什么？</a:t>
             </a:r>
-            <a:endParaRPr lang="en-US" altLang="zh-CN">
-              <a:sym typeface="+mn-ea"/>
-            </a:endParaRPr>
           </a:p>
           <a:p>
             <a:r>
@@ -4115,9 +4122,6 @@
               </a:rPr>
               <a:t>SMW公式</a:t>
             </a:r>
-            <a:endParaRPr lang="en-US" altLang="zh-CN">
-              <a:sym typeface="+mn-ea"/>
-            </a:endParaRPr>
           </a:p>
           <a:p>
             <a:r>
@@ -4192,7 +4196,14 @@
         <p:cNvGrpSpPr/>
         <p:nvPr/>
       </p:nvGrpSpPr>
-      <p:grpSpPr/>
+      <p:grpSpPr>
+        <a:xfrm>
+          <a:off x="0" y="0"/>
+          <a:ext cx="0" cy="0"/>
+          <a:chOff x="0" y="0"/>
+          <a:chExt cx="0" cy="0"/>
+        </a:xfrm>
+      </p:grpSpPr>
       <p:sp>
         <p:nvSpPr>
           <p:cNvPr id="2" name="标题 1"/>
@@ -4211,12 +4222,12 @@
         </p:spPr>
         <p:txBody>
           <a:bodyPr/>
+          <a:lstStyle/>
           <a:p>
             <a:r>
               <a:rPr lang="en-US" altLang="zh-CN"/>
               <a:t>第二章 线性高斯系统</a:t>
             </a:r>
-            <a:endParaRPr lang="en-US" altLang="zh-CN"/>
           </a:p>
         </p:txBody>
       </p:sp>
@@ -4238,8 +4249,9 @@
         </p:spPr>
         <p:txBody>
           <a:bodyPr>
-            <a:normAutofit fontScale="60000"/>
+            <a:normAutofit fontScale="67500" lnSpcReduction="10000"/>
           </a:bodyPr>
+          <a:lstStyle/>
           <a:p>
             <a:r>
               <a:rPr lang="en-US" altLang="zh-CN">
@@ -4247,9 +4259,6 @@
               </a:rPr>
               <a:t>最基本的是：问题是怎么定义的？</a:t>
             </a:r>
-            <a:endParaRPr lang="en-US" altLang="zh-CN">
-              <a:sym typeface="+mn-ea"/>
-            </a:endParaRPr>
           </a:p>
           <a:p>
             <a:r>
@@ -4258,9 +4267,6 @@
               </a:rPr>
               <a:t>解决批量LG系统的方法有哪两种？</a:t>
             </a:r>
-            <a:endParaRPr lang="en-US" altLang="zh-CN">
-              <a:sym typeface="+mn-ea"/>
-            </a:endParaRPr>
           </a:p>
           <a:p>
             <a:r>
@@ -4269,9 +4275,6 @@
               </a:rPr>
               <a:t>小插曲：二次型求导的分子布局和分母布局</a:t>
             </a:r>
-            <a:endParaRPr lang="en-US" altLang="zh-CN">
-              <a:sym typeface="+mn-ea"/>
-            </a:endParaRPr>
           </a:p>
           <a:p>
             <a:r>
@@ -4280,9 +4283,6 @@
               </a:rPr>
               <a:t>如何看待LG系统的MAP和贝叶斯推断的结果？</a:t>
             </a:r>
-            <a:endParaRPr lang="en-US" altLang="zh-CN">
-              <a:sym typeface="+mn-ea"/>
-            </a:endParaRPr>
           </a:p>
           <a:p>
             <a:r>
@@ -4291,9 +4291,6 @@
               </a:rPr>
               <a:t>对于系统的能观性，如何检索思考？</a:t>
             </a:r>
-            <a:endParaRPr lang="en-US" altLang="zh-CN">
-              <a:sym typeface="+mn-ea"/>
-            </a:endParaRPr>
           </a:p>
           <a:p>
             <a:r>
@@ -4302,9 +4299,6 @@
               </a:rPr>
               <a:t>MAP估计的协方差是什么？</a:t>
             </a:r>
-            <a:endParaRPr lang="en-US" altLang="zh-CN">
-              <a:sym typeface="+mn-ea"/>
-            </a:endParaRPr>
           </a:p>
           <a:p>
             <a:r>
@@ -4313,9 +4307,6 @@
               </a:rPr>
               <a:t>递归平滑算法的使命是什么？</a:t>
             </a:r>
-            <a:endParaRPr lang="en-US" altLang="zh-CN">
-              <a:sym typeface="+mn-ea"/>
-            </a:endParaRPr>
           </a:p>
           <a:p>
             <a:r>
@@ -4324,9 +4315,6 @@
               </a:rPr>
               <a:t>递归平滑算法的方法和步骤是怎样的？</a:t>
             </a:r>
-            <a:endParaRPr lang="en-US" altLang="zh-CN">
-              <a:sym typeface="+mn-ea"/>
-            </a:endParaRPr>
           </a:p>
           <a:p>
             <a:r>
@@ -4335,9 +4323,6 @@
               </a:rPr>
               <a:t>我一直说要背的卡尔曼增益三公式，是什么？</a:t>
             </a:r>
-            <a:endParaRPr lang="en-US" altLang="zh-CN">
-              <a:sym typeface="+mn-ea"/>
-            </a:endParaRPr>
           </a:p>
           <a:p>
             <a:r>
@@ -4358,9 +4343,6 @@
               </a:rPr>
               <a:t>的数学本质？</a:t>
             </a:r>
-            <a:endParaRPr lang="en-US" altLang="zh-CN">
-              <a:sym typeface="+mn-ea"/>
-            </a:endParaRPr>
           </a:p>
           <a:p>
             <a:r>
@@ -4369,9 +4351,6 @@
               </a:rPr>
               <a:t>卡尔曼增益后验均值和方差的更新是什么形式？</a:t>
             </a:r>
-            <a:endParaRPr lang="en-US" altLang="zh-CN">
-              <a:sym typeface="+mn-ea"/>
-            </a:endParaRPr>
           </a:p>
           <a:p>
             <a:r>
@@ -4380,9 +4359,6 @@
               </a:rPr>
               <a:t>不带卡尔曼增益K的卡尔曼滤波是什么形式？</a:t>
             </a:r>
-            <a:endParaRPr lang="en-US" altLang="zh-CN">
-              <a:sym typeface="+mn-ea"/>
-            </a:endParaRPr>
           </a:p>
           <a:p>
             <a:r>
@@ -4391,9 +4367,6 @@
               </a:rPr>
               <a:t>老问题：带卡尔曼增益的经典形式是什么？</a:t>
             </a:r>
-            <a:endParaRPr lang="en-US" altLang="zh-CN">
-              <a:sym typeface="+mn-ea"/>
-            </a:endParaRPr>
           </a:p>
           <a:p>
             <a:r>
@@ -4402,9 +4375,6 @@
               </a:rPr>
               <a:t>如何通过MAP来推导得出卡尔曼滤波？</a:t>
             </a:r>
-            <a:endParaRPr lang="en-US" altLang="zh-CN">
-              <a:sym typeface="+mn-ea"/>
-            </a:endParaRPr>
           </a:p>
           <a:p>
             <a:r>
@@ -4468,7 +4438,14 @@
         <p:cNvGrpSpPr/>
         <p:nvPr/>
       </p:nvGrpSpPr>
-      <p:grpSpPr/>
+      <p:grpSpPr>
+        <a:xfrm>
+          <a:off x="0" y="0"/>
+          <a:ext cx="0" cy="0"/>
+          <a:chOff x="0" y="0"/>
+          <a:chExt cx="0" cy="0"/>
+        </a:xfrm>
+      </p:grpSpPr>
       <p:sp>
         <p:nvSpPr>
           <p:cNvPr id="2" name="标题 1"/>
@@ -4487,12 +4464,12 @@
         </p:spPr>
         <p:txBody>
           <a:bodyPr/>
+          <a:lstStyle/>
           <a:p>
             <a:r>
               <a:rPr lang="en-US" altLang="zh-CN"/>
               <a:t>最基本的是：问题是怎么定义的？</a:t>
             </a:r>
-            <a:endParaRPr lang="en-US" altLang="zh-CN"/>
           </a:p>
         </p:txBody>
       </p:sp>
@@ -4514,12 +4491,12 @@
         </p:spPr>
         <p:txBody>
           <a:bodyPr/>
+          <a:lstStyle/>
           <a:p>
             <a:r>
               <a:rPr lang="en-US" altLang="zh-CN"/>
               <a:t>白话：</a:t>
             </a:r>
-            <a:endParaRPr lang="en-US" altLang="zh-CN"/>
           </a:p>
           <a:p>
             <a:pPr marL="514350" indent="-514350">
@@ -4529,7 +4506,6 @@
               <a:rPr lang="en-US" altLang="zh-CN"/>
               <a:t>某时刻系统的状态 = 上一时刻的状态乘以转移矩阵 + 控制量 + 控制噪声</a:t>
             </a:r>
-            <a:endParaRPr lang="en-US" altLang="zh-CN"/>
           </a:p>
           <a:p>
             <a:pPr marL="514350" indent="-514350">
@@ -4539,7 +4515,6 @@
               <a:rPr lang="en-US" altLang="zh-CN"/>
               <a:t>该时刻的观测量 = 该时刻的状态乘以观测矩阵 + 观测噪声</a:t>
             </a:r>
-            <a:endParaRPr lang="en-US" altLang="zh-CN"/>
           </a:p>
         </p:txBody>
       </p:sp>
@@ -4552,7 +4527,7 @@
           <p:nvPr/>
         </p:nvPicPr>
         <p:blipFill>
-          <a:blip r:embed="rId1"/>
+          <a:blip r:embed="rId2"/>
           <a:stretch>
             <a:fillRect/>
           </a:stretch>
@@ -4584,7 +4559,14 @@
         <p:cNvGrpSpPr/>
         <p:nvPr/>
       </p:nvGrpSpPr>
-      <p:grpSpPr/>
+      <p:grpSpPr>
+        <a:xfrm>
+          <a:off x="0" y="0"/>
+          <a:ext cx="0" cy="0"/>
+          <a:chOff x="0" y="0"/>
+          <a:chExt cx="0" cy="0"/>
+        </a:xfrm>
+      </p:grpSpPr>
       <p:sp>
         <p:nvSpPr>
           <p:cNvPr id="2" name="标题 1"/>
@@ -4598,12 +4580,12 @@
         <p:spPr/>
         <p:txBody>
           <a:bodyPr/>
+          <a:lstStyle/>
           <a:p>
             <a:r>
               <a:rPr lang="en-US" altLang="zh-CN"/>
               <a:t>解决批量LG系统的方法有哪两种？</a:t>
             </a:r>
-            <a:endParaRPr lang="en-US" altLang="zh-CN"/>
           </a:p>
         </p:txBody>
       </p:sp>
@@ -4620,12 +4602,12 @@
         <p:spPr/>
         <p:txBody>
           <a:bodyPr/>
+          <a:lstStyle/>
           <a:p>
             <a:r>
               <a:rPr lang="en-US" altLang="zh-CN"/>
               <a:t>MAP - 最大后验估计</a:t>
             </a:r>
-            <a:endParaRPr lang="en-US" altLang="zh-CN"/>
           </a:p>
           <a:p>
             <a:endParaRPr lang="en-US" altLang="zh-CN"/>
@@ -4638,7 +4620,6 @@
               <a:rPr lang="en-US" altLang="en-US"/>
               <a:t>手推一遍：</a:t>
             </a:r>
-            <a:endParaRPr lang="en-US" altLang="en-US"/>
           </a:p>
           <a:p>
             <a:pPr marL="0" indent="0">
@@ -4658,7 +4639,6 @@
               <a:rPr lang="en-US" altLang="zh-CN"/>
               <a:t>贝叶斯推断 - 高斯推断</a:t>
             </a:r>
-            <a:endParaRPr lang="en-US" altLang="zh-CN"/>
           </a:p>
           <a:p>
             <a:endParaRPr lang="en-US" altLang="zh-CN"/>
@@ -4671,7 +4651,6 @@
               <a:rPr lang="en-US" altLang="en-US"/>
               <a:t>预测和观测分别提升形式→写出联合分布</a:t>
             </a:r>
-            <a:endParaRPr lang="en-US" altLang="en-US"/>
           </a:p>
         </p:txBody>
       </p:sp>
@@ -4692,7 +4671,14 @@
         <p:cNvGrpSpPr/>
         <p:nvPr/>
       </p:nvGrpSpPr>
-      <p:grpSpPr/>
+      <p:grpSpPr>
+        <a:xfrm>
+          <a:off x="0" y="0"/>
+          <a:ext cx="0" cy="0"/>
+          <a:chOff x="0" y="0"/>
+          <a:chExt cx="0" cy="0"/>
+        </a:xfrm>
+      </p:grpSpPr>
       <p:sp>
         <p:nvSpPr>
           <p:cNvPr id="2" name="标题 1"/>
@@ -4706,14 +4692,14 @@
         <p:spPr/>
         <p:txBody>
           <a:bodyPr>
-            <a:normAutofit fontScale="90000"/>
+            <a:normAutofit/>
           </a:bodyPr>
+          <a:lstStyle/>
           <a:p>
             <a:r>
               <a:rPr lang="en-US" altLang="zh-CN"/>
               <a:t>小插曲：二次型求导的分子布局和分母布局</a:t>
             </a:r>
-            <a:endParaRPr lang="en-US" altLang="zh-CN"/>
           </a:p>
         </p:txBody>
       </p:sp>
@@ -4730,6 +4716,7 @@
         <p:spPr/>
         <p:txBody>
           <a:bodyPr/>
+          <a:lstStyle/>
           <a:p>
             <a:pPr marL="0" indent="0">
               <a:buNone/>
@@ -4738,7 +4725,6 @@
               <a:rPr lang="en-US" altLang="x-none"/>
               <a:t>可以在知乎搜索“二次型求导”</a:t>
             </a:r>
-            <a:endParaRPr lang="en-US" altLang="x-none"/>
           </a:p>
           <a:p>
             <a:pPr marL="0" indent="0">
@@ -4754,7 +4740,6 @@
               <a:rPr lang="en-US" altLang="x-none"/>
               <a:t>也可以去wiki上查</a:t>
             </a:r>
-            <a:endParaRPr lang="en-US" altLang="x-none"/>
           </a:p>
           <a:p>
             <a:pPr marL="0" indent="0">
@@ -4770,7 +4755,6 @@
               <a:rPr lang="en-US" altLang="x-none"/>
               <a:t>注意求导有两种定义方式：就是分子布局和分母布局。</a:t>
             </a:r>
-            <a:endParaRPr lang="en-US" altLang="x-none"/>
           </a:p>
           <a:p>
             <a:pPr marL="0" indent="0">
@@ -4780,7 +4764,6 @@
               <a:rPr lang="en-US" altLang="x-none"/>
               <a:t>我们常用的雅克比形式是分子布局。</a:t>
             </a:r>
-            <a:endParaRPr lang="en-US" altLang="x-none"/>
           </a:p>
         </p:txBody>
       </p:sp>
@@ -4801,7 +4784,14 @@
         <p:cNvGrpSpPr/>
         <p:nvPr/>
       </p:nvGrpSpPr>
-      <p:grpSpPr/>
+      <p:grpSpPr>
+        <a:xfrm>
+          <a:off x="0" y="0"/>
+          <a:ext cx="0" cy="0"/>
+          <a:chOff x="0" y="0"/>
+          <a:chExt cx="0" cy="0"/>
+        </a:xfrm>
+      </p:grpSpPr>
       <p:sp>
         <p:nvSpPr>
           <p:cNvPr id="2" name="标题 1"/>
@@ -4815,14 +4805,14 @@
         <p:spPr/>
         <p:txBody>
           <a:bodyPr>
-            <a:normAutofit fontScale="90000"/>
+            <a:normAutofit/>
           </a:bodyPr>
+          <a:lstStyle/>
           <a:p>
             <a:r>
               <a:rPr lang="en-US" altLang="zh-CN"/>
               <a:t>如何看待LG系统的MAP和贝叶斯推断的结果？</a:t>
             </a:r>
-            <a:endParaRPr lang="en-US" altLang="zh-CN"/>
           </a:p>
         </p:txBody>
       </p:sp>
@@ -4839,26 +4829,24 @@
         <p:spPr/>
         <p:txBody>
           <a:bodyPr/>
+          <a:lstStyle/>
           <a:p>
             <a:r>
               <a:rPr lang="en-US" altLang="zh-CN"/>
               <a:t>MAP得到的是最可能的点估计，贝叶斯推断得到的是均值</a:t>
             </a:r>
-            <a:endParaRPr lang="en-US" altLang="zh-CN"/>
           </a:p>
           <a:p>
             <a:r>
               <a:rPr lang="en-US" altLang="zh-CN"/>
               <a:t>在LG系统下两者相等</a:t>
             </a:r>
-            <a:endParaRPr lang="en-US" altLang="zh-CN"/>
           </a:p>
           <a:p>
             <a:r>
               <a:rPr lang="en-US" altLang="zh-CN"/>
               <a:t>贝叶斯推断得到了估计的协方差</a:t>
             </a:r>
-            <a:endParaRPr lang="en-US" altLang="zh-CN"/>
           </a:p>
         </p:txBody>
       </p:sp>
@@ -4879,7 +4867,14 @@
         <p:cNvGrpSpPr/>
         <p:nvPr/>
       </p:nvGrpSpPr>
-      <p:grpSpPr/>
+      <p:grpSpPr>
+        <a:xfrm>
+          <a:off x="0" y="0"/>
+          <a:ext cx="0" cy="0"/>
+          <a:chOff x="0" y="0"/>
+          <a:chExt cx="0" cy="0"/>
+        </a:xfrm>
+      </p:grpSpPr>
       <p:sp>
         <p:nvSpPr>
           <p:cNvPr id="2" name="标题 1"/>
@@ -4893,12 +4888,12 @@
         <p:spPr/>
         <p:txBody>
           <a:bodyPr/>
+          <a:lstStyle/>
           <a:p>
             <a:r>
               <a:rPr lang="en-US" altLang="zh-CN"/>
               <a:t>对于系统的能观性，如何检索思考？</a:t>
             </a:r>
-            <a:endParaRPr lang="en-US" altLang="zh-CN"/>
           </a:p>
         </p:txBody>
       </p:sp>
@@ -4915,6 +4910,7 @@
         <p:spPr/>
         <p:txBody>
           <a:bodyPr/>
+          <a:lstStyle/>
           <a:p>
             <a:pPr marL="514350" indent="-514350">
               <a:buAutoNum type="arabicPeriod"/>
@@ -4923,7 +4919,6 @@
               <a:rPr lang="en-US" altLang="zh-CN"/>
               <a:t>如何用大白话说出能观性的含义？——能否通过观测变量唯一地确定系统状态</a:t>
             </a:r>
-            <a:endParaRPr lang="en-US" altLang="zh-CN"/>
           </a:p>
           <a:p>
             <a:pPr marL="514350" indent="-514350">
@@ -4941,7 +4936,6 @@
               <a:rPr lang="en-US" altLang="zh-CN"/>
               <a:t>) = N(K+1)</a:t>
             </a:r>
-            <a:endParaRPr lang="en-US" altLang="zh-CN"/>
           </a:p>
           <a:p>
             <a:pPr marL="514350" indent="-514350">
@@ -4951,7 +4945,6 @@
               <a:rPr lang="en-US" altLang="zh-CN"/>
               <a:t>如果有先验，是什么情形？</a:t>
             </a:r>
-            <a:endParaRPr lang="en-US" altLang="zh-CN"/>
           </a:p>
           <a:p>
             <a:pPr marL="514350" indent="-514350">
@@ -4961,7 +4954,6 @@
               <a:rPr lang="en-US" altLang="zh-CN"/>
               <a:t>如果没有先验，又会是什么情形？</a:t>
             </a:r>
-            <a:endParaRPr lang="en-US" altLang="zh-CN"/>
           </a:p>
         </p:txBody>
       </p:sp>
@@ -4982,7 +4974,14 @@
         <p:cNvGrpSpPr/>
         <p:nvPr/>
       </p:nvGrpSpPr>
-      <p:grpSpPr/>
+      <p:grpSpPr>
+        <a:xfrm>
+          <a:off x="0" y="0"/>
+          <a:ext cx="0" cy="0"/>
+          <a:chOff x="0" y="0"/>
+          <a:chExt cx="0" cy="0"/>
+        </a:xfrm>
+      </p:grpSpPr>
       <p:sp>
         <p:nvSpPr>
           <p:cNvPr id="2" name="标题 1"/>
@@ -4996,12 +4995,12 @@
         <p:spPr/>
         <p:txBody>
           <a:bodyPr/>
+          <a:lstStyle/>
           <a:p>
             <a:r>
               <a:rPr lang="en-US" altLang="zh-CN"/>
               <a:t>MAP估计的协方差是什么？</a:t>
             </a:r>
-            <a:endParaRPr lang="en-US" altLang="zh-CN"/>
           </a:p>
         </p:txBody>
       </p:sp>
@@ -5018,6 +5017,7 @@
         <p:spPr/>
         <p:txBody>
           <a:bodyPr/>
+          <a:lstStyle/>
           <a:p>
             <a:pPr marL="0" indent="0">
               <a:buNone/>
@@ -5026,7 +5026,6 @@
               <a:rPr lang="en-US" altLang="zh-CN"/>
               <a:t>后验的逆 = </a:t>
             </a:r>
-            <a:endParaRPr lang="en-US" altLang="zh-CN"/>
           </a:p>
           <a:p>
             <a:pPr marL="0" indent="0">
@@ -5051,7 +5050,7 @@
           <p:nvPr/>
         </p:nvPicPr>
         <p:blipFill>
-          <a:blip r:embed="rId1"/>
+          <a:blip r:embed="rId2"/>
           <a:stretch>
             <a:fillRect/>
           </a:stretch>
@@ -5075,7 +5074,7 @@
           <p:nvPr/>
         </p:nvPicPr>
         <p:blipFill>
-          <a:blip r:embed="rId2"/>
+          <a:blip r:embed="rId3"/>
           <a:stretch>
             <a:fillRect/>
           </a:stretch>
@@ -5107,7 +5106,14 @@
         <p:cNvGrpSpPr/>
         <p:nvPr/>
       </p:nvGrpSpPr>
-      <p:grpSpPr/>
+      <p:grpSpPr>
+        <a:xfrm>
+          <a:off x="0" y="0"/>
+          <a:ext cx="0" cy="0"/>
+          <a:chOff x="0" y="0"/>
+          <a:chExt cx="0" cy="0"/>
+        </a:xfrm>
+      </p:grpSpPr>
       <p:sp>
         <p:nvSpPr>
           <p:cNvPr id="2" name="标题 1"/>
@@ -5121,12 +5127,12 @@
         <p:spPr/>
         <p:txBody>
           <a:bodyPr/>
+          <a:lstStyle/>
           <a:p>
             <a:r>
               <a:rPr lang="en-US" altLang="zh-CN"/>
               <a:t>递归平滑算法的使命是什么？</a:t>
             </a:r>
-            <a:endParaRPr lang="en-US" altLang="zh-CN"/>
           </a:p>
         </p:txBody>
       </p:sp>
@@ -5143,19 +5149,18 @@
         <p:spPr/>
         <p:txBody>
           <a:bodyPr/>
+          <a:lstStyle/>
           <a:p>
             <a:r>
               <a:rPr lang="en-US" altLang="zh-CN"/>
               <a:t>我们想得到递归问题的解法</a:t>
             </a:r>
-            <a:endParaRPr lang="en-US" altLang="zh-CN"/>
           </a:p>
           <a:p>
             <a:r>
               <a:rPr lang="en-US" altLang="zh-CN"/>
               <a:t>我们想要从批量问题的解决方案中，推导处递归问题的解决方案</a:t>
             </a:r>
-            <a:endParaRPr lang="en-US" altLang="zh-CN"/>
           </a:p>
         </p:txBody>
       </p:sp>
@@ -5176,7 +5181,14 @@
         <p:cNvGrpSpPr/>
         <p:nvPr/>
       </p:nvGrpSpPr>
-      <p:grpSpPr/>
+      <p:grpSpPr>
+        <a:xfrm>
+          <a:off x="0" y="0"/>
+          <a:ext cx="0" cy="0"/>
+          <a:chOff x="0" y="0"/>
+          <a:chExt cx="0" cy="0"/>
+        </a:xfrm>
+      </p:grpSpPr>
       <p:sp>
         <p:nvSpPr>
           <p:cNvPr id="2" name="标题 1"/>
@@ -5190,12 +5202,12 @@
         <p:spPr/>
         <p:txBody>
           <a:bodyPr/>
+          <a:lstStyle/>
           <a:p>
             <a:r>
               <a:rPr lang="en-US" altLang="zh-CN"/>
               <a:t>递归平滑算法的方法和步骤是怎样的？</a:t>
             </a:r>
-            <a:endParaRPr lang="en-US" altLang="zh-CN"/>
           </a:p>
         </p:txBody>
       </p:sp>
@@ -5217,19 +5229,18 @@
         </p:spPr>
         <p:txBody>
           <a:bodyPr/>
+          <a:lstStyle/>
           <a:p>
             <a:r>
               <a:rPr lang="en-US" altLang="zh-CN"/>
               <a:t>方法：cholosky分解</a:t>
             </a:r>
-            <a:endParaRPr lang="en-US" altLang="zh-CN"/>
           </a:p>
           <a:p>
             <a:r>
               <a:rPr lang="en-US" altLang="zh-CN"/>
               <a:t>步骤：</a:t>
             </a:r>
-            <a:endParaRPr lang="en-US" altLang="zh-CN"/>
           </a:p>
           <a:p>
             <a:pPr marL="0" indent="0">
@@ -5254,7 +5265,7 @@
           <p:nvPr/>
         </p:nvPicPr>
         <p:blipFill>
-          <a:blip r:embed="rId1"/>
+          <a:blip r:embed="rId2"/>
           <a:stretch>
             <a:fillRect/>
           </a:stretch>
@@ -5286,7 +5297,14 @@
         <p:cNvGrpSpPr/>
         <p:nvPr/>
       </p:nvGrpSpPr>
-      <p:grpSpPr/>
+      <p:grpSpPr>
+        <a:xfrm>
+          <a:off x="0" y="0"/>
+          <a:ext cx="0" cy="0"/>
+          <a:chOff x="0" y="0"/>
+          <a:chExt cx="0" cy="0"/>
+        </a:xfrm>
+      </p:grpSpPr>
       <p:sp>
         <p:nvSpPr>
           <p:cNvPr id="2" name="标题 1"/>
@@ -5300,14 +5318,14 @@
         <p:spPr/>
         <p:txBody>
           <a:bodyPr>
-            <a:normAutofit fontScale="90000"/>
+            <a:normAutofit/>
           </a:bodyPr>
+          <a:lstStyle/>
           <a:p>
             <a:r>
               <a:rPr lang="en-US" altLang="zh-CN"/>
               <a:t>我一直说要背的卡尔曼增益三公式，是什么？</a:t>
             </a:r>
-            <a:endParaRPr lang="en-US" altLang="zh-CN"/>
           </a:p>
         </p:txBody>
       </p:sp>
@@ -5324,12 +5342,12 @@
         <p:spPr/>
         <p:txBody>
           <a:bodyPr/>
+          <a:lstStyle/>
           <a:p>
             <a:r>
               <a:rPr lang="en-US" altLang="zh-CN"/>
               <a:t>一定要记住的是定义式：</a:t>
             </a:r>
-            <a:endParaRPr lang="en-US" altLang="zh-CN"/>
           </a:p>
           <a:p>
             <a:pPr marL="0" indent="0">
@@ -5339,7 +5357,6 @@
               <a:rPr lang="en-US" altLang="zh-CN"/>
               <a:t>K = 后验协方差 × 观测矩阵转置 × 观测协方差的逆</a:t>
             </a:r>
-            <a:endParaRPr lang="en-US" altLang="zh-CN"/>
           </a:p>
           <a:p>
             <a:pPr marL="0" indent="0">
@@ -5349,7 +5366,6 @@
               <a:rPr lang="en-US" altLang="zh-CN"/>
               <a:t>协方差传播率：</a:t>
             </a:r>
-            <a:endParaRPr lang="en-US" altLang="zh-CN"/>
           </a:p>
           <a:p>
             <a:pPr marL="0" indent="0">
@@ -5359,7 +5375,6 @@
               <a:rPr lang="en-US" altLang="zh-CN"/>
               <a:t>后验信息矩阵 = 先验信息矩阵 + 转换后的观测协方差矩阵</a:t>
             </a:r>
-            <a:endParaRPr lang="en-US" altLang="zh-CN"/>
           </a:p>
           <a:p>
             <a:pPr marL="0" indent="0">
@@ -5372,7 +5387,6 @@
               <a:rPr lang="en-US" altLang="zh-CN"/>
               <a:t>上面的信息结合，再使用SMW公式，就能得到三个K的定义</a:t>
             </a:r>
-            <a:endParaRPr lang="en-US" altLang="zh-CN"/>
           </a:p>
         </p:txBody>
       </p:sp>
@@ -5393,7 +5407,14 @@
         <p:cNvGrpSpPr/>
         <p:nvPr/>
       </p:nvGrpSpPr>
-      <p:grpSpPr/>
+      <p:grpSpPr>
+        <a:xfrm>
+          <a:off x="0" y="0"/>
+          <a:ext cx="0" cy="0"/>
+          <a:chOff x="0" y="0"/>
+          <a:chExt cx="0" cy="0"/>
+        </a:xfrm>
+      </p:grpSpPr>
       <p:sp>
         <p:nvSpPr>
           <p:cNvPr id="2" name="标题 1"/>
@@ -5407,12 +5428,12 @@
         <p:spPr/>
         <p:txBody>
           <a:bodyPr/>
+          <a:lstStyle/>
           <a:p>
             <a:r>
               <a:rPr lang="en-US" altLang="zh-CN"/>
               <a:t>状态估计是干什么用的？</a:t>
             </a:r>
-            <a:endParaRPr lang="en-US" altLang="zh-CN"/>
           </a:p>
         </p:txBody>
       </p:sp>
@@ -5429,19 +5450,18 @@
         <p:spPr/>
         <p:txBody>
           <a:bodyPr/>
+          <a:lstStyle/>
           <a:p>
             <a:r>
               <a:rPr lang="en-US" altLang="zh-CN"/>
               <a:t>机器人、自动驾驶、无人机的刚性需求，从目标状态到系统状态</a:t>
             </a:r>
-            <a:endParaRPr lang="en-US" altLang="zh-CN"/>
           </a:p>
           <a:p>
             <a:r>
               <a:rPr lang="en-US" altLang="zh-CN"/>
               <a:t>闭环反馈链：</a:t>
             </a:r>
-            <a:endParaRPr lang="en-US" altLang="zh-CN"/>
           </a:p>
           <a:p>
             <a:pPr marL="0" indent="0">
@@ -5451,7 +5471,6 @@
               <a:rPr lang="en-US" altLang="zh-CN"/>
               <a:t>	目标状态 → 控制算法 → 控制对象 → 系统状态</a:t>
             </a:r>
-            <a:endParaRPr lang="en-US" altLang="zh-CN"/>
           </a:p>
           <a:p>
             <a:pPr marL="0" indent="0">
@@ -5461,21 +5480,18 @@
               <a:rPr lang="en-US" altLang="zh-CN"/>
               <a:t>	状态估计就是系统状态到控制算法的反馈</a:t>
             </a:r>
-            <a:endParaRPr lang="en-US" altLang="zh-CN"/>
           </a:p>
           <a:p>
             <a:r>
               <a:rPr lang="en-US" altLang="zh-CN"/>
               <a:t>以最好的方式利用传感器！</a:t>
             </a:r>
-            <a:endParaRPr lang="en-US" altLang="zh-CN"/>
           </a:p>
           <a:p>
             <a:r>
               <a:rPr lang="en-US" altLang="zh-CN"/>
               <a:t>根据先验和测量，对系统的内在状态进行某种最优重构</a:t>
             </a:r>
-            <a:endParaRPr lang="en-US" altLang="zh-CN"/>
           </a:p>
         </p:txBody>
       </p:sp>
@@ -5496,7 +5512,14 @@
         <p:cNvGrpSpPr/>
         <p:nvPr/>
       </p:nvGrpSpPr>
-      <p:grpSpPr/>
+      <p:grpSpPr>
+        <a:xfrm>
+          <a:off x="0" y="0"/>
+          <a:ext cx="0" cy="0"/>
+          <a:chOff x="0" y="0"/>
+          <a:chExt cx="0" cy="0"/>
+        </a:xfrm>
+      </p:grpSpPr>
       <p:sp>
         <p:nvSpPr>
           <p:cNvPr id="2" name="标题 1"/>
@@ -5510,6 +5533,7 @@
         <p:spPr/>
         <p:txBody>
           <a:bodyPr/>
+          <a:lstStyle/>
           <a:p>
             <a:r>
               <a:rPr lang="en-US" altLang="zh-CN"/>
@@ -5523,7 +5547,6 @@
               <a:rPr lang="en-US" altLang="zh-CN"/>
               <a:t>的数学本质？</a:t>
             </a:r>
-            <a:endParaRPr lang="en-US" altLang="zh-CN"/>
           </a:p>
         </p:txBody>
       </p:sp>
@@ -5545,40 +5568,36 @@
         </p:spPr>
         <p:txBody>
           <a:bodyPr/>
+          <a:lstStyle/>
           <a:p>
             <a:r>
               <a:rPr lang="en-US" altLang="zh-CN"/>
               <a:t>本质是什么呢？</a:t>
             </a:r>
-            <a:endParaRPr lang="en-US" altLang="zh-CN"/>
           </a:p>
           <a:p>
             <a:r>
               <a:rPr lang="en-US" altLang="zh-CN"/>
               <a:t>预估阶段是一个函数变换！</a:t>
             </a:r>
-            <a:endParaRPr lang="en-US" altLang="zh-CN"/>
           </a:p>
           <a:p>
             <a:r>
               <a:rPr lang="en-US" altLang="zh-CN"/>
               <a:t>校正阶段是一个高斯归一化积！</a:t>
             </a:r>
-            <a:endParaRPr lang="en-US" altLang="zh-CN"/>
           </a:p>
           <a:p>
             <a:r>
               <a:rPr lang="en-US" altLang="zh-CN"/>
               <a:t>更具体地说，预估阶段是高斯分布的线性或非线性变换；而观测阶段是高斯分布的乘积！！这是一个决定性的性质，它决定了卡尔曼滤波的方方面面</a:t>
             </a:r>
-            <a:endParaRPr lang="en-US" altLang="zh-CN"/>
           </a:p>
           <a:p>
             <a:r>
               <a:rPr lang="en-US" altLang="zh-CN"/>
               <a:t>比如先验的协方差传播是函数形式，后验的协方差传播却是一个明显的高斯分布乘积</a:t>
             </a:r>
-            <a:endParaRPr lang="en-US" altLang="zh-CN"/>
           </a:p>
           <a:p>
             <a:endParaRPr lang="en-US" altLang="zh-CN"/>
@@ -5594,7 +5613,7 @@
           <p:nvPr/>
         </p:nvPicPr>
         <p:blipFill>
-          <a:blip r:embed="rId1"/>
+          <a:blip r:embed="rId2"/>
           <a:stretch>
             <a:fillRect/>
           </a:stretch>
@@ -5626,7 +5645,14 @@
         <p:cNvGrpSpPr/>
         <p:nvPr/>
       </p:nvGrpSpPr>
-      <p:grpSpPr/>
+      <p:grpSpPr>
+        <a:xfrm>
+          <a:off x="0" y="0"/>
+          <a:ext cx="0" cy="0"/>
+          <a:chOff x="0" y="0"/>
+          <a:chExt cx="0" cy="0"/>
+        </a:xfrm>
+      </p:grpSpPr>
       <p:sp>
         <p:nvSpPr>
           <p:cNvPr id="2" name="标题 1"/>
@@ -5645,14 +5671,14 @@
         </p:spPr>
         <p:txBody>
           <a:bodyPr>
-            <a:normAutofit fontScale="90000"/>
+            <a:normAutofit/>
           </a:bodyPr>
+          <a:lstStyle/>
           <a:p>
             <a:r>
               <a:rPr lang="en-US" altLang="zh-CN"/>
               <a:t>卡尔曼增益后验均值和方差的更新是什么形式？</a:t>
             </a:r>
-            <a:endParaRPr lang="en-US" altLang="zh-CN"/>
           </a:p>
         </p:txBody>
       </p:sp>
@@ -5660,14 +5686,14 @@
         <p:nvPicPr>
           <p:cNvPr id="4" name="内容占位符 3"/>
           <p:cNvPicPr>
-            <a:picLocks noChangeAspect="1"/>
+            <a:picLocks noGrp="1" noChangeAspect="1"/>
           </p:cNvPicPr>
           <p:nvPr>
             <p:ph idx="1"/>
           </p:nvPr>
         </p:nvPicPr>
         <p:blipFill>
-          <a:blip r:embed="rId1"/>
+          <a:blip r:embed="rId2"/>
           <a:stretch>
             <a:fillRect/>
           </a:stretch>
@@ -5691,7 +5717,7 @@
           <p:nvPr/>
         </p:nvPicPr>
         <p:blipFill>
-          <a:blip r:embed="rId2"/>
+          <a:blip r:embed="rId3"/>
           <a:stretch>
             <a:fillRect/>
           </a:stretch>
@@ -5723,7 +5749,14 @@
         <p:cNvGrpSpPr/>
         <p:nvPr/>
       </p:nvGrpSpPr>
-      <p:grpSpPr/>
+      <p:grpSpPr>
+        <a:xfrm>
+          <a:off x="0" y="0"/>
+          <a:ext cx="0" cy="0"/>
+          <a:chOff x="0" y="0"/>
+          <a:chExt cx="0" cy="0"/>
+        </a:xfrm>
+      </p:grpSpPr>
       <p:sp>
         <p:nvSpPr>
           <p:cNvPr id="2" name="标题 1"/>
@@ -5737,77 +5770,72 @@
         <p:spPr/>
         <p:txBody>
           <a:bodyPr>
-            <a:normAutofit fontScale="90000"/>
+            <a:normAutofit/>
           </a:bodyPr>
+          <a:lstStyle/>
           <a:p>
             <a:r>
               <a:rPr lang="en-US" altLang="zh-CN"/>
               <a:t>不带卡尔曼增益K的卡尔曼滤波是什么形式？</a:t>
             </a:r>
+          </a:p>
+        </p:txBody>
+      </p:sp>
+      <p:sp>
+        <p:nvSpPr>
+          <p:cNvPr id="3" name="内容占位符 2"/>
+          <p:cNvSpPr>
+            <a:spLocks noGrp="1"/>
+          </p:cNvSpPr>
+          <p:nvPr>
+            <p:ph idx="1"/>
+          </p:nvPr>
+        </p:nvSpPr>
+        <p:spPr/>
+        <p:txBody>
+          <a:bodyPr/>
+          <a:lstStyle/>
+          <a:p>
+            <a:r>
+              <a:rPr lang="en-US" altLang="zh-CN"/>
+              <a:t>先验 ： </a:t>
+            </a:r>
+          </a:p>
+          <a:p>
+            <a:r>
+              <a:rPr lang="en-US" altLang="zh-CN"/>
+              <a:t>均值（略）</a:t>
+            </a:r>
+          </a:p>
+          <a:p>
+            <a:r>
+              <a:rPr lang="en-US" altLang="zh-CN"/>
+              <a:t>协方差：函数传递</a:t>
+            </a:r>
+          </a:p>
+          <a:p>
             <a:endParaRPr lang="en-US" altLang="zh-CN"/>
           </a:p>
-        </p:txBody>
-      </p:sp>
-      <p:sp>
-        <p:nvSpPr>
-          <p:cNvPr id="3" name="内容占位符 2"/>
-          <p:cNvSpPr>
-            <a:spLocks noGrp="1"/>
-          </p:cNvSpPr>
-          <p:nvPr>
-            <p:ph idx="1"/>
-          </p:nvPr>
-        </p:nvSpPr>
-        <p:spPr/>
-        <p:txBody>
-          <a:bodyPr/>
-          <a:p>
-            <a:r>
-              <a:rPr lang="en-US" altLang="zh-CN"/>
-              <a:t>先验 ： </a:t>
-            </a:r>
+          <a:p>
             <a:endParaRPr lang="en-US" altLang="zh-CN"/>
           </a:p>
           <a:p>
             <a:r>
               <a:rPr lang="en-US" altLang="zh-CN"/>
-              <a:t>均值（略）</a:t>
-            </a:r>
-            <a:endParaRPr lang="en-US" altLang="zh-CN"/>
-          </a:p>
-          <a:p>
-            <a:r>
-              <a:rPr lang="en-US" altLang="zh-CN"/>
-              <a:t>协方差：函数传递</a:t>
-            </a:r>
-            <a:endParaRPr lang="en-US" altLang="zh-CN"/>
-          </a:p>
-          <a:p>
-            <a:endParaRPr lang="en-US" altLang="zh-CN"/>
-          </a:p>
-          <a:p>
-            <a:endParaRPr lang="en-US" altLang="zh-CN"/>
-          </a:p>
-          <a:p>
-            <a:r>
-              <a:rPr lang="en-US" altLang="zh-CN"/>
               <a:t>后验：</a:t>
             </a:r>
-            <a:endParaRPr lang="en-US" altLang="zh-CN"/>
           </a:p>
           <a:p>
             <a:r>
               <a:rPr lang="en-US" altLang="zh-CN"/>
               <a:t>均值：</a:t>
             </a:r>
-            <a:endParaRPr lang="en-US" altLang="zh-CN"/>
           </a:p>
           <a:p>
             <a:r>
               <a:rPr lang="en-US" altLang="zh-CN"/>
               <a:t>协方差：高斯归一化积 </a:t>
             </a:r>
-            <a:endParaRPr lang="en-US" altLang="zh-CN"/>
           </a:p>
         </p:txBody>
       </p:sp>
@@ -5820,7 +5848,7 @@
           <p:nvPr/>
         </p:nvPicPr>
         <p:blipFill>
-          <a:blip r:embed="rId1"/>
+          <a:blip r:embed="rId2"/>
           <a:stretch>
             <a:fillRect/>
           </a:stretch>
@@ -5844,7 +5872,7 @@
           <p:nvPr/>
         </p:nvPicPr>
         <p:blipFill>
-          <a:blip r:embed="rId2"/>
+          <a:blip r:embed="rId3"/>
           <a:stretch>
             <a:fillRect/>
           </a:stretch>
@@ -5868,7 +5896,7 @@
           <p:nvPr/>
         </p:nvPicPr>
         <p:blipFill>
-          <a:blip r:embed="rId3"/>
+          <a:blip r:embed="rId4"/>
           <a:stretch>
             <a:fillRect/>
           </a:stretch>
@@ -5900,7 +5928,14 @@
         <p:cNvGrpSpPr/>
         <p:nvPr/>
       </p:nvGrpSpPr>
-      <p:grpSpPr/>
+      <p:grpSpPr>
+        <a:xfrm>
+          <a:off x="0" y="0"/>
+          <a:ext cx="0" cy="0"/>
+          <a:chOff x="0" y="0"/>
+          <a:chExt cx="0" cy="0"/>
+        </a:xfrm>
+      </p:grpSpPr>
       <p:sp>
         <p:nvSpPr>
           <p:cNvPr id="2" name="标题 1"/>
@@ -5914,12 +5949,12 @@
         <p:spPr/>
         <p:txBody>
           <a:bodyPr/>
+          <a:lstStyle/>
           <a:p>
             <a:r>
               <a:rPr lang="en-US" altLang="zh-CN"/>
               <a:t>老问题：带卡尔曼增益的经典形式是什么？</a:t>
             </a:r>
-            <a:endParaRPr lang="en-US" altLang="zh-CN"/>
           </a:p>
         </p:txBody>
       </p:sp>
@@ -5927,14 +5962,14 @@
         <p:nvPicPr>
           <p:cNvPr id="4" name="内容占位符 3"/>
           <p:cNvPicPr>
-            <a:picLocks noChangeAspect="1"/>
+            <a:picLocks noGrp="1" noChangeAspect="1"/>
           </p:cNvPicPr>
           <p:nvPr>
             <p:ph idx="1"/>
           </p:nvPr>
         </p:nvPicPr>
         <p:blipFill>
-          <a:blip r:embed="rId1"/>
+          <a:blip r:embed="rId2"/>
           <a:stretch>
             <a:fillRect/>
           </a:stretch>
@@ -5966,7 +6001,14 @@
         <p:cNvGrpSpPr/>
         <p:nvPr/>
       </p:nvGrpSpPr>
-      <p:grpSpPr/>
+      <p:grpSpPr>
+        <a:xfrm>
+          <a:off x="0" y="0"/>
+          <a:ext cx="0" cy="0"/>
+          <a:chOff x="0" y="0"/>
+          <a:chExt cx="0" cy="0"/>
+        </a:xfrm>
+      </p:grpSpPr>
       <p:sp>
         <p:nvSpPr>
           <p:cNvPr id="2" name="标题 1"/>
@@ -5980,12 +6022,12 @@
         <p:spPr/>
         <p:txBody>
           <a:bodyPr/>
+          <a:lstStyle/>
           <a:p>
             <a:r>
               <a:rPr lang="en-US" altLang="zh-CN"/>
               <a:t>如何通过MAP来推导得出卡尔曼滤波？</a:t>
             </a:r>
-            <a:endParaRPr lang="en-US" altLang="zh-CN"/>
           </a:p>
         </p:txBody>
       </p:sp>
@@ -6002,12 +6044,12 @@
         <p:spPr/>
         <p:txBody>
           <a:bodyPr/>
+          <a:lstStyle/>
           <a:p>
             <a:r>
               <a:rPr lang="en-US" altLang="zh-CN"/>
               <a:t>关键：问题如何定义？</a:t>
             </a:r>
-            <a:endParaRPr lang="en-US" altLang="zh-CN"/>
           </a:p>
         </p:txBody>
       </p:sp>
@@ -6028,7 +6070,14 @@
         <p:cNvGrpSpPr/>
         <p:nvPr/>
       </p:nvGrpSpPr>
-      <p:grpSpPr/>
+      <p:grpSpPr>
+        <a:xfrm>
+          <a:off x="0" y="0"/>
+          <a:ext cx="0" cy="0"/>
+          <a:chOff x="0" y="0"/>
+          <a:chExt cx="0" cy="0"/>
+        </a:xfrm>
+      </p:grpSpPr>
       <p:sp>
         <p:nvSpPr>
           <p:cNvPr id="2" name="标题 1"/>
@@ -6042,12 +6091,12 @@
         <p:spPr/>
         <p:txBody>
           <a:bodyPr/>
+          <a:lstStyle/>
           <a:p>
             <a:r>
               <a:rPr lang="en-US" altLang="zh-CN"/>
               <a:t>如何通过贝叶斯推断得到卡尔曼滤波？</a:t>
             </a:r>
-            <a:endParaRPr lang="en-US" altLang="zh-CN"/>
           </a:p>
         </p:txBody>
       </p:sp>
@@ -6064,12 +6113,12 @@
         <p:spPr/>
         <p:txBody>
           <a:bodyPr/>
+          <a:lstStyle/>
           <a:p>
             <a:r>
               <a:rPr lang="en-US" altLang="zh-CN"/>
               <a:t>关键：问题如何定义</a:t>
             </a:r>
-            <a:endParaRPr lang="en-US" altLang="zh-CN"/>
           </a:p>
         </p:txBody>
       </p:sp>
@@ -6090,7 +6139,14 @@
         <p:cNvGrpSpPr/>
         <p:nvPr/>
       </p:nvGrpSpPr>
-      <p:grpSpPr/>
+      <p:grpSpPr>
+        <a:xfrm>
+          <a:off x="0" y="0"/>
+          <a:ext cx="0" cy="0"/>
+          <a:chOff x="0" y="0"/>
+          <a:chExt cx="0" cy="0"/>
+        </a:xfrm>
+      </p:grpSpPr>
       <p:sp>
         <p:nvSpPr>
           <p:cNvPr id="2" name="标题 1"/>
@@ -6104,12 +6160,12 @@
         <p:spPr/>
         <p:txBody>
           <a:bodyPr/>
+          <a:lstStyle/>
           <a:p>
             <a:r>
               <a:rPr lang="" altLang="zh-CN"/>
               <a:t>第三章 非线性系统</a:t>
             </a:r>
-            <a:endParaRPr lang="" altLang="zh-CN"/>
           </a:p>
         </p:txBody>
       </p:sp>
@@ -6126,12 +6182,496 @@
         <p:spPr/>
         <p:txBody>
           <a:bodyPr/>
-          <a:p>
-            <a:endParaRPr lang="zh-CN" altLang="en-US"/>
+          <a:lstStyle/>
+          <a:p>
+            <a:endParaRPr lang="zh-CN" altLang="en-US" dirty="0"/>
           </a:p>
         </p:txBody>
       </p:sp>
     </p:spTree>
+  </p:cSld>
+  <p:clrMapOvr>
+    <a:masterClrMapping/>
+  </p:clrMapOvr>
+</p:sld>
+</file>
+
+<file path=ppt/slides/slide37.xml><?xml version="1.0" encoding="utf-8"?>
+<p:sld xmlns:a="http://schemas.openxmlformats.org/drawingml/2006/main" xmlns:r="http://schemas.openxmlformats.org/officeDocument/2006/relationships" xmlns:p="http://schemas.openxmlformats.org/presentationml/2006/main">
+  <p:cSld>
+    <p:spTree>
+      <p:nvGrpSpPr>
+        <p:cNvPr id="1" name=""/>
+        <p:cNvGrpSpPr/>
+        <p:nvPr/>
+      </p:nvGrpSpPr>
+      <p:grpSpPr>
+        <a:xfrm>
+          <a:off x="0" y="0"/>
+          <a:ext cx="0" cy="0"/>
+          <a:chOff x="0" y="0"/>
+          <a:chExt cx="0" cy="0"/>
+        </a:xfrm>
+      </p:grpSpPr>
+      <p:sp>
+        <p:nvSpPr>
+          <p:cNvPr id="2" name="标题 1">
+            <a:extLst>
+              <a:ext uri="{FF2B5EF4-FFF2-40B4-BE49-F238E27FC236}">
+                <a16:creationId xmlns:a16="http://schemas.microsoft.com/office/drawing/2014/main" id="{9A3768FF-F1E9-477F-9322-C0FB247BEFBE}"/>
+              </a:ext>
+            </a:extLst>
+          </p:cNvPr>
+          <p:cNvSpPr>
+            <a:spLocks noGrp="1"/>
+          </p:cNvSpPr>
+          <p:nvPr>
+            <p:ph type="title"/>
+          </p:nvPr>
+        </p:nvSpPr>
+        <p:spPr/>
+        <p:txBody>
+          <a:bodyPr/>
+          <a:lstStyle/>
+          <a:p>
+            <a:r>
+              <a:rPr lang="zh-CN" altLang="en-US" dirty="0"/>
+              <a:t>关于马尔可夫性和贝叶斯滤波，你能理解吗？</a:t>
+            </a:r>
+          </a:p>
+        </p:txBody>
+      </p:sp>
+      <p:sp>
+        <p:nvSpPr>
+          <p:cNvPr id="3" name="内容占位符 2">
+            <a:extLst>
+              <a:ext uri="{FF2B5EF4-FFF2-40B4-BE49-F238E27FC236}">
+                <a16:creationId xmlns:a16="http://schemas.microsoft.com/office/drawing/2014/main" id="{88EF8E0C-CB38-4EA7-A0EE-0D2FBAC1A6BF}"/>
+              </a:ext>
+            </a:extLst>
+          </p:cNvPr>
+          <p:cNvSpPr>
+            <a:spLocks noGrp="1"/>
+          </p:cNvSpPr>
+          <p:nvPr>
+            <p:ph idx="1"/>
+          </p:nvPr>
+        </p:nvSpPr>
+        <p:spPr/>
+        <p:txBody>
+          <a:bodyPr/>
+          <a:lstStyle/>
+          <a:p>
+            <a:r>
+              <a:rPr lang="zh-CN" altLang="en-US" dirty="0"/>
+              <a:t>马尔可夫性指的是，由</a:t>
+            </a:r>
+            <a:r>
+              <a:rPr lang="en-US" altLang="zh-CN" dirty="0"/>
+              <a:t>k-1</a:t>
+            </a:r>
+            <a:r>
+              <a:rPr lang="zh-CN" altLang="en-US" dirty="0"/>
+              <a:t>时刻就可以推得</a:t>
+            </a:r>
+            <a:r>
+              <a:rPr lang="en-US" altLang="zh-CN" dirty="0"/>
+              <a:t>k</a:t>
+            </a:r>
+            <a:r>
+              <a:rPr lang="zh-CN" altLang="en-US" dirty="0"/>
+              <a:t>时刻</a:t>
+            </a:r>
+            <a:endParaRPr lang="en-US" altLang="zh-CN" dirty="0"/>
+          </a:p>
+          <a:p>
+            <a:endParaRPr lang="en-US" altLang="zh-CN" dirty="0"/>
+          </a:p>
+          <a:p>
+            <a:r>
+              <a:rPr lang="zh-CN" altLang="en-US" dirty="0"/>
+              <a:t>贝叶斯滤波其实就是在广义</a:t>
+            </a:r>
+            <a:r>
+              <a:rPr lang="en-US" altLang="zh-CN" dirty="0"/>
+              <a:t>pdf</a:t>
+            </a:r>
+            <a:r>
+              <a:rPr lang="zh-CN" altLang="en-US" dirty="0"/>
+              <a:t>上，定义了一个控制预估 </a:t>
+            </a:r>
+            <a:r>
+              <a:rPr lang="en-US" altLang="zh-CN" dirty="0"/>
+              <a:t>+ </a:t>
+            </a:r>
+            <a:r>
+              <a:rPr lang="zh-CN" altLang="en-US" dirty="0"/>
+              <a:t>观测矫正的过程</a:t>
+            </a:r>
+            <a:endParaRPr lang="en-US" altLang="zh-CN" dirty="0"/>
+          </a:p>
+          <a:p>
+            <a:endParaRPr lang="zh-CN" altLang="en-US" dirty="0"/>
+          </a:p>
+        </p:txBody>
+      </p:sp>
+      <p:pic>
+        <p:nvPicPr>
+          <p:cNvPr id="5" name="图片 4">
+            <a:extLst>
+              <a:ext uri="{FF2B5EF4-FFF2-40B4-BE49-F238E27FC236}">
+                <a16:creationId xmlns:a16="http://schemas.microsoft.com/office/drawing/2014/main" id="{6534064D-B5F6-49E2-929D-C53CFCA2C683}"/>
+              </a:ext>
+            </a:extLst>
+          </p:cNvPr>
+          <p:cNvPicPr>
+            <a:picLocks noChangeAspect="1"/>
+          </p:cNvPicPr>
+          <p:nvPr/>
+        </p:nvPicPr>
+        <p:blipFill>
+          <a:blip r:embed="rId2"/>
+          <a:stretch>
+            <a:fillRect/>
+          </a:stretch>
+        </p:blipFill>
+        <p:spPr>
+          <a:xfrm>
+            <a:off x="1185153" y="4212787"/>
+            <a:ext cx="7193903" cy="1699407"/>
+          </a:xfrm>
+          <a:prstGeom prst="rect">
+            <a:avLst/>
+          </a:prstGeom>
+        </p:spPr>
+      </p:pic>
+    </p:spTree>
+    <p:extLst>
+      <p:ext uri="{BB962C8B-B14F-4D97-AF65-F5344CB8AC3E}">
+        <p14:creationId xmlns:p14="http://schemas.microsoft.com/office/powerpoint/2010/main" val="3295291705"/>
+      </p:ext>
+    </p:extLst>
+  </p:cSld>
+  <p:clrMapOvr>
+    <a:masterClrMapping/>
+  </p:clrMapOvr>
+</p:sld>
+</file>
+
+<file path=ppt/slides/slide38.xml><?xml version="1.0" encoding="utf-8"?>
+<p:sld xmlns:a="http://schemas.openxmlformats.org/drawingml/2006/main" xmlns:r="http://schemas.openxmlformats.org/officeDocument/2006/relationships" xmlns:p="http://schemas.openxmlformats.org/presentationml/2006/main">
+  <p:cSld>
+    <p:spTree>
+      <p:nvGrpSpPr>
+        <p:cNvPr id="1" name=""/>
+        <p:cNvGrpSpPr/>
+        <p:nvPr/>
+      </p:nvGrpSpPr>
+      <p:grpSpPr>
+        <a:xfrm>
+          <a:off x="0" y="0"/>
+          <a:ext cx="0" cy="0"/>
+          <a:chOff x="0" y="0"/>
+          <a:chExt cx="0" cy="0"/>
+        </a:xfrm>
+      </p:grpSpPr>
+      <p:sp>
+        <p:nvSpPr>
+          <p:cNvPr id="2" name="标题 1">
+            <a:extLst>
+              <a:ext uri="{FF2B5EF4-FFF2-40B4-BE49-F238E27FC236}">
+                <a16:creationId xmlns:a16="http://schemas.microsoft.com/office/drawing/2014/main" id="{C1DB40B9-0A33-4723-B548-C74A534DD054}"/>
+              </a:ext>
+            </a:extLst>
+          </p:cNvPr>
+          <p:cNvSpPr>
+            <a:spLocks noGrp="1"/>
+          </p:cNvSpPr>
+          <p:nvPr>
+            <p:ph type="title"/>
+          </p:nvPr>
+        </p:nvSpPr>
+        <p:spPr/>
+        <p:txBody>
+          <a:bodyPr/>
+          <a:lstStyle/>
+          <a:p>
+            <a:r>
+              <a:rPr lang="zh-CN" altLang="en-US" dirty="0"/>
+              <a:t>都在说线性化，那么怎么做线性化？</a:t>
+            </a:r>
+          </a:p>
+        </p:txBody>
+      </p:sp>
+      <p:sp>
+        <p:nvSpPr>
+          <p:cNvPr id="3" name="内容占位符 2">
+            <a:extLst>
+              <a:ext uri="{FF2B5EF4-FFF2-40B4-BE49-F238E27FC236}">
+                <a16:creationId xmlns:a16="http://schemas.microsoft.com/office/drawing/2014/main" id="{E9C33860-1674-41BE-9815-A9C9D952051E}"/>
+              </a:ext>
+            </a:extLst>
+          </p:cNvPr>
+          <p:cNvSpPr>
+            <a:spLocks noGrp="1"/>
+          </p:cNvSpPr>
+          <p:nvPr>
+            <p:ph idx="1"/>
+          </p:nvPr>
+        </p:nvSpPr>
+        <p:spPr/>
+        <p:txBody>
+          <a:bodyPr/>
+          <a:lstStyle/>
+          <a:p>
+            <a:r>
+              <a:rPr lang="zh-CN" altLang="en-US" dirty="0"/>
+              <a:t>我们这里指的是非线性函数的线性化</a:t>
+            </a:r>
+            <a:endParaRPr lang="en-US" altLang="zh-CN" dirty="0"/>
+          </a:p>
+          <a:p>
+            <a:r>
+              <a:rPr lang="zh-CN" altLang="en-US" dirty="0"/>
+              <a:t>线性化一定有一个线性化工作点</a:t>
+            </a:r>
+            <a:endParaRPr lang="en-US" altLang="zh-CN" dirty="0"/>
+          </a:p>
+          <a:p>
+            <a:r>
+              <a:rPr lang="zh-CN" altLang="en-US" dirty="0"/>
+              <a:t>线性化指的是在工作点附近的线性化</a:t>
+            </a:r>
+            <a:endParaRPr lang="en-US" altLang="zh-CN" dirty="0"/>
+          </a:p>
+          <a:p>
+            <a:r>
+              <a:rPr lang="zh-CN" altLang="en-US" dirty="0"/>
+              <a:t>线性化指的是在工作点附近，用一个线性函数近似表示非线性函数</a:t>
+            </a:r>
+            <a:endParaRPr lang="en-US" altLang="zh-CN" dirty="0"/>
+          </a:p>
+          <a:p>
+            <a:r>
+              <a:rPr lang="zh-CN" altLang="en-US" dirty="0"/>
+              <a:t>理解到这里，才是方法：</a:t>
+            </a:r>
+            <a:endParaRPr lang="en-US" altLang="zh-CN" dirty="0"/>
+          </a:p>
+          <a:p>
+            <a:pPr marL="0" indent="0">
+              <a:buNone/>
+            </a:pPr>
+            <a:r>
+              <a:rPr lang="zh-CN" altLang="en-US" dirty="0"/>
+              <a:t>工作点附近 ： 非线性函数 ≈ 工作点函数值 </a:t>
+            </a:r>
+            <a:r>
+              <a:rPr lang="en-US" altLang="zh-CN" dirty="0"/>
+              <a:t>+ </a:t>
+            </a:r>
+            <a:r>
+              <a:rPr lang="zh-CN" altLang="en-US" dirty="0"/>
+              <a:t>自变量</a:t>
+            </a:r>
+            <a:r>
+              <a:rPr lang="en-US" altLang="zh-CN" dirty="0"/>
+              <a:t>1</a:t>
+            </a:r>
+            <a:r>
+              <a:rPr lang="zh-CN" altLang="en-US" dirty="0"/>
+              <a:t>雅可比 </a:t>
+            </a:r>
+            <a:r>
+              <a:rPr lang="en-US" altLang="zh-CN" dirty="0"/>
+              <a:t>× Δ</a:t>
+            </a:r>
+            <a:r>
+              <a:rPr lang="zh-CN" altLang="en-US" dirty="0"/>
+              <a:t>自变量</a:t>
+            </a:r>
+            <a:r>
+              <a:rPr lang="en-US" altLang="zh-CN" dirty="0"/>
+              <a:t>1 +</a:t>
+            </a:r>
+            <a:r>
+              <a:rPr lang="zh-CN" altLang="en-US" dirty="0"/>
+              <a:t>自变量</a:t>
+            </a:r>
+            <a:r>
+              <a:rPr lang="en-US" altLang="zh-CN" dirty="0"/>
+              <a:t>2</a:t>
+            </a:r>
+            <a:r>
+              <a:rPr lang="zh-CN" altLang="en-US" dirty="0"/>
+              <a:t>雅可比 </a:t>
+            </a:r>
+            <a:r>
+              <a:rPr lang="en-US" altLang="zh-CN" dirty="0"/>
+              <a:t>× Δ</a:t>
+            </a:r>
+            <a:r>
+              <a:rPr lang="zh-CN" altLang="en-US" dirty="0"/>
+              <a:t>自变量</a:t>
+            </a:r>
+            <a:r>
+              <a:rPr lang="en-US" altLang="zh-CN" dirty="0"/>
+              <a:t>2  + …</a:t>
+            </a:r>
+          </a:p>
+          <a:p>
+            <a:pPr marL="0" indent="0">
+              <a:buNone/>
+            </a:pPr>
+            <a:r>
+              <a:rPr lang="zh-CN" altLang="en-US" dirty="0"/>
+              <a:t>其实就是 </a:t>
+            </a:r>
+            <a:r>
+              <a:rPr lang="en-US" altLang="zh-CN" dirty="0"/>
+              <a:t>y = y0 + k(x-x0)</a:t>
+            </a:r>
+            <a:r>
+              <a:rPr lang="zh-CN" altLang="en-US" dirty="0"/>
+              <a:t>的升级版</a:t>
+            </a:r>
+            <a:endParaRPr lang="en-US" altLang="zh-CN" dirty="0"/>
+          </a:p>
+        </p:txBody>
+      </p:sp>
+    </p:spTree>
+    <p:extLst>
+      <p:ext uri="{BB962C8B-B14F-4D97-AF65-F5344CB8AC3E}">
+        <p14:creationId xmlns:p14="http://schemas.microsoft.com/office/powerpoint/2010/main" val="2934318808"/>
+      </p:ext>
+    </p:extLst>
+  </p:cSld>
+  <p:clrMapOvr>
+    <a:masterClrMapping/>
+  </p:clrMapOvr>
+</p:sld>
+</file>
+
+<file path=ppt/slides/slide39.xml><?xml version="1.0" encoding="utf-8"?>
+<p:sld xmlns:a="http://schemas.openxmlformats.org/drawingml/2006/main" xmlns:r="http://schemas.openxmlformats.org/officeDocument/2006/relationships" xmlns:p="http://schemas.openxmlformats.org/presentationml/2006/main">
+  <p:cSld>
+    <p:spTree>
+      <p:nvGrpSpPr>
+        <p:cNvPr id="1" name=""/>
+        <p:cNvGrpSpPr/>
+        <p:nvPr/>
+      </p:nvGrpSpPr>
+      <p:grpSpPr>
+        <a:xfrm>
+          <a:off x="0" y="0"/>
+          <a:ext cx="0" cy="0"/>
+          <a:chOff x="0" y="0"/>
+          <a:chExt cx="0" cy="0"/>
+        </a:xfrm>
+      </p:grpSpPr>
+      <p:sp>
+        <p:nvSpPr>
+          <p:cNvPr id="2" name="标题 1">
+            <a:extLst>
+              <a:ext uri="{FF2B5EF4-FFF2-40B4-BE49-F238E27FC236}">
+                <a16:creationId xmlns:a16="http://schemas.microsoft.com/office/drawing/2014/main" id="{9CC5C53C-A4AE-4364-9E26-06D3A87615EA}"/>
+              </a:ext>
+            </a:extLst>
+          </p:cNvPr>
+          <p:cNvSpPr>
+            <a:spLocks noGrp="1"/>
+          </p:cNvSpPr>
+          <p:nvPr>
+            <p:ph type="title"/>
+          </p:nvPr>
+        </p:nvSpPr>
+        <p:spPr/>
+        <p:txBody>
+          <a:bodyPr/>
+          <a:lstStyle/>
+          <a:p>
+            <a:r>
+              <a:rPr lang="zh-CN" altLang="en-US" dirty="0"/>
+              <a:t>在状态估计里面，怎么做线性化？</a:t>
+            </a:r>
+          </a:p>
+        </p:txBody>
+      </p:sp>
+      <p:sp>
+        <p:nvSpPr>
+          <p:cNvPr id="3" name="内容占位符 2">
+            <a:extLst>
+              <a:ext uri="{FF2B5EF4-FFF2-40B4-BE49-F238E27FC236}">
+                <a16:creationId xmlns:a16="http://schemas.microsoft.com/office/drawing/2014/main" id="{714E8620-A630-405A-AC9F-A338F4E9E344}"/>
+              </a:ext>
+            </a:extLst>
+          </p:cNvPr>
+          <p:cNvSpPr>
+            <a:spLocks noGrp="1"/>
+          </p:cNvSpPr>
+          <p:nvPr>
+            <p:ph idx="1"/>
+          </p:nvPr>
+        </p:nvSpPr>
+        <p:spPr/>
+        <p:txBody>
+          <a:bodyPr/>
+          <a:lstStyle/>
+          <a:p>
+            <a:r>
+              <a:rPr lang="zh-CN" altLang="en-US" dirty="0"/>
+              <a:t>需要手动推导一下</a:t>
+            </a:r>
+            <a:endParaRPr lang="en-US" altLang="zh-CN" dirty="0"/>
+          </a:p>
+          <a:p>
+            <a:r>
+              <a:rPr lang="zh-CN" altLang="en-US" dirty="0"/>
+              <a:t>下面是截图答案</a:t>
+            </a:r>
+            <a:endParaRPr lang="en-US" altLang="zh-CN" dirty="0"/>
+          </a:p>
+          <a:p>
+            <a:endParaRPr lang="zh-CN" altLang="en-US" dirty="0"/>
+          </a:p>
+        </p:txBody>
+      </p:sp>
+      <p:pic>
+        <p:nvPicPr>
+          <p:cNvPr id="5" name="图片 4">
+            <a:extLst>
+              <a:ext uri="{FF2B5EF4-FFF2-40B4-BE49-F238E27FC236}">
+                <a16:creationId xmlns:a16="http://schemas.microsoft.com/office/drawing/2014/main" id="{12746621-78F5-4CD4-AC69-5A8B5C36FD01}"/>
+              </a:ext>
+            </a:extLst>
+          </p:cNvPr>
+          <p:cNvPicPr>
+            <a:picLocks noChangeAspect="1"/>
+          </p:cNvPicPr>
+          <p:nvPr/>
+        </p:nvPicPr>
+        <p:blipFill>
+          <a:blip r:embed="rId2"/>
+          <a:stretch>
+            <a:fillRect/>
+          </a:stretch>
+        </p:blipFill>
+        <p:spPr>
+          <a:xfrm>
+            <a:off x="0" y="3101169"/>
+            <a:ext cx="12192000" cy="3210731"/>
+          </a:xfrm>
+          <a:prstGeom prst="rect">
+            <a:avLst/>
+          </a:prstGeom>
+        </p:spPr>
+      </p:pic>
+    </p:spTree>
+    <p:extLst>
+      <p:ext uri="{BB962C8B-B14F-4D97-AF65-F5344CB8AC3E}">
+        <p14:creationId xmlns:p14="http://schemas.microsoft.com/office/powerpoint/2010/main" val="1354248013"/>
+      </p:ext>
+    </p:extLst>
   </p:cSld>
   <p:clrMapOvr>
     <a:masterClrMapping/>
@@ -6148,7 +6688,14 @@
         <p:cNvGrpSpPr/>
         <p:nvPr/>
       </p:nvGrpSpPr>
-      <p:grpSpPr/>
+      <p:grpSpPr>
+        <a:xfrm>
+          <a:off x="0" y="0"/>
+          <a:ext cx="0" cy="0"/>
+          <a:chOff x="0" y="0"/>
+          <a:chExt cx="0" cy="0"/>
+        </a:xfrm>
+      </p:grpSpPr>
       <p:sp>
         <p:nvSpPr>
           <p:cNvPr id="2" name="标题 1"/>
@@ -6162,12 +6709,12 @@
         <p:spPr/>
         <p:txBody>
           <a:bodyPr/>
+          <a:lstStyle/>
           <a:p>
             <a:r>
               <a:rPr lang="en-US" altLang="zh-CN"/>
               <a:t>状态估计为啥跟概率论扯上了关系？</a:t>
             </a:r>
-            <a:endParaRPr lang="en-US" altLang="zh-CN"/>
           </a:p>
         </p:txBody>
       </p:sp>
@@ -6184,30 +6731,997 @@
         <p:spPr/>
         <p:txBody>
           <a:bodyPr/>
+          <a:lstStyle/>
           <a:p>
             <a:r>
               <a:rPr lang="en-US" altLang="zh-CN"/>
               <a:t>很简单，状态是一个随机变量</a:t>
             </a:r>
-            <a:endParaRPr lang="en-US" altLang="zh-CN"/>
           </a:p>
           <a:p>
             <a:r>
               <a:rPr lang="en-US" altLang="zh-CN"/>
               <a:t>概率论是研究随机变量的学科</a:t>
             </a:r>
-            <a:endParaRPr lang="en-US" altLang="zh-CN"/>
           </a:p>
           <a:p>
             <a:r>
               <a:rPr lang="en-US" altLang="zh-CN"/>
               <a:t>研究状态，就是研究随机变量的概率分布</a:t>
             </a:r>
-            <a:endParaRPr lang="en-US" altLang="zh-CN"/>
           </a:p>
         </p:txBody>
       </p:sp>
     </p:spTree>
+  </p:cSld>
+  <p:clrMapOvr>
+    <a:masterClrMapping/>
+  </p:clrMapOvr>
+</p:sld>
+</file>
+
+<file path=ppt/slides/slide40.xml><?xml version="1.0" encoding="utf-8"?>
+<p:sld xmlns:a="http://schemas.openxmlformats.org/drawingml/2006/main" xmlns:r="http://schemas.openxmlformats.org/officeDocument/2006/relationships" xmlns:p="http://schemas.openxmlformats.org/presentationml/2006/main">
+  <p:cSld>
+    <p:spTree>
+      <p:nvGrpSpPr>
+        <p:cNvPr id="1" name=""/>
+        <p:cNvGrpSpPr/>
+        <p:nvPr/>
+      </p:nvGrpSpPr>
+      <p:grpSpPr>
+        <a:xfrm>
+          <a:off x="0" y="0"/>
+          <a:ext cx="0" cy="0"/>
+          <a:chOff x="0" y="0"/>
+          <a:chExt cx="0" cy="0"/>
+        </a:xfrm>
+      </p:grpSpPr>
+      <p:sp>
+        <p:nvSpPr>
+          <p:cNvPr id="2" name="标题 1">
+            <a:extLst>
+              <a:ext uri="{FF2B5EF4-FFF2-40B4-BE49-F238E27FC236}">
+                <a16:creationId xmlns:a16="http://schemas.microsoft.com/office/drawing/2014/main" id="{0C0B4E95-E09E-4C0E-84CB-D6137EBD6E5A}"/>
+              </a:ext>
+            </a:extLst>
+          </p:cNvPr>
+          <p:cNvSpPr>
+            <a:spLocks noGrp="1"/>
+          </p:cNvSpPr>
+          <p:nvPr>
+            <p:ph type="title"/>
+          </p:nvPr>
+        </p:nvSpPr>
+        <p:spPr/>
+        <p:txBody>
+          <a:bodyPr/>
+          <a:lstStyle/>
+          <a:p>
+            <a:r>
+              <a:rPr lang="en-US" altLang="zh-CN" dirty="0"/>
+              <a:t>EKF</a:t>
+            </a:r>
+            <a:r>
+              <a:rPr lang="zh-CN" altLang="en-US" dirty="0"/>
+              <a:t>是什么形式？</a:t>
+            </a:r>
+          </a:p>
+        </p:txBody>
+      </p:sp>
+      <p:pic>
+        <p:nvPicPr>
+          <p:cNvPr id="5" name="内容占位符 4">
+            <a:extLst>
+              <a:ext uri="{FF2B5EF4-FFF2-40B4-BE49-F238E27FC236}">
+                <a16:creationId xmlns:a16="http://schemas.microsoft.com/office/drawing/2014/main" id="{69319744-7EA3-4ABD-A052-BF9EA7A44A32}"/>
+              </a:ext>
+            </a:extLst>
+          </p:cNvPr>
+          <p:cNvPicPr>
+            <a:picLocks noGrp="1" noChangeAspect="1"/>
+          </p:cNvPicPr>
+          <p:nvPr>
+            <p:ph idx="1"/>
+          </p:nvPr>
+        </p:nvPicPr>
+        <p:blipFill>
+          <a:blip r:embed="rId2"/>
+          <a:stretch>
+            <a:fillRect/>
+          </a:stretch>
+        </p:blipFill>
+        <p:spPr>
+          <a:xfrm>
+            <a:off x="838200" y="2133605"/>
+            <a:ext cx="4016088" cy="2865368"/>
+          </a:xfrm>
+        </p:spPr>
+      </p:pic>
+    </p:spTree>
+    <p:extLst>
+      <p:ext uri="{BB962C8B-B14F-4D97-AF65-F5344CB8AC3E}">
+        <p14:creationId xmlns:p14="http://schemas.microsoft.com/office/powerpoint/2010/main" val="2798876711"/>
+      </p:ext>
+    </p:extLst>
+  </p:cSld>
+  <p:clrMapOvr>
+    <a:masterClrMapping/>
+  </p:clrMapOvr>
+</p:sld>
+</file>
+
+<file path=ppt/slides/slide41.xml><?xml version="1.0" encoding="utf-8"?>
+<p:sld xmlns:a="http://schemas.openxmlformats.org/drawingml/2006/main" xmlns:r="http://schemas.openxmlformats.org/officeDocument/2006/relationships" xmlns:p="http://schemas.openxmlformats.org/presentationml/2006/main">
+  <p:cSld>
+    <p:spTree>
+      <p:nvGrpSpPr>
+        <p:cNvPr id="1" name=""/>
+        <p:cNvGrpSpPr/>
+        <p:nvPr/>
+      </p:nvGrpSpPr>
+      <p:grpSpPr>
+        <a:xfrm>
+          <a:off x="0" y="0"/>
+          <a:ext cx="0" cy="0"/>
+          <a:chOff x="0" y="0"/>
+          <a:chExt cx="0" cy="0"/>
+        </a:xfrm>
+      </p:grpSpPr>
+      <p:sp>
+        <p:nvSpPr>
+          <p:cNvPr id="2" name="标题 1">
+            <a:extLst>
+              <a:ext uri="{FF2B5EF4-FFF2-40B4-BE49-F238E27FC236}">
+                <a16:creationId xmlns:a16="http://schemas.microsoft.com/office/drawing/2014/main" id="{576BC231-3E3C-4AFE-AA88-68B5B46B3EFB}"/>
+              </a:ext>
+            </a:extLst>
+          </p:cNvPr>
+          <p:cNvSpPr>
+            <a:spLocks noGrp="1"/>
+          </p:cNvSpPr>
+          <p:nvPr>
+            <p:ph type="title"/>
+          </p:nvPr>
+        </p:nvSpPr>
+        <p:spPr/>
+        <p:txBody>
+          <a:bodyPr/>
+          <a:lstStyle/>
+          <a:p>
+            <a:r>
+              <a:rPr lang="en-US" altLang="zh-CN" dirty="0"/>
+              <a:t>EKF</a:t>
+            </a:r>
+            <a:r>
+              <a:rPr lang="zh-CN" altLang="en-US" dirty="0"/>
+              <a:t>问题是什么？</a:t>
+            </a:r>
+          </a:p>
+        </p:txBody>
+      </p:sp>
+      <p:sp>
+        <p:nvSpPr>
+          <p:cNvPr id="3" name="内容占位符 2">
+            <a:extLst>
+              <a:ext uri="{FF2B5EF4-FFF2-40B4-BE49-F238E27FC236}">
+                <a16:creationId xmlns:a16="http://schemas.microsoft.com/office/drawing/2014/main" id="{26567F78-E654-4394-9737-1DF7AA9B1C10}"/>
+              </a:ext>
+            </a:extLst>
+          </p:cNvPr>
+          <p:cNvSpPr>
+            <a:spLocks noGrp="1"/>
+          </p:cNvSpPr>
+          <p:nvPr>
+            <p:ph idx="1"/>
+          </p:nvPr>
+        </p:nvSpPr>
+        <p:spPr/>
+        <p:txBody>
+          <a:bodyPr/>
+          <a:lstStyle/>
+          <a:p>
+            <a:r>
+              <a:rPr lang="zh-CN" altLang="en-US" dirty="0"/>
+              <a:t>不是无偏的</a:t>
+            </a:r>
+            <a:endParaRPr lang="en-US" altLang="zh-CN" dirty="0"/>
+          </a:p>
+          <a:p>
+            <a:r>
+              <a:rPr lang="zh-CN" altLang="en-US" dirty="0"/>
+              <a:t>不保证收敛</a:t>
+            </a:r>
+            <a:endParaRPr lang="en-US" altLang="zh-CN" dirty="0"/>
+          </a:p>
+          <a:p>
+            <a:r>
+              <a:rPr lang="zh-CN" altLang="en-US" dirty="0"/>
+              <a:t>线性化点离真值可以比较远</a:t>
+            </a:r>
+          </a:p>
+        </p:txBody>
+      </p:sp>
+    </p:spTree>
+    <p:extLst>
+      <p:ext uri="{BB962C8B-B14F-4D97-AF65-F5344CB8AC3E}">
+        <p14:creationId xmlns:p14="http://schemas.microsoft.com/office/powerpoint/2010/main" val="1228212832"/>
+      </p:ext>
+    </p:extLst>
+  </p:cSld>
+  <p:clrMapOvr>
+    <a:masterClrMapping/>
+  </p:clrMapOvr>
+</p:sld>
+</file>
+
+<file path=ppt/slides/slide42.xml><?xml version="1.0" encoding="utf-8"?>
+<p:sld xmlns:a="http://schemas.openxmlformats.org/drawingml/2006/main" xmlns:r="http://schemas.openxmlformats.org/officeDocument/2006/relationships" xmlns:p="http://schemas.openxmlformats.org/presentationml/2006/main">
+  <p:cSld>
+    <p:spTree>
+      <p:nvGrpSpPr>
+        <p:cNvPr id="1" name=""/>
+        <p:cNvGrpSpPr/>
+        <p:nvPr/>
+      </p:nvGrpSpPr>
+      <p:grpSpPr>
+        <a:xfrm>
+          <a:off x="0" y="0"/>
+          <a:ext cx="0" cy="0"/>
+          <a:chOff x="0" y="0"/>
+          <a:chExt cx="0" cy="0"/>
+        </a:xfrm>
+      </p:grpSpPr>
+      <p:sp>
+        <p:nvSpPr>
+          <p:cNvPr id="2" name="标题 1">
+            <a:extLst>
+              <a:ext uri="{FF2B5EF4-FFF2-40B4-BE49-F238E27FC236}">
+                <a16:creationId xmlns:a16="http://schemas.microsoft.com/office/drawing/2014/main" id="{CCF5EEA5-FE1F-4906-80C0-D3B8482D1F78}"/>
+              </a:ext>
+            </a:extLst>
+          </p:cNvPr>
+          <p:cNvSpPr>
+            <a:spLocks noGrp="1"/>
+          </p:cNvSpPr>
+          <p:nvPr>
+            <p:ph type="title"/>
+          </p:nvPr>
+        </p:nvSpPr>
+        <p:spPr/>
+        <p:txBody>
+          <a:bodyPr/>
+          <a:lstStyle/>
+          <a:p>
+            <a:r>
+              <a:rPr lang="zh-CN" altLang="en-US" dirty="0"/>
+              <a:t>广义高斯滤波是啥？有啥作用？</a:t>
+            </a:r>
+          </a:p>
+        </p:txBody>
+      </p:sp>
+      <p:sp>
+        <p:nvSpPr>
+          <p:cNvPr id="3" name="内容占位符 2">
+            <a:extLst>
+              <a:ext uri="{FF2B5EF4-FFF2-40B4-BE49-F238E27FC236}">
+                <a16:creationId xmlns:a16="http://schemas.microsoft.com/office/drawing/2014/main" id="{85B18486-8E0F-472F-870D-F9504A1B5FF1}"/>
+              </a:ext>
+            </a:extLst>
+          </p:cNvPr>
+          <p:cNvSpPr>
+            <a:spLocks noGrp="1"/>
+          </p:cNvSpPr>
+          <p:nvPr>
+            <p:ph idx="1"/>
+          </p:nvPr>
+        </p:nvSpPr>
+        <p:spPr/>
+        <p:txBody>
+          <a:bodyPr/>
+          <a:lstStyle/>
+          <a:p>
+            <a:r>
+              <a:rPr lang="zh-CN" altLang="en-US" dirty="0"/>
+              <a:t>就是高斯推断的一个应用</a:t>
+            </a:r>
+            <a:endParaRPr lang="en-US" altLang="zh-CN" dirty="0"/>
+          </a:p>
+          <a:p>
+            <a:r>
+              <a:rPr lang="zh-CN" altLang="en-US" dirty="0"/>
+              <a:t>没啥作用</a:t>
+            </a:r>
+          </a:p>
+        </p:txBody>
+      </p:sp>
+    </p:spTree>
+    <p:extLst>
+      <p:ext uri="{BB962C8B-B14F-4D97-AF65-F5344CB8AC3E}">
+        <p14:creationId xmlns:p14="http://schemas.microsoft.com/office/powerpoint/2010/main" val="640721244"/>
+      </p:ext>
+    </p:extLst>
+  </p:cSld>
+  <p:clrMapOvr>
+    <a:masterClrMapping/>
+  </p:clrMapOvr>
+</p:sld>
+</file>
+
+<file path=ppt/slides/slide43.xml><?xml version="1.0" encoding="utf-8"?>
+<p:sld xmlns:a="http://schemas.openxmlformats.org/drawingml/2006/main" xmlns:r="http://schemas.openxmlformats.org/officeDocument/2006/relationships" xmlns:p="http://schemas.openxmlformats.org/presentationml/2006/main">
+  <p:cSld>
+    <p:spTree>
+      <p:nvGrpSpPr>
+        <p:cNvPr id="1" name=""/>
+        <p:cNvGrpSpPr/>
+        <p:nvPr/>
+      </p:nvGrpSpPr>
+      <p:grpSpPr>
+        <a:xfrm>
+          <a:off x="0" y="0"/>
+          <a:ext cx="0" cy="0"/>
+          <a:chOff x="0" y="0"/>
+          <a:chExt cx="0" cy="0"/>
+        </a:xfrm>
+      </p:grpSpPr>
+      <p:sp>
+        <p:nvSpPr>
+          <p:cNvPr id="2" name="标题 1">
+            <a:extLst>
+              <a:ext uri="{FF2B5EF4-FFF2-40B4-BE49-F238E27FC236}">
+                <a16:creationId xmlns:a16="http://schemas.microsoft.com/office/drawing/2014/main" id="{08D375C9-6DFE-4129-AB12-F71ADFACA7AA}"/>
+              </a:ext>
+            </a:extLst>
+          </p:cNvPr>
+          <p:cNvSpPr>
+            <a:spLocks noGrp="1"/>
+          </p:cNvSpPr>
+          <p:nvPr>
+            <p:ph type="title"/>
+          </p:nvPr>
+        </p:nvSpPr>
+        <p:spPr/>
+        <p:txBody>
+          <a:bodyPr/>
+          <a:lstStyle/>
+          <a:p>
+            <a:r>
+              <a:rPr lang="zh-CN" altLang="en-US" dirty="0"/>
+              <a:t>迭代卡尔曼滤波是啥意思</a:t>
+            </a:r>
+          </a:p>
+        </p:txBody>
+      </p:sp>
+      <p:sp>
+        <p:nvSpPr>
+          <p:cNvPr id="3" name="内容占位符 2">
+            <a:extLst>
+              <a:ext uri="{FF2B5EF4-FFF2-40B4-BE49-F238E27FC236}">
+                <a16:creationId xmlns:a16="http://schemas.microsoft.com/office/drawing/2014/main" id="{DBED8A25-7724-480E-9FDA-22E71C213926}"/>
+              </a:ext>
+            </a:extLst>
+          </p:cNvPr>
+          <p:cNvSpPr>
+            <a:spLocks noGrp="1"/>
+          </p:cNvSpPr>
+          <p:nvPr>
+            <p:ph idx="1"/>
+          </p:nvPr>
+        </p:nvSpPr>
+        <p:spPr/>
+        <p:txBody>
+          <a:bodyPr/>
+          <a:lstStyle/>
+          <a:p>
+            <a:r>
+              <a:rPr lang="en-US" altLang="zh-CN" dirty="0"/>
+              <a:t>EKF</a:t>
+            </a:r>
+            <a:r>
+              <a:rPr lang="zh-CN" altLang="en-US" dirty="0"/>
+              <a:t>不止进行一次</a:t>
+            </a:r>
+            <a:endParaRPr lang="en-US" altLang="zh-CN" dirty="0"/>
+          </a:p>
+          <a:p>
+            <a:r>
+              <a:rPr lang="zh-CN" altLang="en-US" dirty="0"/>
+              <a:t>就是把上一次滤波的结果作为下一次的工作点，迭代进行</a:t>
+            </a:r>
+            <a:endParaRPr lang="en-US" altLang="zh-CN" dirty="0"/>
+          </a:p>
+          <a:p>
+            <a:pPr marL="0" indent="0">
+              <a:buNone/>
+            </a:pPr>
+            <a:endParaRPr lang="zh-CN" altLang="en-US" dirty="0"/>
+          </a:p>
+        </p:txBody>
+      </p:sp>
+      <p:pic>
+        <p:nvPicPr>
+          <p:cNvPr id="5" name="图片 4">
+            <a:extLst>
+              <a:ext uri="{FF2B5EF4-FFF2-40B4-BE49-F238E27FC236}">
+                <a16:creationId xmlns:a16="http://schemas.microsoft.com/office/drawing/2014/main" id="{4360E853-2328-4958-AF29-80ABBD4819F8}"/>
+              </a:ext>
+            </a:extLst>
+          </p:cNvPr>
+          <p:cNvPicPr>
+            <a:picLocks noChangeAspect="1"/>
+          </p:cNvPicPr>
+          <p:nvPr/>
+        </p:nvPicPr>
+        <p:blipFill>
+          <a:blip r:embed="rId2"/>
+          <a:stretch>
+            <a:fillRect/>
+          </a:stretch>
+        </p:blipFill>
+        <p:spPr>
+          <a:xfrm>
+            <a:off x="1329277" y="2899364"/>
+            <a:ext cx="9533446" cy="1059272"/>
+          </a:xfrm>
+          <a:prstGeom prst="rect">
+            <a:avLst/>
+          </a:prstGeom>
+        </p:spPr>
+      </p:pic>
+    </p:spTree>
+    <p:extLst>
+      <p:ext uri="{BB962C8B-B14F-4D97-AF65-F5344CB8AC3E}">
+        <p14:creationId xmlns:p14="http://schemas.microsoft.com/office/powerpoint/2010/main" val="2615490534"/>
+      </p:ext>
+    </p:extLst>
+  </p:cSld>
+  <p:clrMapOvr>
+    <a:masterClrMapping/>
+  </p:clrMapOvr>
+</p:sld>
+</file>
+
+<file path=ppt/slides/slide44.xml><?xml version="1.0" encoding="utf-8"?>
+<p:sld xmlns:a="http://schemas.openxmlformats.org/drawingml/2006/main" xmlns:r="http://schemas.openxmlformats.org/officeDocument/2006/relationships" xmlns:p="http://schemas.openxmlformats.org/presentationml/2006/main">
+  <p:cSld>
+    <p:spTree>
+      <p:nvGrpSpPr>
+        <p:cNvPr id="1" name=""/>
+        <p:cNvGrpSpPr/>
+        <p:nvPr/>
+      </p:nvGrpSpPr>
+      <p:grpSpPr>
+        <a:xfrm>
+          <a:off x="0" y="0"/>
+          <a:ext cx="0" cy="0"/>
+          <a:chOff x="0" y="0"/>
+          <a:chExt cx="0" cy="0"/>
+        </a:xfrm>
+      </p:grpSpPr>
+      <p:sp>
+        <p:nvSpPr>
+          <p:cNvPr id="2" name="标题 1">
+            <a:extLst>
+              <a:ext uri="{FF2B5EF4-FFF2-40B4-BE49-F238E27FC236}">
+                <a16:creationId xmlns:a16="http://schemas.microsoft.com/office/drawing/2014/main" id="{0672252D-DEC3-45D8-B416-100BC044994E}"/>
+              </a:ext>
+            </a:extLst>
+          </p:cNvPr>
+          <p:cNvSpPr>
+            <a:spLocks noGrp="1"/>
+          </p:cNvSpPr>
+          <p:nvPr>
+            <p:ph type="title"/>
+          </p:nvPr>
+        </p:nvSpPr>
+        <p:spPr/>
+        <p:txBody>
+          <a:bodyPr/>
+          <a:lstStyle/>
+          <a:p>
+            <a:r>
+              <a:rPr lang="zh-CN" altLang="en-US" dirty="0"/>
+              <a:t>处理非线性函数都有哪些方法？</a:t>
+            </a:r>
+          </a:p>
+        </p:txBody>
+      </p:sp>
+      <p:sp>
+        <p:nvSpPr>
+          <p:cNvPr id="3" name="内容占位符 2">
+            <a:extLst>
+              <a:ext uri="{FF2B5EF4-FFF2-40B4-BE49-F238E27FC236}">
+                <a16:creationId xmlns:a16="http://schemas.microsoft.com/office/drawing/2014/main" id="{AB6C582C-1266-4F73-B3C6-D7A7EF406C75}"/>
+              </a:ext>
+            </a:extLst>
+          </p:cNvPr>
+          <p:cNvSpPr>
+            <a:spLocks noGrp="1"/>
+          </p:cNvSpPr>
+          <p:nvPr>
+            <p:ph idx="1"/>
+          </p:nvPr>
+        </p:nvSpPr>
+        <p:spPr/>
+        <p:txBody>
+          <a:bodyPr/>
+          <a:lstStyle/>
+          <a:p>
+            <a:r>
+              <a:rPr lang="zh-CN" altLang="en-US" dirty="0"/>
+              <a:t>线性化点近似法</a:t>
+            </a:r>
+            <a:endParaRPr lang="en-US" altLang="zh-CN" dirty="0"/>
+          </a:p>
+          <a:p>
+            <a:endParaRPr lang="en-US" altLang="zh-CN" dirty="0"/>
+          </a:p>
+          <a:p>
+            <a:r>
+              <a:rPr lang="zh-CN" altLang="en-US" dirty="0"/>
+              <a:t>蒙特卡洛法</a:t>
+            </a:r>
+            <a:endParaRPr lang="en-US" altLang="zh-CN" dirty="0"/>
+          </a:p>
+          <a:p>
+            <a:endParaRPr lang="en-US" altLang="zh-CN" dirty="0"/>
+          </a:p>
+          <a:p>
+            <a:r>
+              <a:rPr lang="en-US" altLang="zh-CN" dirty="0"/>
+              <a:t>Sigma</a:t>
+            </a:r>
+            <a:r>
+              <a:rPr lang="zh-CN" altLang="en-US" dirty="0"/>
+              <a:t>变换法</a:t>
+            </a:r>
+          </a:p>
+        </p:txBody>
+      </p:sp>
+    </p:spTree>
+    <p:extLst>
+      <p:ext uri="{BB962C8B-B14F-4D97-AF65-F5344CB8AC3E}">
+        <p14:creationId xmlns:p14="http://schemas.microsoft.com/office/powerpoint/2010/main" val="1887701685"/>
+      </p:ext>
+    </p:extLst>
+  </p:cSld>
+  <p:clrMapOvr>
+    <a:masterClrMapping/>
+  </p:clrMapOvr>
+</p:sld>
+</file>
+
+<file path=ppt/slides/slide45.xml><?xml version="1.0" encoding="utf-8"?>
+<p:sld xmlns:a="http://schemas.openxmlformats.org/drawingml/2006/main" xmlns:r="http://schemas.openxmlformats.org/officeDocument/2006/relationships" xmlns:p="http://schemas.openxmlformats.org/presentationml/2006/main">
+  <p:cSld>
+    <p:spTree>
+      <p:nvGrpSpPr>
+        <p:cNvPr id="1" name=""/>
+        <p:cNvGrpSpPr/>
+        <p:nvPr/>
+      </p:nvGrpSpPr>
+      <p:grpSpPr>
+        <a:xfrm>
+          <a:off x="0" y="0"/>
+          <a:ext cx="0" cy="0"/>
+          <a:chOff x="0" y="0"/>
+          <a:chExt cx="0" cy="0"/>
+        </a:xfrm>
+      </p:grpSpPr>
+      <p:sp>
+        <p:nvSpPr>
+          <p:cNvPr id="2" name="标题 1">
+            <a:extLst>
+              <a:ext uri="{FF2B5EF4-FFF2-40B4-BE49-F238E27FC236}">
+                <a16:creationId xmlns:a16="http://schemas.microsoft.com/office/drawing/2014/main" id="{1E24B5A6-A2E3-4177-B8E6-8E8DFD122AE5}"/>
+              </a:ext>
+            </a:extLst>
+          </p:cNvPr>
+          <p:cNvSpPr>
+            <a:spLocks noGrp="1"/>
+          </p:cNvSpPr>
+          <p:nvPr>
+            <p:ph type="title"/>
+          </p:nvPr>
+        </p:nvSpPr>
+        <p:spPr/>
+        <p:txBody>
+          <a:bodyPr/>
+          <a:lstStyle/>
+          <a:p>
+            <a:r>
+              <a:rPr lang="zh-CN" altLang="en-US" dirty="0"/>
+              <a:t>蒙特卡洛法的操作步骤、主要优缺点是什么？</a:t>
+            </a:r>
+          </a:p>
+        </p:txBody>
+      </p:sp>
+      <p:sp>
+        <p:nvSpPr>
+          <p:cNvPr id="3" name="内容占位符 2">
+            <a:extLst>
+              <a:ext uri="{FF2B5EF4-FFF2-40B4-BE49-F238E27FC236}">
+                <a16:creationId xmlns:a16="http://schemas.microsoft.com/office/drawing/2014/main" id="{990E8968-410D-43C5-A024-C48A5075EF5F}"/>
+              </a:ext>
+            </a:extLst>
+          </p:cNvPr>
+          <p:cNvSpPr>
+            <a:spLocks noGrp="1"/>
+          </p:cNvSpPr>
+          <p:nvPr>
+            <p:ph idx="1"/>
+          </p:nvPr>
+        </p:nvSpPr>
+        <p:spPr/>
+        <p:txBody>
+          <a:bodyPr/>
+          <a:lstStyle/>
+          <a:p>
+            <a:r>
+              <a:rPr lang="zh-CN" altLang="en-US" dirty="0"/>
+              <a:t>步骤：对于非线性变换，对于输入部分大量采样，计算非线性变换后的值，再用变换后的值构建输出分布</a:t>
+            </a:r>
+            <a:endParaRPr lang="en-US" altLang="zh-CN" dirty="0"/>
+          </a:p>
+          <a:p>
+            <a:endParaRPr lang="en-US" altLang="zh-CN" dirty="0"/>
+          </a:p>
+          <a:p>
+            <a:r>
+              <a:rPr lang="zh-CN" altLang="en-US" dirty="0"/>
+              <a:t>主要优点：可以用于任何分布</a:t>
+            </a:r>
+            <a:endParaRPr lang="en-US" altLang="zh-CN" dirty="0"/>
+          </a:p>
+          <a:p>
+            <a:endParaRPr lang="en-US" altLang="zh-CN" dirty="0"/>
+          </a:p>
+          <a:p>
+            <a:r>
+              <a:rPr lang="zh-CN" altLang="en-US" dirty="0"/>
+              <a:t>主要缺点：计算量随维数指数增长</a:t>
+            </a:r>
+          </a:p>
+        </p:txBody>
+      </p:sp>
+    </p:spTree>
+    <p:extLst>
+      <p:ext uri="{BB962C8B-B14F-4D97-AF65-F5344CB8AC3E}">
+        <p14:creationId xmlns:p14="http://schemas.microsoft.com/office/powerpoint/2010/main" val="3971663722"/>
+      </p:ext>
+    </p:extLst>
+  </p:cSld>
+  <p:clrMapOvr>
+    <a:masterClrMapping/>
+  </p:clrMapOvr>
+</p:sld>
+</file>
+
+<file path=ppt/slides/slide46.xml><?xml version="1.0" encoding="utf-8"?>
+<p:sld xmlns:a="http://schemas.openxmlformats.org/drawingml/2006/main" xmlns:r="http://schemas.openxmlformats.org/officeDocument/2006/relationships" xmlns:p="http://schemas.openxmlformats.org/presentationml/2006/main">
+  <p:cSld>
+    <p:spTree>
+      <p:nvGrpSpPr>
+        <p:cNvPr id="1" name=""/>
+        <p:cNvGrpSpPr/>
+        <p:nvPr/>
+      </p:nvGrpSpPr>
+      <p:grpSpPr>
+        <a:xfrm>
+          <a:off x="0" y="0"/>
+          <a:ext cx="0" cy="0"/>
+          <a:chOff x="0" y="0"/>
+          <a:chExt cx="0" cy="0"/>
+        </a:xfrm>
+      </p:grpSpPr>
+      <p:sp>
+        <p:nvSpPr>
+          <p:cNvPr id="2" name="标题 1">
+            <a:extLst>
+              <a:ext uri="{FF2B5EF4-FFF2-40B4-BE49-F238E27FC236}">
+                <a16:creationId xmlns:a16="http://schemas.microsoft.com/office/drawing/2014/main" id="{5B8437E0-409F-49C8-A056-27A76A4715F9}"/>
+              </a:ext>
+            </a:extLst>
+          </p:cNvPr>
+          <p:cNvSpPr>
+            <a:spLocks noGrp="1"/>
+          </p:cNvSpPr>
+          <p:nvPr>
+            <p:ph type="title"/>
+          </p:nvPr>
+        </p:nvSpPr>
+        <p:spPr/>
+        <p:txBody>
+          <a:bodyPr/>
+          <a:lstStyle/>
+          <a:p>
+            <a:r>
+              <a:rPr lang="zh-CN" altLang="en-US" dirty="0"/>
+              <a:t>线性化方法不准确的原因有哪四点？</a:t>
+            </a:r>
+          </a:p>
+        </p:txBody>
+      </p:sp>
+      <p:sp>
+        <p:nvSpPr>
+          <p:cNvPr id="3" name="内容占位符 2">
+            <a:extLst>
+              <a:ext uri="{FF2B5EF4-FFF2-40B4-BE49-F238E27FC236}">
+                <a16:creationId xmlns:a16="http://schemas.microsoft.com/office/drawing/2014/main" id="{0C80EC6A-E99B-43E8-8A84-004EFC617052}"/>
+              </a:ext>
+            </a:extLst>
+          </p:cNvPr>
+          <p:cNvSpPr>
+            <a:spLocks noGrp="1"/>
+          </p:cNvSpPr>
+          <p:nvPr>
+            <p:ph idx="1"/>
+          </p:nvPr>
+        </p:nvSpPr>
+        <p:spPr/>
+        <p:txBody>
+          <a:bodyPr/>
+          <a:lstStyle/>
+          <a:p>
+            <a:r>
+              <a:rPr lang="en-US" altLang="zh-CN" dirty="0"/>
+              <a:t>X</a:t>
+            </a:r>
+            <a:r>
+              <a:rPr lang="zh-CN" altLang="en-US" dirty="0"/>
+              <a:t>均值有问题，只是个估计</a:t>
+            </a:r>
+            <a:endParaRPr lang="en-US" altLang="zh-CN" dirty="0"/>
+          </a:p>
+          <a:p>
+            <a:r>
+              <a:rPr lang="en-US" altLang="zh-CN" dirty="0"/>
+              <a:t>Y</a:t>
+            </a:r>
+            <a:r>
+              <a:rPr lang="zh-CN" altLang="en-US" dirty="0"/>
+              <a:t>均值有问题，只是个估计</a:t>
+            </a:r>
+            <a:endParaRPr lang="en-US" altLang="zh-CN" dirty="0"/>
+          </a:p>
+          <a:p>
+            <a:r>
+              <a:rPr lang="zh-CN" altLang="en-US" dirty="0"/>
+              <a:t>分布有问题，不是高斯分布硬要用</a:t>
+            </a:r>
+            <a:endParaRPr lang="en-US" altLang="zh-CN" dirty="0"/>
+          </a:p>
+          <a:p>
+            <a:r>
+              <a:rPr lang="zh-CN" altLang="en-US" dirty="0"/>
+              <a:t>非线性线性化本身也是个近似</a:t>
+            </a:r>
+          </a:p>
+        </p:txBody>
+      </p:sp>
+    </p:spTree>
+    <p:extLst>
+      <p:ext uri="{BB962C8B-B14F-4D97-AF65-F5344CB8AC3E}">
+        <p14:creationId xmlns:p14="http://schemas.microsoft.com/office/powerpoint/2010/main" val="2321566058"/>
+      </p:ext>
+    </p:extLst>
+  </p:cSld>
+  <p:clrMapOvr>
+    <a:masterClrMapping/>
+  </p:clrMapOvr>
+</p:sld>
+</file>
+
+<file path=ppt/slides/slide47.xml><?xml version="1.0" encoding="utf-8"?>
+<p:sld xmlns:a="http://schemas.openxmlformats.org/drawingml/2006/main" xmlns:r="http://schemas.openxmlformats.org/officeDocument/2006/relationships" xmlns:p="http://schemas.openxmlformats.org/presentationml/2006/main">
+  <p:cSld>
+    <p:spTree>
+      <p:nvGrpSpPr>
+        <p:cNvPr id="1" name=""/>
+        <p:cNvGrpSpPr/>
+        <p:nvPr/>
+      </p:nvGrpSpPr>
+      <p:grpSpPr>
+        <a:xfrm>
+          <a:off x="0" y="0"/>
+          <a:ext cx="0" cy="0"/>
+          <a:chOff x="0" y="0"/>
+          <a:chExt cx="0" cy="0"/>
+        </a:xfrm>
+      </p:grpSpPr>
+      <p:sp>
+        <p:nvSpPr>
+          <p:cNvPr id="2" name="标题 1">
+            <a:extLst>
+              <a:ext uri="{FF2B5EF4-FFF2-40B4-BE49-F238E27FC236}">
+                <a16:creationId xmlns:a16="http://schemas.microsoft.com/office/drawing/2014/main" id="{89FC16BB-6FB5-4DF2-B929-58C538095333}"/>
+              </a:ext>
+            </a:extLst>
+          </p:cNvPr>
+          <p:cNvSpPr>
+            <a:spLocks noGrp="1"/>
+          </p:cNvSpPr>
+          <p:nvPr>
+            <p:ph type="title"/>
+          </p:nvPr>
+        </p:nvSpPr>
+        <p:spPr/>
+        <p:txBody>
+          <a:bodyPr/>
+          <a:lstStyle/>
+          <a:p>
+            <a:r>
+              <a:rPr lang="en-US" altLang="zh-CN" dirty="0"/>
+              <a:t>Sigma</a:t>
+            </a:r>
+            <a:r>
+              <a:rPr lang="zh-CN" altLang="en-US" dirty="0"/>
+              <a:t>变换，你能想到什么？</a:t>
+            </a:r>
+          </a:p>
+        </p:txBody>
+      </p:sp>
+      <p:sp>
+        <p:nvSpPr>
+          <p:cNvPr id="3" name="内容占位符 2">
+            <a:extLst>
+              <a:ext uri="{FF2B5EF4-FFF2-40B4-BE49-F238E27FC236}">
+                <a16:creationId xmlns:a16="http://schemas.microsoft.com/office/drawing/2014/main" id="{3CB4F36B-8E1E-45B5-AE68-AAB2DF713C12}"/>
+              </a:ext>
+            </a:extLst>
+          </p:cNvPr>
+          <p:cNvSpPr>
+            <a:spLocks noGrp="1"/>
+          </p:cNvSpPr>
+          <p:nvPr>
+            <p:ph idx="1"/>
+          </p:nvPr>
+        </p:nvSpPr>
+        <p:spPr/>
+        <p:txBody>
+          <a:bodyPr/>
+          <a:lstStyle/>
+          <a:p>
+            <a:r>
+              <a:rPr lang="zh-CN" altLang="en-US" dirty="0"/>
+              <a:t>好像是对某个东西进行</a:t>
+            </a:r>
+            <a:r>
+              <a:rPr lang="en-US" altLang="zh-CN" dirty="0" err="1"/>
+              <a:t>cholosky</a:t>
+            </a:r>
+            <a:r>
+              <a:rPr lang="zh-CN" altLang="en-US" dirty="0"/>
+              <a:t>分解，对协方差吗？</a:t>
+            </a:r>
+            <a:endParaRPr lang="en-US" altLang="zh-CN" dirty="0"/>
+          </a:p>
+          <a:p>
+            <a:r>
+              <a:rPr lang="zh-CN" altLang="en-US" dirty="0"/>
+              <a:t>对</a:t>
+            </a:r>
+            <a:r>
+              <a:rPr lang="en-US" altLang="zh-CN" dirty="0"/>
+              <a:t>L</a:t>
+            </a:r>
+            <a:r>
+              <a:rPr lang="zh-CN" altLang="en-US" dirty="0"/>
+              <a:t>进行一堆带根号的操作，得到一些列的点</a:t>
+            </a:r>
+            <a:r>
+              <a:rPr lang="en-US" altLang="zh-CN" dirty="0"/>
+              <a:t>……</a:t>
+            </a:r>
+          </a:p>
+          <a:p>
+            <a:r>
+              <a:rPr lang="en-US" altLang="zh-CN" dirty="0"/>
+              <a:t>————————————————————————</a:t>
+            </a:r>
+          </a:p>
+          <a:p>
+            <a:pPr marL="0" indent="0">
+              <a:buNone/>
+            </a:pPr>
+            <a:endParaRPr lang="zh-CN" altLang="en-US" dirty="0"/>
+          </a:p>
+        </p:txBody>
+      </p:sp>
+    </p:spTree>
+    <p:extLst>
+      <p:ext uri="{BB962C8B-B14F-4D97-AF65-F5344CB8AC3E}">
+        <p14:creationId xmlns:p14="http://schemas.microsoft.com/office/powerpoint/2010/main" val="3567815295"/>
+      </p:ext>
+    </p:extLst>
+  </p:cSld>
+  <p:clrMapOvr>
+    <a:masterClrMapping/>
+  </p:clrMapOvr>
+</p:sld>
+</file>
+
+<file path=ppt/slides/slide48.xml><?xml version="1.0" encoding="utf-8"?>
+<p:sld xmlns:a="http://schemas.openxmlformats.org/drawingml/2006/main" xmlns:r="http://schemas.openxmlformats.org/officeDocument/2006/relationships" xmlns:p="http://schemas.openxmlformats.org/presentationml/2006/main">
+  <p:cSld>
+    <p:spTree>
+      <p:nvGrpSpPr>
+        <p:cNvPr id="1" name=""/>
+        <p:cNvGrpSpPr/>
+        <p:nvPr/>
+      </p:nvGrpSpPr>
+      <p:grpSpPr>
+        <a:xfrm>
+          <a:off x="0" y="0"/>
+          <a:ext cx="0" cy="0"/>
+          <a:chOff x="0" y="0"/>
+          <a:chExt cx="0" cy="0"/>
+        </a:xfrm>
+      </p:grpSpPr>
+      <p:sp>
+        <p:nvSpPr>
+          <p:cNvPr id="2" name="标题 1">
+            <a:extLst>
+              <a:ext uri="{FF2B5EF4-FFF2-40B4-BE49-F238E27FC236}">
+                <a16:creationId xmlns:a16="http://schemas.microsoft.com/office/drawing/2014/main" id="{713D45AD-EA76-4FE6-8AAE-C332271C7EE5}"/>
+              </a:ext>
+            </a:extLst>
+          </p:cNvPr>
+          <p:cNvSpPr>
+            <a:spLocks noGrp="1"/>
+          </p:cNvSpPr>
+          <p:nvPr>
+            <p:ph type="title"/>
+          </p:nvPr>
+        </p:nvSpPr>
+        <p:spPr/>
+        <p:txBody>
+          <a:bodyPr/>
+          <a:lstStyle/>
+          <a:p>
+            <a:r>
+              <a:rPr lang="en-US" altLang="zh-CN" dirty="0"/>
+              <a:t>Sigma</a:t>
+            </a:r>
+            <a:r>
+              <a:rPr lang="zh-CN" altLang="en-US" dirty="0"/>
+              <a:t>变换的操作是什么？</a:t>
+            </a:r>
+          </a:p>
+        </p:txBody>
+      </p:sp>
+      <p:sp>
+        <p:nvSpPr>
+          <p:cNvPr id="3" name="内容占位符 2">
+            <a:extLst>
+              <a:ext uri="{FF2B5EF4-FFF2-40B4-BE49-F238E27FC236}">
+                <a16:creationId xmlns:a16="http://schemas.microsoft.com/office/drawing/2014/main" id="{12CC0180-29A8-48BE-92A8-DFBD158EEE5D}"/>
+              </a:ext>
+            </a:extLst>
+          </p:cNvPr>
+          <p:cNvSpPr>
+            <a:spLocks noGrp="1"/>
+          </p:cNvSpPr>
+          <p:nvPr>
+            <p:ph idx="1"/>
+          </p:nvPr>
+        </p:nvSpPr>
+        <p:spPr/>
+        <p:txBody>
+          <a:bodyPr/>
+          <a:lstStyle/>
+          <a:p>
+            <a:endParaRPr lang="zh-CN" altLang="en-US" dirty="0"/>
+          </a:p>
+        </p:txBody>
+      </p:sp>
+    </p:spTree>
+    <p:extLst>
+      <p:ext uri="{BB962C8B-B14F-4D97-AF65-F5344CB8AC3E}">
+        <p14:creationId xmlns:p14="http://schemas.microsoft.com/office/powerpoint/2010/main" val="3636043781"/>
+      </p:ext>
+    </p:extLst>
   </p:cSld>
   <p:clrMapOvr>
     <a:masterClrMapping/>
@@ -6224,7 +7738,14 @@
         <p:cNvGrpSpPr/>
         <p:nvPr/>
       </p:nvGrpSpPr>
-      <p:grpSpPr/>
+      <p:grpSpPr>
+        <a:xfrm>
+          <a:off x="0" y="0"/>
+          <a:ext cx="0" cy="0"/>
+          <a:chOff x="0" y="0"/>
+          <a:chExt cx="0" cy="0"/>
+        </a:xfrm>
+      </p:grpSpPr>
       <p:sp>
         <p:nvSpPr>
           <p:cNvPr id="2" name="标题 1"/>
@@ -6238,12 +7759,12 @@
         <p:spPr/>
         <p:txBody>
           <a:bodyPr/>
+          <a:lstStyle/>
           <a:p>
             <a:r>
               <a:rPr lang="en-US" altLang="zh-CN"/>
               <a:t>小插曲：如何用数学来研究现实问题？</a:t>
             </a:r>
-            <a:endParaRPr lang="en-US" altLang="zh-CN"/>
           </a:p>
         </p:txBody>
       </p:sp>
@@ -6260,19 +7781,18 @@
         <p:spPr/>
         <p:txBody>
           <a:bodyPr/>
+          <a:lstStyle/>
           <a:p>
             <a:r>
               <a:rPr lang="en-US" altLang="zh-CN"/>
               <a:t>答案是通过模型作为桥梁。也就是，模型是数学和现实世界的桥梁。</a:t>
             </a:r>
-            <a:endParaRPr lang="en-US" altLang="zh-CN"/>
           </a:p>
           <a:p>
             <a:r>
               <a:rPr lang="en-US" altLang="zh-CN"/>
               <a:t>数学要干的就是三件事：</a:t>
             </a:r>
-            <a:endParaRPr lang="en-US" altLang="zh-CN"/>
           </a:p>
           <a:p>
             <a:pPr marL="514350" indent="-514350">
@@ -6282,7 +7802,6 @@
               <a:rPr lang="en-US" altLang="zh-CN"/>
               <a:t>建立模型，现实世界数学化</a:t>
             </a:r>
-            <a:endParaRPr lang="en-US" altLang="zh-CN"/>
           </a:p>
           <a:p>
             <a:pPr marL="514350" indent="-514350">
@@ -6292,7 +7811,6 @@
               <a:rPr lang="en-US" altLang="zh-CN"/>
               <a:t>修正模型，使之更符合现实世界</a:t>
             </a:r>
-            <a:endParaRPr lang="en-US" altLang="zh-CN"/>
           </a:p>
           <a:p>
             <a:pPr marL="514350" indent="-514350">
@@ -6302,7 +7820,6 @@
               <a:rPr lang="en-US" altLang="zh-CN"/>
               <a:t>在模型内研究解决问题</a:t>
             </a:r>
-            <a:endParaRPr lang="en-US" altLang="zh-CN"/>
           </a:p>
         </p:txBody>
       </p:sp>
@@ -6323,7 +7840,14 @@
         <p:cNvGrpSpPr/>
         <p:nvPr/>
       </p:nvGrpSpPr>
-      <p:grpSpPr/>
+      <p:grpSpPr>
+        <a:xfrm>
+          <a:off x="0" y="0"/>
+          <a:ext cx="0" cy="0"/>
+          <a:chOff x="0" y="0"/>
+          <a:chExt cx="0" cy="0"/>
+        </a:xfrm>
+      </p:grpSpPr>
       <p:sp>
         <p:nvSpPr>
           <p:cNvPr id="2" name="标题 1"/>
@@ -6337,12 +7861,12 @@
         <p:spPr/>
         <p:txBody>
           <a:bodyPr/>
+          <a:lstStyle/>
           <a:p>
             <a:r>
               <a:rPr lang="en-US" altLang="zh-CN"/>
               <a:t>贝叶斯公式是怎么用在状态估计中的？</a:t>
             </a:r>
-            <a:endParaRPr lang="en-US" altLang="zh-CN"/>
           </a:p>
         </p:txBody>
       </p:sp>
@@ -6359,26 +7883,24 @@
         <p:spPr/>
         <p:txBody>
           <a:bodyPr/>
+          <a:lstStyle/>
           <a:p>
             <a:r>
               <a:rPr lang="en-US" altLang="zh-CN"/>
               <a:t>联合 = 条件 × 边缘</a:t>
             </a:r>
-            <a:endParaRPr lang="en-US" altLang="zh-CN"/>
           </a:p>
           <a:p>
             <a:r>
               <a:rPr lang="en-US" altLang="zh-CN"/>
               <a:t>后验 = 观测 × 先验 × 归一化</a:t>
             </a:r>
-            <a:endParaRPr lang="en-US" altLang="zh-CN"/>
           </a:p>
           <a:p>
             <a:r>
               <a:rPr lang="en-US" altLang="zh-CN"/>
               <a:t>专有名词的对应关系：先验、传感器模型、后验、归一化参数</a:t>
             </a:r>
-            <a:endParaRPr lang="en-US" altLang="zh-CN"/>
           </a:p>
         </p:txBody>
       </p:sp>
@@ -6399,7 +7921,14 @@
         <p:cNvGrpSpPr/>
         <p:nvPr/>
       </p:nvGrpSpPr>
-      <p:grpSpPr/>
+      <p:grpSpPr>
+        <a:xfrm>
+          <a:off x="0" y="0"/>
+          <a:ext cx="0" cy="0"/>
+          <a:chOff x="0" y="0"/>
+          <a:chExt cx="0" cy="0"/>
+        </a:xfrm>
+      </p:grpSpPr>
       <p:sp>
         <p:nvSpPr>
           <p:cNvPr id="2" name="标题 1"/>
@@ -6413,12 +7942,12 @@
         <p:spPr/>
         <p:txBody>
           <a:bodyPr/>
+          <a:lstStyle/>
           <a:p>
             <a:r>
               <a:rPr lang="en-US" altLang="zh-CN"/>
               <a:t>矩是啥？</a:t>
             </a:r>
-            <a:endParaRPr lang="en-US" altLang="zh-CN"/>
           </a:p>
         </p:txBody>
       </p:sp>
@@ -6435,19 +7964,18 @@
         <p:spPr/>
         <p:txBody>
           <a:bodyPr/>
+          <a:lstStyle/>
           <a:p>
             <a:r>
               <a:rPr lang="en-US" altLang="zh-CN"/>
               <a:t>有时候给出一个概率分布很困难，就会转而采用矩来进行简化</a:t>
             </a:r>
-            <a:endParaRPr lang="en-US" altLang="zh-CN"/>
           </a:p>
           <a:p>
             <a:r>
               <a:rPr lang="en-US" altLang="zh-CN"/>
               <a:t>0阶矩是1;1阶矩是期望；二阶矩是方差；三阶偏度；四阶峰度</a:t>
             </a:r>
-            <a:endParaRPr lang="en-US" altLang="zh-CN"/>
           </a:p>
           <a:p>
             <a:pPr marL="0" indent="0">
@@ -6474,7 +8002,14 @@
         <p:cNvGrpSpPr/>
         <p:nvPr/>
       </p:nvGrpSpPr>
-      <p:grpSpPr/>
+      <p:grpSpPr>
+        <a:xfrm>
+          <a:off x="0" y="0"/>
+          <a:ext cx="0" cy="0"/>
+          <a:chOff x="0" y="0"/>
+          <a:chExt cx="0" cy="0"/>
+        </a:xfrm>
+      </p:grpSpPr>
       <p:sp>
         <p:nvSpPr>
           <p:cNvPr id="2" name="标题 1"/>
@@ -6488,14 +8023,14 @@
         <p:spPr/>
         <p:txBody>
           <a:bodyPr>
-            <a:normAutofit fontScale="90000"/>
+            <a:normAutofit/>
           </a:bodyPr>
+          <a:lstStyle/>
           <a:p>
             <a:r>
               <a:rPr lang="en-US" altLang="zh-CN"/>
               <a:t>期望和方差的数学定义和样本求法有啥区别？</a:t>
             </a:r>
-            <a:endParaRPr lang="en-US" altLang="zh-CN"/>
           </a:p>
         </p:txBody>
       </p:sp>
@@ -6512,33 +8047,30 @@
         <p:spPr/>
         <p:txBody>
           <a:bodyPr/>
+          <a:lstStyle/>
           <a:p>
             <a:r>
               <a:rPr lang="en-US" altLang="zh-CN"/>
               <a:t>期望定义，数学定义，不再多说</a:t>
             </a:r>
-            <a:endParaRPr lang="en-US" altLang="zh-CN"/>
           </a:p>
           <a:p>
             <a:r>
               <a:rPr lang="en-US" altLang="zh-CN"/>
               <a:t>方差定义，对状态去中心化，然后列乘行，变成n×n矩阵；上述矩阵的期望就是协方差矩阵</a:t>
             </a:r>
-            <a:endParaRPr lang="en-US" altLang="zh-CN"/>
           </a:p>
           <a:p>
             <a:r>
               <a:rPr lang="en-US" altLang="zh-CN"/>
               <a:t>样本求期望：直接求均值</a:t>
             </a:r>
-            <a:endParaRPr lang="en-US" altLang="zh-CN"/>
           </a:p>
           <a:p>
             <a:r>
               <a:rPr lang="en-US" altLang="zh-CN"/>
               <a:t>样本求方差：每一个样本减去均值，然后列乘行，变成n×n矩阵；对上述矩阵求均值，注意贝塞尔修正！</a:t>
             </a:r>
-            <a:endParaRPr lang="en-US" altLang="zh-CN"/>
           </a:p>
         </p:txBody>
       </p:sp>
@@ -6559,7 +8091,14 @@
         <p:cNvGrpSpPr/>
         <p:nvPr/>
       </p:nvGrpSpPr>
-      <p:grpSpPr/>
+      <p:grpSpPr>
+        <a:xfrm>
+          <a:off x="0" y="0"/>
+          <a:ext cx="0" cy="0"/>
+          <a:chOff x="0" y="0"/>
+          <a:chExt cx="0" cy="0"/>
+        </a:xfrm>
+      </p:grpSpPr>
       <p:sp>
         <p:nvSpPr>
           <p:cNvPr id="2" name="标题 1"/>
@@ -6573,12 +8112,12 @@
         <p:spPr/>
         <p:txBody>
           <a:bodyPr/>
+          <a:lstStyle/>
           <a:p>
             <a:r>
               <a:rPr lang="en-US" altLang="zh-CN"/>
               <a:t>独立性和不相关性，你能说清楚吗？</a:t>
             </a:r>
-            <a:endParaRPr lang="en-US" altLang="zh-CN"/>
           </a:p>
         </p:txBody>
       </p:sp>
@@ -6595,19 +8134,18 @@
         <p:spPr/>
         <p:txBody>
           <a:bodyPr/>
+          <a:lstStyle/>
           <a:p>
             <a:r>
               <a:rPr lang="en-US" altLang="zh-CN"/>
               <a:t>独立性p(xy) = p(x)p(y)</a:t>
             </a:r>
-            <a:endParaRPr lang="en-US" altLang="zh-CN"/>
           </a:p>
           <a:p>
             <a:r>
               <a:rPr lang="en-US" altLang="zh-CN"/>
               <a:t>不相关性E[xy] = E[x] E[y]</a:t>
             </a:r>
-            <a:endParaRPr lang="en-US" altLang="zh-CN"/>
           </a:p>
           <a:p>
             <a:pPr marL="0" indent="0">
@@ -6623,7 +8161,6 @@
               <a:rPr lang="en-US" altLang="zh-CN"/>
               <a:t>独立一定不相关，不相关不一定独立</a:t>
             </a:r>
-            <a:endParaRPr lang="en-US" altLang="zh-CN"/>
           </a:p>
           <a:p>
             <a:pPr marL="0" indent="0">
@@ -6639,7 +8176,6 @@
               <a:rPr lang="en-US" altLang="zh-CN"/>
               <a:t>对于高斯分布，两者等价</a:t>
             </a:r>
-            <a:endParaRPr lang="en-US" altLang="zh-CN"/>
           </a:p>
         </p:txBody>
       </p:sp>
@@ -6902,6 +8438,8 @@
       </a:bgFillStyleLst>
     </a:fmtScheme>
   </a:themeElements>
+  <a:objectDefaults/>
+  <a:extraClrSchemeLst/>
   <a:extLst>
     <a:ext uri="{05A4C25C-085E-4340-85A3-A5531E510DB2}">
       <thm15:themeFamily xmlns:thm15="http://schemas.microsoft.com/office/thememl/2012/main" name="Office Theme" id="{62F939B6-93AF-4DB8-9C6B-D6C7DFDC589F}" vid="{4A3C46E8-61CC-4603-A589-7422A47A8E4A}"/>

--- a/问题检索清单.pptx
+++ b/问题检索清单.pptx
@@ -53,6 +53,19 @@
     <p:sldId id="336" r:id="rId47"/>
     <p:sldId id="337" r:id="rId48"/>
     <p:sldId id="338" r:id="rId49"/>
+    <p:sldId id="339" r:id="rId50"/>
+    <p:sldId id="340" r:id="rId51"/>
+    <p:sldId id="341" r:id="rId52"/>
+    <p:sldId id="342" r:id="rId53"/>
+    <p:sldId id="343" r:id="rId54"/>
+    <p:sldId id="344" r:id="rId55"/>
+    <p:sldId id="345" r:id="rId56"/>
+    <p:sldId id="346" r:id="rId57"/>
+    <p:sldId id="347" r:id="rId58"/>
+    <p:sldId id="348" r:id="rId59"/>
+    <p:sldId id="349" r:id="rId60"/>
+    <p:sldId id="350" r:id="rId61"/>
+    <p:sldId id="351" r:id="rId62"/>
   </p:sldIdLst>
   <p:sldSz cx="12192000" cy="6858000"/>
   <p:notesSz cx="6858000" cy="9144000"/>
@@ -288,7 +301,7 @@
           <a:p>
             <a:fld id="{D997B5FA-0921-464F-AAE1-844C04324D75}" type="datetimeFigureOut">
               <a:rPr lang="zh-CN" altLang="en-US" smtClean="0"/>
-              <a:t>2021/3/11</a:t>
+              <a:t>2021/3/12</a:t>
             </a:fld>
             <a:endParaRPr lang="zh-CN" altLang="en-US"/>
           </a:p>
@@ -451,7 +464,7 @@
           <a:p>
             <a:fld id="{D997B5FA-0921-464F-AAE1-844C04324D75}" type="datetimeFigureOut">
               <a:rPr lang="zh-CN" altLang="en-US" smtClean="0"/>
-              <a:t>2021/3/11</a:t>
+              <a:t>2021/3/12</a:t>
             </a:fld>
             <a:endParaRPr lang="zh-CN" altLang="en-US"/>
           </a:p>
@@ -624,7 +637,7 @@
           <a:p>
             <a:fld id="{D997B5FA-0921-464F-AAE1-844C04324D75}" type="datetimeFigureOut">
               <a:rPr lang="zh-CN" altLang="en-US" smtClean="0"/>
-              <a:t>2021/3/11</a:t>
+              <a:t>2021/3/12</a:t>
             </a:fld>
             <a:endParaRPr lang="zh-CN" altLang="en-US"/>
           </a:p>
@@ -787,7 +800,7 @@
           <a:p>
             <a:fld id="{D997B5FA-0921-464F-AAE1-844C04324D75}" type="datetimeFigureOut">
               <a:rPr lang="zh-CN" altLang="en-US" smtClean="0"/>
-              <a:t>2021/3/11</a:t>
+              <a:t>2021/3/12</a:t>
             </a:fld>
             <a:endParaRPr lang="zh-CN" altLang="en-US"/>
           </a:p>
@@ -1027,7 +1040,7 @@
           <a:p>
             <a:fld id="{D997B5FA-0921-464F-AAE1-844C04324D75}" type="datetimeFigureOut">
               <a:rPr lang="zh-CN" altLang="en-US" smtClean="0"/>
-              <a:t>2021/3/11</a:t>
+              <a:t>2021/3/12</a:t>
             </a:fld>
             <a:endParaRPr lang="zh-CN" altLang="en-US"/>
           </a:p>
@@ -1251,7 +1264,7 @@
           <a:p>
             <a:fld id="{D997B5FA-0921-464F-AAE1-844C04324D75}" type="datetimeFigureOut">
               <a:rPr lang="zh-CN" altLang="en-US" smtClean="0"/>
-              <a:t>2021/3/11</a:t>
+              <a:t>2021/3/12</a:t>
             </a:fld>
             <a:endParaRPr lang="zh-CN" altLang="en-US"/>
           </a:p>
@@ -1610,7 +1623,7 @@
           <a:p>
             <a:fld id="{D997B5FA-0921-464F-AAE1-844C04324D75}" type="datetimeFigureOut">
               <a:rPr lang="zh-CN" altLang="en-US" smtClean="0"/>
-              <a:t>2021/3/11</a:t>
+              <a:t>2021/3/12</a:t>
             </a:fld>
             <a:endParaRPr lang="zh-CN" altLang="en-US"/>
           </a:p>
@@ -1722,7 +1735,7 @@
           <a:p>
             <a:fld id="{D997B5FA-0921-464F-AAE1-844C04324D75}" type="datetimeFigureOut">
               <a:rPr lang="zh-CN" altLang="en-US" smtClean="0"/>
-              <a:t>2021/3/11</a:t>
+              <a:t>2021/3/12</a:t>
             </a:fld>
             <a:endParaRPr lang="zh-CN" altLang="en-US"/>
           </a:p>
@@ -1812,7 +1825,7 @@
           <a:p>
             <a:fld id="{D997B5FA-0921-464F-AAE1-844C04324D75}" type="datetimeFigureOut">
               <a:rPr lang="zh-CN" altLang="en-US" smtClean="0"/>
-              <a:t>2021/3/11</a:t>
+              <a:t>2021/3/12</a:t>
             </a:fld>
             <a:endParaRPr lang="zh-CN" altLang="en-US"/>
           </a:p>
@@ -2082,7 +2095,7 @@
           <a:p>
             <a:fld id="{D997B5FA-0921-464F-AAE1-844C04324D75}" type="datetimeFigureOut">
               <a:rPr lang="zh-CN" altLang="en-US" smtClean="0"/>
-              <a:t>2021/3/11</a:t>
+              <a:t>2021/3/12</a:t>
             </a:fld>
             <a:endParaRPr lang="zh-CN" altLang="en-US"/>
           </a:p>
@@ -2329,7 +2342,7 @@
           <a:p>
             <a:fld id="{D997B5FA-0921-464F-AAE1-844C04324D75}" type="datetimeFigureOut">
               <a:rPr lang="zh-CN" altLang="en-US" smtClean="0"/>
-              <a:t>2021/3/11</a:t>
+              <a:t>2021/3/12</a:t>
             </a:fld>
             <a:endParaRPr lang="zh-CN" altLang="en-US"/>
           </a:p>
@@ -2535,7 +2548,7 @@
           <a:p>
             <a:fld id="{D997B5FA-0921-464F-AAE1-844C04324D75}" type="datetimeFigureOut">
               <a:rPr lang="zh-CN" altLang="en-US" smtClean="0"/>
-              <a:t>2021/3/11</a:t>
+              <a:t>2021/3/12</a:t>
             </a:fld>
             <a:endParaRPr lang="zh-CN" altLang="en-US"/>
           </a:p>
@@ -4000,7 +4013,7 @@
         </p:spPr>
         <p:txBody>
           <a:bodyPr>
-            <a:normAutofit fontScale="57500" lnSpcReduction="10000"/>
+            <a:normAutofit fontScale="65000" lnSpcReduction="20000"/>
           </a:bodyPr>
           <a:lstStyle/>
           <a:p>
@@ -4249,7 +4262,7 @@
         </p:spPr>
         <p:txBody>
           <a:bodyPr>
-            <a:normAutofit fontScale="67500" lnSpcReduction="10000"/>
+            <a:normAutofit fontScale="75000" lnSpcReduction="20000"/>
           </a:bodyPr>
           <a:lstStyle/>
           <a:p>
@@ -6157,13 +6170,18 @@
             <p:ph type="title"/>
           </p:nvPr>
         </p:nvSpPr>
-        <p:spPr/>
-        <p:txBody>
-          <a:bodyPr/>
-          <a:lstStyle/>
-          <a:p>
-            <a:r>
-              <a:rPr lang="" altLang="zh-CN"/>
+        <p:spPr>
+          <a:xfrm>
+            <a:off x="838200" y="148130"/>
+            <a:ext cx="10515600" cy="1325563"/>
+          </a:xfrm>
+        </p:spPr>
+        <p:txBody>
+          <a:bodyPr/>
+          <a:lstStyle/>
+          <a:p>
+            <a:r>
+              <a:rPr lang="" altLang="zh-CN" dirty="0"/>
               <a:t>第三章 非线性系统</a:t>
             </a:r>
           </a:p>
@@ -6179,10 +6197,163 @@
             <p:ph idx="1"/>
           </p:nvPr>
         </p:nvSpPr>
-        <p:spPr/>
-        <p:txBody>
-          <a:bodyPr/>
-          <a:lstStyle/>
+        <p:spPr>
+          <a:xfrm>
+            <a:off x="838200" y="1473693"/>
+            <a:ext cx="10515600" cy="4703270"/>
+          </a:xfrm>
+        </p:spPr>
+        <p:txBody>
+          <a:bodyPr>
+            <a:normAutofit fontScale="47500" lnSpcReduction="20000"/>
+          </a:bodyPr>
+          <a:lstStyle/>
+          <a:p>
+            <a:r>
+              <a:rPr lang="zh-CN" altLang="en-US" dirty="0"/>
+              <a:t>关于马尔可夫性和贝叶斯滤波，你能理解吗？</a:t>
+            </a:r>
+            <a:endParaRPr lang="en-US" altLang="zh-CN" dirty="0"/>
+          </a:p>
+          <a:p>
+            <a:r>
+              <a:rPr lang="zh-CN" altLang="en-US" dirty="0"/>
+              <a:t>都在说线性化，那么数学上怎么做线性化？</a:t>
+            </a:r>
+            <a:endParaRPr lang="en-US" altLang="zh-CN" dirty="0"/>
+          </a:p>
+          <a:p>
+            <a:r>
+              <a:rPr lang="zh-CN" altLang="en-US" dirty="0"/>
+              <a:t>在状态估计里面，怎么做线性化？</a:t>
+            </a:r>
+            <a:endParaRPr lang="en-US" altLang="zh-CN" dirty="0"/>
+          </a:p>
+          <a:p>
+            <a:r>
+              <a:rPr lang="en-US" altLang="zh-CN" dirty="0"/>
+              <a:t>EKF</a:t>
+            </a:r>
+            <a:r>
+              <a:rPr lang="zh-CN" altLang="en-US" dirty="0"/>
+              <a:t>是什么形式？</a:t>
+            </a:r>
+            <a:endParaRPr lang="en-US" altLang="zh-CN" dirty="0"/>
+          </a:p>
+          <a:p>
+            <a:r>
+              <a:rPr lang="en-US" altLang="zh-CN" dirty="0"/>
+              <a:t>EKF</a:t>
+            </a:r>
+            <a:r>
+              <a:rPr lang="zh-CN" altLang="en-US" dirty="0"/>
+              <a:t>缺点是什么？</a:t>
+            </a:r>
+            <a:endParaRPr lang="en-US" altLang="zh-CN" dirty="0"/>
+          </a:p>
+          <a:p>
+            <a:r>
+              <a:rPr lang="zh-CN" altLang="en-US" dirty="0"/>
+              <a:t>广义高斯滤波是啥？有啥作用？</a:t>
+            </a:r>
+            <a:endParaRPr lang="en-US" altLang="zh-CN" dirty="0"/>
+          </a:p>
+          <a:p>
+            <a:r>
+              <a:rPr lang="zh-CN" altLang="en-US" dirty="0"/>
+              <a:t>迭代卡尔曼滤波是啥意思？</a:t>
+            </a:r>
+            <a:endParaRPr lang="en-US" altLang="zh-CN" dirty="0"/>
+          </a:p>
+          <a:p>
+            <a:r>
+              <a:rPr lang="zh-CN" altLang="en-US" dirty="0"/>
+              <a:t>处理非线性函数都有哪些方法？</a:t>
+            </a:r>
+            <a:endParaRPr lang="en-US" altLang="zh-CN" dirty="0"/>
+          </a:p>
+          <a:p>
+            <a:r>
+              <a:rPr lang="zh-CN" altLang="en-US" dirty="0"/>
+              <a:t>蒙特卡洛法的操作步骤、主要优缺点是什么？</a:t>
+            </a:r>
+            <a:endParaRPr lang="en-US" altLang="zh-CN" dirty="0"/>
+          </a:p>
+          <a:p>
+            <a:r>
+              <a:rPr lang="zh-CN" altLang="en-US" dirty="0"/>
+              <a:t>线性化方法不准确的原因有哪四点？</a:t>
+            </a:r>
+            <a:endParaRPr lang="en-US" altLang="zh-CN" dirty="0"/>
+          </a:p>
+          <a:p>
+            <a:r>
+              <a:rPr lang="en-US" altLang="zh-CN" dirty="0"/>
+              <a:t>Sigma</a:t>
+            </a:r>
+            <a:r>
+              <a:rPr lang="zh-CN" altLang="en-US" dirty="0"/>
+              <a:t>变换，你能想到什么？</a:t>
+            </a:r>
+            <a:endParaRPr lang="en-US" altLang="zh-CN" dirty="0"/>
+          </a:p>
+          <a:p>
+            <a:r>
+              <a:rPr lang="en-US" altLang="zh-CN" dirty="0"/>
+              <a:t>Sigma</a:t>
+            </a:r>
+            <a:r>
+              <a:rPr lang="zh-CN" altLang="en-US" dirty="0"/>
+              <a:t>变换的操作是什么？</a:t>
+            </a:r>
+            <a:endParaRPr lang="en-US" altLang="zh-CN" dirty="0"/>
+          </a:p>
+          <a:p>
+            <a:r>
+              <a:rPr lang="zh-CN" altLang="en-US" dirty="0"/>
+              <a:t>线性化方法下，均值和方差不准体现在哪些方面？</a:t>
+            </a:r>
+            <a:endParaRPr lang="en-US" altLang="zh-CN" dirty="0"/>
+          </a:p>
+          <a:p>
+            <a:r>
+              <a:rPr lang="zh-CN" altLang="en-US" dirty="0"/>
+              <a:t>请简述粒子滤波的流程</a:t>
+            </a:r>
+            <a:endParaRPr lang="en-US" altLang="zh-CN" dirty="0"/>
+          </a:p>
+          <a:p>
+            <a:r>
+              <a:rPr lang="zh-CN" altLang="en-US" dirty="0"/>
+              <a:t>请简述</a:t>
+            </a:r>
+            <a:r>
+              <a:rPr lang="en-US" altLang="zh-CN" dirty="0"/>
+              <a:t>SPKF/UKF</a:t>
+            </a:r>
+            <a:r>
+              <a:rPr lang="zh-CN" altLang="en-US" dirty="0"/>
+              <a:t>的步骤</a:t>
+            </a:r>
+            <a:endParaRPr lang="en-US" altLang="zh-CN" dirty="0"/>
+          </a:p>
+          <a:p>
+            <a:r>
+              <a:rPr lang="zh-CN" altLang="en-US" dirty="0"/>
+              <a:t>几种滤波器的比较图</a:t>
+            </a:r>
+            <a:r>
+              <a:rPr lang="en-US" altLang="zh-CN" dirty="0"/>
+              <a:t>	</a:t>
+            </a:r>
+          </a:p>
+          <a:p>
+            <a:r>
+              <a:rPr lang="zh-CN" altLang="en-US" dirty="0"/>
+              <a:t>用自己的语言，检索回忆描述最小二乘问题、牛顿法、高斯牛顿法的推导</a:t>
+            </a:r>
+            <a:endParaRPr lang="en-US" altLang="zh-CN" dirty="0"/>
+          </a:p>
           <a:p>
             <a:endParaRPr lang="zh-CN" altLang="en-US" dirty="0"/>
           </a:p>
@@ -6398,7 +6569,7 @@
           <a:p>
             <a:r>
               <a:rPr lang="zh-CN" altLang="en-US" dirty="0"/>
-              <a:t>都在说线性化，那么怎么做线性化？</a:t>
+              <a:t>都在说线性化，那么数学上怎么做线性化？</a:t>
             </a:r>
           </a:p>
         </p:txBody>
@@ -7707,19 +7878,171 @@
             <p:ph idx="1"/>
           </p:nvPr>
         </p:nvSpPr>
-        <p:spPr/>
-        <p:txBody>
-          <a:bodyPr/>
-          <a:lstStyle/>
+        <p:spPr>
+          <a:xfrm>
+            <a:off x="838200" y="1500326"/>
+            <a:ext cx="10515600" cy="4676637"/>
+          </a:xfrm>
+        </p:spPr>
+        <p:txBody>
+          <a:bodyPr/>
+          <a:lstStyle/>
+          <a:p>
+            <a:r>
+              <a:rPr lang="zh-CN" altLang="en-US" dirty="0"/>
+              <a:t>手写一遍，口述一遍</a:t>
+            </a:r>
+            <a:endParaRPr lang="en-US" altLang="zh-CN" dirty="0"/>
+          </a:p>
           <a:p>
             <a:endParaRPr lang="zh-CN" altLang="en-US" dirty="0"/>
           </a:p>
         </p:txBody>
       </p:sp>
+      <p:pic>
+        <p:nvPicPr>
+          <p:cNvPr id="5" name="图片 4">
+            <a:extLst>
+              <a:ext uri="{FF2B5EF4-FFF2-40B4-BE49-F238E27FC236}">
+                <a16:creationId xmlns:a16="http://schemas.microsoft.com/office/drawing/2014/main" id="{C419F79B-8E5C-4D62-A42B-61B8227B853A}"/>
+              </a:ext>
+            </a:extLst>
+          </p:cNvPr>
+          <p:cNvPicPr>
+            <a:picLocks noChangeAspect="1"/>
+          </p:cNvPicPr>
+          <p:nvPr/>
+        </p:nvPicPr>
+        <p:blipFill>
+          <a:blip r:embed="rId2"/>
+          <a:stretch>
+            <a:fillRect/>
+          </a:stretch>
+        </p:blipFill>
+        <p:spPr>
+          <a:xfrm>
+            <a:off x="0" y="2041222"/>
+            <a:ext cx="12192000" cy="4816778"/>
+          </a:xfrm>
+          <a:prstGeom prst="rect">
+            <a:avLst/>
+          </a:prstGeom>
+        </p:spPr>
+      </p:pic>
     </p:spTree>
     <p:extLst>
       <p:ext uri="{BB962C8B-B14F-4D97-AF65-F5344CB8AC3E}">
         <p14:creationId xmlns:p14="http://schemas.microsoft.com/office/powerpoint/2010/main" val="3636043781"/>
+      </p:ext>
+    </p:extLst>
+  </p:cSld>
+  <p:clrMapOvr>
+    <a:masterClrMapping/>
+  </p:clrMapOvr>
+</p:sld>
+</file>
+
+<file path=ppt/slides/slide49.xml><?xml version="1.0" encoding="utf-8"?>
+<p:sld xmlns:a="http://schemas.openxmlformats.org/drawingml/2006/main" xmlns:r="http://schemas.openxmlformats.org/officeDocument/2006/relationships" xmlns:p="http://schemas.openxmlformats.org/presentationml/2006/main">
+  <p:cSld>
+    <p:spTree>
+      <p:nvGrpSpPr>
+        <p:cNvPr id="1" name=""/>
+        <p:cNvGrpSpPr/>
+        <p:nvPr/>
+      </p:nvGrpSpPr>
+      <p:grpSpPr>
+        <a:xfrm>
+          <a:off x="0" y="0"/>
+          <a:ext cx="0" cy="0"/>
+          <a:chOff x="0" y="0"/>
+          <a:chExt cx="0" cy="0"/>
+        </a:xfrm>
+      </p:grpSpPr>
+      <p:sp>
+        <p:nvSpPr>
+          <p:cNvPr id="2" name="标题 1">
+            <a:extLst>
+              <a:ext uri="{FF2B5EF4-FFF2-40B4-BE49-F238E27FC236}">
+                <a16:creationId xmlns:a16="http://schemas.microsoft.com/office/drawing/2014/main" id="{27F3AC94-A1DB-4E2C-8F38-86E85587F99B}"/>
+              </a:ext>
+            </a:extLst>
+          </p:cNvPr>
+          <p:cNvSpPr>
+            <a:spLocks noGrp="1"/>
+          </p:cNvSpPr>
+          <p:nvPr>
+            <p:ph type="title"/>
+          </p:nvPr>
+        </p:nvSpPr>
+        <p:spPr/>
+        <p:txBody>
+          <a:bodyPr/>
+          <a:lstStyle/>
+          <a:p>
+            <a:endParaRPr lang="zh-CN" altLang="en-US"/>
+          </a:p>
+        </p:txBody>
+      </p:sp>
+      <p:sp>
+        <p:nvSpPr>
+          <p:cNvPr id="3" name="内容占位符 2">
+            <a:extLst>
+              <a:ext uri="{FF2B5EF4-FFF2-40B4-BE49-F238E27FC236}">
+                <a16:creationId xmlns:a16="http://schemas.microsoft.com/office/drawing/2014/main" id="{06AE51BA-A10D-49C9-A542-939E1D9C0546}"/>
+              </a:ext>
+            </a:extLst>
+          </p:cNvPr>
+          <p:cNvSpPr>
+            <a:spLocks noGrp="1"/>
+          </p:cNvSpPr>
+          <p:nvPr>
+            <p:ph idx="1"/>
+          </p:nvPr>
+        </p:nvSpPr>
+        <p:spPr/>
+        <p:txBody>
+          <a:bodyPr/>
+          <a:lstStyle/>
+          <a:p>
+            <a:endParaRPr lang="zh-CN" altLang="en-US" dirty="0"/>
+          </a:p>
+        </p:txBody>
+      </p:sp>
+      <p:pic>
+        <p:nvPicPr>
+          <p:cNvPr id="5" name="图片 4">
+            <a:extLst>
+              <a:ext uri="{FF2B5EF4-FFF2-40B4-BE49-F238E27FC236}">
+                <a16:creationId xmlns:a16="http://schemas.microsoft.com/office/drawing/2014/main" id="{2F2DDE4E-D876-44ED-AF89-470E62B7FDE0}"/>
+              </a:ext>
+            </a:extLst>
+          </p:cNvPr>
+          <p:cNvPicPr>
+            <a:picLocks noChangeAspect="1"/>
+          </p:cNvPicPr>
+          <p:nvPr/>
+        </p:nvPicPr>
+        <p:blipFill>
+          <a:blip r:embed="rId2"/>
+          <a:stretch>
+            <a:fillRect/>
+          </a:stretch>
+        </p:blipFill>
+        <p:spPr>
+          <a:xfrm>
+            <a:off x="1464014" y="1027906"/>
+            <a:ext cx="9121930" cy="4351397"/>
+          </a:xfrm>
+          <a:prstGeom prst="rect">
+            <a:avLst/>
+          </a:prstGeom>
+        </p:spPr>
+      </p:pic>
+    </p:spTree>
+    <p:extLst>
+      <p:ext uri="{BB962C8B-B14F-4D97-AF65-F5344CB8AC3E}">
+        <p14:creationId xmlns:p14="http://schemas.microsoft.com/office/powerpoint/2010/main" val="3003455654"/>
       </p:ext>
     </p:extLst>
   </p:cSld>
@@ -7831,6 +8154,1503 @@
 </p:sld>
 </file>
 
+<file path=ppt/slides/slide50.xml><?xml version="1.0" encoding="utf-8"?>
+<p:sld xmlns:a="http://schemas.openxmlformats.org/drawingml/2006/main" xmlns:r="http://schemas.openxmlformats.org/officeDocument/2006/relationships" xmlns:p="http://schemas.openxmlformats.org/presentationml/2006/main">
+  <p:cSld>
+    <p:spTree>
+      <p:nvGrpSpPr>
+        <p:cNvPr id="1" name=""/>
+        <p:cNvGrpSpPr/>
+        <p:nvPr/>
+      </p:nvGrpSpPr>
+      <p:grpSpPr>
+        <a:xfrm>
+          <a:off x="0" y="0"/>
+          <a:ext cx="0" cy="0"/>
+          <a:chOff x="0" y="0"/>
+          <a:chExt cx="0" cy="0"/>
+        </a:xfrm>
+      </p:grpSpPr>
+      <p:sp>
+        <p:nvSpPr>
+          <p:cNvPr id="2" name="标题 1">
+            <a:extLst>
+              <a:ext uri="{FF2B5EF4-FFF2-40B4-BE49-F238E27FC236}">
+                <a16:creationId xmlns:a16="http://schemas.microsoft.com/office/drawing/2014/main" id="{027FADA3-3A04-47AA-826C-A83769597AFA}"/>
+              </a:ext>
+            </a:extLst>
+          </p:cNvPr>
+          <p:cNvSpPr>
+            <a:spLocks noGrp="1"/>
+          </p:cNvSpPr>
+          <p:nvPr>
+            <p:ph type="title"/>
+          </p:nvPr>
+        </p:nvSpPr>
+        <p:spPr/>
+        <p:txBody>
+          <a:bodyPr/>
+          <a:lstStyle/>
+          <a:p>
+            <a:r>
+              <a:rPr lang="zh-CN" altLang="en-US" dirty="0"/>
+              <a:t>线性化方法下，均值和方差不准体现在哪些方面？</a:t>
+            </a:r>
+          </a:p>
+        </p:txBody>
+      </p:sp>
+      <p:sp>
+        <p:nvSpPr>
+          <p:cNvPr id="3" name="内容占位符 2">
+            <a:extLst>
+              <a:ext uri="{FF2B5EF4-FFF2-40B4-BE49-F238E27FC236}">
+                <a16:creationId xmlns:a16="http://schemas.microsoft.com/office/drawing/2014/main" id="{A17753C4-1665-4C13-A2A2-39407A08DD93}"/>
+              </a:ext>
+            </a:extLst>
+          </p:cNvPr>
+          <p:cNvSpPr>
+            <a:spLocks noGrp="1"/>
+          </p:cNvSpPr>
+          <p:nvPr>
+            <p:ph idx="1"/>
+          </p:nvPr>
+        </p:nvSpPr>
+        <p:spPr/>
+        <p:txBody>
+          <a:bodyPr/>
+          <a:lstStyle/>
+          <a:p>
+            <a:r>
+              <a:rPr lang="zh-CN" altLang="en-US" dirty="0"/>
+              <a:t>均值有偏，方差偏小</a:t>
+            </a:r>
+          </a:p>
+        </p:txBody>
+      </p:sp>
+    </p:spTree>
+    <p:extLst>
+      <p:ext uri="{BB962C8B-B14F-4D97-AF65-F5344CB8AC3E}">
+        <p14:creationId xmlns:p14="http://schemas.microsoft.com/office/powerpoint/2010/main" val="469605791"/>
+      </p:ext>
+    </p:extLst>
+  </p:cSld>
+  <p:clrMapOvr>
+    <a:masterClrMapping/>
+  </p:clrMapOvr>
+</p:sld>
+</file>
+
+<file path=ppt/slides/slide51.xml><?xml version="1.0" encoding="utf-8"?>
+<p:sld xmlns:a="http://schemas.openxmlformats.org/drawingml/2006/main" xmlns:r="http://schemas.openxmlformats.org/officeDocument/2006/relationships" xmlns:p="http://schemas.openxmlformats.org/presentationml/2006/main">
+  <p:cSld>
+    <p:spTree>
+      <p:nvGrpSpPr>
+        <p:cNvPr id="1" name=""/>
+        <p:cNvGrpSpPr/>
+        <p:nvPr/>
+      </p:nvGrpSpPr>
+      <p:grpSpPr>
+        <a:xfrm>
+          <a:off x="0" y="0"/>
+          <a:ext cx="0" cy="0"/>
+          <a:chOff x="0" y="0"/>
+          <a:chExt cx="0" cy="0"/>
+        </a:xfrm>
+      </p:grpSpPr>
+      <p:sp>
+        <p:nvSpPr>
+          <p:cNvPr id="2" name="标题 1">
+            <a:extLst>
+              <a:ext uri="{FF2B5EF4-FFF2-40B4-BE49-F238E27FC236}">
+                <a16:creationId xmlns:a16="http://schemas.microsoft.com/office/drawing/2014/main" id="{C51B3FB1-0042-4E1E-B062-6017F30378C5}"/>
+              </a:ext>
+            </a:extLst>
+          </p:cNvPr>
+          <p:cNvSpPr>
+            <a:spLocks noGrp="1"/>
+          </p:cNvSpPr>
+          <p:nvPr>
+            <p:ph type="title"/>
+          </p:nvPr>
+        </p:nvSpPr>
+        <p:spPr/>
+        <p:txBody>
+          <a:bodyPr/>
+          <a:lstStyle/>
+          <a:p>
+            <a:r>
+              <a:rPr lang="zh-CN" altLang="en-US" dirty="0"/>
+              <a:t>请简述粒子滤波的流程</a:t>
+            </a:r>
+            <a:r>
+              <a:rPr lang="en-US" altLang="zh-CN" dirty="0"/>
+              <a:t>	</a:t>
+            </a:r>
+            <a:endParaRPr lang="zh-CN" altLang="en-US" dirty="0"/>
+          </a:p>
+        </p:txBody>
+      </p:sp>
+      <p:sp>
+        <p:nvSpPr>
+          <p:cNvPr id="3" name="内容占位符 2">
+            <a:extLst>
+              <a:ext uri="{FF2B5EF4-FFF2-40B4-BE49-F238E27FC236}">
+                <a16:creationId xmlns:a16="http://schemas.microsoft.com/office/drawing/2014/main" id="{34315EDC-903E-481E-8FBA-69EA9114228B}"/>
+              </a:ext>
+            </a:extLst>
+          </p:cNvPr>
+          <p:cNvSpPr>
+            <a:spLocks noGrp="1"/>
+          </p:cNvSpPr>
+          <p:nvPr>
+            <p:ph idx="1"/>
+          </p:nvPr>
+        </p:nvSpPr>
+        <p:spPr/>
+        <p:txBody>
+          <a:bodyPr/>
+          <a:lstStyle/>
+          <a:p>
+            <a:r>
+              <a:rPr lang="zh-CN" altLang="en-US" dirty="0"/>
+              <a:t>第一步，依概率采样</a:t>
+            </a:r>
+            <a:endParaRPr lang="en-US" altLang="zh-CN" dirty="0"/>
+          </a:p>
+          <a:p>
+            <a:r>
+              <a:rPr lang="zh-CN" altLang="en-US" dirty="0"/>
+              <a:t>第二步，运动方程预测</a:t>
+            </a:r>
+            <a:endParaRPr lang="en-US" altLang="zh-CN" dirty="0"/>
+          </a:p>
+          <a:p>
+            <a:r>
+              <a:rPr lang="zh-CN" altLang="en-US" dirty="0"/>
+              <a:t>第三步，根据观测方程更新权重</a:t>
+            </a:r>
+            <a:endParaRPr lang="en-US" altLang="zh-CN" dirty="0"/>
+          </a:p>
+          <a:p>
+            <a:r>
+              <a:rPr lang="zh-CN" altLang="en-US" dirty="0"/>
+              <a:t>第四步，依权重重采样</a:t>
+            </a:r>
+          </a:p>
+        </p:txBody>
+      </p:sp>
+    </p:spTree>
+    <p:extLst>
+      <p:ext uri="{BB962C8B-B14F-4D97-AF65-F5344CB8AC3E}">
+        <p14:creationId xmlns:p14="http://schemas.microsoft.com/office/powerpoint/2010/main" val="835176943"/>
+      </p:ext>
+    </p:extLst>
+  </p:cSld>
+  <p:clrMapOvr>
+    <a:masterClrMapping/>
+  </p:clrMapOvr>
+</p:sld>
+</file>
+
+<file path=ppt/slides/slide52.xml><?xml version="1.0" encoding="utf-8"?>
+<p:sld xmlns:a="http://schemas.openxmlformats.org/drawingml/2006/main" xmlns:r="http://schemas.openxmlformats.org/officeDocument/2006/relationships" xmlns:p="http://schemas.openxmlformats.org/presentationml/2006/main">
+  <p:cSld>
+    <p:spTree>
+      <p:nvGrpSpPr>
+        <p:cNvPr id="1" name=""/>
+        <p:cNvGrpSpPr/>
+        <p:nvPr/>
+      </p:nvGrpSpPr>
+      <p:grpSpPr>
+        <a:xfrm>
+          <a:off x="0" y="0"/>
+          <a:ext cx="0" cy="0"/>
+          <a:chOff x="0" y="0"/>
+          <a:chExt cx="0" cy="0"/>
+        </a:xfrm>
+      </p:grpSpPr>
+      <p:sp>
+        <p:nvSpPr>
+          <p:cNvPr id="2" name="标题 1">
+            <a:extLst>
+              <a:ext uri="{FF2B5EF4-FFF2-40B4-BE49-F238E27FC236}">
+                <a16:creationId xmlns:a16="http://schemas.microsoft.com/office/drawing/2014/main" id="{101B656E-1BEE-48D9-B727-3F7EB55983AD}"/>
+              </a:ext>
+            </a:extLst>
+          </p:cNvPr>
+          <p:cNvSpPr>
+            <a:spLocks noGrp="1"/>
+          </p:cNvSpPr>
+          <p:nvPr>
+            <p:ph type="title"/>
+          </p:nvPr>
+        </p:nvSpPr>
+        <p:spPr/>
+        <p:txBody>
+          <a:bodyPr/>
+          <a:lstStyle/>
+          <a:p>
+            <a:r>
+              <a:rPr lang="zh-CN" altLang="en-US" dirty="0"/>
+              <a:t>请简述</a:t>
+            </a:r>
+            <a:r>
+              <a:rPr lang="en-US" altLang="zh-CN" dirty="0"/>
+              <a:t>SPKF/UKF</a:t>
+            </a:r>
+            <a:r>
+              <a:rPr lang="zh-CN" altLang="en-US" dirty="0"/>
+              <a:t>的步骤</a:t>
+            </a:r>
+          </a:p>
+        </p:txBody>
+      </p:sp>
+      <p:sp>
+        <p:nvSpPr>
+          <p:cNvPr id="3" name="内容占位符 2">
+            <a:extLst>
+              <a:ext uri="{FF2B5EF4-FFF2-40B4-BE49-F238E27FC236}">
+                <a16:creationId xmlns:a16="http://schemas.microsoft.com/office/drawing/2014/main" id="{EDE0EAD0-C59C-4E73-99B1-36AA2AD77EAB}"/>
+              </a:ext>
+            </a:extLst>
+          </p:cNvPr>
+          <p:cNvSpPr>
+            <a:spLocks noGrp="1"/>
+          </p:cNvSpPr>
+          <p:nvPr>
+            <p:ph idx="1"/>
+          </p:nvPr>
+        </p:nvSpPr>
+        <p:spPr/>
+        <p:txBody>
+          <a:bodyPr/>
+          <a:lstStyle/>
+          <a:p>
+            <a:r>
+              <a:rPr lang="zh-CN" altLang="en-US" dirty="0"/>
+              <a:t>预测部分</a:t>
+            </a:r>
+            <a:endParaRPr lang="en-US" altLang="zh-CN" dirty="0"/>
+          </a:p>
+          <a:p>
+            <a:endParaRPr lang="zh-CN" altLang="en-US" dirty="0"/>
+          </a:p>
+        </p:txBody>
+      </p:sp>
+      <p:pic>
+        <p:nvPicPr>
+          <p:cNvPr id="5" name="图片 4">
+            <a:extLst>
+              <a:ext uri="{FF2B5EF4-FFF2-40B4-BE49-F238E27FC236}">
+                <a16:creationId xmlns:a16="http://schemas.microsoft.com/office/drawing/2014/main" id="{455AE0B5-7168-493F-9E6E-29031ABB13A2}"/>
+              </a:ext>
+            </a:extLst>
+          </p:cNvPr>
+          <p:cNvPicPr>
+            <a:picLocks noChangeAspect="1"/>
+          </p:cNvPicPr>
+          <p:nvPr/>
+        </p:nvPicPr>
+        <p:blipFill>
+          <a:blip r:embed="rId2"/>
+          <a:stretch>
+            <a:fillRect/>
+          </a:stretch>
+        </p:blipFill>
+        <p:spPr>
+          <a:xfrm>
+            <a:off x="315729" y="2453201"/>
+            <a:ext cx="11560542" cy="4153260"/>
+          </a:xfrm>
+          <a:prstGeom prst="rect">
+            <a:avLst/>
+          </a:prstGeom>
+        </p:spPr>
+      </p:pic>
+    </p:spTree>
+    <p:extLst>
+      <p:ext uri="{BB962C8B-B14F-4D97-AF65-F5344CB8AC3E}">
+        <p14:creationId xmlns:p14="http://schemas.microsoft.com/office/powerpoint/2010/main" val="3448507547"/>
+      </p:ext>
+    </p:extLst>
+  </p:cSld>
+  <p:clrMapOvr>
+    <a:masterClrMapping/>
+  </p:clrMapOvr>
+</p:sld>
+</file>
+
+<file path=ppt/slides/slide53.xml><?xml version="1.0" encoding="utf-8"?>
+<p:sld xmlns:a="http://schemas.openxmlformats.org/drawingml/2006/main" xmlns:r="http://schemas.openxmlformats.org/officeDocument/2006/relationships" xmlns:p="http://schemas.openxmlformats.org/presentationml/2006/main">
+  <p:cSld>
+    <p:spTree>
+      <p:nvGrpSpPr>
+        <p:cNvPr id="1" name=""/>
+        <p:cNvGrpSpPr/>
+        <p:nvPr/>
+      </p:nvGrpSpPr>
+      <p:grpSpPr>
+        <a:xfrm>
+          <a:off x="0" y="0"/>
+          <a:ext cx="0" cy="0"/>
+          <a:chOff x="0" y="0"/>
+          <a:chExt cx="0" cy="0"/>
+        </a:xfrm>
+      </p:grpSpPr>
+      <p:sp>
+        <p:nvSpPr>
+          <p:cNvPr id="2" name="标题 1">
+            <a:extLst>
+              <a:ext uri="{FF2B5EF4-FFF2-40B4-BE49-F238E27FC236}">
+                <a16:creationId xmlns:a16="http://schemas.microsoft.com/office/drawing/2014/main" id="{DFD0EE13-FEAB-43D4-BA9B-45F764492E88}"/>
+              </a:ext>
+            </a:extLst>
+          </p:cNvPr>
+          <p:cNvSpPr>
+            <a:spLocks noGrp="1"/>
+          </p:cNvSpPr>
+          <p:nvPr>
+            <p:ph type="title"/>
+          </p:nvPr>
+        </p:nvSpPr>
+        <p:spPr/>
+        <p:txBody>
+          <a:bodyPr/>
+          <a:lstStyle/>
+          <a:p>
+            <a:endParaRPr lang="zh-CN" altLang="en-US"/>
+          </a:p>
+        </p:txBody>
+      </p:sp>
+      <p:sp>
+        <p:nvSpPr>
+          <p:cNvPr id="3" name="内容占位符 2">
+            <a:extLst>
+              <a:ext uri="{FF2B5EF4-FFF2-40B4-BE49-F238E27FC236}">
+                <a16:creationId xmlns:a16="http://schemas.microsoft.com/office/drawing/2014/main" id="{9A55BA83-AEA4-42A1-8455-1D1637FE93F8}"/>
+              </a:ext>
+            </a:extLst>
+          </p:cNvPr>
+          <p:cNvSpPr>
+            <a:spLocks noGrp="1"/>
+          </p:cNvSpPr>
+          <p:nvPr>
+            <p:ph idx="1"/>
+          </p:nvPr>
+        </p:nvSpPr>
+        <p:spPr/>
+        <p:txBody>
+          <a:bodyPr/>
+          <a:lstStyle/>
+          <a:p>
+            <a:r>
+              <a:rPr lang="zh-CN" altLang="en-US" dirty="0"/>
+              <a:t>观测部分，注意要再带入到广义高斯滤波里面进行高斯推断</a:t>
+            </a:r>
+            <a:endParaRPr lang="en-US" altLang="zh-CN" dirty="0"/>
+          </a:p>
+          <a:p>
+            <a:endParaRPr lang="zh-CN" altLang="en-US" dirty="0"/>
+          </a:p>
+        </p:txBody>
+      </p:sp>
+      <p:pic>
+        <p:nvPicPr>
+          <p:cNvPr id="5" name="图片 4">
+            <a:extLst>
+              <a:ext uri="{FF2B5EF4-FFF2-40B4-BE49-F238E27FC236}">
+                <a16:creationId xmlns:a16="http://schemas.microsoft.com/office/drawing/2014/main" id="{CD230D96-A740-4F73-A973-671EED92CFA9}"/>
+              </a:ext>
+            </a:extLst>
+          </p:cNvPr>
+          <p:cNvPicPr>
+            <a:picLocks noChangeAspect="1"/>
+          </p:cNvPicPr>
+          <p:nvPr/>
+        </p:nvPicPr>
+        <p:blipFill>
+          <a:blip r:embed="rId2"/>
+          <a:stretch>
+            <a:fillRect/>
+          </a:stretch>
+        </p:blipFill>
+        <p:spPr>
+          <a:xfrm>
+            <a:off x="838200" y="2595851"/>
+            <a:ext cx="9348186" cy="3897024"/>
+          </a:xfrm>
+          <a:prstGeom prst="rect">
+            <a:avLst/>
+          </a:prstGeom>
+        </p:spPr>
+      </p:pic>
+    </p:spTree>
+    <p:extLst>
+      <p:ext uri="{BB962C8B-B14F-4D97-AF65-F5344CB8AC3E}">
+        <p14:creationId xmlns:p14="http://schemas.microsoft.com/office/powerpoint/2010/main" val="3791361530"/>
+      </p:ext>
+    </p:extLst>
+  </p:cSld>
+  <p:clrMapOvr>
+    <a:masterClrMapping/>
+  </p:clrMapOvr>
+</p:sld>
+</file>
+
+<file path=ppt/slides/slide54.xml><?xml version="1.0" encoding="utf-8"?>
+<p:sld xmlns:a="http://schemas.openxmlformats.org/drawingml/2006/main" xmlns:r="http://schemas.openxmlformats.org/officeDocument/2006/relationships" xmlns:p="http://schemas.openxmlformats.org/presentationml/2006/main">
+  <p:cSld>
+    <p:spTree>
+      <p:nvGrpSpPr>
+        <p:cNvPr id="1" name=""/>
+        <p:cNvGrpSpPr/>
+        <p:nvPr/>
+      </p:nvGrpSpPr>
+      <p:grpSpPr>
+        <a:xfrm>
+          <a:off x="0" y="0"/>
+          <a:ext cx="0" cy="0"/>
+          <a:chOff x="0" y="0"/>
+          <a:chExt cx="0" cy="0"/>
+        </a:xfrm>
+      </p:grpSpPr>
+      <p:sp>
+        <p:nvSpPr>
+          <p:cNvPr id="2" name="标题 1">
+            <a:extLst>
+              <a:ext uri="{FF2B5EF4-FFF2-40B4-BE49-F238E27FC236}">
+                <a16:creationId xmlns:a16="http://schemas.microsoft.com/office/drawing/2014/main" id="{EDE01244-2037-49E4-ACA1-3B6A674EB21A}"/>
+              </a:ext>
+            </a:extLst>
+          </p:cNvPr>
+          <p:cNvSpPr>
+            <a:spLocks noGrp="1"/>
+          </p:cNvSpPr>
+          <p:nvPr>
+            <p:ph type="title"/>
+          </p:nvPr>
+        </p:nvSpPr>
+        <p:spPr/>
+        <p:txBody>
+          <a:bodyPr/>
+          <a:lstStyle/>
+          <a:p>
+            <a:r>
+              <a:rPr lang="zh-CN" altLang="en-US" dirty="0"/>
+              <a:t>几种滤波器的比较图</a:t>
+            </a:r>
+          </a:p>
+        </p:txBody>
+      </p:sp>
+      <p:pic>
+        <p:nvPicPr>
+          <p:cNvPr id="5" name="内容占位符 4">
+            <a:extLst>
+              <a:ext uri="{FF2B5EF4-FFF2-40B4-BE49-F238E27FC236}">
+                <a16:creationId xmlns:a16="http://schemas.microsoft.com/office/drawing/2014/main" id="{3D73B87D-0259-461B-AB46-A802E37C99B2}"/>
+              </a:ext>
+            </a:extLst>
+          </p:cNvPr>
+          <p:cNvPicPr>
+            <a:picLocks noGrp="1" noChangeAspect="1"/>
+          </p:cNvPicPr>
+          <p:nvPr>
+            <p:ph idx="1"/>
+          </p:nvPr>
+        </p:nvPicPr>
+        <p:blipFill>
+          <a:blip r:embed="rId2"/>
+          <a:stretch>
+            <a:fillRect/>
+          </a:stretch>
+        </p:blipFill>
+        <p:spPr>
+          <a:xfrm>
+            <a:off x="2666703" y="1928474"/>
+            <a:ext cx="6858594" cy="4145639"/>
+          </a:xfrm>
+        </p:spPr>
+      </p:pic>
+    </p:spTree>
+    <p:extLst>
+      <p:ext uri="{BB962C8B-B14F-4D97-AF65-F5344CB8AC3E}">
+        <p14:creationId xmlns:p14="http://schemas.microsoft.com/office/powerpoint/2010/main" val="3546019887"/>
+      </p:ext>
+    </p:extLst>
+  </p:cSld>
+  <p:clrMapOvr>
+    <a:masterClrMapping/>
+  </p:clrMapOvr>
+</p:sld>
+</file>
+
+<file path=ppt/slides/slide55.xml><?xml version="1.0" encoding="utf-8"?>
+<p:sld xmlns:a="http://schemas.openxmlformats.org/drawingml/2006/main" xmlns:r="http://schemas.openxmlformats.org/officeDocument/2006/relationships" xmlns:p="http://schemas.openxmlformats.org/presentationml/2006/main">
+  <p:cSld>
+    <p:spTree>
+      <p:nvGrpSpPr>
+        <p:cNvPr id="1" name=""/>
+        <p:cNvGrpSpPr/>
+        <p:nvPr/>
+      </p:nvGrpSpPr>
+      <p:grpSpPr>
+        <a:xfrm>
+          <a:off x="0" y="0"/>
+          <a:ext cx="0" cy="0"/>
+          <a:chOff x="0" y="0"/>
+          <a:chExt cx="0" cy="0"/>
+        </a:xfrm>
+      </p:grpSpPr>
+      <p:sp>
+        <p:nvSpPr>
+          <p:cNvPr id="2" name="标题 1">
+            <a:extLst>
+              <a:ext uri="{FF2B5EF4-FFF2-40B4-BE49-F238E27FC236}">
+                <a16:creationId xmlns:a16="http://schemas.microsoft.com/office/drawing/2014/main" id="{7AF1382C-3E3C-4143-84F0-9FD2B4F08201}"/>
+              </a:ext>
+            </a:extLst>
+          </p:cNvPr>
+          <p:cNvSpPr>
+            <a:spLocks noGrp="1"/>
+          </p:cNvSpPr>
+          <p:nvPr>
+            <p:ph type="title"/>
+          </p:nvPr>
+        </p:nvSpPr>
+        <p:spPr/>
+        <p:txBody>
+          <a:bodyPr/>
+          <a:lstStyle/>
+          <a:p>
+            <a:r>
+              <a:rPr lang="zh-CN" altLang="en-US" dirty="0"/>
+              <a:t>用自己的语言，检索回忆描述最小二乘问题、牛顿法、高斯牛顿法的推导</a:t>
+            </a:r>
+          </a:p>
+        </p:txBody>
+      </p:sp>
+      <p:sp>
+        <p:nvSpPr>
+          <p:cNvPr id="3" name="内容占位符 2">
+            <a:extLst>
+              <a:ext uri="{FF2B5EF4-FFF2-40B4-BE49-F238E27FC236}">
+                <a16:creationId xmlns:a16="http://schemas.microsoft.com/office/drawing/2014/main" id="{BEA7B089-E448-4A6C-A269-2974AB1B437A}"/>
+              </a:ext>
+            </a:extLst>
+          </p:cNvPr>
+          <p:cNvSpPr>
+            <a:spLocks noGrp="1"/>
+          </p:cNvSpPr>
+          <p:nvPr>
+            <p:ph idx="1"/>
+          </p:nvPr>
+        </p:nvSpPr>
+        <p:spPr/>
+        <p:txBody>
+          <a:bodyPr/>
+          <a:lstStyle/>
+          <a:p>
+            <a:r>
+              <a:rPr lang="zh-CN" altLang="en-US" dirty="0"/>
+              <a:t>参见状态估计书</a:t>
+            </a:r>
+            <a:endParaRPr lang="en-US" altLang="zh-CN" dirty="0"/>
+          </a:p>
+          <a:p>
+            <a:pPr marL="514350" indent="-514350">
+              <a:buFont typeface="+mj-lt"/>
+              <a:buAutoNum type="arabicPeriod"/>
+            </a:pPr>
+            <a:r>
+              <a:rPr lang="zh-CN" altLang="en-US" dirty="0"/>
+              <a:t>残差函数的构建</a:t>
+            </a:r>
+            <a:r>
+              <a:rPr lang="en-US" altLang="zh-CN" dirty="0"/>
+              <a:t>F = e</a:t>
+            </a:r>
+            <a:r>
+              <a:rPr lang="en-US" altLang="zh-CN" baseline="30000" dirty="0"/>
+              <a:t>T</a:t>
+            </a:r>
+            <a:r>
+              <a:rPr lang="en-US" altLang="zh-CN" dirty="0"/>
+              <a:t>W</a:t>
+            </a:r>
+            <a:r>
+              <a:rPr lang="en-US" altLang="zh-CN" baseline="30000" dirty="0"/>
+              <a:t>-1</a:t>
+            </a:r>
+            <a:r>
+              <a:rPr lang="en-US" altLang="zh-CN" dirty="0"/>
+              <a:t>e</a:t>
+            </a:r>
+          </a:p>
+          <a:p>
+            <a:pPr marL="514350" indent="-514350">
+              <a:buFont typeface="+mj-lt"/>
+              <a:buAutoNum type="arabicPeriod"/>
+            </a:pPr>
+            <a:r>
+              <a:rPr lang="zh-CN" altLang="en-US" dirty="0"/>
+              <a:t>残差函数的归一化</a:t>
+            </a:r>
+            <a:r>
+              <a:rPr lang="en-US" altLang="zh-CN" dirty="0"/>
+              <a:t>F = </a:t>
+            </a:r>
+            <a:r>
+              <a:rPr lang="en-US" altLang="zh-CN" dirty="0" err="1"/>
+              <a:t>u</a:t>
+            </a:r>
+            <a:r>
+              <a:rPr lang="en-US" altLang="zh-CN" baseline="30000" dirty="0" err="1"/>
+              <a:t>T</a:t>
+            </a:r>
+            <a:r>
+              <a:rPr lang="en-US" altLang="zh-CN" dirty="0" err="1"/>
+              <a:t>u</a:t>
+            </a:r>
+            <a:r>
+              <a:rPr lang="zh-CN" altLang="en-US" dirty="0"/>
+              <a:t>。运用了</a:t>
+            </a:r>
+            <a:r>
+              <a:rPr lang="en-US" altLang="zh-CN" dirty="0"/>
+              <a:t>LL</a:t>
+            </a:r>
+            <a:r>
+              <a:rPr lang="en-US" altLang="zh-CN" baseline="30000" dirty="0"/>
+              <a:t>T</a:t>
+            </a:r>
+            <a:r>
+              <a:rPr lang="en-US" altLang="zh-CN" dirty="0"/>
+              <a:t>=W</a:t>
+            </a:r>
+            <a:r>
+              <a:rPr lang="en-US" altLang="zh-CN" baseline="30000" dirty="0"/>
+              <a:t>-1</a:t>
+            </a:r>
+          </a:p>
+          <a:p>
+            <a:pPr marL="514350" indent="-514350">
+              <a:buFont typeface="+mj-lt"/>
+              <a:buAutoNum type="arabicPeriod"/>
+            </a:pPr>
+            <a:r>
+              <a:rPr lang="zh-CN" altLang="en-US" dirty="0"/>
+              <a:t>对</a:t>
+            </a:r>
+            <a:r>
+              <a:rPr lang="en-US" altLang="zh-CN" dirty="0"/>
+              <a:t>F</a:t>
+            </a:r>
+            <a:r>
+              <a:rPr lang="zh-CN" altLang="en-US" dirty="0"/>
+              <a:t>二阶泰勒展开，得到牛顿法</a:t>
+            </a:r>
+            <a:r>
+              <a:rPr lang="en-US" altLang="zh-CN" dirty="0" err="1"/>
+              <a:t>HΔx</a:t>
+            </a:r>
+            <a:r>
+              <a:rPr lang="en-US" altLang="zh-CN" dirty="0"/>
+              <a:t> = -J</a:t>
+            </a:r>
+            <a:r>
+              <a:rPr lang="en-US" altLang="zh-CN" baseline="30000" dirty="0"/>
+              <a:t>T</a:t>
+            </a:r>
+          </a:p>
+          <a:p>
+            <a:pPr marL="514350" indent="-514350">
+              <a:buFont typeface="+mj-lt"/>
+              <a:buAutoNum type="arabicPeriod"/>
+            </a:pPr>
+            <a:r>
+              <a:rPr lang="zh-CN" altLang="en-US" dirty="0"/>
+              <a:t>如果对</a:t>
+            </a:r>
+            <a:r>
+              <a:rPr lang="en-US" altLang="zh-CN" dirty="0"/>
+              <a:t>u</a:t>
+            </a:r>
+            <a:r>
+              <a:rPr lang="zh-CN" altLang="en-US" dirty="0"/>
+              <a:t>二阶泰勒展开，得到高斯牛顿法</a:t>
+            </a:r>
+            <a:r>
+              <a:rPr lang="en-US" altLang="zh-CN" dirty="0" err="1"/>
+              <a:t>J</a:t>
+            </a:r>
+            <a:r>
+              <a:rPr lang="en-US" altLang="zh-CN" baseline="30000" dirty="0" err="1"/>
+              <a:t>T</a:t>
+            </a:r>
+            <a:r>
+              <a:rPr lang="en-US" altLang="zh-CN" dirty="0" err="1"/>
+              <a:t>JΔx</a:t>
+            </a:r>
+            <a:r>
+              <a:rPr lang="en-US" altLang="zh-CN" dirty="0"/>
+              <a:t> = </a:t>
+            </a:r>
+            <a:r>
+              <a:rPr lang="en-US" altLang="zh-CN" dirty="0" err="1"/>
+              <a:t>J</a:t>
+            </a:r>
+            <a:r>
+              <a:rPr lang="en-US" altLang="zh-CN" baseline="30000" dirty="0" err="1"/>
+              <a:t>T</a:t>
+            </a:r>
+            <a:r>
+              <a:rPr lang="en-US" altLang="zh-CN" dirty="0" err="1"/>
+              <a:t>u</a:t>
+            </a:r>
+            <a:endParaRPr lang="en-US" altLang="zh-CN" dirty="0"/>
+          </a:p>
+          <a:p>
+            <a:pPr marL="514350" indent="-514350">
+              <a:buFont typeface="+mj-lt"/>
+              <a:buAutoNum type="arabicPeriod"/>
+            </a:pPr>
+            <a:r>
+              <a:rPr lang="zh-CN" altLang="en-US" dirty="0"/>
+              <a:t>加上</a:t>
+            </a:r>
+            <a:r>
+              <a:rPr lang="en-US" altLang="zh-CN" dirty="0" err="1"/>
+              <a:t>λD</a:t>
+            </a:r>
+            <a:r>
+              <a:rPr lang="zh-CN" altLang="en-US" dirty="0"/>
+              <a:t>，变成</a:t>
+            </a:r>
+            <a:r>
+              <a:rPr lang="en-US" altLang="zh-CN" dirty="0"/>
+              <a:t>LM</a:t>
+            </a:r>
+            <a:r>
+              <a:rPr lang="zh-CN" altLang="en-US" dirty="0"/>
+              <a:t>算法</a:t>
+            </a:r>
+            <a:r>
+              <a:rPr lang="en-US" altLang="zh-CN" dirty="0"/>
+              <a:t>(J</a:t>
+            </a:r>
+            <a:r>
+              <a:rPr lang="en-US" altLang="zh-CN" baseline="30000" dirty="0"/>
+              <a:t>T</a:t>
+            </a:r>
+            <a:r>
+              <a:rPr lang="en-US" altLang="zh-CN" dirty="0"/>
+              <a:t>J + </a:t>
+            </a:r>
+            <a:r>
+              <a:rPr lang="en-US" altLang="zh-CN" dirty="0" err="1"/>
+              <a:t>λD</a:t>
+            </a:r>
+            <a:r>
+              <a:rPr lang="en-US" altLang="zh-CN" dirty="0"/>
+              <a:t> )</a:t>
+            </a:r>
+            <a:r>
+              <a:rPr lang="en-US" altLang="zh-CN" dirty="0" err="1"/>
+              <a:t>Δx</a:t>
+            </a:r>
+            <a:r>
+              <a:rPr lang="en-US" altLang="zh-CN" dirty="0"/>
+              <a:t> = </a:t>
+            </a:r>
+            <a:r>
+              <a:rPr lang="en-US" altLang="zh-CN" dirty="0" err="1"/>
+              <a:t>J</a:t>
+            </a:r>
+            <a:r>
+              <a:rPr lang="en-US" altLang="zh-CN" baseline="30000" dirty="0" err="1"/>
+              <a:t>t</a:t>
+            </a:r>
+            <a:r>
+              <a:rPr lang="en-US" altLang="zh-CN" dirty="0" err="1"/>
+              <a:t>u</a:t>
+            </a:r>
+            <a:endParaRPr lang="en-US" altLang="zh-CN" dirty="0"/>
+          </a:p>
+          <a:p>
+            <a:pPr marL="514350" indent="-514350">
+              <a:buFont typeface="+mj-lt"/>
+              <a:buAutoNum type="arabicPeriod"/>
+            </a:pPr>
+            <a:r>
+              <a:rPr lang="zh-CN" altLang="en-US" dirty="0"/>
+              <a:t>带回误差</a:t>
+            </a:r>
+            <a:r>
+              <a:rPr lang="en-US" altLang="zh-CN" dirty="0"/>
+              <a:t>e</a:t>
+            </a:r>
+            <a:r>
+              <a:rPr lang="zh-CN" altLang="en-US" dirty="0"/>
+              <a:t>，变成</a:t>
+            </a:r>
+            <a:r>
+              <a:rPr lang="en-US" altLang="zh-CN" dirty="0"/>
+              <a:t>J</a:t>
+            </a:r>
+            <a:r>
+              <a:rPr lang="en-US" altLang="zh-CN" baseline="30000" dirty="0"/>
+              <a:t>T</a:t>
+            </a:r>
+            <a:r>
+              <a:rPr lang="zh-CN" altLang="en-US" baseline="30000" dirty="0"/>
+              <a:t> ∑</a:t>
+            </a:r>
+            <a:r>
+              <a:rPr lang="en-US" altLang="zh-CN" baseline="30000" dirty="0"/>
+              <a:t>-1</a:t>
+            </a:r>
+            <a:r>
+              <a:rPr lang="en-US" altLang="zh-CN" dirty="0"/>
+              <a:t>J </a:t>
+            </a:r>
+            <a:r>
+              <a:rPr lang="en-US" altLang="zh-CN" dirty="0" err="1"/>
+              <a:t>Δx</a:t>
+            </a:r>
+            <a:r>
+              <a:rPr lang="en-US" altLang="zh-CN" dirty="0"/>
+              <a:t> = J</a:t>
+            </a:r>
+            <a:r>
+              <a:rPr lang="en-US" altLang="zh-CN" baseline="30000" dirty="0"/>
+              <a:t>T</a:t>
+            </a:r>
+            <a:r>
+              <a:rPr lang="zh-CN" altLang="en-US" baseline="30000" dirty="0"/>
+              <a:t>∑</a:t>
+            </a:r>
+            <a:r>
+              <a:rPr lang="en-US" altLang="zh-CN" baseline="30000" dirty="0"/>
+              <a:t>-1</a:t>
+            </a:r>
+            <a:r>
+              <a:rPr lang="en-US" altLang="zh-CN" dirty="0"/>
+              <a:t>b</a:t>
+            </a:r>
+          </a:p>
+        </p:txBody>
+      </p:sp>
+    </p:spTree>
+    <p:extLst>
+      <p:ext uri="{BB962C8B-B14F-4D97-AF65-F5344CB8AC3E}">
+        <p14:creationId xmlns:p14="http://schemas.microsoft.com/office/powerpoint/2010/main" val="1896294513"/>
+      </p:ext>
+    </p:extLst>
+  </p:cSld>
+  <p:clrMapOvr>
+    <a:masterClrMapping/>
+  </p:clrMapOvr>
+</p:sld>
+</file>
+
+<file path=ppt/slides/slide56.xml><?xml version="1.0" encoding="utf-8"?>
+<p:sld xmlns:a="http://schemas.openxmlformats.org/drawingml/2006/main" xmlns:r="http://schemas.openxmlformats.org/officeDocument/2006/relationships" xmlns:p="http://schemas.openxmlformats.org/presentationml/2006/main">
+  <p:cSld>
+    <p:spTree>
+      <p:nvGrpSpPr>
+        <p:cNvPr id="1" name=""/>
+        <p:cNvGrpSpPr/>
+        <p:nvPr/>
+      </p:nvGrpSpPr>
+      <p:grpSpPr>
+        <a:xfrm>
+          <a:off x="0" y="0"/>
+          <a:ext cx="0" cy="0"/>
+          <a:chOff x="0" y="0"/>
+          <a:chExt cx="0" cy="0"/>
+        </a:xfrm>
+      </p:grpSpPr>
+      <p:sp>
+        <p:nvSpPr>
+          <p:cNvPr id="2" name="标题 1">
+            <a:extLst>
+              <a:ext uri="{FF2B5EF4-FFF2-40B4-BE49-F238E27FC236}">
+                <a16:creationId xmlns:a16="http://schemas.microsoft.com/office/drawing/2014/main" id="{08FB400F-9D4D-471D-BC63-4802B5B98003}"/>
+              </a:ext>
+            </a:extLst>
+          </p:cNvPr>
+          <p:cNvSpPr>
+            <a:spLocks noGrp="1"/>
+          </p:cNvSpPr>
+          <p:nvPr>
+            <p:ph type="title"/>
+          </p:nvPr>
+        </p:nvSpPr>
+        <p:spPr/>
+        <p:txBody>
+          <a:bodyPr/>
+          <a:lstStyle/>
+          <a:p>
+            <a:r>
+              <a:rPr lang="zh-CN" altLang="en-US" dirty="0"/>
+              <a:t>第四章 偏差、匹配和外点</a:t>
+            </a:r>
+            <a:r>
+              <a:rPr lang="en-US" altLang="zh-CN" dirty="0"/>
+              <a:t>	</a:t>
+            </a:r>
+            <a:endParaRPr lang="zh-CN" altLang="en-US" dirty="0"/>
+          </a:p>
+        </p:txBody>
+      </p:sp>
+      <p:sp>
+        <p:nvSpPr>
+          <p:cNvPr id="3" name="内容占位符 2">
+            <a:extLst>
+              <a:ext uri="{FF2B5EF4-FFF2-40B4-BE49-F238E27FC236}">
+                <a16:creationId xmlns:a16="http://schemas.microsoft.com/office/drawing/2014/main" id="{DD21EAA7-92A7-4335-8EB4-4B1ABAA77273}"/>
+              </a:ext>
+            </a:extLst>
+          </p:cNvPr>
+          <p:cNvSpPr>
+            <a:spLocks noGrp="1"/>
+          </p:cNvSpPr>
+          <p:nvPr>
+            <p:ph idx="1"/>
+          </p:nvPr>
+        </p:nvSpPr>
+        <p:spPr/>
+        <p:txBody>
+          <a:bodyPr/>
+          <a:lstStyle/>
+          <a:p>
+            <a:r>
+              <a:rPr lang="zh-CN" altLang="en-US" dirty="0"/>
+              <a:t>关于偏差，你能总结出几点？</a:t>
+            </a:r>
+            <a:endParaRPr lang="en-US" altLang="zh-CN" dirty="0"/>
+          </a:p>
+          <a:p>
+            <a:r>
+              <a:rPr lang="zh-CN" altLang="en-US" dirty="0"/>
+              <a:t>使用增广的方法对付偏差，有哪些要点？</a:t>
+            </a:r>
+            <a:endParaRPr lang="en-US" altLang="zh-CN" dirty="0"/>
+          </a:p>
+          <a:p>
+            <a:r>
+              <a:rPr lang="en-US" altLang="zh-CN" dirty="0"/>
+              <a:t>RANSAC</a:t>
+            </a:r>
+            <a:r>
+              <a:rPr lang="zh-CN" altLang="en-US" dirty="0"/>
+              <a:t>算法的思路和操作是什么？</a:t>
+            </a:r>
+            <a:endParaRPr lang="en-US" altLang="zh-CN" dirty="0"/>
+          </a:p>
+          <a:p>
+            <a:r>
+              <a:rPr lang="en-US" altLang="zh-CN" dirty="0"/>
+              <a:t>RANSAC</a:t>
+            </a:r>
+            <a:r>
+              <a:rPr lang="zh-CN" altLang="en-US" dirty="0"/>
+              <a:t>性能如何？</a:t>
+            </a:r>
+            <a:endParaRPr lang="en-US" altLang="zh-CN" dirty="0"/>
+          </a:p>
+          <a:p>
+            <a:r>
+              <a:rPr lang="en-US" altLang="zh-CN" dirty="0"/>
+              <a:t>M</a:t>
+            </a:r>
+            <a:r>
+              <a:rPr lang="zh-CN" altLang="en-US"/>
+              <a:t>估计方法是什么意思？</a:t>
+            </a:r>
+            <a:endParaRPr lang="en-US" altLang="zh-CN" dirty="0"/>
+          </a:p>
+          <a:p>
+            <a:endParaRPr lang="zh-CN" altLang="en-US" dirty="0"/>
+          </a:p>
+        </p:txBody>
+      </p:sp>
+    </p:spTree>
+    <p:extLst>
+      <p:ext uri="{BB962C8B-B14F-4D97-AF65-F5344CB8AC3E}">
+        <p14:creationId xmlns:p14="http://schemas.microsoft.com/office/powerpoint/2010/main" val="4151536564"/>
+      </p:ext>
+    </p:extLst>
+  </p:cSld>
+  <p:clrMapOvr>
+    <a:masterClrMapping/>
+  </p:clrMapOvr>
+</p:sld>
+</file>
+
+<file path=ppt/slides/slide57.xml><?xml version="1.0" encoding="utf-8"?>
+<p:sld xmlns:a="http://schemas.openxmlformats.org/drawingml/2006/main" xmlns:r="http://schemas.openxmlformats.org/officeDocument/2006/relationships" xmlns:p="http://schemas.openxmlformats.org/presentationml/2006/main">
+  <p:cSld>
+    <p:spTree>
+      <p:nvGrpSpPr>
+        <p:cNvPr id="1" name=""/>
+        <p:cNvGrpSpPr/>
+        <p:nvPr/>
+      </p:nvGrpSpPr>
+      <p:grpSpPr>
+        <a:xfrm>
+          <a:off x="0" y="0"/>
+          <a:ext cx="0" cy="0"/>
+          <a:chOff x="0" y="0"/>
+          <a:chExt cx="0" cy="0"/>
+        </a:xfrm>
+      </p:grpSpPr>
+      <p:sp>
+        <p:nvSpPr>
+          <p:cNvPr id="2" name="标题 1">
+            <a:extLst>
+              <a:ext uri="{FF2B5EF4-FFF2-40B4-BE49-F238E27FC236}">
+                <a16:creationId xmlns:a16="http://schemas.microsoft.com/office/drawing/2014/main" id="{319FF5ED-4E55-40B6-B023-314E6BFFCB99}"/>
+              </a:ext>
+            </a:extLst>
+          </p:cNvPr>
+          <p:cNvSpPr>
+            <a:spLocks noGrp="1"/>
+          </p:cNvSpPr>
+          <p:nvPr>
+            <p:ph type="title"/>
+          </p:nvPr>
+        </p:nvSpPr>
+        <p:spPr/>
+        <p:txBody>
+          <a:bodyPr/>
+          <a:lstStyle/>
+          <a:p>
+            <a:r>
+              <a:rPr lang="zh-CN" altLang="en-US" dirty="0"/>
+              <a:t>关于偏差，你能总结出几点？</a:t>
+            </a:r>
+          </a:p>
+        </p:txBody>
+      </p:sp>
+      <p:sp>
+        <p:nvSpPr>
+          <p:cNvPr id="3" name="内容占位符 2">
+            <a:extLst>
+              <a:ext uri="{FF2B5EF4-FFF2-40B4-BE49-F238E27FC236}">
+                <a16:creationId xmlns:a16="http://schemas.microsoft.com/office/drawing/2014/main" id="{F3CC8DDA-81C7-4742-87E1-3B6C9CC18BB7}"/>
+              </a:ext>
+            </a:extLst>
+          </p:cNvPr>
+          <p:cNvSpPr>
+            <a:spLocks noGrp="1"/>
+          </p:cNvSpPr>
+          <p:nvPr>
+            <p:ph idx="1"/>
+          </p:nvPr>
+        </p:nvSpPr>
+        <p:spPr/>
+        <p:txBody>
+          <a:bodyPr/>
+          <a:lstStyle/>
+          <a:p>
+            <a:pPr marL="514350" indent="-514350">
+              <a:buFont typeface="+mj-lt"/>
+              <a:buAutoNum type="arabicPeriod"/>
+            </a:pPr>
+            <a:r>
+              <a:rPr lang="zh-CN" altLang="en-US" dirty="0"/>
+              <a:t>误差</a:t>
+            </a:r>
+            <a:r>
+              <a:rPr lang="en-US" altLang="zh-CN" dirty="0"/>
+              <a:t>e</a:t>
+            </a:r>
+            <a:r>
+              <a:rPr lang="zh-CN" altLang="en-US" dirty="0"/>
+              <a:t>的定义是什么？估计值</a:t>
+            </a:r>
+            <a:r>
+              <a:rPr lang="en-US" altLang="zh-CN" dirty="0"/>
+              <a:t>-</a:t>
+            </a:r>
+            <a:r>
+              <a:rPr lang="zh-CN" altLang="en-US" dirty="0"/>
+              <a:t>真值</a:t>
+            </a:r>
+            <a:endParaRPr lang="en-US" altLang="zh-CN" dirty="0"/>
+          </a:p>
+          <a:p>
+            <a:pPr marL="514350" indent="-514350">
+              <a:buFont typeface="+mj-lt"/>
+              <a:buAutoNum type="arabicPeriod"/>
+            </a:pPr>
+            <a:r>
+              <a:rPr lang="zh-CN" altLang="en-US" dirty="0"/>
+              <a:t>误差的动态过程是如何得到？</a:t>
+            </a:r>
+            <a:endParaRPr lang="en-US" altLang="zh-CN" dirty="0"/>
+          </a:p>
+          <a:p>
+            <a:pPr marL="514350" indent="-514350">
+              <a:buFont typeface="+mj-lt"/>
+              <a:buAutoNum type="arabicPeriod"/>
+            </a:pPr>
+            <a:r>
+              <a:rPr lang="zh-CN" altLang="en-US" dirty="0"/>
+              <a:t>偏差会对估计产生何种影响？</a:t>
+            </a:r>
+            <a:endParaRPr lang="en-US" altLang="zh-CN" dirty="0"/>
+          </a:p>
+          <a:p>
+            <a:pPr marL="514350" indent="-514350">
+              <a:buFont typeface="+mj-lt"/>
+              <a:buAutoNum type="arabicPeriod"/>
+            </a:pPr>
+            <a:r>
+              <a:rPr lang="zh-CN" altLang="en-US" dirty="0"/>
+              <a:t>一般用什么办法来对付偏差</a:t>
+            </a:r>
+          </a:p>
+        </p:txBody>
+      </p:sp>
+    </p:spTree>
+    <p:extLst>
+      <p:ext uri="{BB962C8B-B14F-4D97-AF65-F5344CB8AC3E}">
+        <p14:creationId xmlns:p14="http://schemas.microsoft.com/office/powerpoint/2010/main" val="2717643576"/>
+      </p:ext>
+    </p:extLst>
+  </p:cSld>
+  <p:clrMapOvr>
+    <a:masterClrMapping/>
+  </p:clrMapOvr>
+</p:sld>
+</file>
+
+<file path=ppt/slides/slide58.xml><?xml version="1.0" encoding="utf-8"?>
+<p:sld xmlns:a="http://schemas.openxmlformats.org/drawingml/2006/main" xmlns:r="http://schemas.openxmlformats.org/officeDocument/2006/relationships" xmlns:p="http://schemas.openxmlformats.org/presentationml/2006/main">
+  <p:cSld>
+    <p:spTree>
+      <p:nvGrpSpPr>
+        <p:cNvPr id="1" name=""/>
+        <p:cNvGrpSpPr/>
+        <p:nvPr/>
+      </p:nvGrpSpPr>
+      <p:grpSpPr>
+        <a:xfrm>
+          <a:off x="0" y="0"/>
+          <a:ext cx="0" cy="0"/>
+          <a:chOff x="0" y="0"/>
+          <a:chExt cx="0" cy="0"/>
+        </a:xfrm>
+      </p:grpSpPr>
+      <p:sp>
+        <p:nvSpPr>
+          <p:cNvPr id="2" name="标题 1">
+            <a:extLst>
+              <a:ext uri="{FF2B5EF4-FFF2-40B4-BE49-F238E27FC236}">
+                <a16:creationId xmlns:a16="http://schemas.microsoft.com/office/drawing/2014/main" id="{85DA1357-C714-4FAE-ACD9-0C85497B8879}"/>
+              </a:ext>
+            </a:extLst>
+          </p:cNvPr>
+          <p:cNvSpPr>
+            <a:spLocks noGrp="1"/>
+          </p:cNvSpPr>
+          <p:nvPr>
+            <p:ph type="title"/>
+          </p:nvPr>
+        </p:nvSpPr>
+        <p:spPr/>
+        <p:txBody>
+          <a:bodyPr/>
+          <a:lstStyle/>
+          <a:p>
+            <a:r>
+              <a:rPr lang="zh-CN" altLang="en-US" dirty="0"/>
+              <a:t>使用增广的方法对付偏差，有哪些要点？</a:t>
+            </a:r>
+          </a:p>
+        </p:txBody>
+      </p:sp>
+      <p:sp>
+        <p:nvSpPr>
+          <p:cNvPr id="3" name="内容占位符 2">
+            <a:extLst>
+              <a:ext uri="{FF2B5EF4-FFF2-40B4-BE49-F238E27FC236}">
+                <a16:creationId xmlns:a16="http://schemas.microsoft.com/office/drawing/2014/main" id="{9AC1F6C6-6C12-451F-BBBF-54D2C7AB1414}"/>
+              </a:ext>
+            </a:extLst>
+          </p:cNvPr>
+          <p:cNvSpPr>
+            <a:spLocks noGrp="1"/>
+          </p:cNvSpPr>
+          <p:nvPr>
+            <p:ph idx="1"/>
+          </p:nvPr>
+        </p:nvSpPr>
+        <p:spPr/>
+        <p:txBody>
+          <a:bodyPr/>
+          <a:lstStyle/>
+          <a:p>
+            <a:r>
+              <a:rPr lang="zh-CN" altLang="en-US" dirty="0"/>
+              <a:t>操作方法：把偏差加到状态里面，形成增广</a:t>
+            </a:r>
+            <a:endParaRPr lang="en-US" altLang="zh-CN" dirty="0"/>
+          </a:p>
+          <a:p>
+            <a:r>
+              <a:rPr lang="zh-CN" altLang="en-US" dirty="0"/>
+              <a:t>能观性：大部分不能关</a:t>
+            </a:r>
+            <a:endParaRPr lang="en-US" altLang="zh-CN" dirty="0"/>
+          </a:p>
+          <a:p>
+            <a:r>
+              <a:rPr lang="zh-CN" altLang="en-US" dirty="0"/>
+              <a:t>不能观的原因：增广后左侧矩阵存在</a:t>
+            </a:r>
+            <a:r>
+              <a:rPr lang="en-US" altLang="zh-CN" dirty="0"/>
+              <a:t>0</a:t>
+            </a:r>
+            <a:r>
+              <a:rPr lang="zh-CN" altLang="en-US" dirty="0"/>
+              <a:t>空间，不能直接求逆</a:t>
+            </a:r>
+            <a:endParaRPr lang="en-US" altLang="zh-CN" dirty="0"/>
+          </a:p>
+          <a:p>
+            <a:r>
+              <a:rPr lang="zh-CN" altLang="en-US" dirty="0"/>
+              <a:t>解决方法：找出</a:t>
+            </a:r>
+            <a:r>
+              <a:rPr lang="en-US" altLang="zh-CN" dirty="0"/>
+              <a:t>0</a:t>
+            </a:r>
+            <a:r>
+              <a:rPr lang="zh-CN" altLang="en-US" dirty="0"/>
+              <a:t>空间把对应的变量</a:t>
+            </a:r>
+            <a:r>
+              <a:rPr lang="en-US" altLang="zh-CN" dirty="0"/>
+              <a:t>fix</a:t>
+            </a:r>
+            <a:r>
+              <a:rPr lang="zh-CN" altLang="en-US" dirty="0"/>
+              <a:t>住，并且保证过程中零空间不变。这里面的细节参见</a:t>
+            </a:r>
+            <a:r>
+              <a:rPr lang="en-US" altLang="zh-CN" dirty="0"/>
+              <a:t>VIO</a:t>
+            </a:r>
+            <a:r>
+              <a:rPr lang="zh-CN" altLang="en-US" dirty="0"/>
+              <a:t>课程</a:t>
+            </a:r>
+          </a:p>
+        </p:txBody>
+      </p:sp>
+    </p:spTree>
+    <p:extLst>
+      <p:ext uri="{BB962C8B-B14F-4D97-AF65-F5344CB8AC3E}">
+        <p14:creationId xmlns:p14="http://schemas.microsoft.com/office/powerpoint/2010/main" val="3588351934"/>
+      </p:ext>
+    </p:extLst>
+  </p:cSld>
+  <p:clrMapOvr>
+    <a:masterClrMapping/>
+  </p:clrMapOvr>
+</p:sld>
+</file>
+
+<file path=ppt/slides/slide59.xml><?xml version="1.0" encoding="utf-8"?>
+<p:sld xmlns:a="http://schemas.openxmlformats.org/drawingml/2006/main" xmlns:r="http://schemas.openxmlformats.org/officeDocument/2006/relationships" xmlns:p="http://schemas.openxmlformats.org/presentationml/2006/main">
+  <p:cSld>
+    <p:spTree>
+      <p:nvGrpSpPr>
+        <p:cNvPr id="1" name=""/>
+        <p:cNvGrpSpPr/>
+        <p:nvPr/>
+      </p:nvGrpSpPr>
+      <p:grpSpPr>
+        <a:xfrm>
+          <a:off x="0" y="0"/>
+          <a:ext cx="0" cy="0"/>
+          <a:chOff x="0" y="0"/>
+          <a:chExt cx="0" cy="0"/>
+        </a:xfrm>
+      </p:grpSpPr>
+      <p:sp>
+        <p:nvSpPr>
+          <p:cNvPr id="2" name="标题 1">
+            <a:extLst>
+              <a:ext uri="{FF2B5EF4-FFF2-40B4-BE49-F238E27FC236}">
+                <a16:creationId xmlns:a16="http://schemas.microsoft.com/office/drawing/2014/main" id="{D20589D3-7D09-419B-AD75-B4A544F2EAFF}"/>
+              </a:ext>
+            </a:extLst>
+          </p:cNvPr>
+          <p:cNvSpPr>
+            <a:spLocks noGrp="1"/>
+          </p:cNvSpPr>
+          <p:nvPr>
+            <p:ph type="title"/>
+          </p:nvPr>
+        </p:nvSpPr>
+        <p:spPr/>
+        <p:txBody>
+          <a:bodyPr/>
+          <a:lstStyle/>
+          <a:p>
+            <a:r>
+              <a:rPr lang="en-US" altLang="zh-CN" dirty="0"/>
+              <a:t>RANSAC</a:t>
+            </a:r>
+            <a:r>
+              <a:rPr lang="zh-CN" altLang="en-US" dirty="0"/>
+              <a:t>算法的思路和操作是什么？</a:t>
+            </a:r>
+          </a:p>
+        </p:txBody>
+      </p:sp>
+      <p:sp>
+        <p:nvSpPr>
+          <p:cNvPr id="3" name="内容占位符 2">
+            <a:extLst>
+              <a:ext uri="{FF2B5EF4-FFF2-40B4-BE49-F238E27FC236}">
+                <a16:creationId xmlns:a16="http://schemas.microsoft.com/office/drawing/2014/main" id="{9B6A0DF8-E1C8-4468-AE89-8B9FFDDD32AB}"/>
+              </a:ext>
+            </a:extLst>
+          </p:cNvPr>
+          <p:cNvSpPr>
+            <a:spLocks noGrp="1"/>
+          </p:cNvSpPr>
+          <p:nvPr>
+            <p:ph idx="1"/>
+          </p:nvPr>
+        </p:nvSpPr>
+        <p:spPr/>
+        <p:txBody>
+          <a:bodyPr/>
+          <a:lstStyle/>
+          <a:p>
+            <a:r>
+              <a:rPr lang="zh-CN" altLang="en-US" dirty="0"/>
+              <a:t>假设数据由内点和外点组成，内点符合预设模型，外点不符合</a:t>
+            </a:r>
+            <a:endParaRPr lang="en-US" altLang="zh-CN" dirty="0"/>
+          </a:p>
+          <a:p>
+            <a:endParaRPr lang="en-US" altLang="zh-CN" dirty="0"/>
+          </a:p>
+          <a:p>
+            <a:r>
+              <a:rPr lang="zh-CN" altLang="en-US" dirty="0"/>
+              <a:t>算法流程</a:t>
+            </a:r>
+            <a:endParaRPr lang="en-US" altLang="zh-CN" dirty="0"/>
+          </a:p>
+          <a:p>
+            <a:pPr marL="514350" indent="-514350">
+              <a:buFont typeface="+mj-lt"/>
+              <a:buAutoNum type="arabicPeriod"/>
+            </a:pPr>
+            <a:r>
+              <a:rPr lang="zh-CN" altLang="en-US" dirty="0"/>
+              <a:t>随机假设一部分点为内点</a:t>
+            </a:r>
+            <a:endParaRPr lang="en-US" altLang="zh-CN" dirty="0"/>
+          </a:p>
+          <a:p>
+            <a:pPr marL="514350" indent="-514350">
+              <a:buFont typeface="+mj-lt"/>
+              <a:buAutoNum type="arabicPeriod"/>
+            </a:pPr>
+            <a:r>
+              <a:rPr lang="zh-CN" altLang="en-US" dirty="0"/>
+              <a:t>利用这些内点算出一个模型</a:t>
+            </a:r>
+            <a:endParaRPr lang="en-US" altLang="zh-CN" dirty="0"/>
+          </a:p>
+          <a:p>
+            <a:pPr marL="514350" indent="-514350">
+              <a:buFont typeface="+mj-lt"/>
+              <a:buAutoNum type="arabicPeriod"/>
+            </a:pPr>
+            <a:r>
+              <a:rPr lang="zh-CN" altLang="en-US" dirty="0"/>
+              <a:t>判断剩余的点是否符合这个模型，如果内点太少，回到</a:t>
+            </a:r>
+            <a:r>
+              <a:rPr lang="en-US" altLang="zh-CN" dirty="0"/>
+              <a:t>1</a:t>
+            </a:r>
+          </a:p>
+          <a:p>
+            <a:pPr marL="514350" indent="-514350">
+              <a:buFont typeface="+mj-lt"/>
+              <a:buAutoNum type="arabicPeriod"/>
+            </a:pPr>
+            <a:r>
+              <a:rPr lang="zh-CN" altLang="en-US" dirty="0"/>
+              <a:t>根据</a:t>
+            </a:r>
+            <a:r>
+              <a:rPr lang="en-US" altLang="zh-CN" dirty="0"/>
+              <a:t>3</a:t>
+            </a:r>
+            <a:r>
+              <a:rPr lang="zh-CN" altLang="en-US" dirty="0"/>
+              <a:t>得到的内点，重新计算模型</a:t>
+            </a:r>
+            <a:endParaRPr lang="en-US" altLang="zh-CN" dirty="0"/>
+          </a:p>
+          <a:p>
+            <a:pPr marL="514350" indent="-514350">
+              <a:buFont typeface="+mj-lt"/>
+              <a:buAutoNum type="arabicPeriod"/>
+            </a:pPr>
+            <a:r>
+              <a:rPr lang="zh-CN" altLang="en-US" dirty="0"/>
+              <a:t>利用</a:t>
+            </a:r>
+            <a:r>
+              <a:rPr lang="en-US" altLang="zh-CN" dirty="0"/>
+              <a:t>4</a:t>
+            </a:r>
+            <a:r>
+              <a:rPr lang="zh-CN" altLang="en-US" dirty="0"/>
+              <a:t>得到的模型重新判断内外点，直到收敛</a:t>
+            </a:r>
+            <a:endParaRPr lang="en-US" altLang="zh-CN" dirty="0"/>
+          </a:p>
+          <a:p>
+            <a:pPr marL="514350" indent="-514350">
+              <a:buFont typeface="+mj-lt"/>
+              <a:buAutoNum type="arabicPeriod"/>
+            </a:pPr>
+            <a:endParaRPr lang="zh-CN" altLang="en-US" dirty="0"/>
+          </a:p>
+          <a:p>
+            <a:endParaRPr lang="zh-CN" altLang="en-US" dirty="0"/>
+          </a:p>
+        </p:txBody>
+      </p:sp>
+    </p:spTree>
+    <p:extLst>
+      <p:ext uri="{BB962C8B-B14F-4D97-AF65-F5344CB8AC3E}">
+        <p14:creationId xmlns:p14="http://schemas.microsoft.com/office/powerpoint/2010/main" val="2237319041"/>
+      </p:ext>
+    </p:extLst>
+  </p:cSld>
+  <p:clrMapOvr>
+    <a:masterClrMapping/>
+  </p:clrMapOvr>
+</p:sld>
+</file>
+
 <file path=ppt/slides/slide6.xml><?xml version="1.0" encoding="utf-8"?>
 <p:sld xmlns:a="http://schemas.openxmlformats.org/drawingml/2006/main" xmlns:r="http://schemas.openxmlformats.org/officeDocument/2006/relationships" xmlns:p="http://schemas.openxmlformats.org/presentationml/2006/main">
   <p:cSld>
@@ -7905,6 +9725,204 @@
         </p:txBody>
       </p:sp>
     </p:spTree>
+  </p:cSld>
+  <p:clrMapOvr>
+    <a:masterClrMapping/>
+  </p:clrMapOvr>
+</p:sld>
+</file>
+
+<file path=ppt/slides/slide60.xml><?xml version="1.0" encoding="utf-8"?>
+<p:sld xmlns:a="http://schemas.openxmlformats.org/drawingml/2006/main" xmlns:r="http://schemas.openxmlformats.org/officeDocument/2006/relationships" xmlns:p="http://schemas.openxmlformats.org/presentationml/2006/main">
+  <p:cSld>
+    <p:spTree>
+      <p:nvGrpSpPr>
+        <p:cNvPr id="1" name=""/>
+        <p:cNvGrpSpPr/>
+        <p:nvPr/>
+      </p:nvGrpSpPr>
+      <p:grpSpPr>
+        <a:xfrm>
+          <a:off x="0" y="0"/>
+          <a:ext cx="0" cy="0"/>
+          <a:chOff x="0" y="0"/>
+          <a:chExt cx="0" cy="0"/>
+        </a:xfrm>
+      </p:grpSpPr>
+      <p:sp>
+        <p:nvSpPr>
+          <p:cNvPr id="2" name="标题 1">
+            <a:extLst>
+              <a:ext uri="{FF2B5EF4-FFF2-40B4-BE49-F238E27FC236}">
+                <a16:creationId xmlns:a16="http://schemas.microsoft.com/office/drawing/2014/main" id="{B358C93A-3D9D-4827-95EB-A414D8DD0AAA}"/>
+              </a:ext>
+            </a:extLst>
+          </p:cNvPr>
+          <p:cNvSpPr>
+            <a:spLocks noGrp="1"/>
+          </p:cNvSpPr>
+          <p:nvPr>
+            <p:ph type="title"/>
+          </p:nvPr>
+        </p:nvSpPr>
+        <p:spPr/>
+        <p:txBody>
+          <a:bodyPr/>
+          <a:lstStyle/>
+          <a:p>
+            <a:r>
+              <a:rPr lang="en-US" altLang="zh-CN" dirty="0"/>
+              <a:t>RANSAC</a:t>
+            </a:r>
+            <a:r>
+              <a:rPr lang="zh-CN" altLang="en-US" dirty="0"/>
+              <a:t>性能如何？</a:t>
+            </a:r>
+          </a:p>
+        </p:txBody>
+      </p:sp>
+      <p:sp>
+        <p:nvSpPr>
+          <p:cNvPr id="3" name="内容占位符 2">
+            <a:extLst>
+              <a:ext uri="{FF2B5EF4-FFF2-40B4-BE49-F238E27FC236}">
+                <a16:creationId xmlns:a16="http://schemas.microsoft.com/office/drawing/2014/main" id="{35E3E01C-7059-4435-984D-69E08C08518A}"/>
+              </a:ext>
+            </a:extLst>
+          </p:cNvPr>
+          <p:cNvSpPr>
+            <a:spLocks noGrp="1"/>
+          </p:cNvSpPr>
+          <p:nvPr>
+            <p:ph idx="1"/>
+          </p:nvPr>
+        </p:nvSpPr>
+        <p:spPr/>
+        <p:txBody>
+          <a:bodyPr/>
+          <a:lstStyle/>
+          <a:p>
+            <a:pPr marL="0" indent="0">
+              <a:buNone/>
+            </a:pPr>
+            <a:r>
+              <a:rPr lang="zh-CN" altLang="en-US" dirty="0"/>
+              <a:t>比较简洁高效，设计算法时可以参考</a:t>
+            </a:r>
+          </a:p>
+        </p:txBody>
+      </p:sp>
+    </p:spTree>
+    <p:extLst>
+      <p:ext uri="{BB962C8B-B14F-4D97-AF65-F5344CB8AC3E}">
+        <p14:creationId xmlns:p14="http://schemas.microsoft.com/office/powerpoint/2010/main" val="3633513262"/>
+      </p:ext>
+    </p:extLst>
+  </p:cSld>
+  <p:clrMapOvr>
+    <a:masterClrMapping/>
+  </p:clrMapOvr>
+</p:sld>
+</file>
+
+<file path=ppt/slides/slide61.xml><?xml version="1.0" encoding="utf-8"?>
+<p:sld xmlns:a="http://schemas.openxmlformats.org/drawingml/2006/main" xmlns:r="http://schemas.openxmlformats.org/officeDocument/2006/relationships" xmlns:p="http://schemas.openxmlformats.org/presentationml/2006/main">
+  <p:cSld>
+    <p:spTree>
+      <p:nvGrpSpPr>
+        <p:cNvPr id="1" name=""/>
+        <p:cNvGrpSpPr/>
+        <p:nvPr/>
+      </p:nvGrpSpPr>
+      <p:grpSpPr>
+        <a:xfrm>
+          <a:off x="0" y="0"/>
+          <a:ext cx="0" cy="0"/>
+          <a:chOff x="0" y="0"/>
+          <a:chExt cx="0" cy="0"/>
+        </a:xfrm>
+      </p:grpSpPr>
+      <p:sp>
+        <p:nvSpPr>
+          <p:cNvPr id="2" name="标题 1">
+            <a:extLst>
+              <a:ext uri="{FF2B5EF4-FFF2-40B4-BE49-F238E27FC236}">
+                <a16:creationId xmlns:a16="http://schemas.microsoft.com/office/drawing/2014/main" id="{7536FDB3-8A4E-442F-814F-57D6C8FDA89C}"/>
+              </a:ext>
+            </a:extLst>
+          </p:cNvPr>
+          <p:cNvSpPr>
+            <a:spLocks noGrp="1"/>
+          </p:cNvSpPr>
+          <p:nvPr>
+            <p:ph type="title"/>
+          </p:nvPr>
+        </p:nvSpPr>
+        <p:spPr/>
+        <p:txBody>
+          <a:bodyPr/>
+          <a:lstStyle/>
+          <a:p>
+            <a:r>
+              <a:rPr lang="en-US" altLang="zh-CN" dirty="0"/>
+              <a:t>M</a:t>
+            </a:r>
+            <a:r>
+              <a:rPr lang="zh-CN" altLang="en-US" dirty="0"/>
+              <a:t>估计方法是什么意思？</a:t>
+            </a:r>
+          </a:p>
+        </p:txBody>
+      </p:sp>
+      <p:sp>
+        <p:nvSpPr>
+          <p:cNvPr id="3" name="内容占位符 2">
+            <a:extLst>
+              <a:ext uri="{FF2B5EF4-FFF2-40B4-BE49-F238E27FC236}">
+                <a16:creationId xmlns:a16="http://schemas.microsoft.com/office/drawing/2014/main" id="{F03B3100-2B1E-4A79-A4F4-B95D50070AE7}"/>
+              </a:ext>
+            </a:extLst>
+          </p:cNvPr>
+          <p:cNvSpPr>
+            <a:spLocks noGrp="1"/>
+          </p:cNvSpPr>
+          <p:nvPr>
+            <p:ph idx="1"/>
+          </p:nvPr>
+        </p:nvSpPr>
+        <p:spPr/>
+        <p:txBody>
+          <a:bodyPr/>
+          <a:lstStyle/>
+          <a:p>
+            <a:r>
+              <a:rPr lang="zh-CN" altLang="en-US" dirty="0"/>
+              <a:t>就是鲁棒核函数大法</a:t>
+            </a:r>
+            <a:endParaRPr lang="en-US" altLang="zh-CN" dirty="0"/>
+          </a:p>
+          <a:p>
+            <a:r>
+              <a:rPr lang="zh-CN" altLang="en-US" dirty="0"/>
+              <a:t>具体就是二次型开方，然后通过一个</a:t>
+            </a:r>
+            <a:r>
+              <a:rPr lang="en-US" altLang="zh-CN" dirty="0"/>
+              <a:t>ρ</a:t>
+            </a:r>
+            <a:r>
+              <a:rPr lang="zh-CN" altLang="en-US" dirty="0"/>
+              <a:t>函数映射，把残差的平方项变成一个对外点不那么敏感的曲线。</a:t>
+            </a:r>
+          </a:p>
+        </p:txBody>
+      </p:sp>
+    </p:spTree>
+    <p:extLst>
+      <p:ext uri="{BB962C8B-B14F-4D97-AF65-F5344CB8AC3E}">
+        <p14:creationId xmlns:p14="http://schemas.microsoft.com/office/powerpoint/2010/main" val="4122045491"/>
+      </p:ext>
+    </p:extLst>
   </p:cSld>
   <p:clrMapOvr>
     <a:masterClrMapping/>

--- a/问题检索清单.pptx
+++ b/问题检索清单.pptx
@@ -11,61 +11,67 @@
     <p:sldId id="260" r:id="rId5"/>
     <p:sldId id="262" r:id="rId6"/>
     <p:sldId id="267" r:id="rId7"/>
-    <p:sldId id="266" r:id="rId8"/>
-    <p:sldId id="269" r:id="rId9"/>
-    <p:sldId id="273" r:id="rId10"/>
-    <p:sldId id="275" r:id="rId11"/>
-    <p:sldId id="277" r:id="rId12"/>
-    <p:sldId id="279" r:id="rId13"/>
-    <p:sldId id="281" r:id="rId14"/>
-    <p:sldId id="283" r:id="rId15"/>
-    <p:sldId id="285" r:id="rId16"/>
-    <p:sldId id="287" r:id="rId17"/>
-    <p:sldId id="289" r:id="rId18"/>
-    <p:sldId id="290" r:id="rId19"/>
-    <p:sldId id="291" r:id="rId20"/>
-    <p:sldId id="293" r:id="rId21"/>
-    <p:sldId id="294" r:id="rId22"/>
-    <p:sldId id="295" r:id="rId23"/>
-    <p:sldId id="313" r:id="rId24"/>
-    <p:sldId id="314" r:id="rId25"/>
-    <p:sldId id="315" r:id="rId26"/>
-    <p:sldId id="316" r:id="rId27"/>
-    <p:sldId id="317" r:id="rId28"/>
-    <p:sldId id="318" r:id="rId29"/>
-    <p:sldId id="319" r:id="rId30"/>
-    <p:sldId id="320" r:id="rId31"/>
-    <p:sldId id="321" r:id="rId32"/>
-    <p:sldId id="322" r:id="rId33"/>
-    <p:sldId id="323" r:id="rId34"/>
-    <p:sldId id="324" r:id="rId35"/>
-    <p:sldId id="325" r:id="rId36"/>
-    <p:sldId id="326" r:id="rId37"/>
-    <p:sldId id="327" r:id="rId38"/>
-    <p:sldId id="328" r:id="rId39"/>
-    <p:sldId id="329" r:id="rId40"/>
-    <p:sldId id="330" r:id="rId41"/>
-    <p:sldId id="331" r:id="rId42"/>
-    <p:sldId id="332" r:id="rId43"/>
-    <p:sldId id="333" r:id="rId44"/>
-    <p:sldId id="334" r:id="rId45"/>
-    <p:sldId id="335" r:id="rId46"/>
-    <p:sldId id="336" r:id="rId47"/>
-    <p:sldId id="337" r:id="rId48"/>
-    <p:sldId id="338" r:id="rId49"/>
-    <p:sldId id="339" r:id="rId50"/>
-    <p:sldId id="340" r:id="rId51"/>
-    <p:sldId id="341" r:id="rId52"/>
-    <p:sldId id="342" r:id="rId53"/>
-    <p:sldId id="343" r:id="rId54"/>
-    <p:sldId id="344" r:id="rId55"/>
-    <p:sldId id="345" r:id="rId56"/>
-    <p:sldId id="346" r:id="rId57"/>
-    <p:sldId id="347" r:id="rId58"/>
-    <p:sldId id="348" r:id="rId59"/>
-    <p:sldId id="349" r:id="rId60"/>
-    <p:sldId id="350" r:id="rId61"/>
-    <p:sldId id="351" r:id="rId62"/>
+    <p:sldId id="352" r:id="rId8"/>
+    <p:sldId id="266" r:id="rId9"/>
+    <p:sldId id="269" r:id="rId10"/>
+    <p:sldId id="273" r:id="rId11"/>
+    <p:sldId id="275" r:id="rId12"/>
+    <p:sldId id="277" r:id="rId13"/>
+    <p:sldId id="279" r:id="rId14"/>
+    <p:sldId id="281" r:id="rId15"/>
+    <p:sldId id="283" r:id="rId16"/>
+    <p:sldId id="285" r:id="rId17"/>
+    <p:sldId id="287" r:id="rId18"/>
+    <p:sldId id="289" r:id="rId19"/>
+    <p:sldId id="290" r:id="rId20"/>
+    <p:sldId id="291" r:id="rId21"/>
+    <p:sldId id="293" r:id="rId22"/>
+    <p:sldId id="294" r:id="rId23"/>
+    <p:sldId id="295" r:id="rId24"/>
+    <p:sldId id="353" r:id="rId25"/>
+    <p:sldId id="354" r:id="rId26"/>
+    <p:sldId id="355" r:id="rId27"/>
+    <p:sldId id="356" r:id="rId28"/>
+    <p:sldId id="357" r:id="rId29"/>
+    <p:sldId id="313" r:id="rId30"/>
+    <p:sldId id="314" r:id="rId31"/>
+    <p:sldId id="315" r:id="rId32"/>
+    <p:sldId id="316" r:id="rId33"/>
+    <p:sldId id="317" r:id="rId34"/>
+    <p:sldId id="318" r:id="rId35"/>
+    <p:sldId id="319" r:id="rId36"/>
+    <p:sldId id="320" r:id="rId37"/>
+    <p:sldId id="321" r:id="rId38"/>
+    <p:sldId id="322" r:id="rId39"/>
+    <p:sldId id="323" r:id="rId40"/>
+    <p:sldId id="324" r:id="rId41"/>
+    <p:sldId id="325" r:id="rId42"/>
+    <p:sldId id="326" r:id="rId43"/>
+    <p:sldId id="327" r:id="rId44"/>
+    <p:sldId id="328" r:id="rId45"/>
+    <p:sldId id="329" r:id="rId46"/>
+    <p:sldId id="330" r:id="rId47"/>
+    <p:sldId id="331" r:id="rId48"/>
+    <p:sldId id="332" r:id="rId49"/>
+    <p:sldId id="333" r:id="rId50"/>
+    <p:sldId id="334" r:id="rId51"/>
+    <p:sldId id="335" r:id="rId52"/>
+    <p:sldId id="336" r:id="rId53"/>
+    <p:sldId id="337" r:id="rId54"/>
+    <p:sldId id="338" r:id="rId55"/>
+    <p:sldId id="339" r:id="rId56"/>
+    <p:sldId id="340" r:id="rId57"/>
+    <p:sldId id="341" r:id="rId58"/>
+    <p:sldId id="342" r:id="rId59"/>
+    <p:sldId id="343" r:id="rId60"/>
+    <p:sldId id="344" r:id="rId61"/>
+    <p:sldId id="345" r:id="rId62"/>
+    <p:sldId id="346" r:id="rId63"/>
+    <p:sldId id="347" r:id="rId64"/>
+    <p:sldId id="348" r:id="rId65"/>
+    <p:sldId id="349" r:id="rId66"/>
+    <p:sldId id="350" r:id="rId67"/>
+    <p:sldId id="351" r:id="rId68"/>
   </p:sldIdLst>
   <p:sldSz cx="12192000" cy="6858000"/>
   <p:notesSz cx="6858000" cy="9144000"/>
@@ -301,7 +307,7 @@
           <a:p>
             <a:fld id="{D997B5FA-0921-464F-AAE1-844C04324D75}" type="datetimeFigureOut">
               <a:rPr lang="zh-CN" altLang="en-US" smtClean="0"/>
-              <a:t>2021/3/12</a:t>
+              <a:t>2021/10/15</a:t>
             </a:fld>
             <a:endParaRPr lang="zh-CN" altLang="en-US"/>
           </a:p>
@@ -464,7 +470,7 @@
           <a:p>
             <a:fld id="{D997B5FA-0921-464F-AAE1-844C04324D75}" type="datetimeFigureOut">
               <a:rPr lang="zh-CN" altLang="en-US" smtClean="0"/>
-              <a:t>2021/3/12</a:t>
+              <a:t>2021/10/15</a:t>
             </a:fld>
             <a:endParaRPr lang="zh-CN" altLang="en-US"/>
           </a:p>
@@ -637,7 +643,7 @@
           <a:p>
             <a:fld id="{D997B5FA-0921-464F-AAE1-844C04324D75}" type="datetimeFigureOut">
               <a:rPr lang="zh-CN" altLang="en-US" smtClean="0"/>
-              <a:t>2021/3/12</a:t>
+              <a:t>2021/10/15</a:t>
             </a:fld>
             <a:endParaRPr lang="zh-CN" altLang="en-US"/>
           </a:p>
@@ -800,7 +806,7 @@
           <a:p>
             <a:fld id="{D997B5FA-0921-464F-AAE1-844C04324D75}" type="datetimeFigureOut">
               <a:rPr lang="zh-CN" altLang="en-US" smtClean="0"/>
-              <a:t>2021/3/12</a:t>
+              <a:t>2021/10/15</a:t>
             </a:fld>
             <a:endParaRPr lang="zh-CN" altLang="en-US"/>
           </a:p>
@@ -1040,7 +1046,7 @@
           <a:p>
             <a:fld id="{D997B5FA-0921-464F-AAE1-844C04324D75}" type="datetimeFigureOut">
               <a:rPr lang="zh-CN" altLang="en-US" smtClean="0"/>
-              <a:t>2021/3/12</a:t>
+              <a:t>2021/10/15</a:t>
             </a:fld>
             <a:endParaRPr lang="zh-CN" altLang="en-US"/>
           </a:p>
@@ -1264,7 +1270,7 @@
           <a:p>
             <a:fld id="{D997B5FA-0921-464F-AAE1-844C04324D75}" type="datetimeFigureOut">
               <a:rPr lang="zh-CN" altLang="en-US" smtClean="0"/>
-              <a:t>2021/3/12</a:t>
+              <a:t>2021/10/15</a:t>
             </a:fld>
             <a:endParaRPr lang="zh-CN" altLang="en-US"/>
           </a:p>
@@ -1623,7 +1629,7 @@
           <a:p>
             <a:fld id="{D997B5FA-0921-464F-AAE1-844C04324D75}" type="datetimeFigureOut">
               <a:rPr lang="zh-CN" altLang="en-US" smtClean="0"/>
-              <a:t>2021/3/12</a:t>
+              <a:t>2021/10/15</a:t>
             </a:fld>
             <a:endParaRPr lang="zh-CN" altLang="en-US"/>
           </a:p>
@@ -1735,7 +1741,7 @@
           <a:p>
             <a:fld id="{D997B5FA-0921-464F-AAE1-844C04324D75}" type="datetimeFigureOut">
               <a:rPr lang="zh-CN" altLang="en-US" smtClean="0"/>
-              <a:t>2021/3/12</a:t>
+              <a:t>2021/10/15</a:t>
             </a:fld>
             <a:endParaRPr lang="zh-CN" altLang="en-US"/>
           </a:p>
@@ -1825,7 +1831,7 @@
           <a:p>
             <a:fld id="{D997B5FA-0921-464F-AAE1-844C04324D75}" type="datetimeFigureOut">
               <a:rPr lang="zh-CN" altLang="en-US" smtClean="0"/>
-              <a:t>2021/3/12</a:t>
+              <a:t>2021/10/15</a:t>
             </a:fld>
             <a:endParaRPr lang="zh-CN" altLang="en-US"/>
           </a:p>
@@ -2095,7 +2101,7 @@
           <a:p>
             <a:fld id="{D997B5FA-0921-464F-AAE1-844C04324D75}" type="datetimeFigureOut">
               <a:rPr lang="zh-CN" altLang="en-US" smtClean="0"/>
-              <a:t>2021/3/12</a:t>
+              <a:t>2021/10/15</a:t>
             </a:fld>
             <a:endParaRPr lang="zh-CN" altLang="en-US"/>
           </a:p>
@@ -2342,7 +2348,7 @@
           <a:p>
             <a:fld id="{D997B5FA-0921-464F-AAE1-844C04324D75}" type="datetimeFigureOut">
               <a:rPr lang="zh-CN" altLang="en-US" smtClean="0"/>
-              <a:t>2021/3/12</a:t>
+              <a:t>2021/10/15</a:t>
             </a:fld>
             <a:endParaRPr lang="zh-CN" altLang="en-US"/>
           </a:p>
@@ -2548,7 +2554,7 @@
           <a:p>
             <a:fld id="{D997B5FA-0921-464F-AAE1-844C04324D75}" type="datetimeFigureOut">
               <a:rPr lang="zh-CN" altLang="en-US" smtClean="0"/>
-              <a:t>2021/3/12</a:t>
+              <a:t>2021/10/15</a:t>
             </a:fld>
             <a:endParaRPr lang="zh-CN" altLang="en-US"/>
           </a:p>
@@ -3031,6 +3037,138 @@
           <a:p>
             <a:r>
               <a:rPr lang="en-US" altLang="zh-CN"/>
+              <a:t>独立性和不相关性，你能说清楚吗？</a:t>
+            </a:r>
+          </a:p>
+        </p:txBody>
+      </p:sp>
+      <p:sp>
+        <p:nvSpPr>
+          <p:cNvPr id="3" name="内容占位符 2"/>
+          <p:cNvSpPr>
+            <a:spLocks noGrp="1"/>
+          </p:cNvSpPr>
+          <p:nvPr>
+            <p:ph idx="1"/>
+          </p:nvPr>
+        </p:nvSpPr>
+        <p:spPr/>
+        <p:txBody>
+          <a:bodyPr>
+            <a:normAutofit lnSpcReduction="10000"/>
+          </a:bodyPr>
+          <a:lstStyle/>
+          <a:p>
+            <a:r>
+              <a:rPr lang="en-US" altLang="zh-CN"/>
+              <a:t>独立性p(xy) = p(x)p(y)</a:t>
+            </a:r>
+          </a:p>
+          <a:p>
+            <a:r>
+              <a:rPr lang="en-US" altLang="zh-CN"/>
+              <a:t>不相关性E[xy</a:t>
+            </a:r>
+            <a:r>
+              <a:rPr lang="en-US" altLang="zh-CN" baseline="30000"/>
+              <a:t>T</a:t>
+            </a:r>
+            <a:r>
+              <a:rPr lang="en-US" altLang="zh-CN"/>
+              <a:t>] = E[x] E[y]</a:t>
+            </a:r>
+            <a:r>
+              <a:rPr lang="en-US" altLang="zh-CN" baseline="30000"/>
+              <a:t>T</a:t>
+            </a:r>
+          </a:p>
+          <a:p>
+            <a:endParaRPr lang="en-US" altLang="zh-CN"/>
+          </a:p>
+          <a:p>
+            <a:pPr marL="0" indent="0">
+              <a:buNone/>
+            </a:pPr>
+            <a:r>
+              <a:rPr lang="zh-CN" altLang="en-US"/>
+              <a:t>物理意义上讲，独立表示两者没有关系，不相关性表示两者没有线性关系（不代表没有其他关系）</a:t>
+            </a:r>
+            <a:endParaRPr lang="en-US" altLang="zh-CN"/>
+          </a:p>
+          <a:p>
+            <a:pPr marL="0" indent="0">
+              <a:buNone/>
+            </a:pPr>
+            <a:endParaRPr lang="en-US" altLang="zh-CN"/>
+          </a:p>
+          <a:p>
+            <a:pPr marL="0" indent="0">
+              <a:buNone/>
+            </a:pPr>
+            <a:r>
+              <a:rPr lang="en-US" altLang="zh-CN"/>
+              <a:t>独立一定不相关，不相关不一定独立</a:t>
+            </a:r>
+          </a:p>
+          <a:p>
+            <a:pPr marL="0" indent="0">
+              <a:buNone/>
+            </a:pPr>
+            <a:endParaRPr lang="en-US" altLang="zh-CN"/>
+          </a:p>
+          <a:p>
+            <a:pPr marL="0" indent="0">
+              <a:buNone/>
+            </a:pPr>
+            <a:r>
+              <a:rPr lang="en-US" altLang="zh-CN"/>
+              <a:t>对于高斯分布，两者等价</a:t>
+            </a:r>
+          </a:p>
+        </p:txBody>
+      </p:sp>
+    </p:spTree>
+  </p:cSld>
+  <p:clrMapOvr>
+    <a:masterClrMapping/>
+  </p:clrMapOvr>
+</p:sld>
+</file>
+
+<file path=ppt/slides/slide11.xml><?xml version="1.0" encoding="utf-8"?>
+<p:sld xmlns:a="http://schemas.openxmlformats.org/drawingml/2006/main" xmlns:r="http://schemas.openxmlformats.org/officeDocument/2006/relationships" xmlns:p="http://schemas.openxmlformats.org/presentationml/2006/main">
+  <p:cSld>
+    <p:spTree>
+      <p:nvGrpSpPr>
+        <p:cNvPr id="1" name=""/>
+        <p:cNvGrpSpPr/>
+        <p:nvPr/>
+      </p:nvGrpSpPr>
+      <p:grpSpPr>
+        <a:xfrm>
+          <a:off x="0" y="0"/>
+          <a:ext cx="0" cy="0"/>
+          <a:chOff x="0" y="0"/>
+          <a:chExt cx="0" cy="0"/>
+        </a:xfrm>
+      </p:grpSpPr>
+      <p:sp>
+        <p:nvSpPr>
+          <p:cNvPr id="2" name="标题 1"/>
+          <p:cNvSpPr>
+            <a:spLocks noGrp="1"/>
+          </p:cNvSpPr>
+          <p:nvPr>
+            <p:ph type="title"/>
+          </p:nvPr>
+        </p:nvSpPr>
+        <p:spPr/>
+        <p:txBody>
+          <a:bodyPr/>
+          <a:lstStyle/>
+          <a:p>
+            <a:r>
+              <a:rPr lang="en-US" altLang="zh-CN"/>
               <a:t>什么是归一化积？</a:t>
             </a:r>
             <a:r>
@@ -3102,81 +3240,6 @@
 </p:sld>
 </file>
 
-<file path=ppt/slides/slide11.xml><?xml version="1.0" encoding="utf-8"?>
-<p:sld xmlns:a="http://schemas.openxmlformats.org/drawingml/2006/main" xmlns:r="http://schemas.openxmlformats.org/officeDocument/2006/relationships" xmlns:p="http://schemas.openxmlformats.org/presentationml/2006/main">
-  <p:cSld>
-    <p:spTree>
-      <p:nvGrpSpPr>
-        <p:cNvPr id="1" name=""/>
-        <p:cNvGrpSpPr/>
-        <p:nvPr/>
-      </p:nvGrpSpPr>
-      <p:grpSpPr>
-        <a:xfrm>
-          <a:off x="0" y="0"/>
-          <a:ext cx="0" cy="0"/>
-          <a:chOff x="0" y="0"/>
-          <a:chExt cx="0" cy="0"/>
-        </a:xfrm>
-      </p:grpSpPr>
-      <p:sp>
-        <p:nvSpPr>
-          <p:cNvPr id="2" name="标题 1"/>
-          <p:cNvSpPr>
-            <a:spLocks noGrp="1"/>
-          </p:cNvSpPr>
-          <p:nvPr>
-            <p:ph type="title"/>
-          </p:nvPr>
-        </p:nvSpPr>
-        <p:spPr/>
-        <p:txBody>
-          <a:bodyPr/>
-          <a:lstStyle/>
-          <a:p>
-            <a:r>
-              <a:rPr lang="en-US" altLang="zh-CN"/>
-              <a:t>关于香农信息，你能想到什么？</a:t>
-            </a:r>
-          </a:p>
-        </p:txBody>
-      </p:sp>
-      <p:sp>
-        <p:nvSpPr>
-          <p:cNvPr id="3" name="内容占位符 2"/>
-          <p:cNvSpPr>
-            <a:spLocks noGrp="1"/>
-          </p:cNvSpPr>
-          <p:nvPr>
-            <p:ph idx="1"/>
-          </p:nvPr>
-        </p:nvSpPr>
-        <p:spPr/>
-        <p:txBody>
-          <a:bodyPr/>
-          <a:lstStyle/>
-          <a:p>
-            <a:r>
-              <a:rPr lang="en-US" altLang="zh-CN"/>
-              <a:t>定义是什么？-ln[p(x)]？错了，是-E[ln p(x)]。概率密度对数函数的负期望，也叫负熵</a:t>
-            </a:r>
-          </a:p>
-          <a:p>
-            <a:r>
-              <a:rPr lang="en-US" altLang="zh-CN"/>
-              <a:t>用来干什么的？用来描述分布的混乱情况。越混乱，负熵越大。</a:t>
-            </a:r>
-          </a:p>
-        </p:txBody>
-      </p:sp>
-    </p:spTree>
-  </p:cSld>
-  <p:clrMapOvr>
-    <a:masterClrMapping/>
-  </p:clrMapOvr>
-</p:sld>
-</file>
-
 <file path=ppt/slides/slide12.xml><?xml version="1.0" encoding="utf-8"?>
 <p:sld xmlns:a="http://schemas.openxmlformats.org/drawingml/2006/main" xmlns:r="http://schemas.openxmlformats.org/officeDocument/2006/relationships" xmlns:p="http://schemas.openxmlformats.org/presentationml/2006/main">
   <p:cSld>
@@ -3211,7 +3274,7 @@
           <a:p>
             <a:r>
               <a:rPr lang="en-US" altLang="zh-CN"/>
-              <a:t>关于马氏距离，你有哪些理解？</a:t>
+              <a:t>关于香农信息，你能想到什么？</a:t>
             </a:r>
           </a:p>
         </p:txBody>
@@ -3233,13 +3296,21 @@
           <a:p>
             <a:r>
               <a:rPr lang="en-US" altLang="zh-CN"/>
-              <a:t>给出一个自己的定义，哈哈。马氏距离就是随机变量x距离其分布中心的一个一维距离值</a:t>
-            </a:r>
-          </a:p>
-          <a:p>
-            <a:r>
-              <a:rPr lang="en-US" altLang="zh-CN"/>
-              <a:t>它的具体形式是随机变量x去中心化，然后行乘列变成一维。当然，要以信息矩阵为其权重。</a:t>
+              <a:t>定义是什么？-ln[p(x)]？错了，是-E[ln p(x)]。概率密度</a:t>
+            </a:r>
+            <a:r>
+              <a:rPr lang="zh-CN" altLang="en-US"/>
+              <a:t>的</a:t>
+            </a:r>
+            <a:r>
+              <a:rPr lang="en-US" altLang="zh-CN"/>
+              <a:t>对数函数的负期望，也叫负熵</a:t>
+            </a:r>
+          </a:p>
+          <a:p>
+            <a:r>
+              <a:rPr lang="en-US" altLang="zh-CN"/>
+              <a:t>用来干什么的？用来描述分布的混乱情况。越混乱，负熵越大。</a:t>
             </a:r>
           </a:p>
         </p:txBody>
@@ -3286,7 +3357,7 @@
           <a:p>
             <a:r>
               <a:rPr lang="en-US" altLang="zh-CN"/>
-              <a:t>关于协方差矩阵，能想到哪些性质？</a:t>
+              <a:t>关于马氏距离，你有哪些理解？</a:t>
             </a:r>
           </a:p>
         </p:txBody>
@@ -3308,13 +3379,13 @@
           <a:p>
             <a:r>
               <a:rPr lang="en-US" altLang="zh-CN"/>
-              <a:t>半正定对称矩阵</a:t>
-            </a:r>
-          </a:p>
-          <a:p>
-            <a:r>
-              <a:rPr lang="en-US" altLang="zh-CN"/>
-              <a:t>其形式通常为椭圆形或者椭球形，背后是标准正态分布的线性变换。</a:t>
+              <a:t>给出一个自己的定义，哈哈。马氏距离就是随机变量x距离其分布中心的一个一维距离值</a:t>
+            </a:r>
+          </a:p>
+          <a:p>
+            <a:r>
+              <a:rPr lang="en-US" altLang="zh-CN"/>
+              <a:t>它的具体形式是随机变量x去中心化，然后行乘列变成一维。当然，要以信息矩阵为其权重。</a:t>
             </a:r>
           </a:p>
         </p:txBody>
@@ -3361,7 +3432,7 @@
           <a:p>
             <a:r>
               <a:rPr lang="en-US" altLang="zh-CN"/>
-              <a:t>高斯推断：联合分布的边缘化有哪些要点？</a:t>
+              <a:t>关于协方差矩阵，能想到哪些性质？</a:t>
             </a:r>
           </a:p>
         </p:txBody>
@@ -3381,46 +3452,16 @@
           <a:bodyPr/>
           <a:lstStyle/>
           <a:p>
-            <a:pPr marL="514350" indent="-514350">
-              <a:buAutoNum type="arabicPeriod"/>
-            </a:pPr>
-            <a:r>
-              <a:rPr lang="en-US" altLang="en-US"/>
-              <a:t>结论是什么？</a:t>
-            </a:r>
-          </a:p>
-          <a:p>
-            <a:pPr marL="514350" indent="-514350">
-              <a:buAutoNum type="arabicPeriod"/>
-            </a:pPr>
-            <a:r>
-              <a:rPr lang="en-US" altLang="en-US"/>
-              <a:t>是怎么推出来的？</a:t>
-            </a:r>
-          </a:p>
-          <a:p>
-            <a:pPr marL="514350" indent="-514350">
-              <a:buAutoNum type="arabicPeriod"/>
-            </a:pPr>
-            <a:r>
-              <a:rPr lang="en-US" altLang="en-US"/>
-              <a:t>关于舒尔补，如何记忆？</a:t>
-            </a:r>
-          </a:p>
-          <a:p>
-            <a:pPr marL="0" indent="0">
-              <a:buNone/>
-            </a:pPr>
-            <a:r>
-              <a:rPr lang="en-US" altLang="en-US"/>
-              <a:t>舒尔补一定要学会自己推导和背诵</a:t>
-            </a:r>
-          </a:p>
-          <a:p>
-            <a:pPr marL="0" indent="0">
-              <a:buNone/>
-            </a:pPr>
-            <a:endParaRPr lang="en-US" altLang="en-US"/>
+            <a:r>
+              <a:rPr lang="en-US" altLang="zh-CN"/>
+              <a:t>半正定对称矩阵</a:t>
+            </a:r>
+          </a:p>
+          <a:p>
+            <a:r>
+              <a:rPr lang="en-US" altLang="zh-CN"/>
+              <a:t>其形式通常为椭圆形或者椭球形，背后是标准正态分布的线性变换。</a:t>
+            </a:r>
           </a:p>
         </p:txBody>
       </p:sp>
@@ -3466,7 +3507,7 @@
           <a:p>
             <a:r>
               <a:rPr lang="en-US" altLang="zh-CN"/>
-              <a:t>高斯分布的独立性和不相关性有什么关系？</a:t>
+              <a:t>高斯推断：联合分布的边缘化有哪些要点？</a:t>
             </a:r>
           </a:p>
         </p:txBody>
@@ -3486,15 +3527,30 @@
           <a:bodyPr/>
           <a:lstStyle/>
           <a:p>
-            <a:r>
-              <a:rPr lang="en-US" altLang="zh-CN"/>
-              <a:t>结论 ： 两者是等价的</a:t>
-            </a:r>
-          </a:p>
-          <a:p>
-            <a:r>
-              <a:rPr lang="en-US" altLang="zh-CN"/>
-              <a:t>一般意义是：</a:t>
+            <a:pPr marL="514350" indent="-514350">
+              <a:buAutoNum type="arabicPeriod"/>
+            </a:pPr>
+            <a:r>
+              <a:rPr lang="en-US" altLang="en-US"/>
+              <a:t>结论是什么？</a:t>
+            </a:r>
+          </a:p>
+          <a:p>
+            <a:pPr marL="514350" indent="-514350">
+              <a:buAutoNum type="arabicPeriod"/>
+            </a:pPr>
+            <a:r>
+              <a:rPr lang="en-US" altLang="en-US"/>
+              <a:t>是怎么推出来的？</a:t>
+            </a:r>
+          </a:p>
+          <a:p>
+            <a:pPr marL="514350" indent="-514350">
+              <a:buAutoNum type="arabicPeriod"/>
+            </a:pPr>
+            <a:r>
+              <a:rPr lang="en-US" altLang="en-US"/>
+              <a:t>关于舒尔补，如何记忆？</a:t>
             </a:r>
           </a:p>
           <a:p>
@@ -3502,18 +3558,15 @@
               <a:buNone/>
             </a:pPr>
             <a:r>
-              <a:rPr lang="en-US" altLang="zh-CN"/>
-              <a:t>独立表示两个概率分布没有任何关系</a:t>
+              <a:rPr lang="en-US" altLang="en-US"/>
+              <a:t>舒尔补一定要学会自己推导和背诵</a:t>
             </a:r>
           </a:p>
           <a:p>
             <a:pPr marL="0" indent="0">
               <a:buNone/>
             </a:pPr>
-            <a:r>
-              <a:rPr lang="en-US" altLang="zh-CN"/>
-              <a:t>不相关表示两个概率分布不存在线性关系</a:t>
-            </a:r>
+            <a:endParaRPr lang="en-US" altLang="en-US"/>
           </a:p>
         </p:txBody>
       </p:sp>
@@ -3559,7 +3612,7 @@
           <a:p>
             <a:r>
               <a:rPr lang="en-US" altLang="zh-CN"/>
-              <a:t>高斯分布的归一化积结果是什么？</a:t>
+              <a:t>高斯分布的独立性和不相关性有什么关系？</a:t>
             </a:r>
           </a:p>
         </p:txBody>
@@ -3581,19 +3634,31 @@
           <a:p>
             <a:r>
               <a:rPr lang="en-US" altLang="zh-CN"/>
-              <a:t>意义就是两个高斯分布融合</a:t>
-            </a:r>
-          </a:p>
-          <a:p>
-            <a:r>
-              <a:rPr lang="en-US" altLang="zh-CN"/>
-              <a:t>协方差矩阵方面：是信息矩阵相加</a:t>
-            </a:r>
-          </a:p>
-          <a:p>
-            <a:r>
-              <a:rPr lang="en-US" altLang="zh-CN"/>
-              <a:t>均值方面：是加权均值相加</a:t>
+              <a:t>结论 ： 两者是等价的</a:t>
+            </a:r>
+          </a:p>
+          <a:p>
+            <a:r>
+              <a:rPr lang="en-US" altLang="zh-CN"/>
+              <a:t>一般意义是：</a:t>
+            </a:r>
+          </a:p>
+          <a:p>
+            <a:pPr marL="0" indent="0">
+              <a:buNone/>
+            </a:pPr>
+            <a:r>
+              <a:rPr lang="en-US" altLang="zh-CN"/>
+              <a:t>独立表示两个概率分布没有任何关系</a:t>
+            </a:r>
+          </a:p>
+          <a:p>
+            <a:pPr marL="0" indent="0">
+              <a:buNone/>
+            </a:pPr>
+            <a:r>
+              <a:rPr lang="en-US" altLang="zh-CN"/>
+              <a:t>不相关表示两个概率分布不存在线性关系</a:t>
             </a:r>
           </a:p>
         </p:txBody>
@@ -3640,7 +3705,7 @@
           <a:p>
             <a:r>
               <a:rPr lang="en-US" altLang="zh-CN"/>
-              <a:t>高斯分布线性化的结果是什么？</a:t>
+              <a:t>高斯分布的归一化积结果是什么？</a:t>
             </a:r>
           </a:p>
         </p:txBody>
@@ -3662,7 +3727,19 @@
           <a:p>
             <a:r>
               <a:rPr lang="en-US" altLang="zh-CN"/>
-              <a:t>太简单了，哈哈哈</a:t>
+              <a:t>意义就是两个高斯分布融合</a:t>
+            </a:r>
+          </a:p>
+          <a:p>
+            <a:r>
+              <a:rPr lang="en-US" altLang="zh-CN"/>
+              <a:t>协方差矩阵方面：是信息矩阵相加</a:t>
+            </a:r>
+          </a:p>
+          <a:p>
+            <a:r>
+              <a:rPr lang="en-US" altLang="zh-CN"/>
+              <a:t>均值方面：是加权均值相加</a:t>
             </a:r>
           </a:p>
         </p:txBody>
@@ -3709,7 +3786,7 @@
           <a:p>
             <a:r>
               <a:rPr lang="en-US" altLang="zh-CN"/>
-              <a:t>SMW公式</a:t>
+              <a:t>高斯分布线性化的结果是什么？</a:t>
             </a:r>
           </a:p>
         </p:txBody>
@@ -3731,139 +3808,7 @@
           <a:p>
             <a:r>
               <a:rPr lang="en-US" altLang="zh-CN"/>
-              <a:t>两个乾坤大挪移公式：</a:t>
-            </a:r>
-          </a:p>
-          <a:p>
-            <a:r>
-              <a:rPr lang="en-US" altLang="zh-CN"/>
-              <a:t>(D + CAB)</a:t>
-            </a:r>
-            <a:r>
-              <a:rPr lang="en-US" altLang="zh-CN" baseline="30000"/>
-              <a:t>-1</a:t>
-            </a:r>
-            <a:r>
-              <a:rPr lang="en-US" altLang="zh-CN"/>
-              <a:t> = D</a:t>
-            </a:r>
-            <a:r>
-              <a:rPr lang="en-US" altLang="zh-CN" baseline="30000"/>
-              <a:t>-1</a:t>
-            </a:r>
-            <a:r>
-              <a:rPr lang="en-US" altLang="zh-CN"/>
-              <a:t> - D</a:t>
-            </a:r>
-            <a:r>
-              <a:rPr lang="en-US" altLang="zh-CN" baseline="30000"/>
-              <a:t>-1</a:t>
-            </a:r>
-            <a:r>
-              <a:rPr lang="en-US" altLang="zh-CN"/>
-              <a:t>C(A</a:t>
-            </a:r>
-            <a:r>
-              <a:rPr lang="en-US" altLang="zh-CN" baseline="30000"/>
-              <a:t>-1</a:t>
-            </a:r>
-            <a:r>
-              <a:rPr lang="en-US" altLang="zh-CN"/>
-              <a:t>+BD</a:t>
-            </a:r>
-            <a:r>
-              <a:rPr lang="en-US" altLang="zh-CN" baseline="30000"/>
-              <a:t>-1</a:t>
-            </a:r>
-            <a:r>
-              <a:rPr lang="en-US" altLang="zh-CN"/>
-              <a:t>C)</a:t>
-            </a:r>
-            <a:r>
-              <a:rPr lang="en-US" altLang="zh-CN" baseline="30000"/>
-              <a:t>-1</a:t>
-            </a:r>
-            <a:r>
-              <a:rPr lang="en-US" altLang="zh-CN"/>
-              <a:t>BD</a:t>
-            </a:r>
-            <a:r>
-              <a:rPr lang="en-US" altLang="zh-CN" baseline="30000"/>
-              <a:t>-1</a:t>
-            </a:r>
-          </a:p>
-          <a:p>
-            <a:r>
-              <a:rPr lang="en-US" altLang="zh-CN">
-                <a:sym typeface="+mn-ea"/>
-              </a:rPr>
-              <a:t>(D + CAB)</a:t>
-            </a:r>
-            <a:r>
-              <a:rPr lang="en-US" altLang="zh-CN" baseline="30000">
-                <a:sym typeface="+mn-ea"/>
-              </a:rPr>
-              <a:t>-1</a:t>
-            </a:r>
-            <a:r>
-              <a:rPr lang="en-US" altLang="en-US">
-                <a:sym typeface="+mn-ea"/>
-              </a:rPr>
-              <a:t>CA = D</a:t>
-            </a:r>
-            <a:r>
-              <a:rPr lang="en-US" altLang="en-US" baseline="30000">
-                <a:sym typeface="+mn-ea"/>
-              </a:rPr>
-              <a:t>-1</a:t>
-            </a:r>
-            <a:r>
-              <a:rPr lang="en-US" altLang="en-US">
-                <a:sym typeface="+mn-ea"/>
-              </a:rPr>
-              <a:t>C(</a:t>
-            </a:r>
-            <a:r>
-              <a:rPr lang="en-US" altLang="zh-CN">
-                <a:sym typeface="+mn-ea"/>
-              </a:rPr>
-              <a:t>A</a:t>
-            </a:r>
-            <a:r>
-              <a:rPr lang="en-US" altLang="zh-CN" baseline="30000">
-                <a:sym typeface="+mn-ea"/>
-              </a:rPr>
-              <a:t>-1</a:t>
-            </a:r>
-            <a:r>
-              <a:rPr lang="en-US" altLang="zh-CN">
-                <a:sym typeface="+mn-ea"/>
-              </a:rPr>
-              <a:t>+BD</a:t>
-            </a:r>
-            <a:r>
-              <a:rPr lang="en-US" altLang="zh-CN" baseline="30000">
-                <a:sym typeface="+mn-ea"/>
-              </a:rPr>
-              <a:t>-1</a:t>
-            </a:r>
-            <a:r>
-              <a:rPr lang="en-US" altLang="zh-CN">
-                <a:sym typeface="+mn-ea"/>
-              </a:rPr>
-              <a:t>C</a:t>
-            </a:r>
-            <a:r>
-              <a:rPr lang="en-US" altLang="en-US">
-                <a:sym typeface="+mn-ea"/>
-              </a:rPr>
-              <a:t>)</a:t>
-            </a:r>
-            <a:r>
-              <a:rPr lang="en-US" altLang="en-US" baseline="30000">
-                <a:sym typeface="+mn-ea"/>
-              </a:rPr>
-              <a:t>-1</a:t>
+              <a:t>太简单了，哈哈哈</a:t>
             </a:r>
           </a:p>
         </p:txBody>
@@ -3910,7 +3855,7 @@
           <a:p>
             <a:r>
               <a:rPr lang="en-US" altLang="zh-CN"/>
-              <a:t>高斯分布的非线性变换，结果是啥？</a:t>
+              <a:t>SMW公式</a:t>
             </a:r>
           </a:p>
         </p:txBody>
@@ -3932,13 +3877,139 @@
           <a:p>
             <a:r>
               <a:rPr lang="en-US" altLang="zh-CN"/>
-              <a:t>均值，函数值</a:t>
-            </a:r>
-          </a:p>
-          <a:p>
-            <a:r>
-              <a:rPr lang="en-US" altLang="zh-CN"/>
-              <a:t>方差：传递协方差 + 观测协方差</a:t>
+              <a:t>两个乾坤大挪移公式：</a:t>
+            </a:r>
+          </a:p>
+          <a:p>
+            <a:r>
+              <a:rPr lang="en-US" altLang="zh-CN"/>
+              <a:t>(D + CAB)</a:t>
+            </a:r>
+            <a:r>
+              <a:rPr lang="en-US" altLang="zh-CN" baseline="30000"/>
+              <a:t>-1</a:t>
+            </a:r>
+            <a:r>
+              <a:rPr lang="en-US" altLang="zh-CN"/>
+              <a:t> = D</a:t>
+            </a:r>
+            <a:r>
+              <a:rPr lang="en-US" altLang="zh-CN" baseline="30000"/>
+              <a:t>-1</a:t>
+            </a:r>
+            <a:r>
+              <a:rPr lang="en-US" altLang="zh-CN"/>
+              <a:t> - D</a:t>
+            </a:r>
+            <a:r>
+              <a:rPr lang="en-US" altLang="zh-CN" baseline="30000"/>
+              <a:t>-1</a:t>
+            </a:r>
+            <a:r>
+              <a:rPr lang="en-US" altLang="zh-CN"/>
+              <a:t>C(A</a:t>
+            </a:r>
+            <a:r>
+              <a:rPr lang="en-US" altLang="zh-CN" baseline="30000"/>
+              <a:t>-1</a:t>
+            </a:r>
+            <a:r>
+              <a:rPr lang="en-US" altLang="zh-CN"/>
+              <a:t>+BD</a:t>
+            </a:r>
+            <a:r>
+              <a:rPr lang="en-US" altLang="zh-CN" baseline="30000"/>
+              <a:t>-1</a:t>
+            </a:r>
+            <a:r>
+              <a:rPr lang="en-US" altLang="zh-CN"/>
+              <a:t>C)</a:t>
+            </a:r>
+            <a:r>
+              <a:rPr lang="en-US" altLang="zh-CN" baseline="30000"/>
+              <a:t>-1</a:t>
+            </a:r>
+            <a:r>
+              <a:rPr lang="en-US" altLang="zh-CN"/>
+              <a:t>BD</a:t>
+            </a:r>
+            <a:r>
+              <a:rPr lang="en-US" altLang="zh-CN" baseline="30000"/>
+              <a:t>-1</a:t>
+            </a:r>
+          </a:p>
+          <a:p>
+            <a:r>
+              <a:rPr lang="en-US" altLang="zh-CN">
+                <a:sym typeface="+mn-ea"/>
+              </a:rPr>
+              <a:t>(D + CAB)</a:t>
+            </a:r>
+            <a:r>
+              <a:rPr lang="en-US" altLang="zh-CN" baseline="30000">
+                <a:sym typeface="+mn-ea"/>
+              </a:rPr>
+              <a:t>-1</a:t>
+            </a:r>
+            <a:r>
+              <a:rPr lang="en-US" altLang="en-US">
+                <a:sym typeface="+mn-ea"/>
+              </a:rPr>
+              <a:t>CA = D</a:t>
+            </a:r>
+            <a:r>
+              <a:rPr lang="en-US" altLang="en-US" baseline="30000">
+                <a:sym typeface="+mn-ea"/>
+              </a:rPr>
+              <a:t>-1</a:t>
+            </a:r>
+            <a:r>
+              <a:rPr lang="en-US" altLang="en-US">
+                <a:sym typeface="+mn-ea"/>
+              </a:rPr>
+              <a:t>C(</a:t>
+            </a:r>
+            <a:r>
+              <a:rPr lang="en-US" altLang="zh-CN">
+                <a:sym typeface="+mn-ea"/>
+              </a:rPr>
+              <a:t>A</a:t>
+            </a:r>
+            <a:r>
+              <a:rPr lang="en-US" altLang="zh-CN" baseline="30000">
+                <a:sym typeface="+mn-ea"/>
+              </a:rPr>
+              <a:t>-1</a:t>
+            </a:r>
+            <a:r>
+              <a:rPr lang="en-US" altLang="zh-CN">
+                <a:sym typeface="+mn-ea"/>
+              </a:rPr>
+              <a:t>+BD</a:t>
+            </a:r>
+            <a:r>
+              <a:rPr lang="en-US" altLang="zh-CN" baseline="30000">
+                <a:sym typeface="+mn-ea"/>
+              </a:rPr>
+              <a:t>-1</a:t>
+            </a:r>
+            <a:r>
+              <a:rPr lang="en-US" altLang="zh-CN">
+                <a:sym typeface="+mn-ea"/>
+              </a:rPr>
+              <a:t>C</a:t>
+            </a:r>
+            <a:r>
+              <a:rPr lang="en-US" altLang="en-US">
+                <a:sym typeface="+mn-ea"/>
+              </a:rPr>
+              <a:t>)</a:t>
+            </a:r>
+            <a:r>
+              <a:rPr lang="en-US" altLang="en-US" baseline="30000">
+                <a:sym typeface="+mn-ea"/>
+              </a:rPr>
+              <a:t>-1</a:t>
             </a:r>
           </a:p>
         </p:txBody>
@@ -4050,6 +4121,15 @@
           </a:p>
           <a:p>
             <a:r>
+              <a:rPr lang="zh-CN" altLang="en-US"/>
+              <a:t>贝叶斯公式的分母有几种变式？</a:t>
+            </a:r>
+            <a:endParaRPr lang="en-US" altLang="zh-CN">
+              <a:sym typeface="+mn-ea"/>
+            </a:endParaRPr>
+          </a:p>
+          <a:p>
+            <a:r>
               <a:rPr lang="en-US" altLang="zh-CN">
                 <a:sym typeface="+mn-ea"/>
               </a:rPr>
@@ -4227,19 +4307,14 @@
             <p:ph type="title"/>
           </p:nvPr>
         </p:nvSpPr>
-        <p:spPr>
-          <a:xfrm>
-            <a:off x="838200" y="150495"/>
-            <a:ext cx="10515600" cy="1325563"/>
-          </a:xfrm>
-        </p:spPr>
-        <p:txBody>
-          <a:bodyPr/>
-          <a:lstStyle/>
-          <a:p>
-            <a:r>
-              <a:rPr lang="en-US" altLang="zh-CN"/>
-              <a:t>第二章 线性高斯系统</a:t>
+        <p:spPr/>
+        <p:txBody>
+          <a:bodyPr/>
+          <a:lstStyle/>
+          <a:p>
+            <a:r>
+              <a:rPr lang="en-US" altLang="zh-CN"/>
+              <a:t>高斯分布的非线性变换，结果是啥？</a:t>
             </a:r>
           </a:p>
         </p:txBody>
@@ -4254,183 +4329,21 @@
             <p:ph idx="1"/>
           </p:nvPr>
         </p:nvSpPr>
-        <p:spPr>
-          <a:xfrm>
-            <a:off x="838200" y="1315720"/>
-            <a:ext cx="10515600" cy="5454015"/>
-          </a:xfrm>
-        </p:spPr>
-        <p:txBody>
-          <a:bodyPr>
-            <a:normAutofit fontScale="75000" lnSpcReduction="20000"/>
-          </a:bodyPr>
-          <a:lstStyle/>
-          <a:p>
-            <a:r>
-              <a:rPr lang="en-US" altLang="zh-CN">
-                <a:sym typeface="+mn-ea"/>
-              </a:rPr>
-              <a:t>最基本的是：问题是怎么定义的？</a:t>
-            </a:r>
-          </a:p>
-          <a:p>
-            <a:r>
-              <a:rPr lang="en-US" altLang="zh-CN">
-                <a:sym typeface="+mn-ea"/>
-              </a:rPr>
-              <a:t>解决批量LG系统的方法有哪两种？</a:t>
-            </a:r>
-          </a:p>
-          <a:p>
-            <a:r>
-              <a:rPr lang="en-US" altLang="zh-CN">
-                <a:sym typeface="+mn-ea"/>
-              </a:rPr>
-              <a:t>小插曲：二次型求导的分子布局和分母布局</a:t>
-            </a:r>
-          </a:p>
-          <a:p>
-            <a:r>
-              <a:rPr lang="en-US" altLang="zh-CN">
-                <a:sym typeface="+mn-ea"/>
-              </a:rPr>
-              <a:t>如何看待LG系统的MAP和贝叶斯推断的结果？</a:t>
-            </a:r>
-          </a:p>
-          <a:p>
-            <a:r>
-              <a:rPr lang="en-US" altLang="zh-CN">
-                <a:sym typeface="+mn-ea"/>
-              </a:rPr>
-              <a:t>对于系统的能观性，如何检索思考？</a:t>
-            </a:r>
-          </a:p>
-          <a:p>
-            <a:r>
-              <a:rPr lang="en-US" altLang="zh-CN">
-                <a:sym typeface="+mn-ea"/>
-              </a:rPr>
-              <a:t>MAP估计的协方差是什么？</a:t>
-            </a:r>
-          </a:p>
-          <a:p>
-            <a:r>
-              <a:rPr lang="en-US" altLang="zh-CN">
-                <a:sym typeface="+mn-ea"/>
-              </a:rPr>
-              <a:t>递归平滑算法的使命是什么？</a:t>
-            </a:r>
-          </a:p>
-          <a:p>
-            <a:r>
-              <a:rPr lang="en-US" altLang="zh-CN">
-                <a:sym typeface="+mn-ea"/>
-              </a:rPr>
-              <a:t>递归平滑算法的方法和步骤是怎样的？</a:t>
-            </a:r>
-          </a:p>
-          <a:p>
-            <a:r>
-              <a:rPr lang="en-US" altLang="zh-CN">
-                <a:sym typeface="+mn-ea"/>
-              </a:rPr>
-              <a:t>我一直说要背的卡尔曼增益三公式，是什么？</a:t>
-            </a:r>
-          </a:p>
-          <a:p>
-            <a:r>
-              <a:rPr lang="en-US" altLang="zh-CN">
-                <a:sym typeface="+mn-ea"/>
-              </a:rPr>
-              <a:t>如何理解卡尔曼</a:t>
-            </a:r>
-            <a:r>
-              <a:rPr lang="" altLang="en-US">
-                <a:sym typeface="+mn-ea"/>
-              </a:rPr>
-              <a:t>滤波</a:t>
-            </a:r>
-            <a:r>
-              <a:rPr lang="en-US" altLang="zh-CN">
-                <a:sym typeface="+mn-ea"/>
-              </a:rPr>
-              <a:t>的数学本质？</a:t>
-            </a:r>
-          </a:p>
-          <a:p>
-            <a:r>
-              <a:rPr lang="en-US" altLang="zh-CN">
-                <a:sym typeface="+mn-ea"/>
-              </a:rPr>
-              <a:t>卡尔曼增益后验均值和方差的更新是什么形式？</a:t>
-            </a:r>
-          </a:p>
-          <a:p>
-            <a:r>
-              <a:rPr lang="en-US" altLang="zh-CN">
-                <a:sym typeface="+mn-ea"/>
-              </a:rPr>
-              <a:t>不带卡尔曼增益K的卡尔曼滤波是什么形式？</a:t>
-            </a:r>
-          </a:p>
-          <a:p>
-            <a:r>
-              <a:rPr lang="en-US" altLang="zh-CN">
-                <a:sym typeface="+mn-ea"/>
-              </a:rPr>
-              <a:t>老问题：带卡尔曼增益的经典形式是什么？</a:t>
-            </a:r>
-          </a:p>
-          <a:p>
-            <a:r>
-              <a:rPr lang="en-US" altLang="zh-CN">
-                <a:sym typeface="+mn-ea"/>
-              </a:rPr>
-              <a:t>如何通过MAP来推导得出卡尔曼滤波？</a:t>
-            </a:r>
-          </a:p>
-          <a:p>
-            <a:r>
-              <a:rPr lang="en-US" altLang="zh-CN">
-                <a:sym typeface="+mn-ea"/>
-              </a:rPr>
-              <a:t>如何通过贝叶斯推断得到卡尔曼滤波？</a:t>
-            </a:r>
-            <a:endParaRPr lang="en-US" altLang="zh-CN"/>
-          </a:p>
-          <a:p>
-            <a:endParaRPr lang="en-US" altLang="zh-CN"/>
-          </a:p>
-          <a:p>
-            <a:endParaRPr lang="en-US" altLang="zh-CN"/>
-          </a:p>
-          <a:p>
-            <a:endParaRPr lang="en-US" altLang="zh-CN"/>
-          </a:p>
-          <a:p>
-            <a:endParaRPr lang="en-US" altLang="zh-CN"/>
-          </a:p>
-          <a:p>
-            <a:endParaRPr lang="en-US" altLang="zh-CN">
-              <a:sym typeface="+mn-ea"/>
-            </a:endParaRPr>
-          </a:p>
-          <a:p>
-            <a:endParaRPr lang="en-US" altLang="zh-CN"/>
-          </a:p>
-          <a:p>
-            <a:endParaRPr lang="en-US" altLang="zh-CN"/>
-          </a:p>
-          <a:p>
-            <a:endParaRPr lang="en-US" altLang="zh-CN"/>
-          </a:p>
-          <a:p>
-            <a:endParaRPr lang="en-US" altLang="zh-CN">
-              <a:sym typeface="+mn-ea"/>
-            </a:endParaRPr>
-          </a:p>
-          <a:p>
-            <a:endParaRPr lang="zh-CN" altLang="en-US"/>
+        <p:spPr/>
+        <p:txBody>
+          <a:bodyPr/>
+          <a:lstStyle/>
+          <a:p>
+            <a:r>
+              <a:rPr lang="en-US" altLang="zh-CN"/>
+              <a:t>均值，函数值</a:t>
+            </a:r>
+          </a:p>
+          <a:p>
+            <a:r>
+              <a:rPr lang="en-US" altLang="zh-CN"/>
+              <a:t>方差：传递协方差 + 观测协方差</a:t>
+            </a:r>
           </a:p>
         </p:txBody>
       </p:sp>
@@ -4443,6 +4356,248 @@
 </file>
 
 <file path=ppt/slides/slide21.xml><?xml version="1.0" encoding="utf-8"?>
+<p:sld xmlns:a="http://schemas.openxmlformats.org/drawingml/2006/main" xmlns:r="http://schemas.openxmlformats.org/officeDocument/2006/relationships" xmlns:p="http://schemas.openxmlformats.org/presentationml/2006/main">
+  <p:cSld>
+    <p:spTree>
+      <p:nvGrpSpPr>
+        <p:cNvPr id="1" name=""/>
+        <p:cNvGrpSpPr/>
+        <p:nvPr/>
+      </p:nvGrpSpPr>
+      <p:grpSpPr>
+        <a:xfrm>
+          <a:off x="0" y="0"/>
+          <a:ext cx="0" cy="0"/>
+          <a:chOff x="0" y="0"/>
+          <a:chExt cx="0" cy="0"/>
+        </a:xfrm>
+      </p:grpSpPr>
+      <p:sp>
+        <p:nvSpPr>
+          <p:cNvPr id="2" name="标题 1"/>
+          <p:cNvSpPr>
+            <a:spLocks noGrp="1"/>
+          </p:cNvSpPr>
+          <p:nvPr>
+            <p:ph type="title"/>
+          </p:nvPr>
+        </p:nvSpPr>
+        <p:spPr>
+          <a:xfrm>
+            <a:off x="838200" y="150495"/>
+            <a:ext cx="10515600" cy="1325563"/>
+          </a:xfrm>
+        </p:spPr>
+        <p:txBody>
+          <a:bodyPr/>
+          <a:lstStyle/>
+          <a:p>
+            <a:r>
+              <a:rPr lang="en-US" altLang="zh-CN"/>
+              <a:t>第二章 线性高斯系统</a:t>
+            </a:r>
+          </a:p>
+        </p:txBody>
+      </p:sp>
+      <p:sp>
+        <p:nvSpPr>
+          <p:cNvPr id="3" name="内容占位符 2"/>
+          <p:cNvSpPr>
+            <a:spLocks noGrp="1"/>
+          </p:cNvSpPr>
+          <p:nvPr>
+            <p:ph idx="1"/>
+          </p:nvPr>
+        </p:nvSpPr>
+        <p:spPr>
+          <a:xfrm>
+            <a:off x="838200" y="1315720"/>
+            <a:ext cx="10515600" cy="5454015"/>
+          </a:xfrm>
+        </p:spPr>
+        <p:txBody>
+          <a:bodyPr>
+            <a:normAutofit fontScale="75000" lnSpcReduction="20000"/>
+          </a:bodyPr>
+          <a:lstStyle/>
+          <a:p>
+            <a:r>
+              <a:rPr lang="en-US" altLang="zh-CN">
+                <a:sym typeface="+mn-ea"/>
+              </a:rPr>
+              <a:t>最基本的是：问题是怎么定义的？</a:t>
+            </a:r>
+          </a:p>
+          <a:p>
+            <a:r>
+              <a:rPr lang="en-US" altLang="zh-CN">
+                <a:sym typeface="+mn-ea"/>
+              </a:rPr>
+              <a:t>解决批量LG系统的方法有哪两种？</a:t>
+            </a:r>
+          </a:p>
+          <a:p>
+            <a:r>
+              <a:rPr lang="en-US" altLang="zh-CN">
+                <a:sym typeface="+mn-ea"/>
+              </a:rPr>
+              <a:t>小插曲：二次型求导的分子布局和分母布局</a:t>
+            </a:r>
+          </a:p>
+          <a:p>
+            <a:r>
+              <a:rPr lang="en-US" altLang="zh-CN">
+                <a:sym typeface="+mn-ea"/>
+              </a:rPr>
+              <a:t>如何看待LG系统的MAP和贝叶斯推断的结果？</a:t>
+            </a:r>
+          </a:p>
+          <a:p>
+            <a:r>
+              <a:rPr lang="en-US" altLang="zh-CN">
+                <a:sym typeface="+mn-ea"/>
+              </a:rPr>
+              <a:t>对于系统的能观性，如何检索思考？</a:t>
+            </a:r>
+          </a:p>
+          <a:p>
+            <a:r>
+              <a:rPr lang="en-US" altLang="zh-CN">
+                <a:sym typeface="+mn-ea"/>
+              </a:rPr>
+              <a:t>MAP估计的协方差是什么？</a:t>
+            </a:r>
+          </a:p>
+          <a:p>
+            <a:r>
+              <a:rPr lang="en-US" altLang="zh-CN">
+                <a:sym typeface="+mn-ea"/>
+              </a:rPr>
+              <a:t>递归平滑算法的使命是什么？</a:t>
+            </a:r>
+          </a:p>
+          <a:p>
+            <a:r>
+              <a:rPr lang="en-US" altLang="zh-CN">
+                <a:sym typeface="+mn-ea"/>
+              </a:rPr>
+              <a:t>递归平滑算法的方法和步骤是怎样的？</a:t>
+            </a:r>
+          </a:p>
+          <a:p>
+            <a:r>
+              <a:rPr lang="en-US" altLang="zh-CN">
+                <a:sym typeface="+mn-ea"/>
+              </a:rPr>
+              <a:t>我一直说要背的卡尔曼增益三公式，是什么？</a:t>
+            </a:r>
+          </a:p>
+          <a:p>
+            <a:r>
+              <a:rPr lang="en-US" altLang="zh-CN">
+                <a:sym typeface="+mn-ea"/>
+              </a:rPr>
+              <a:t>如何理解卡尔曼</a:t>
+            </a:r>
+            <a:r>
+              <a:rPr lang="" altLang="en-US">
+                <a:sym typeface="+mn-ea"/>
+              </a:rPr>
+              <a:t>滤波</a:t>
+            </a:r>
+            <a:r>
+              <a:rPr lang="en-US" altLang="zh-CN">
+                <a:sym typeface="+mn-ea"/>
+              </a:rPr>
+              <a:t>的数学本质？</a:t>
+            </a:r>
+          </a:p>
+          <a:p>
+            <a:r>
+              <a:rPr lang="en-US" altLang="zh-CN">
+                <a:sym typeface="+mn-ea"/>
+              </a:rPr>
+              <a:t>卡尔曼增益后验均值和方差的更新是什么形式？</a:t>
+            </a:r>
+          </a:p>
+          <a:p>
+            <a:r>
+              <a:rPr lang="en-US" altLang="zh-CN">
+                <a:sym typeface="+mn-ea"/>
+              </a:rPr>
+              <a:t>不带卡尔曼增益K的卡尔曼滤波是什么形式？</a:t>
+            </a:r>
+          </a:p>
+          <a:p>
+            <a:r>
+              <a:rPr lang="en-US" altLang="zh-CN">
+                <a:sym typeface="+mn-ea"/>
+              </a:rPr>
+              <a:t>老问题：带卡尔曼增益的经典形式是什么？</a:t>
+            </a:r>
+          </a:p>
+          <a:p>
+            <a:r>
+              <a:rPr lang="en-US" altLang="zh-CN">
+                <a:sym typeface="+mn-ea"/>
+              </a:rPr>
+              <a:t>如何通过MAP来推导得出卡尔曼滤波？</a:t>
+            </a:r>
+          </a:p>
+          <a:p>
+            <a:r>
+              <a:rPr lang="en-US" altLang="zh-CN">
+                <a:sym typeface="+mn-ea"/>
+              </a:rPr>
+              <a:t>如何通过贝叶斯推断得到卡尔曼滤波？</a:t>
+            </a:r>
+            <a:endParaRPr lang="en-US" altLang="zh-CN"/>
+          </a:p>
+          <a:p>
+            <a:endParaRPr lang="en-US" altLang="zh-CN"/>
+          </a:p>
+          <a:p>
+            <a:endParaRPr lang="en-US" altLang="zh-CN"/>
+          </a:p>
+          <a:p>
+            <a:endParaRPr lang="en-US" altLang="zh-CN"/>
+          </a:p>
+          <a:p>
+            <a:endParaRPr lang="en-US" altLang="zh-CN"/>
+          </a:p>
+          <a:p>
+            <a:endParaRPr lang="en-US" altLang="zh-CN">
+              <a:sym typeface="+mn-ea"/>
+            </a:endParaRPr>
+          </a:p>
+          <a:p>
+            <a:endParaRPr lang="en-US" altLang="zh-CN"/>
+          </a:p>
+          <a:p>
+            <a:endParaRPr lang="en-US" altLang="zh-CN"/>
+          </a:p>
+          <a:p>
+            <a:endParaRPr lang="en-US" altLang="zh-CN"/>
+          </a:p>
+          <a:p>
+            <a:endParaRPr lang="en-US" altLang="zh-CN">
+              <a:sym typeface="+mn-ea"/>
+            </a:endParaRPr>
+          </a:p>
+          <a:p>
+            <a:endParaRPr lang="zh-CN" altLang="en-US"/>
+          </a:p>
+        </p:txBody>
+      </p:sp>
+    </p:spTree>
+  </p:cSld>
+  <p:clrMapOvr>
+    <a:masterClrMapping/>
+  </p:clrMapOvr>
+</p:sld>
+</file>
+
+<file path=ppt/slides/slide22.xml><?xml version="1.0" encoding="utf-8"?>
 <p:sld xmlns:a="http://schemas.openxmlformats.org/drawingml/2006/main" xmlns:r="http://schemas.openxmlformats.org/officeDocument/2006/relationships" xmlns:p="http://schemas.openxmlformats.org/presentationml/2006/main">
   <p:cSld>
     <p:spTree>
@@ -4563,118 +4718,6 @@
 </p:sld>
 </file>
 
-<file path=ppt/slides/slide22.xml><?xml version="1.0" encoding="utf-8"?>
-<p:sld xmlns:a="http://schemas.openxmlformats.org/drawingml/2006/main" xmlns:r="http://schemas.openxmlformats.org/officeDocument/2006/relationships" xmlns:p="http://schemas.openxmlformats.org/presentationml/2006/main">
-  <p:cSld>
-    <p:spTree>
-      <p:nvGrpSpPr>
-        <p:cNvPr id="1" name=""/>
-        <p:cNvGrpSpPr/>
-        <p:nvPr/>
-      </p:nvGrpSpPr>
-      <p:grpSpPr>
-        <a:xfrm>
-          <a:off x="0" y="0"/>
-          <a:ext cx="0" cy="0"/>
-          <a:chOff x="0" y="0"/>
-          <a:chExt cx="0" cy="0"/>
-        </a:xfrm>
-      </p:grpSpPr>
-      <p:sp>
-        <p:nvSpPr>
-          <p:cNvPr id="2" name="标题 1"/>
-          <p:cNvSpPr>
-            <a:spLocks noGrp="1"/>
-          </p:cNvSpPr>
-          <p:nvPr>
-            <p:ph type="title"/>
-          </p:nvPr>
-        </p:nvSpPr>
-        <p:spPr/>
-        <p:txBody>
-          <a:bodyPr/>
-          <a:lstStyle/>
-          <a:p>
-            <a:r>
-              <a:rPr lang="en-US" altLang="zh-CN"/>
-              <a:t>解决批量LG系统的方法有哪两种？</a:t>
-            </a:r>
-          </a:p>
-        </p:txBody>
-      </p:sp>
-      <p:sp>
-        <p:nvSpPr>
-          <p:cNvPr id="3" name="内容占位符 2"/>
-          <p:cNvSpPr>
-            <a:spLocks noGrp="1"/>
-          </p:cNvSpPr>
-          <p:nvPr>
-            <p:ph idx="1"/>
-          </p:nvPr>
-        </p:nvSpPr>
-        <p:spPr/>
-        <p:txBody>
-          <a:bodyPr/>
-          <a:lstStyle/>
-          <a:p>
-            <a:r>
-              <a:rPr lang="en-US" altLang="zh-CN"/>
-              <a:t>MAP - 最大后验估计</a:t>
-            </a:r>
-          </a:p>
-          <a:p>
-            <a:endParaRPr lang="en-US" altLang="zh-CN"/>
-          </a:p>
-          <a:p>
-            <a:pPr marL="0" indent="0">
-              <a:buNone/>
-            </a:pPr>
-            <a:r>
-              <a:rPr lang="en-US" altLang="en-US"/>
-              <a:t>手推一遍：</a:t>
-            </a:r>
-          </a:p>
-          <a:p>
-            <a:pPr marL="0" indent="0">
-              <a:buNone/>
-            </a:pPr>
-            <a:r>
-              <a:rPr lang="en-US" altLang="en-US"/>
-              <a:t>问题建模→贝叶斯换序→因式分解→高斯分布→提升形式</a:t>
-            </a:r>
-            <a:endParaRPr lang="en-US" altLang="zh-CN"/>
-          </a:p>
-          <a:p>
-            <a:endParaRPr lang="en-US" altLang="zh-CN"/>
-          </a:p>
-          <a:p>
-            <a:r>
-              <a:rPr lang="en-US" altLang="zh-CN"/>
-              <a:t>贝叶斯推断 - 高斯推断</a:t>
-            </a:r>
-          </a:p>
-          <a:p>
-            <a:endParaRPr lang="en-US" altLang="zh-CN"/>
-          </a:p>
-          <a:p>
-            <a:pPr marL="0" indent="0">
-              <a:buNone/>
-            </a:pPr>
-            <a:r>
-              <a:rPr lang="en-US" altLang="en-US"/>
-              <a:t>预测和观测分别提升形式→写出联合分布</a:t>
-            </a:r>
-          </a:p>
-        </p:txBody>
-      </p:sp>
-    </p:spTree>
-  </p:cSld>
-  <p:clrMapOvr>
-    <a:masterClrMapping/>
-  </p:clrMapOvr>
-</p:sld>
-</file>
-
 <file path=ppt/slides/slide23.xml><?xml version="1.0" encoding="utf-8"?>
 <p:sld xmlns:a="http://schemas.openxmlformats.org/drawingml/2006/main" xmlns:r="http://schemas.openxmlformats.org/officeDocument/2006/relationships" xmlns:p="http://schemas.openxmlformats.org/presentationml/2006/main">
   <p:cSld>
@@ -4704,14 +4747,12 @@
         </p:nvSpPr>
         <p:spPr/>
         <p:txBody>
-          <a:bodyPr>
-            <a:normAutofit/>
-          </a:bodyPr>
-          <a:lstStyle/>
-          <a:p>
-            <a:r>
-              <a:rPr lang="en-US" altLang="zh-CN"/>
-              <a:t>小插曲：二次型求导的分子布局和分母布局</a:t>
+          <a:bodyPr/>
+          <a:lstStyle/>
+          <a:p>
+            <a:r>
+              <a:rPr lang="en-US" altLang="zh-CN"/>
+              <a:t>解决批量LG系统的方法有哪两种？</a:t>
             </a:r>
           </a:p>
         </p:txBody>
@@ -4730,52 +4771,53 @@
         <p:txBody>
           <a:bodyPr/>
           <a:lstStyle/>
+          <a:p>
+            <a:r>
+              <a:rPr lang="en-US" altLang="zh-CN"/>
+              <a:t>MAP - 最大后验估计</a:t>
+            </a:r>
+          </a:p>
+          <a:p>
+            <a:endParaRPr lang="en-US" altLang="zh-CN"/>
+          </a:p>
           <a:p>
             <a:pPr marL="0" indent="0">
               <a:buNone/>
             </a:pPr>
             <a:r>
-              <a:rPr lang="en-US" altLang="x-none"/>
-              <a:t>可以在知乎搜索“二次型求导”</a:t>
+              <a:rPr lang="en-US" altLang="en-US"/>
+              <a:t>手推一遍：</a:t>
             </a:r>
           </a:p>
           <a:p>
             <a:pPr marL="0" indent="0">
               <a:buNone/>
             </a:pPr>
-            <a:endParaRPr lang="en-US" altLang="x-none"/>
+            <a:r>
+              <a:rPr lang="en-US" altLang="en-US"/>
+              <a:t>问题建模→贝叶斯换序→因式分解→高斯分布→提升形式</a:t>
+            </a:r>
+            <a:endParaRPr lang="en-US" altLang="zh-CN"/>
+          </a:p>
+          <a:p>
+            <a:endParaRPr lang="en-US" altLang="zh-CN"/>
+          </a:p>
+          <a:p>
+            <a:r>
+              <a:rPr lang="en-US" altLang="zh-CN"/>
+              <a:t>贝叶斯推断 - 高斯推断</a:t>
+            </a:r>
+          </a:p>
+          <a:p>
+            <a:endParaRPr lang="en-US" altLang="zh-CN"/>
           </a:p>
           <a:p>
             <a:pPr marL="0" indent="0">
               <a:buNone/>
             </a:pPr>
             <a:r>
-              <a:rPr lang="en-US" altLang="x-none"/>
-              <a:t>也可以去wiki上查</a:t>
-            </a:r>
-          </a:p>
-          <a:p>
-            <a:pPr marL="0" indent="0">
-              <a:buNone/>
-            </a:pPr>
-            <a:endParaRPr lang="en-US" altLang="x-none"/>
-          </a:p>
-          <a:p>
-            <a:pPr marL="0" indent="0">
-              <a:buNone/>
-            </a:pPr>
-            <a:r>
-              <a:rPr lang="en-US" altLang="x-none"/>
-              <a:t>注意求导有两种定义方式：就是分子布局和分母布局。</a:t>
-            </a:r>
-          </a:p>
-          <a:p>
-            <a:pPr marL="0" indent="0">
-              <a:buNone/>
-            </a:pPr>
-            <a:r>
-              <a:rPr lang="en-US" altLang="x-none"/>
-              <a:t>我们常用的雅克比形式是分子布局。</a:t>
+              <a:rPr lang="en-US" altLang="en-US"/>
+              <a:t>预测和观测分别提升形式→写出联合分布</a:t>
             </a:r>
           </a:p>
         </p:txBody>
@@ -4807,7 +4849,13 @@
       </p:grpSpPr>
       <p:sp>
         <p:nvSpPr>
-          <p:cNvPr id="2" name="标题 1"/>
+          <p:cNvPr id="2" name="标题 1">
+            <a:extLst>
+              <a:ext uri="{FF2B5EF4-FFF2-40B4-BE49-F238E27FC236}">
+                <a16:creationId xmlns:a16="http://schemas.microsoft.com/office/drawing/2014/main" id="{708BA5A2-4712-4991-BB62-48C4497EE594}"/>
+              </a:ext>
+            </a:extLst>
+          </p:cNvPr>
           <p:cNvSpPr>
             <a:spLocks noGrp="1"/>
           </p:cNvSpPr>
@@ -4817,21 +4865,25 @@
         </p:nvSpPr>
         <p:spPr/>
         <p:txBody>
-          <a:bodyPr>
-            <a:normAutofit/>
-          </a:bodyPr>
-          <a:lstStyle/>
-          <a:p>
-            <a:r>
-              <a:rPr lang="en-US" altLang="zh-CN"/>
-              <a:t>如何看待LG系统的MAP和贝叶斯推断的结果？</a:t>
-            </a:r>
-          </a:p>
-        </p:txBody>
-      </p:sp>
-      <p:sp>
-        <p:nvSpPr>
-          <p:cNvPr id="3" name="内容占位符 2"/>
+          <a:bodyPr/>
+          <a:lstStyle/>
+          <a:p>
+            <a:r>
+              <a:rPr lang="zh-CN" altLang="en-US"/>
+              <a:t>小插曲：贝叶斯公式有什么心得？</a:t>
+            </a:r>
+          </a:p>
+        </p:txBody>
+      </p:sp>
+      <p:sp>
+        <p:nvSpPr>
+          <p:cNvPr id="3" name="内容占位符 2">
+            <a:extLst>
+              <a:ext uri="{FF2B5EF4-FFF2-40B4-BE49-F238E27FC236}">
+                <a16:creationId xmlns:a16="http://schemas.microsoft.com/office/drawing/2014/main" id="{94EC70E7-651C-40EF-80FE-E3EAE5263C2E}"/>
+              </a:ext>
+            </a:extLst>
+          </p:cNvPr>
           <p:cNvSpPr>
             <a:spLocks noGrp="1"/>
           </p:cNvSpPr>
@@ -4845,25 +4897,101 @@
           <a:lstStyle/>
           <a:p>
             <a:r>
-              <a:rPr lang="en-US" altLang="zh-CN"/>
-              <a:t>MAP得到的是最可能的点估计，贝叶斯推断得到的是均值</a:t>
-            </a:r>
-          </a:p>
-          <a:p>
-            <a:r>
-              <a:rPr lang="en-US" altLang="zh-CN"/>
-              <a:t>在LG系统下两者相等</a:t>
-            </a:r>
-          </a:p>
-          <a:p>
-            <a:r>
-              <a:rPr lang="en-US" altLang="zh-CN"/>
-              <a:t>贝叶斯推断得到了估计的协方差</a:t>
+              <a:rPr lang="zh-CN" altLang="en-US"/>
+              <a:t>贝叶斯公式用来换序：交换“</a:t>
+            </a:r>
+            <a:r>
+              <a:rPr lang="en-US" altLang="zh-CN"/>
+              <a:t>|</a:t>
+            </a:r>
+            <a:r>
+              <a:rPr lang="zh-CN" altLang="en-US"/>
+              <a:t>”两边的变量</a:t>
+            </a:r>
+            <a:endParaRPr lang="en-US" altLang="zh-CN"/>
+          </a:p>
+          <a:p>
+            <a:r>
+              <a:rPr lang="zh-CN" altLang="en-US"/>
+              <a:t>如果除了要交换的量，还有其它量，则可以先把其他量删掉，后面再补上。</a:t>
+            </a:r>
+            <a:endParaRPr lang="en-US" altLang="zh-CN"/>
+          </a:p>
+          <a:p>
+            <a:r>
+              <a:rPr lang="zh-CN" altLang="en-US"/>
+              <a:t>例如，对于</a:t>
+            </a:r>
+            <a:r>
+              <a:rPr lang="en-US" altLang="zh-CN"/>
+              <a:t>p(x|v,y)</a:t>
+            </a:r>
+            <a:r>
+              <a:rPr lang="zh-CN" altLang="en-US"/>
+              <a:t>，我们要交换</a:t>
+            </a:r>
+            <a:r>
+              <a:rPr lang="en-US" altLang="zh-CN"/>
+              <a:t>x</a:t>
+            </a:r>
+            <a:r>
+              <a:rPr lang="zh-CN" altLang="en-US"/>
+              <a:t>和</a:t>
+            </a:r>
+            <a:r>
+              <a:rPr lang="en-US" altLang="zh-CN"/>
+              <a:t>y</a:t>
+            </a:r>
+            <a:r>
+              <a:rPr lang="zh-CN" altLang="en-US"/>
+              <a:t>的顺序，则可以先把</a:t>
+            </a:r>
+            <a:r>
+              <a:rPr lang="en-US" altLang="zh-CN"/>
+              <a:t>v</a:t>
+            </a:r>
+            <a:r>
+              <a:rPr lang="zh-CN" altLang="en-US"/>
+              <a:t>忽略掉：</a:t>
+            </a:r>
+            <a:br>
+              <a:rPr lang="en-US" altLang="zh-CN"/>
+            </a:br>
+            <a:r>
+              <a:rPr lang="en-US" altLang="zh-CN"/>
+              <a:t>p(x|y) = p(y|x)·p(x) / p(y)</a:t>
+            </a:r>
+            <a:br>
+              <a:rPr lang="en-US" altLang="zh-CN"/>
+            </a:br>
+            <a:r>
+              <a:rPr lang="zh-CN" altLang="en-US"/>
+              <a:t>然后把</a:t>
+            </a:r>
+            <a:r>
+              <a:rPr lang="en-US" altLang="zh-CN"/>
+              <a:t>v</a:t>
+            </a:r>
+            <a:r>
+              <a:rPr lang="zh-CN" altLang="en-US"/>
+              <a:t>补上：</a:t>
+            </a:r>
+            <a:br>
+              <a:rPr lang="en-US" altLang="zh-CN"/>
+            </a:br>
+            <a:r>
+              <a:rPr lang="en-US" altLang="zh-CN"/>
+              <a:t>p(x|v,y) = p(y|x,v)·p(x|v) / p(y|v) = η·p(y|x)·p(x|v)</a:t>
             </a:r>
           </a:p>
         </p:txBody>
       </p:sp>
     </p:spTree>
+    <p:extLst>
+      <p:ext uri="{BB962C8B-B14F-4D97-AF65-F5344CB8AC3E}">
+        <p14:creationId xmlns:p14="http://schemas.microsoft.com/office/powerpoint/2010/main" val="935830172"/>
+      </p:ext>
+    </p:extLst>
   </p:cSld>
   <p:clrMapOvr>
     <a:masterClrMapping/>
@@ -4890,7 +5018,13 @@
       </p:grpSpPr>
       <p:sp>
         <p:nvSpPr>
-          <p:cNvPr id="2" name="标题 1"/>
+          <p:cNvPr id="2" name="标题 1">
+            <a:extLst>
+              <a:ext uri="{FF2B5EF4-FFF2-40B4-BE49-F238E27FC236}">
+                <a16:creationId xmlns:a16="http://schemas.microsoft.com/office/drawing/2014/main" id="{B317EF74-BDC4-4CEF-AA08-2751522FFFA3}"/>
+              </a:ext>
+            </a:extLst>
+          </p:cNvPr>
           <p:cNvSpPr>
             <a:spLocks noGrp="1"/>
           </p:cNvSpPr>
@@ -4904,15 +5038,37 @@
           <a:lstStyle/>
           <a:p>
             <a:r>
-              <a:rPr lang="en-US" altLang="zh-CN"/>
-              <a:t>对于系统的能观性，如何检索思考？</a:t>
-            </a:r>
-          </a:p>
-        </p:txBody>
-      </p:sp>
-      <p:sp>
-        <p:nvSpPr>
-          <p:cNvPr id="3" name="内容占位符 2"/>
+              <a:rPr lang="zh-CN" altLang="en-US"/>
+              <a:t>小插曲：</a:t>
+            </a:r>
+            <a:r>
+              <a:rPr lang="en-US" altLang="zh-CN"/>
+              <a:t>p(x|v)</a:t>
+            </a:r>
+            <a:r>
+              <a:rPr lang="zh-CN" altLang="en-US"/>
+              <a:t>和</a:t>
+            </a:r>
+            <a:r>
+              <a:rPr lang="en-US" altLang="zh-CN"/>
+              <a:t>p(y|x)</a:t>
+            </a:r>
+            <a:r>
+              <a:rPr lang="zh-CN" altLang="en-US"/>
+              <a:t>的因式分解，你真的看懂了吗？</a:t>
+            </a:r>
+          </a:p>
+        </p:txBody>
+      </p:sp>
+      <p:sp>
+        <p:nvSpPr>
+          <p:cNvPr id="3" name="内容占位符 2">
+            <a:extLst>
+              <a:ext uri="{FF2B5EF4-FFF2-40B4-BE49-F238E27FC236}">
+                <a16:creationId xmlns:a16="http://schemas.microsoft.com/office/drawing/2014/main" id="{D7587CBC-16D1-40E8-9194-73CFF9789FF7}"/>
+              </a:ext>
+            </a:extLst>
+          </p:cNvPr>
           <p:cNvSpPr>
             <a:spLocks noGrp="1"/>
           </p:cNvSpPr>
@@ -4925,47 +5081,501 @@
           <a:bodyPr/>
           <a:lstStyle/>
           <a:p>
+            <a:r>
+              <a:rPr lang="zh-CN" altLang="en-US"/>
+              <a:t>尤其是</a:t>
+            </a:r>
+            <a:r>
+              <a:rPr lang="en-US" altLang="zh-CN"/>
+              <a:t>p(x|v)</a:t>
+            </a:r>
+            <a:r>
+              <a:rPr lang="zh-CN" altLang="en-US"/>
+              <a:t>，这个建议先忽略条件</a:t>
+            </a:r>
+            <a:r>
+              <a:rPr lang="en-US" altLang="zh-CN"/>
+              <a:t>v</a:t>
+            </a:r>
+            <a:r>
+              <a:rPr lang="zh-CN" altLang="en-US"/>
+              <a:t>，然后</a:t>
+            </a:r>
+            <a:r>
+              <a:rPr lang="en-US" altLang="zh-CN"/>
+              <a:t>p(x)</a:t>
+            </a:r>
+            <a:r>
+              <a:rPr lang="zh-CN" altLang="en-US"/>
+              <a:t>实际是一个联合分布，写成条件</a:t>
+            </a:r>
+            <a:r>
+              <a:rPr lang="en-US" altLang="zh-CN"/>
+              <a:t>*</a:t>
+            </a:r>
+            <a:r>
+              <a:rPr lang="zh-CN" altLang="en-US"/>
+              <a:t>边缘，则柳暗花明了！</a:t>
+            </a:r>
+          </a:p>
+        </p:txBody>
+      </p:sp>
+    </p:spTree>
+    <p:extLst>
+      <p:ext uri="{BB962C8B-B14F-4D97-AF65-F5344CB8AC3E}">
+        <p14:creationId xmlns:p14="http://schemas.microsoft.com/office/powerpoint/2010/main" val="143120658"/>
+      </p:ext>
+    </p:extLst>
+  </p:cSld>
+  <p:clrMapOvr>
+    <a:masterClrMapping/>
+  </p:clrMapOvr>
+</p:sld>
+</file>
+
+<file path=ppt/slides/slide26.xml><?xml version="1.0" encoding="utf-8"?>
+<p:sld xmlns:a="http://schemas.openxmlformats.org/drawingml/2006/main" xmlns:r="http://schemas.openxmlformats.org/officeDocument/2006/relationships" xmlns:p="http://schemas.openxmlformats.org/presentationml/2006/main">
+  <p:cSld>
+    <p:spTree>
+      <p:nvGrpSpPr>
+        <p:cNvPr id="1" name=""/>
+        <p:cNvGrpSpPr/>
+        <p:nvPr/>
+      </p:nvGrpSpPr>
+      <p:grpSpPr>
+        <a:xfrm>
+          <a:off x="0" y="0"/>
+          <a:ext cx="0" cy="0"/>
+          <a:chOff x="0" y="0"/>
+          <a:chExt cx="0" cy="0"/>
+        </a:xfrm>
+      </p:grpSpPr>
+      <p:sp>
+        <p:nvSpPr>
+          <p:cNvPr id="2" name="标题 1">
+            <a:extLst>
+              <a:ext uri="{FF2B5EF4-FFF2-40B4-BE49-F238E27FC236}">
+                <a16:creationId xmlns:a16="http://schemas.microsoft.com/office/drawing/2014/main" id="{2F7196E7-9324-496D-B705-58F5AAF7BBB8}"/>
+              </a:ext>
+            </a:extLst>
+          </p:cNvPr>
+          <p:cNvSpPr>
+            <a:spLocks noGrp="1"/>
+          </p:cNvSpPr>
+          <p:nvPr>
+            <p:ph type="title"/>
+          </p:nvPr>
+        </p:nvSpPr>
+        <p:spPr/>
+        <p:txBody>
+          <a:bodyPr/>
+          <a:lstStyle/>
+          <a:p>
+            <a:r>
+              <a:rPr lang="zh-CN" altLang="en-US"/>
+              <a:t>小插曲：一群高斯分布的乘积的最大值，用什么思路求解？</a:t>
+            </a:r>
+          </a:p>
+        </p:txBody>
+      </p:sp>
+      <p:sp>
+        <p:nvSpPr>
+          <p:cNvPr id="3" name="内容占位符 2">
+            <a:extLst>
+              <a:ext uri="{FF2B5EF4-FFF2-40B4-BE49-F238E27FC236}">
+                <a16:creationId xmlns:a16="http://schemas.microsoft.com/office/drawing/2014/main" id="{452C0617-631E-4B19-8F82-1804573BFCD9}"/>
+              </a:ext>
+            </a:extLst>
+          </p:cNvPr>
+          <p:cNvSpPr>
+            <a:spLocks noGrp="1"/>
+          </p:cNvSpPr>
+          <p:nvPr>
+            <p:ph idx="1"/>
+          </p:nvPr>
+        </p:nvSpPr>
+        <p:spPr/>
+        <p:txBody>
+          <a:bodyPr/>
+          <a:lstStyle/>
+          <a:p>
+            <a:r>
+              <a:rPr lang="zh-CN" altLang="en-US"/>
+              <a:t>看到高斯分布的累乘，则直接取对数，变成累加。前面的常数项忽略，最后就变成一群马氏距离和的最小值</a:t>
+            </a:r>
+            <a:endParaRPr lang="en-US" altLang="zh-CN"/>
+          </a:p>
+          <a:p>
+            <a:endParaRPr lang="en-US" altLang="zh-CN"/>
+          </a:p>
+          <a:p>
+            <a:r>
+              <a:rPr lang="zh-CN" altLang="en-US"/>
+              <a:t>马氏距离其实是一个二范数，和的最小值可不就是最小二乘了么</a:t>
+            </a:r>
+          </a:p>
+        </p:txBody>
+      </p:sp>
+    </p:spTree>
+    <p:extLst>
+      <p:ext uri="{BB962C8B-B14F-4D97-AF65-F5344CB8AC3E}">
+        <p14:creationId xmlns:p14="http://schemas.microsoft.com/office/powerpoint/2010/main" val="1781091590"/>
+      </p:ext>
+    </p:extLst>
+  </p:cSld>
+  <p:clrMapOvr>
+    <a:masterClrMapping/>
+  </p:clrMapOvr>
+</p:sld>
+</file>
+
+<file path=ppt/slides/slide27.xml><?xml version="1.0" encoding="utf-8"?>
+<p:sld xmlns:a="http://schemas.openxmlformats.org/drawingml/2006/main" xmlns:r="http://schemas.openxmlformats.org/officeDocument/2006/relationships" xmlns:p="http://schemas.openxmlformats.org/presentationml/2006/main">
+  <p:cSld>
+    <p:spTree>
+      <p:nvGrpSpPr>
+        <p:cNvPr id="1" name=""/>
+        <p:cNvGrpSpPr/>
+        <p:nvPr/>
+      </p:nvGrpSpPr>
+      <p:grpSpPr>
+        <a:xfrm>
+          <a:off x="0" y="0"/>
+          <a:ext cx="0" cy="0"/>
+          <a:chOff x="0" y="0"/>
+          <a:chExt cx="0" cy="0"/>
+        </a:xfrm>
+      </p:grpSpPr>
+      <p:sp>
+        <p:nvSpPr>
+          <p:cNvPr id="2" name="标题 1">
+            <a:extLst>
+              <a:ext uri="{FF2B5EF4-FFF2-40B4-BE49-F238E27FC236}">
+                <a16:creationId xmlns:a16="http://schemas.microsoft.com/office/drawing/2014/main" id="{21E036C3-CAFF-4EF5-B610-A99F0865C4E4}"/>
+              </a:ext>
+            </a:extLst>
+          </p:cNvPr>
+          <p:cNvSpPr>
+            <a:spLocks noGrp="1"/>
+          </p:cNvSpPr>
+          <p:nvPr>
+            <p:ph type="title"/>
+          </p:nvPr>
+        </p:nvSpPr>
+        <p:spPr/>
+        <p:txBody>
+          <a:bodyPr/>
+          <a:lstStyle/>
+          <a:p>
+            <a:r>
+              <a:rPr lang="zh-CN" altLang="en-US"/>
+              <a:t>小插曲：写成提升形式，有哪些心得？</a:t>
+            </a:r>
+          </a:p>
+        </p:txBody>
+      </p:sp>
+      <p:sp>
+        <p:nvSpPr>
+          <p:cNvPr id="3" name="内容占位符 2">
+            <a:extLst>
+              <a:ext uri="{FF2B5EF4-FFF2-40B4-BE49-F238E27FC236}">
+                <a16:creationId xmlns:a16="http://schemas.microsoft.com/office/drawing/2014/main" id="{2531BA59-300D-4BC8-B8F5-0497E6A03F1A}"/>
+              </a:ext>
+            </a:extLst>
+          </p:cNvPr>
+          <p:cNvSpPr>
+            <a:spLocks noGrp="1"/>
+          </p:cNvSpPr>
+          <p:nvPr>
+            <p:ph idx="1"/>
+          </p:nvPr>
+        </p:nvSpPr>
+        <p:spPr/>
+        <p:txBody>
+          <a:bodyPr/>
+          <a:lstStyle/>
+          <a:p>
+            <a:r>
+              <a:rPr lang="zh-CN" altLang="en-US"/>
+              <a:t>累加形式和提升形式是可以相互转化的</a:t>
+            </a:r>
+            <a:endParaRPr lang="en-US" altLang="zh-CN"/>
+          </a:p>
+          <a:p>
+            <a:r>
+              <a:rPr lang="zh-CN" altLang="en-US"/>
+              <a:t>累加形式比较符合数学直观，提升形式则有一定的抽象性</a:t>
+            </a:r>
+            <a:endParaRPr lang="en-US" altLang="zh-CN"/>
+          </a:p>
+          <a:p>
+            <a:r>
+              <a:rPr lang="zh-CN" altLang="en-US"/>
+              <a:t>提升形式就是</a:t>
+            </a:r>
+            <a:r>
+              <a:rPr lang="en-US" altLang="zh-CN"/>
+              <a:t>(z-Hx)</a:t>
+            </a:r>
+            <a:r>
+              <a:rPr lang="en-US" altLang="zh-CN" baseline="30000"/>
+              <a:t>T</a:t>
+            </a:r>
+            <a:r>
+              <a:rPr lang="en-US" altLang="zh-CN"/>
+              <a:t>W</a:t>
+            </a:r>
+            <a:r>
+              <a:rPr lang="en-US" altLang="zh-CN" baseline="30000"/>
+              <a:t>-1</a:t>
+            </a:r>
+            <a:r>
+              <a:rPr lang="en-US" altLang="zh-CN"/>
+              <a:t>(z-Hx)</a:t>
+            </a:r>
+            <a:r>
+              <a:rPr lang="zh-CN" altLang="en-US"/>
+              <a:t>。有以下几个要点：</a:t>
+            </a:r>
+            <a:endParaRPr lang="en-US" altLang="zh-CN"/>
+          </a:p>
+          <a:p>
             <a:pPr marL="514350" indent="-514350">
+              <a:buFont typeface="+mj-lt"/>
               <a:buAutoNum type="arabicPeriod"/>
             </a:pPr>
             <a:r>
-              <a:rPr lang="en-US" altLang="zh-CN"/>
-              <a:t>如何用大白话说出能观性的含义？——能否通过观测变量唯一地确定系统状态</a:t>
-            </a:r>
+              <a:rPr lang="zh-CN" altLang="en-US"/>
+              <a:t>就是要写出</a:t>
+            </a:r>
+            <a:r>
+              <a:rPr lang="en-US" altLang="zh-CN"/>
+              <a:t>z</a:t>
+            </a:r>
+            <a:r>
+              <a:rPr lang="zh-CN" altLang="en-US"/>
+              <a:t>、</a:t>
+            </a:r>
+            <a:r>
+              <a:rPr lang="en-US" altLang="zh-CN"/>
+              <a:t>H</a:t>
+            </a:r>
+            <a:r>
+              <a:rPr lang="zh-CN" altLang="en-US"/>
+              <a:t>、</a:t>
+            </a:r>
+            <a:r>
+              <a:rPr lang="en-US" altLang="zh-CN"/>
+              <a:t>x</a:t>
+            </a:r>
+            <a:r>
+              <a:rPr lang="zh-CN" altLang="en-US"/>
+              <a:t>、</a:t>
+            </a:r>
+            <a:r>
+              <a:rPr lang="en-US" altLang="zh-CN"/>
+              <a:t>W</a:t>
+            </a:r>
+            <a:r>
+              <a:rPr lang="zh-CN" altLang="en-US"/>
+              <a:t>而已</a:t>
+            </a:r>
+            <a:endParaRPr lang="en-US" altLang="zh-CN"/>
           </a:p>
           <a:p>
             <a:pPr marL="514350" indent="-514350">
+              <a:buFont typeface="+mj-lt"/>
               <a:buAutoNum type="arabicPeriod"/>
             </a:pPr>
             <a:r>
-              <a:rPr lang="en-US" altLang="zh-CN"/>
-              <a:t>如何用公式推导能观性的条件？——最后rank(H</a:t>
-            </a:r>
-            <a:r>
-              <a:rPr lang="en-US" altLang="zh-CN" baseline="30000"/>
-              <a:t>T</a:t>
-            </a:r>
-            <a:r>
-              <a:rPr lang="en-US" altLang="zh-CN"/>
-              <a:t>) = N(K+1)</a:t>
-            </a:r>
-          </a:p>
-          <a:p>
-            <a:pPr marL="514350" indent="-514350">
-              <a:buAutoNum type="arabicPeriod"/>
+              <a:rPr lang="zh-CN" altLang="en-US"/>
+              <a:t>残差里面怎样区分预测和观测？很简单，与状态量</a:t>
+            </a:r>
+            <a:r>
+              <a:rPr lang="en-US" altLang="zh-CN"/>
+              <a:t>x</a:t>
+            </a:r>
+            <a:r>
+              <a:rPr lang="zh-CN" altLang="en-US"/>
+              <a:t>无关的项就是观测，有关的就是预测。</a:t>
+            </a:r>
+          </a:p>
+        </p:txBody>
+      </p:sp>
+    </p:spTree>
+    <p:extLst>
+      <p:ext uri="{BB962C8B-B14F-4D97-AF65-F5344CB8AC3E}">
+        <p14:creationId xmlns:p14="http://schemas.microsoft.com/office/powerpoint/2010/main" val="49592001"/>
+      </p:ext>
+    </p:extLst>
+  </p:cSld>
+  <p:clrMapOvr>
+    <a:masterClrMapping/>
+  </p:clrMapOvr>
+</p:sld>
+</file>
+
+<file path=ppt/slides/slide28.xml><?xml version="1.0" encoding="utf-8"?>
+<p:sld xmlns:a="http://schemas.openxmlformats.org/drawingml/2006/main" xmlns:r="http://schemas.openxmlformats.org/officeDocument/2006/relationships" xmlns:p="http://schemas.openxmlformats.org/presentationml/2006/main">
+  <p:cSld>
+    <p:spTree>
+      <p:nvGrpSpPr>
+        <p:cNvPr id="1" name=""/>
+        <p:cNvGrpSpPr/>
+        <p:nvPr/>
+      </p:nvGrpSpPr>
+      <p:grpSpPr>
+        <a:xfrm>
+          <a:off x="0" y="0"/>
+          <a:ext cx="0" cy="0"/>
+          <a:chOff x="0" y="0"/>
+          <a:chExt cx="0" cy="0"/>
+        </a:xfrm>
+      </p:grpSpPr>
+      <p:pic>
+        <p:nvPicPr>
+          <p:cNvPr id="5" name="图片 4">
+            <a:extLst>
+              <a:ext uri="{FF2B5EF4-FFF2-40B4-BE49-F238E27FC236}">
+                <a16:creationId xmlns:a16="http://schemas.microsoft.com/office/drawing/2014/main" id="{0618F166-F501-4538-A68F-F5E32D42A2DF}"/>
+              </a:ext>
+            </a:extLst>
+          </p:cNvPr>
+          <p:cNvPicPr>
+            <a:picLocks noChangeAspect="1"/>
+          </p:cNvPicPr>
+          <p:nvPr/>
+        </p:nvPicPr>
+        <p:blipFill>
+          <a:blip r:embed="rId2"/>
+          <a:stretch>
+            <a:fillRect/>
+          </a:stretch>
+        </p:blipFill>
+        <p:spPr>
+          <a:xfrm>
+            <a:off x="0" y="1247472"/>
+            <a:ext cx="12192000" cy="4363055"/>
+          </a:xfrm>
+          <a:prstGeom prst="rect">
+            <a:avLst/>
+          </a:prstGeom>
+        </p:spPr>
+      </p:pic>
+    </p:spTree>
+    <p:extLst>
+      <p:ext uri="{BB962C8B-B14F-4D97-AF65-F5344CB8AC3E}">
+        <p14:creationId xmlns:p14="http://schemas.microsoft.com/office/powerpoint/2010/main" val="4182760855"/>
+      </p:ext>
+    </p:extLst>
+  </p:cSld>
+  <p:clrMapOvr>
+    <a:masterClrMapping/>
+  </p:clrMapOvr>
+</p:sld>
+</file>
+
+<file path=ppt/slides/slide29.xml><?xml version="1.0" encoding="utf-8"?>
+<p:sld xmlns:a="http://schemas.openxmlformats.org/drawingml/2006/main" xmlns:r="http://schemas.openxmlformats.org/officeDocument/2006/relationships" xmlns:p="http://schemas.openxmlformats.org/presentationml/2006/main">
+  <p:cSld>
+    <p:spTree>
+      <p:nvGrpSpPr>
+        <p:cNvPr id="1" name=""/>
+        <p:cNvGrpSpPr/>
+        <p:nvPr/>
+      </p:nvGrpSpPr>
+      <p:grpSpPr>
+        <a:xfrm>
+          <a:off x="0" y="0"/>
+          <a:ext cx="0" cy="0"/>
+          <a:chOff x="0" y="0"/>
+          <a:chExt cx="0" cy="0"/>
+        </a:xfrm>
+      </p:grpSpPr>
+      <p:sp>
+        <p:nvSpPr>
+          <p:cNvPr id="2" name="标题 1"/>
+          <p:cNvSpPr>
+            <a:spLocks noGrp="1"/>
+          </p:cNvSpPr>
+          <p:nvPr>
+            <p:ph type="title"/>
+          </p:nvPr>
+        </p:nvSpPr>
+        <p:spPr/>
+        <p:txBody>
+          <a:bodyPr>
+            <a:normAutofit/>
+          </a:bodyPr>
+          <a:lstStyle/>
+          <a:p>
+            <a:r>
+              <a:rPr lang="en-US" altLang="zh-CN"/>
+              <a:t>小插曲：二次型求导的分子布局和分母布局</a:t>
+            </a:r>
+          </a:p>
+        </p:txBody>
+      </p:sp>
+      <p:sp>
+        <p:nvSpPr>
+          <p:cNvPr id="3" name="内容占位符 2"/>
+          <p:cNvSpPr>
+            <a:spLocks noGrp="1"/>
+          </p:cNvSpPr>
+          <p:nvPr>
+            <p:ph idx="1"/>
+          </p:nvPr>
+        </p:nvSpPr>
+        <p:spPr/>
+        <p:txBody>
+          <a:bodyPr/>
+          <a:lstStyle/>
+          <a:p>
+            <a:pPr marL="0" indent="0">
+              <a:buNone/>
             </a:pPr>
             <a:r>
-              <a:rPr lang="en-US" altLang="zh-CN"/>
-              <a:t>如果有先验，是什么情形？</a:t>
-            </a:r>
-          </a:p>
-          <a:p>
-            <a:pPr marL="514350" indent="-514350">
-              <a:buAutoNum type="arabicPeriod"/>
+              <a:rPr lang="en-US" altLang="x-none"/>
+              <a:t>可以在知乎搜索“二次型求导”</a:t>
+            </a:r>
+          </a:p>
+          <a:p>
+            <a:pPr marL="0" indent="0">
+              <a:buNone/>
             </a:pPr>
-            <a:r>
-              <a:rPr lang="en-US" altLang="zh-CN"/>
-              <a:t>如果没有先验，又会是什么情形？</a:t>
+            <a:endParaRPr lang="en-US" altLang="x-none"/>
+          </a:p>
+          <a:p>
+            <a:pPr marL="0" indent="0">
+              <a:buNone/>
+            </a:pPr>
+            <a:r>
+              <a:rPr lang="en-US" altLang="x-none"/>
+              <a:t>也可以去wiki上查</a:t>
+            </a:r>
+          </a:p>
+          <a:p>
+            <a:pPr marL="0" indent="0">
+              <a:buNone/>
+            </a:pPr>
+            <a:endParaRPr lang="en-US" altLang="x-none"/>
+          </a:p>
+          <a:p>
+            <a:pPr marL="0" indent="0">
+              <a:buNone/>
+            </a:pPr>
+            <a:r>
+              <a:rPr lang="en-US" altLang="x-none"/>
+              <a:t>注意求导有两种定义方式：就是分子布局和分母布局。</a:t>
+            </a:r>
+          </a:p>
+          <a:p>
+            <a:pPr marL="0" indent="0">
+              <a:buNone/>
+            </a:pPr>
+            <a:r>
+              <a:rPr lang="en-US" altLang="x-none"/>
+              <a:t>我们常用的雅克比形式是分子布局。</a:t>
             </a:r>
           </a:p>
         </p:txBody>
@@ -4978,7 +5588,366 @@
 </p:sld>
 </file>
 
-<file path=ppt/slides/slide26.xml><?xml version="1.0" encoding="utf-8"?>
+<file path=ppt/slides/slide3.xml><?xml version="1.0" encoding="utf-8"?>
+<p:sld xmlns:a="http://schemas.openxmlformats.org/drawingml/2006/main" xmlns:r="http://schemas.openxmlformats.org/officeDocument/2006/relationships" xmlns:p="http://schemas.openxmlformats.org/presentationml/2006/main">
+  <p:cSld>
+    <p:spTree>
+      <p:nvGrpSpPr>
+        <p:cNvPr id="1" name=""/>
+        <p:cNvGrpSpPr/>
+        <p:nvPr/>
+      </p:nvGrpSpPr>
+      <p:grpSpPr>
+        <a:xfrm>
+          <a:off x="0" y="0"/>
+          <a:ext cx="0" cy="0"/>
+          <a:chOff x="0" y="0"/>
+          <a:chExt cx="0" cy="0"/>
+        </a:xfrm>
+      </p:grpSpPr>
+      <p:sp>
+        <p:nvSpPr>
+          <p:cNvPr id="2" name="标题 1"/>
+          <p:cNvSpPr>
+            <a:spLocks noGrp="1"/>
+          </p:cNvSpPr>
+          <p:nvPr>
+            <p:ph type="title"/>
+          </p:nvPr>
+        </p:nvSpPr>
+        <p:spPr/>
+        <p:txBody>
+          <a:bodyPr/>
+          <a:lstStyle/>
+          <a:p>
+            <a:r>
+              <a:rPr lang="en-US" altLang="zh-CN" err="1"/>
+              <a:t>状态估计是干什么用的</a:t>
+            </a:r>
+            <a:r>
+              <a:rPr lang="en-US" altLang="zh-CN"/>
+              <a:t>？</a:t>
+            </a:r>
+          </a:p>
+        </p:txBody>
+      </p:sp>
+      <p:sp>
+        <p:nvSpPr>
+          <p:cNvPr id="3" name="内容占位符 2"/>
+          <p:cNvSpPr>
+            <a:spLocks noGrp="1"/>
+          </p:cNvSpPr>
+          <p:nvPr>
+            <p:ph idx="1"/>
+          </p:nvPr>
+        </p:nvSpPr>
+        <p:spPr/>
+        <p:txBody>
+          <a:bodyPr/>
+          <a:lstStyle/>
+          <a:p>
+            <a:r>
+              <a:rPr lang="zh-CN" altLang="en-US"/>
+              <a:t>行业背景：</a:t>
+            </a:r>
+            <a:r>
+              <a:rPr lang="en-US" altLang="zh-CN"/>
+              <a:t>机器人</a:t>
+            </a:r>
+            <a:r>
+              <a:rPr lang="en-US" altLang="zh-CN" err="1"/>
+              <a:t>、自动驾驶、无人机的刚性需求，从目标状态到系统状态</a:t>
+            </a:r>
+            <a:endParaRPr lang="en-US" altLang="zh-CN"/>
+          </a:p>
+          <a:p>
+            <a:r>
+              <a:rPr lang="en-US" altLang="zh-CN" err="1"/>
+              <a:t>闭环反馈链</a:t>
+            </a:r>
+            <a:r>
+              <a:rPr lang="en-US" altLang="zh-CN"/>
+              <a:t>：</a:t>
+            </a:r>
+          </a:p>
+          <a:p>
+            <a:pPr marL="0" indent="0">
+              <a:buNone/>
+            </a:pPr>
+            <a:r>
+              <a:rPr lang="en-US" altLang="zh-CN"/>
+              <a:t>	</a:t>
+            </a:r>
+            <a:r>
+              <a:rPr lang="en-US" altLang="zh-CN" err="1"/>
+              <a:t>目标状态</a:t>
+            </a:r>
+            <a:r>
+              <a:rPr lang="en-US" altLang="zh-CN"/>
+              <a:t> → </a:t>
+            </a:r>
+            <a:r>
+              <a:rPr lang="en-US" altLang="zh-CN" err="1"/>
+              <a:t>控制算法</a:t>
+            </a:r>
+            <a:r>
+              <a:rPr lang="en-US" altLang="zh-CN"/>
+              <a:t> → </a:t>
+            </a:r>
+            <a:r>
+              <a:rPr lang="en-US" altLang="zh-CN" err="1"/>
+              <a:t>控制对象</a:t>
+            </a:r>
+            <a:r>
+              <a:rPr lang="en-US" altLang="zh-CN"/>
+              <a:t> → </a:t>
+            </a:r>
+            <a:r>
+              <a:rPr lang="en-US" altLang="zh-CN" err="1"/>
+              <a:t>系统状态</a:t>
+            </a:r>
+            <a:endParaRPr lang="en-US" altLang="zh-CN"/>
+          </a:p>
+          <a:p>
+            <a:pPr marL="0" indent="0">
+              <a:buNone/>
+            </a:pPr>
+            <a:r>
+              <a:rPr lang="en-US" altLang="zh-CN"/>
+              <a:t>	</a:t>
+            </a:r>
+            <a:r>
+              <a:rPr lang="en-US" altLang="zh-CN" err="1"/>
+              <a:t>状态估计就是系统状态到控制算法的反馈</a:t>
+            </a:r>
+            <a:endParaRPr lang="en-US" altLang="zh-CN"/>
+          </a:p>
+          <a:p>
+            <a:r>
+              <a:rPr lang="zh-CN" altLang="en-US"/>
+              <a:t>目的：</a:t>
+            </a:r>
+            <a:r>
+              <a:rPr lang="en-US" altLang="zh-CN"/>
+              <a:t>以最好的方式利用传感器！</a:t>
+            </a:r>
+          </a:p>
+          <a:p>
+            <a:r>
+              <a:rPr lang="zh-CN" altLang="en-US"/>
+              <a:t>实质：</a:t>
+            </a:r>
+            <a:r>
+              <a:rPr lang="en-US" altLang="zh-CN"/>
+              <a:t>根据先验和测量</a:t>
+            </a:r>
+            <a:r>
+              <a:rPr lang="en-US" altLang="zh-CN" err="1"/>
+              <a:t>，对系统的内在状态进行某种最优重构</a:t>
+            </a:r>
+            <a:endParaRPr lang="en-US" altLang="zh-CN"/>
+          </a:p>
+        </p:txBody>
+      </p:sp>
+    </p:spTree>
+  </p:cSld>
+  <p:clrMapOvr>
+    <a:masterClrMapping/>
+  </p:clrMapOvr>
+</p:sld>
+</file>
+
+<file path=ppt/slides/slide30.xml><?xml version="1.0" encoding="utf-8"?>
+<p:sld xmlns:a="http://schemas.openxmlformats.org/drawingml/2006/main" xmlns:r="http://schemas.openxmlformats.org/officeDocument/2006/relationships" xmlns:p="http://schemas.openxmlformats.org/presentationml/2006/main">
+  <p:cSld>
+    <p:spTree>
+      <p:nvGrpSpPr>
+        <p:cNvPr id="1" name=""/>
+        <p:cNvGrpSpPr/>
+        <p:nvPr/>
+      </p:nvGrpSpPr>
+      <p:grpSpPr>
+        <a:xfrm>
+          <a:off x="0" y="0"/>
+          <a:ext cx="0" cy="0"/>
+          <a:chOff x="0" y="0"/>
+          <a:chExt cx="0" cy="0"/>
+        </a:xfrm>
+      </p:grpSpPr>
+      <p:sp>
+        <p:nvSpPr>
+          <p:cNvPr id="2" name="标题 1"/>
+          <p:cNvSpPr>
+            <a:spLocks noGrp="1"/>
+          </p:cNvSpPr>
+          <p:nvPr>
+            <p:ph type="title"/>
+          </p:nvPr>
+        </p:nvSpPr>
+        <p:spPr/>
+        <p:txBody>
+          <a:bodyPr>
+            <a:normAutofit/>
+          </a:bodyPr>
+          <a:lstStyle/>
+          <a:p>
+            <a:r>
+              <a:rPr lang="en-US" altLang="zh-CN"/>
+              <a:t>如何看待LG系统的MAP和贝叶斯推断的结果？</a:t>
+            </a:r>
+          </a:p>
+        </p:txBody>
+      </p:sp>
+      <p:sp>
+        <p:nvSpPr>
+          <p:cNvPr id="3" name="内容占位符 2"/>
+          <p:cNvSpPr>
+            <a:spLocks noGrp="1"/>
+          </p:cNvSpPr>
+          <p:nvPr>
+            <p:ph idx="1"/>
+          </p:nvPr>
+        </p:nvSpPr>
+        <p:spPr/>
+        <p:txBody>
+          <a:bodyPr/>
+          <a:lstStyle/>
+          <a:p>
+            <a:r>
+              <a:rPr lang="en-US" altLang="zh-CN"/>
+              <a:t>MAP得到的是最可能的点估计，贝叶斯推断得到的是均值</a:t>
+            </a:r>
+          </a:p>
+          <a:p>
+            <a:r>
+              <a:rPr lang="en-US" altLang="zh-CN"/>
+              <a:t>在LG系统下两者相等</a:t>
+            </a:r>
+          </a:p>
+          <a:p>
+            <a:r>
+              <a:rPr lang="en-US" altLang="zh-CN"/>
+              <a:t>贝叶斯推断得到了估计的协方差</a:t>
+            </a:r>
+          </a:p>
+        </p:txBody>
+      </p:sp>
+    </p:spTree>
+  </p:cSld>
+  <p:clrMapOvr>
+    <a:masterClrMapping/>
+  </p:clrMapOvr>
+</p:sld>
+</file>
+
+<file path=ppt/slides/slide31.xml><?xml version="1.0" encoding="utf-8"?>
+<p:sld xmlns:a="http://schemas.openxmlformats.org/drawingml/2006/main" xmlns:r="http://schemas.openxmlformats.org/officeDocument/2006/relationships" xmlns:p="http://schemas.openxmlformats.org/presentationml/2006/main">
+  <p:cSld>
+    <p:spTree>
+      <p:nvGrpSpPr>
+        <p:cNvPr id="1" name=""/>
+        <p:cNvGrpSpPr/>
+        <p:nvPr/>
+      </p:nvGrpSpPr>
+      <p:grpSpPr>
+        <a:xfrm>
+          <a:off x="0" y="0"/>
+          <a:ext cx="0" cy="0"/>
+          <a:chOff x="0" y="0"/>
+          <a:chExt cx="0" cy="0"/>
+        </a:xfrm>
+      </p:grpSpPr>
+      <p:sp>
+        <p:nvSpPr>
+          <p:cNvPr id="2" name="标题 1"/>
+          <p:cNvSpPr>
+            <a:spLocks noGrp="1"/>
+          </p:cNvSpPr>
+          <p:nvPr>
+            <p:ph type="title"/>
+          </p:nvPr>
+        </p:nvSpPr>
+        <p:spPr/>
+        <p:txBody>
+          <a:bodyPr/>
+          <a:lstStyle/>
+          <a:p>
+            <a:r>
+              <a:rPr lang="en-US" altLang="zh-CN"/>
+              <a:t>对于系统的能观性，如何检索思考？</a:t>
+            </a:r>
+          </a:p>
+        </p:txBody>
+      </p:sp>
+      <p:sp>
+        <p:nvSpPr>
+          <p:cNvPr id="3" name="内容占位符 2"/>
+          <p:cNvSpPr>
+            <a:spLocks noGrp="1"/>
+          </p:cNvSpPr>
+          <p:nvPr>
+            <p:ph idx="1"/>
+          </p:nvPr>
+        </p:nvSpPr>
+        <p:spPr/>
+        <p:txBody>
+          <a:bodyPr/>
+          <a:lstStyle/>
+          <a:p>
+            <a:pPr marL="514350" indent="-514350">
+              <a:buAutoNum type="arabicPeriod"/>
+            </a:pPr>
+            <a:r>
+              <a:rPr lang="en-US" altLang="zh-CN"/>
+              <a:t>如何用大白话说出能观性的含义？——能否通过观测变量唯一地确定系统状态</a:t>
+            </a:r>
+          </a:p>
+          <a:p>
+            <a:pPr marL="514350" indent="-514350">
+              <a:buAutoNum type="arabicPeriod"/>
+            </a:pPr>
+            <a:r>
+              <a:rPr lang="en-US" altLang="zh-CN"/>
+              <a:t>如何用公式推导能观性的条件？——最后rank(H</a:t>
+            </a:r>
+            <a:r>
+              <a:rPr lang="en-US" altLang="zh-CN" baseline="30000"/>
+              <a:t>T</a:t>
+            </a:r>
+            <a:r>
+              <a:rPr lang="en-US" altLang="zh-CN"/>
+              <a:t>) = N(K+1)</a:t>
+            </a:r>
+          </a:p>
+          <a:p>
+            <a:pPr marL="514350" indent="-514350">
+              <a:buAutoNum type="arabicPeriod"/>
+            </a:pPr>
+            <a:r>
+              <a:rPr lang="en-US" altLang="zh-CN"/>
+              <a:t>如果有先验，是什么情形？</a:t>
+            </a:r>
+          </a:p>
+          <a:p>
+            <a:pPr marL="514350" indent="-514350">
+              <a:buAutoNum type="arabicPeriod"/>
+            </a:pPr>
+            <a:r>
+              <a:rPr lang="en-US" altLang="zh-CN"/>
+              <a:t>如果没有先验，又会是什么情形？</a:t>
+            </a:r>
+          </a:p>
+        </p:txBody>
+      </p:sp>
+    </p:spTree>
+  </p:cSld>
+  <p:clrMapOvr>
+    <a:masterClrMapping/>
+  </p:clrMapOvr>
+</p:sld>
+</file>
+
+<file path=ppt/slides/slide32.xml><?xml version="1.0" encoding="utf-8"?>
 <p:sld xmlns:a="http://schemas.openxmlformats.org/drawingml/2006/main" xmlns:r="http://schemas.openxmlformats.org/officeDocument/2006/relationships" xmlns:p="http://schemas.openxmlformats.org/presentationml/2006/main">
   <p:cSld>
     <p:spTree>
@@ -5110,7 +6079,7 @@
 </p:sld>
 </file>
 
-<file path=ppt/slides/slide27.xml><?xml version="1.0" encoding="utf-8"?>
+<file path=ppt/slides/slide33.xml><?xml version="1.0" encoding="utf-8"?>
 <p:sld xmlns:a="http://schemas.openxmlformats.org/drawingml/2006/main" xmlns:r="http://schemas.openxmlformats.org/officeDocument/2006/relationships" xmlns:p="http://schemas.openxmlformats.org/presentationml/2006/main">
   <p:cSld>
     <p:spTree>
@@ -5185,7 +6154,7 @@
 </p:sld>
 </file>
 
-<file path=ppt/slides/slide28.xml><?xml version="1.0" encoding="utf-8"?>
+<file path=ppt/slides/slide34.xml><?xml version="1.0" encoding="utf-8"?>
 <p:sld xmlns:a="http://schemas.openxmlformats.org/drawingml/2006/main" xmlns:r="http://schemas.openxmlformats.org/officeDocument/2006/relationships" xmlns:p="http://schemas.openxmlformats.org/presentationml/2006/main">
   <p:cSld>
     <p:spTree>
@@ -5301,7 +6270,7 @@
 </p:sld>
 </file>
 
-<file path=ppt/slides/slide29.xml><?xml version="1.0" encoding="utf-8"?>
+<file path=ppt/slides/slide35.xml><?xml version="1.0" encoding="utf-8"?>
 <p:sld xmlns:a="http://schemas.openxmlformats.org/drawingml/2006/main" xmlns:r="http://schemas.openxmlformats.org/officeDocument/2006/relationships" xmlns:p="http://schemas.openxmlformats.org/presentationml/2006/main">
   <p:cSld>
     <p:spTree>
@@ -5411,112 +6380,7 @@
 </p:sld>
 </file>
 
-<file path=ppt/slides/slide3.xml><?xml version="1.0" encoding="utf-8"?>
-<p:sld xmlns:a="http://schemas.openxmlformats.org/drawingml/2006/main" xmlns:r="http://schemas.openxmlformats.org/officeDocument/2006/relationships" xmlns:p="http://schemas.openxmlformats.org/presentationml/2006/main">
-  <p:cSld>
-    <p:spTree>
-      <p:nvGrpSpPr>
-        <p:cNvPr id="1" name=""/>
-        <p:cNvGrpSpPr/>
-        <p:nvPr/>
-      </p:nvGrpSpPr>
-      <p:grpSpPr>
-        <a:xfrm>
-          <a:off x="0" y="0"/>
-          <a:ext cx="0" cy="0"/>
-          <a:chOff x="0" y="0"/>
-          <a:chExt cx="0" cy="0"/>
-        </a:xfrm>
-      </p:grpSpPr>
-      <p:sp>
-        <p:nvSpPr>
-          <p:cNvPr id="2" name="标题 1"/>
-          <p:cNvSpPr>
-            <a:spLocks noGrp="1"/>
-          </p:cNvSpPr>
-          <p:nvPr>
-            <p:ph type="title"/>
-          </p:nvPr>
-        </p:nvSpPr>
-        <p:spPr/>
-        <p:txBody>
-          <a:bodyPr/>
-          <a:lstStyle/>
-          <a:p>
-            <a:r>
-              <a:rPr lang="en-US" altLang="zh-CN"/>
-              <a:t>状态估计是干什么用的？</a:t>
-            </a:r>
-          </a:p>
-        </p:txBody>
-      </p:sp>
-      <p:sp>
-        <p:nvSpPr>
-          <p:cNvPr id="3" name="内容占位符 2"/>
-          <p:cNvSpPr>
-            <a:spLocks noGrp="1"/>
-          </p:cNvSpPr>
-          <p:nvPr>
-            <p:ph idx="1"/>
-          </p:nvPr>
-        </p:nvSpPr>
-        <p:spPr/>
-        <p:txBody>
-          <a:bodyPr/>
-          <a:lstStyle/>
-          <a:p>
-            <a:r>
-              <a:rPr lang="en-US" altLang="zh-CN"/>
-              <a:t>机器人、自动驾驶、无人机的刚性需求，从目标状态到系统状态</a:t>
-            </a:r>
-          </a:p>
-          <a:p>
-            <a:r>
-              <a:rPr lang="en-US" altLang="zh-CN"/>
-              <a:t>闭环反馈链：</a:t>
-            </a:r>
-          </a:p>
-          <a:p>
-            <a:pPr marL="0" indent="0">
-              <a:buNone/>
-            </a:pPr>
-            <a:r>
-              <a:rPr lang="en-US" altLang="zh-CN"/>
-              <a:t>	目标状态 → 控制算法 → 控制对象 → 系统状态</a:t>
-            </a:r>
-          </a:p>
-          <a:p>
-            <a:pPr marL="0" indent="0">
-              <a:buNone/>
-            </a:pPr>
-            <a:r>
-              <a:rPr lang="en-US" altLang="zh-CN"/>
-              <a:t>	状态估计就是系统状态到控制算法的反馈</a:t>
-            </a:r>
-          </a:p>
-          <a:p>
-            <a:r>
-              <a:rPr lang="en-US" altLang="zh-CN"/>
-              <a:t>以最好的方式利用传感器！</a:t>
-            </a:r>
-          </a:p>
-          <a:p>
-            <a:r>
-              <a:rPr lang="en-US" altLang="zh-CN"/>
-              <a:t>根据先验和测量，对系统的内在状态进行某种最优重构</a:t>
-            </a:r>
-          </a:p>
-        </p:txBody>
-      </p:sp>
-    </p:spTree>
-  </p:cSld>
-  <p:clrMapOvr>
-    <a:masterClrMapping/>
-  </p:clrMapOvr>
-</p:sld>
-</file>
-
-<file path=ppt/slides/slide30.xml><?xml version="1.0" encoding="utf-8"?>
+<file path=ppt/slides/slide36.xml><?xml version="1.0" encoding="utf-8"?>
 <p:sld xmlns:a="http://schemas.openxmlformats.org/drawingml/2006/main" xmlns:r="http://schemas.openxmlformats.org/officeDocument/2006/relationships" xmlns:p="http://schemas.openxmlformats.org/presentationml/2006/main">
   <p:cSld>
     <p:spTree>
@@ -5649,7 +6513,7 @@
 </p:sld>
 </file>
 
-<file path=ppt/slides/slide31.xml><?xml version="1.0" encoding="utf-8"?>
+<file path=ppt/slides/slide37.xml><?xml version="1.0" encoding="utf-8"?>
 <p:sld xmlns:a="http://schemas.openxmlformats.org/drawingml/2006/main" xmlns:r="http://schemas.openxmlformats.org/officeDocument/2006/relationships" xmlns:p="http://schemas.openxmlformats.org/presentationml/2006/main">
   <p:cSld>
     <p:spTree>
@@ -5753,7 +6617,7 @@
 </p:sld>
 </file>
 
-<file path=ppt/slides/slide32.xml><?xml version="1.0" encoding="utf-8"?>
+<file path=ppt/slides/slide38.xml><?xml version="1.0" encoding="utf-8"?>
 <p:sld xmlns:a="http://schemas.openxmlformats.org/drawingml/2006/main" xmlns:r="http://schemas.openxmlformats.org/officeDocument/2006/relationships" xmlns:p="http://schemas.openxmlformats.org/presentationml/2006/main">
   <p:cSld>
     <p:spTree>
@@ -5932,7 +6796,7 @@
 </p:sld>
 </file>
 
-<file path=ppt/slides/slide33.xml><?xml version="1.0" encoding="utf-8"?>
+<file path=ppt/slides/slide39.xml><?xml version="1.0" encoding="utf-8"?>
 <p:sld xmlns:a="http://schemas.openxmlformats.org/drawingml/2006/main" xmlns:r="http://schemas.openxmlformats.org/officeDocument/2006/relationships" xmlns:p="http://schemas.openxmlformats.org/presentationml/2006/main">
   <p:cSld>
     <p:spTree>
@@ -6005,7 +6869,7 @@
 </p:sld>
 </file>
 
-<file path=ppt/slides/slide34.xml><?xml version="1.0" encoding="utf-8"?>
+<file path=ppt/slides/slide4.xml><?xml version="1.0" encoding="utf-8"?>
 <p:sld xmlns:a="http://schemas.openxmlformats.org/drawingml/2006/main" xmlns:r="http://schemas.openxmlformats.org/officeDocument/2006/relationships" xmlns:p="http://schemas.openxmlformats.org/presentationml/2006/main">
   <p:cSld>
     <p:spTree>
@@ -6039,7 +6903,7 @@
           <a:p>
             <a:r>
               <a:rPr lang="en-US" altLang="zh-CN"/>
-              <a:t>如何通过MAP来推导得出卡尔曼滤波？</a:t>
+              <a:t>状态估计为啥跟概率论扯上了关系？</a:t>
             </a:r>
           </a:p>
         </p:txBody>
@@ -6061,7 +6925,19 @@
           <a:p>
             <a:r>
               <a:rPr lang="en-US" altLang="zh-CN"/>
-              <a:t>关键：问题如何定义？</a:t>
+              <a:t>很简单，状态是一个随机变量</a:t>
+            </a:r>
+          </a:p>
+          <a:p>
+            <a:r>
+              <a:rPr lang="en-US" altLang="zh-CN"/>
+              <a:t>概率论是研究随机变量的学科</a:t>
+            </a:r>
+          </a:p>
+          <a:p>
+            <a:r>
+              <a:rPr lang="en-US" altLang="zh-CN"/>
+              <a:t>研究状态，就是研究随机变量的概率分布</a:t>
             </a:r>
           </a:p>
         </p:txBody>
@@ -6074,7 +6950,7 @@
 </p:sld>
 </file>
 
-<file path=ppt/slides/slide35.xml><?xml version="1.0" encoding="utf-8"?>
+<file path=ppt/slides/slide40.xml><?xml version="1.0" encoding="utf-8"?>
 <p:sld xmlns:a="http://schemas.openxmlformats.org/drawingml/2006/main" xmlns:r="http://schemas.openxmlformats.org/officeDocument/2006/relationships" xmlns:p="http://schemas.openxmlformats.org/presentationml/2006/main">
   <p:cSld>
     <p:spTree>
@@ -6108,7 +6984,7 @@
           <a:p>
             <a:r>
               <a:rPr lang="en-US" altLang="zh-CN"/>
-              <a:t>如何通过贝叶斯推断得到卡尔曼滤波？</a:t>
+              <a:t>如何通过MAP来推导得出卡尔曼滤波？</a:t>
             </a:r>
           </a:p>
         </p:txBody>
@@ -6130,7 +7006,7 @@
           <a:p>
             <a:r>
               <a:rPr lang="en-US" altLang="zh-CN"/>
-              <a:t>关键：问题如何定义</a:t>
+              <a:t>关键：问题如何定义？</a:t>
             </a:r>
           </a:p>
         </p:txBody>
@@ -6143,7 +7019,7 @@
 </p:sld>
 </file>
 
-<file path=ppt/slides/slide36.xml><?xml version="1.0" encoding="utf-8"?>
+<file path=ppt/slides/slide41.xml><?xml version="1.0" encoding="utf-8"?>
 <p:sld xmlns:a="http://schemas.openxmlformats.org/drawingml/2006/main" xmlns:r="http://schemas.openxmlformats.org/officeDocument/2006/relationships" xmlns:p="http://schemas.openxmlformats.org/presentationml/2006/main">
   <p:cSld>
     <p:spTree>
@@ -6170,19 +7046,14 @@
             <p:ph type="title"/>
           </p:nvPr>
         </p:nvSpPr>
-        <p:spPr>
-          <a:xfrm>
-            <a:off x="838200" y="148130"/>
-            <a:ext cx="10515600" cy="1325563"/>
-          </a:xfrm>
-        </p:spPr>
-        <p:txBody>
-          <a:bodyPr/>
-          <a:lstStyle/>
-          <a:p>
-            <a:r>
-              <a:rPr lang="" altLang="zh-CN" dirty="0"/>
-              <a:t>第三章 非线性系统</a:t>
+        <p:spPr/>
+        <p:txBody>
+          <a:bodyPr/>
+          <a:lstStyle/>
+          <a:p>
+            <a:r>
+              <a:rPr lang="en-US" altLang="zh-CN"/>
+              <a:t>如何通过贝叶斯推断得到卡尔曼滤波？</a:t>
             </a:r>
           </a:p>
         </p:txBody>
@@ -6197,165 +7068,15 @@
             <p:ph idx="1"/>
           </p:nvPr>
         </p:nvSpPr>
-        <p:spPr>
-          <a:xfrm>
-            <a:off x="838200" y="1473693"/>
-            <a:ext cx="10515600" cy="4703270"/>
-          </a:xfrm>
-        </p:spPr>
-        <p:txBody>
-          <a:bodyPr>
-            <a:normAutofit fontScale="47500" lnSpcReduction="20000"/>
-          </a:bodyPr>
-          <a:lstStyle/>
-          <a:p>
-            <a:r>
-              <a:rPr lang="zh-CN" altLang="en-US" dirty="0"/>
-              <a:t>关于马尔可夫性和贝叶斯滤波，你能理解吗？</a:t>
-            </a:r>
-            <a:endParaRPr lang="en-US" altLang="zh-CN" dirty="0"/>
-          </a:p>
-          <a:p>
-            <a:r>
-              <a:rPr lang="zh-CN" altLang="en-US" dirty="0"/>
-              <a:t>都在说线性化，那么数学上怎么做线性化？</a:t>
-            </a:r>
-            <a:endParaRPr lang="en-US" altLang="zh-CN" dirty="0"/>
-          </a:p>
-          <a:p>
-            <a:r>
-              <a:rPr lang="zh-CN" altLang="en-US" dirty="0"/>
-              <a:t>在状态估计里面，怎么做线性化？</a:t>
-            </a:r>
-            <a:endParaRPr lang="en-US" altLang="zh-CN" dirty="0"/>
-          </a:p>
-          <a:p>
-            <a:r>
-              <a:rPr lang="en-US" altLang="zh-CN" dirty="0"/>
-              <a:t>EKF</a:t>
-            </a:r>
-            <a:r>
-              <a:rPr lang="zh-CN" altLang="en-US" dirty="0"/>
-              <a:t>是什么形式？</a:t>
-            </a:r>
-            <a:endParaRPr lang="en-US" altLang="zh-CN" dirty="0"/>
-          </a:p>
-          <a:p>
-            <a:r>
-              <a:rPr lang="en-US" altLang="zh-CN" dirty="0"/>
-              <a:t>EKF</a:t>
-            </a:r>
-            <a:r>
-              <a:rPr lang="zh-CN" altLang="en-US" dirty="0"/>
-              <a:t>缺点是什么？</a:t>
-            </a:r>
-            <a:endParaRPr lang="en-US" altLang="zh-CN" dirty="0"/>
-          </a:p>
-          <a:p>
-            <a:r>
-              <a:rPr lang="zh-CN" altLang="en-US" dirty="0"/>
-              <a:t>广义高斯滤波是啥？有啥作用？</a:t>
-            </a:r>
-            <a:endParaRPr lang="en-US" altLang="zh-CN" dirty="0"/>
-          </a:p>
-          <a:p>
-            <a:r>
-              <a:rPr lang="zh-CN" altLang="en-US" dirty="0"/>
-              <a:t>迭代卡尔曼滤波是啥意思？</a:t>
-            </a:r>
-            <a:endParaRPr lang="en-US" altLang="zh-CN" dirty="0"/>
-          </a:p>
-          <a:p>
-            <a:r>
-              <a:rPr lang="zh-CN" altLang="en-US" dirty="0"/>
-              <a:t>处理非线性函数都有哪些方法？</a:t>
-            </a:r>
-            <a:endParaRPr lang="en-US" altLang="zh-CN" dirty="0"/>
-          </a:p>
-          <a:p>
-            <a:r>
-              <a:rPr lang="zh-CN" altLang="en-US" dirty="0"/>
-              <a:t>蒙特卡洛法的操作步骤、主要优缺点是什么？</a:t>
-            </a:r>
-            <a:endParaRPr lang="en-US" altLang="zh-CN" dirty="0"/>
-          </a:p>
-          <a:p>
-            <a:r>
-              <a:rPr lang="zh-CN" altLang="en-US" dirty="0"/>
-              <a:t>线性化方法不准确的原因有哪四点？</a:t>
-            </a:r>
-            <a:endParaRPr lang="en-US" altLang="zh-CN" dirty="0"/>
-          </a:p>
-          <a:p>
-            <a:r>
-              <a:rPr lang="en-US" altLang="zh-CN" dirty="0"/>
-              <a:t>Sigma</a:t>
-            </a:r>
-            <a:r>
-              <a:rPr lang="zh-CN" altLang="en-US" dirty="0"/>
-              <a:t>变换，你能想到什么？</a:t>
-            </a:r>
-            <a:endParaRPr lang="en-US" altLang="zh-CN" dirty="0"/>
-          </a:p>
-          <a:p>
-            <a:r>
-              <a:rPr lang="en-US" altLang="zh-CN" dirty="0"/>
-              <a:t>Sigma</a:t>
-            </a:r>
-            <a:r>
-              <a:rPr lang="zh-CN" altLang="en-US" dirty="0"/>
-              <a:t>变换的操作是什么？</a:t>
-            </a:r>
-            <a:endParaRPr lang="en-US" altLang="zh-CN" dirty="0"/>
-          </a:p>
-          <a:p>
-            <a:r>
-              <a:rPr lang="zh-CN" altLang="en-US" dirty="0"/>
-              <a:t>线性化方法下，均值和方差不准体现在哪些方面？</a:t>
-            </a:r>
-            <a:endParaRPr lang="en-US" altLang="zh-CN" dirty="0"/>
-          </a:p>
-          <a:p>
-            <a:r>
-              <a:rPr lang="zh-CN" altLang="en-US" dirty="0"/>
-              <a:t>请简述粒子滤波的流程</a:t>
-            </a:r>
-            <a:endParaRPr lang="en-US" altLang="zh-CN" dirty="0"/>
-          </a:p>
-          <a:p>
-            <a:r>
-              <a:rPr lang="zh-CN" altLang="en-US" dirty="0"/>
-              <a:t>请简述</a:t>
-            </a:r>
-            <a:r>
-              <a:rPr lang="en-US" altLang="zh-CN" dirty="0"/>
-              <a:t>SPKF/UKF</a:t>
-            </a:r>
-            <a:r>
-              <a:rPr lang="zh-CN" altLang="en-US" dirty="0"/>
-              <a:t>的步骤</a:t>
-            </a:r>
-            <a:endParaRPr lang="en-US" altLang="zh-CN" dirty="0"/>
-          </a:p>
-          <a:p>
-            <a:r>
-              <a:rPr lang="zh-CN" altLang="en-US" dirty="0"/>
-              <a:t>几种滤波器的比较图</a:t>
-            </a:r>
-            <a:r>
-              <a:rPr lang="en-US" altLang="zh-CN" dirty="0"/>
-              <a:t>	</a:t>
-            </a:r>
-          </a:p>
-          <a:p>
-            <a:r>
-              <a:rPr lang="zh-CN" altLang="en-US" dirty="0"/>
-              <a:t>用自己的语言，检索回忆描述最小二乘问题、牛顿法、高斯牛顿法的推导</a:t>
-            </a:r>
-            <a:endParaRPr lang="en-US" altLang="zh-CN" dirty="0"/>
-          </a:p>
-          <a:p>
-            <a:endParaRPr lang="zh-CN" altLang="en-US" dirty="0"/>
+        <p:spPr/>
+        <p:txBody>
+          <a:bodyPr/>
+          <a:lstStyle/>
+          <a:p>
+            <a:r>
+              <a:rPr lang="en-US" altLang="zh-CN"/>
+              <a:t>关键：问题如何定义</a:t>
+            </a:r>
           </a:p>
         </p:txBody>
       </p:sp>
@@ -6367,7 +7088,7 @@
 </p:sld>
 </file>
 
-<file path=ppt/slides/slide37.xml><?xml version="1.0" encoding="utf-8"?>
+<file path=ppt/slides/slide42.xml><?xml version="1.0" encoding="utf-8"?>
 <p:sld xmlns:a="http://schemas.openxmlformats.org/drawingml/2006/main" xmlns:r="http://schemas.openxmlformats.org/officeDocument/2006/relationships" xmlns:p="http://schemas.openxmlformats.org/presentationml/2006/main">
   <p:cSld>
     <p:spTree>
@@ -6386,6 +7107,230 @@
       </p:grpSpPr>
       <p:sp>
         <p:nvSpPr>
+          <p:cNvPr id="2" name="标题 1"/>
+          <p:cNvSpPr>
+            <a:spLocks noGrp="1"/>
+          </p:cNvSpPr>
+          <p:nvPr>
+            <p:ph type="title"/>
+          </p:nvPr>
+        </p:nvSpPr>
+        <p:spPr>
+          <a:xfrm>
+            <a:off x="838200" y="148130"/>
+            <a:ext cx="10515600" cy="1325563"/>
+          </a:xfrm>
+        </p:spPr>
+        <p:txBody>
+          <a:bodyPr/>
+          <a:lstStyle/>
+          <a:p>
+            <a:r>
+              <a:rPr lang="" altLang="zh-CN"/>
+              <a:t>第三章 非线性系统</a:t>
+            </a:r>
+          </a:p>
+        </p:txBody>
+      </p:sp>
+      <p:sp>
+        <p:nvSpPr>
+          <p:cNvPr id="3" name="内容占位符 2"/>
+          <p:cNvSpPr>
+            <a:spLocks noGrp="1"/>
+          </p:cNvSpPr>
+          <p:nvPr>
+            <p:ph idx="1"/>
+          </p:nvPr>
+        </p:nvSpPr>
+        <p:spPr>
+          <a:xfrm>
+            <a:off x="838200" y="1473693"/>
+            <a:ext cx="10515600" cy="4703270"/>
+          </a:xfrm>
+        </p:spPr>
+        <p:txBody>
+          <a:bodyPr>
+            <a:normAutofit fontScale="47500" lnSpcReduction="20000"/>
+          </a:bodyPr>
+          <a:lstStyle/>
+          <a:p>
+            <a:r>
+              <a:rPr lang="zh-CN" altLang="en-US"/>
+              <a:t>关于马尔可夫性和贝叶斯滤波，你能理解吗？</a:t>
+            </a:r>
+            <a:endParaRPr lang="en-US" altLang="zh-CN"/>
+          </a:p>
+          <a:p>
+            <a:r>
+              <a:rPr lang="zh-CN" altLang="en-US"/>
+              <a:t>都在说线性化，那么数学上怎么做线性化？</a:t>
+            </a:r>
+            <a:endParaRPr lang="en-US" altLang="zh-CN"/>
+          </a:p>
+          <a:p>
+            <a:r>
+              <a:rPr lang="zh-CN" altLang="en-US"/>
+              <a:t>在状态估计里面，怎么做线性化？</a:t>
+            </a:r>
+            <a:endParaRPr lang="en-US" altLang="zh-CN"/>
+          </a:p>
+          <a:p>
+            <a:r>
+              <a:rPr lang="en-US" altLang="zh-CN"/>
+              <a:t>EKF</a:t>
+            </a:r>
+            <a:r>
+              <a:rPr lang="zh-CN" altLang="en-US"/>
+              <a:t>是什么形式？</a:t>
+            </a:r>
+            <a:endParaRPr lang="en-US" altLang="zh-CN"/>
+          </a:p>
+          <a:p>
+            <a:r>
+              <a:rPr lang="en-US" altLang="zh-CN"/>
+              <a:t>EKF</a:t>
+            </a:r>
+            <a:r>
+              <a:rPr lang="zh-CN" altLang="en-US"/>
+              <a:t>缺点是什么？</a:t>
+            </a:r>
+            <a:endParaRPr lang="en-US" altLang="zh-CN"/>
+          </a:p>
+          <a:p>
+            <a:r>
+              <a:rPr lang="zh-CN" altLang="en-US"/>
+              <a:t>广义高斯滤波是啥？有啥作用？</a:t>
+            </a:r>
+            <a:endParaRPr lang="en-US" altLang="zh-CN"/>
+          </a:p>
+          <a:p>
+            <a:r>
+              <a:rPr lang="zh-CN" altLang="en-US"/>
+              <a:t>迭代卡尔曼滤波是啥意思？</a:t>
+            </a:r>
+            <a:endParaRPr lang="en-US" altLang="zh-CN"/>
+          </a:p>
+          <a:p>
+            <a:r>
+              <a:rPr lang="zh-CN" altLang="en-US"/>
+              <a:t>处理非线性函数都有哪些方法？</a:t>
+            </a:r>
+            <a:endParaRPr lang="en-US" altLang="zh-CN"/>
+          </a:p>
+          <a:p>
+            <a:r>
+              <a:rPr lang="zh-CN" altLang="en-US"/>
+              <a:t>蒙特卡洛法的操作步骤、主要优缺点是什么？</a:t>
+            </a:r>
+            <a:endParaRPr lang="en-US" altLang="zh-CN"/>
+          </a:p>
+          <a:p>
+            <a:r>
+              <a:rPr lang="zh-CN" altLang="en-US"/>
+              <a:t>线性化方法不准确的原因有哪四点？</a:t>
+            </a:r>
+            <a:endParaRPr lang="en-US" altLang="zh-CN"/>
+          </a:p>
+          <a:p>
+            <a:r>
+              <a:rPr lang="en-US" altLang="zh-CN"/>
+              <a:t>Sigma</a:t>
+            </a:r>
+            <a:r>
+              <a:rPr lang="zh-CN" altLang="en-US"/>
+              <a:t>变换，你能想到什么？</a:t>
+            </a:r>
+            <a:endParaRPr lang="en-US" altLang="zh-CN"/>
+          </a:p>
+          <a:p>
+            <a:r>
+              <a:rPr lang="en-US" altLang="zh-CN"/>
+              <a:t>Sigma</a:t>
+            </a:r>
+            <a:r>
+              <a:rPr lang="zh-CN" altLang="en-US"/>
+              <a:t>变换的操作是什么？</a:t>
+            </a:r>
+            <a:endParaRPr lang="en-US" altLang="zh-CN"/>
+          </a:p>
+          <a:p>
+            <a:r>
+              <a:rPr lang="zh-CN" altLang="en-US"/>
+              <a:t>线性化方法下，均值和方差不准体现在哪些方面？</a:t>
+            </a:r>
+            <a:endParaRPr lang="en-US" altLang="zh-CN"/>
+          </a:p>
+          <a:p>
+            <a:r>
+              <a:rPr lang="zh-CN" altLang="en-US"/>
+              <a:t>请简述粒子滤波的流程</a:t>
+            </a:r>
+            <a:endParaRPr lang="en-US" altLang="zh-CN"/>
+          </a:p>
+          <a:p>
+            <a:r>
+              <a:rPr lang="zh-CN" altLang="en-US"/>
+              <a:t>请简述</a:t>
+            </a:r>
+            <a:r>
+              <a:rPr lang="en-US" altLang="zh-CN"/>
+              <a:t>SPKF/UKF</a:t>
+            </a:r>
+            <a:r>
+              <a:rPr lang="zh-CN" altLang="en-US"/>
+              <a:t>的步骤</a:t>
+            </a:r>
+            <a:endParaRPr lang="en-US" altLang="zh-CN"/>
+          </a:p>
+          <a:p>
+            <a:r>
+              <a:rPr lang="zh-CN" altLang="en-US"/>
+              <a:t>几种滤波器的比较图</a:t>
+            </a:r>
+            <a:r>
+              <a:rPr lang="en-US" altLang="zh-CN"/>
+              <a:t>	</a:t>
+            </a:r>
+          </a:p>
+          <a:p>
+            <a:r>
+              <a:rPr lang="zh-CN" altLang="en-US"/>
+              <a:t>用自己的语言，检索回忆描述最小二乘问题、牛顿法、高斯牛顿法的推导</a:t>
+            </a:r>
+            <a:endParaRPr lang="en-US" altLang="zh-CN"/>
+          </a:p>
+          <a:p>
+            <a:endParaRPr lang="zh-CN" altLang="en-US"/>
+          </a:p>
+        </p:txBody>
+      </p:sp>
+    </p:spTree>
+  </p:cSld>
+  <p:clrMapOvr>
+    <a:masterClrMapping/>
+  </p:clrMapOvr>
+</p:sld>
+</file>
+
+<file path=ppt/slides/slide43.xml><?xml version="1.0" encoding="utf-8"?>
+<p:sld xmlns:a="http://schemas.openxmlformats.org/drawingml/2006/main" xmlns:r="http://schemas.openxmlformats.org/officeDocument/2006/relationships" xmlns:p="http://schemas.openxmlformats.org/presentationml/2006/main">
+  <p:cSld>
+    <p:spTree>
+      <p:nvGrpSpPr>
+        <p:cNvPr id="1" name=""/>
+        <p:cNvGrpSpPr/>
+        <p:nvPr/>
+      </p:nvGrpSpPr>
+      <p:grpSpPr>
+        <a:xfrm>
+          <a:off x="0" y="0"/>
+          <a:ext cx="0" cy="0"/>
+          <a:chOff x="0" y="0"/>
+          <a:chExt cx="0" cy="0"/>
+        </a:xfrm>
+      </p:grpSpPr>
+      <p:sp>
+        <p:nvSpPr>
           <p:cNvPr id="2" name="标题 1">
             <a:extLst>
               <a:ext uri="{FF2B5EF4-FFF2-40B4-BE49-F238E27FC236}">
@@ -6406,7 +7351,7 @@
           <a:lstStyle/>
           <a:p>
             <a:r>
-              <a:rPr lang="zh-CN" altLang="en-US" dirty="0"/>
+              <a:rPr lang="zh-CN" altLang="en-US"/>
               <a:t>关于马尔可夫性和贝叶斯滤波，你能理解吗？</a:t>
             </a:r>
           </a:p>
@@ -6434,55 +7379,55 @@
           <a:lstStyle/>
           <a:p>
             <a:r>
-              <a:rPr lang="zh-CN" altLang="en-US" dirty="0"/>
+              <a:rPr lang="zh-CN" altLang="en-US"/>
               <a:t>马尔可夫性指的是，由</a:t>
             </a:r>
             <a:r>
-              <a:rPr lang="en-US" altLang="zh-CN" dirty="0"/>
+              <a:rPr lang="en-US" altLang="zh-CN"/>
               <a:t>k-1</a:t>
             </a:r>
             <a:r>
-              <a:rPr lang="zh-CN" altLang="en-US" dirty="0"/>
+              <a:rPr lang="zh-CN" altLang="en-US"/>
               <a:t>时刻就可以推得</a:t>
             </a:r>
             <a:r>
-              <a:rPr lang="en-US" altLang="zh-CN" dirty="0"/>
+              <a:rPr lang="en-US" altLang="zh-CN"/>
               <a:t>k</a:t>
             </a:r>
             <a:r>
-              <a:rPr lang="zh-CN" altLang="en-US" dirty="0"/>
+              <a:rPr lang="zh-CN" altLang="en-US"/>
               <a:t>时刻</a:t>
             </a:r>
-            <a:endParaRPr lang="en-US" altLang="zh-CN" dirty="0"/>
-          </a:p>
-          <a:p>
-            <a:endParaRPr lang="en-US" altLang="zh-CN" dirty="0"/>
-          </a:p>
-          <a:p>
-            <a:r>
-              <a:rPr lang="zh-CN" altLang="en-US" dirty="0"/>
+            <a:endParaRPr lang="en-US" altLang="zh-CN"/>
+          </a:p>
+          <a:p>
+            <a:endParaRPr lang="en-US" altLang="zh-CN"/>
+          </a:p>
+          <a:p>
+            <a:r>
+              <a:rPr lang="zh-CN" altLang="en-US"/>
               <a:t>贝叶斯滤波其实就是在广义</a:t>
             </a:r>
             <a:r>
-              <a:rPr lang="en-US" altLang="zh-CN" dirty="0"/>
+              <a:rPr lang="en-US" altLang="zh-CN"/>
               <a:t>pdf</a:t>
             </a:r>
             <a:r>
-              <a:rPr lang="zh-CN" altLang="en-US" dirty="0"/>
+              <a:rPr lang="zh-CN" altLang="en-US"/>
               <a:t>上，定义了一个控制预估 </a:t>
             </a:r>
             <a:r>
-              <a:rPr lang="en-US" altLang="zh-CN" dirty="0"/>
+              <a:rPr lang="en-US" altLang="zh-CN"/>
               <a:t>+ </a:t>
             </a:r>
             <a:r>
-              <a:rPr lang="zh-CN" altLang="en-US" dirty="0"/>
+              <a:rPr lang="zh-CN" altLang="en-US"/>
               <a:t>观测矫正的过程</a:t>
             </a:r>
-            <a:endParaRPr lang="en-US" altLang="zh-CN" dirty="0"/>
-          </a:p>
-          <a:p>
-            <a:endParaRPr lang="zh-CN" altLang="en-US" dirty="0"/>
+            <a:endParaRPr lang="en-US" altLang="zh-CN"/>
+          </a:p>
+          <a:p>
+            <a:endParaRPr lang="zh-CN" altLang="en-US"/>
           </a:p>
         </p:txBody>
       </p:sp>
@@ -6529,7 +7474,7 @@
 </p:sld>
 </file>
 
-<file path=ppt/slides/slide38.xml><?xml version="1.0" encoding="utf-8"?>
+<file path=ppt/slides/slide44.xml><?xml version="1.0" encoding="utf-8"?>
 <p:sld xmlns:a="http://schemas.openxmlformats.org/drawingml/2006/main" xmlns:r="http://schemas.openxmlformats.org/officeDocument/2006/relationships" xmlns:p="http://schemas.openxmlformats.org/presentationml/2006/main">
   <p:cSld>
     <p:spTree>
@@ -6568,7 +7513,7 @@
           <a:lstStyle/>
           <a:p>
             <a:r>
-              <a:rPr lang="zh-CN" altLang="en-US" dirty="0"/>
+              <a:rPr lang="zh-CN" altLang="en-US"/>
               <a:t>都在说线性化，那么数学上怎么做线性化？</a:t>
             </a:r>
           </a:p>
@@ -6596,97 +7541,97 @@
           <a:lstStyle/>
           <a:p>
             <a:r>
-              <a:rPr lang="zh-CN" altLang="en-US" dirty="0"/>
+              <a:rPr lang="zh-CN" altLang="en-US"/>
               <a:t>我们这里指的是非线性函数的线性化</a:t>
             </a:r>
-            <a:endParaRPr lang="en-US" altLang="zh-CN" dirty="0"/>
-          </a:p>
-          <a:p>
-            <a:r>
-              <a:rPr lang="zh-CN" altLang="en-US" dirty="0"/>
+            <a:endParaRPr lang="en-US" altLang="zh-CN"/>
+          </a:p>
+          <a:p>
+            <a:r>
+              <a:rPr lang="zh-CN" altLang="en-US"/>
               <a:t>线性化一定有一个线性化工作点</a:t>
             </a:r>
-            <a:endParaRPr lang="en-US" altLang="zh-CN" dirty="0"/>
-          </a:p>
-          <a:p>
-            <a:r>
-              <a:rPr lang="zh-CN" altLang="en-US" dirty="0"/>
+            <a:endParaRPr lang="en-US" altLang="zh-CN"/>
+          </a:p>
+          <a:p>
+            <a:r>
+              <a:rPr lang="zh-CN" altLang="en-US"/>
               <a:t>线性化指的是在工作点附近的线性化</a:t>
             </a:r>
-            <a:endParaRPr lang="en-US" altLang="zh-CN" dirty="0"/>
-          </a:p>
-          <a:p>
-            <a:r>
-              <a:rPr lang="zh-CN" altLang="en-US" dirty="0"/>
+            <a:endParaRPr lang="en-US" altLang="zh-CN"/>
+          </a:p>
+          <a:p>
+            <a:r>
+              <a:rPr lang="zh-CN" altLang="en-US"/>
               <a:t>线性化指的是在工作点附近，用一个线性函数近似表示非线性函数</a:t>
             </a:r>
-            <a:endParaRPr lang="en-US" altLang="zh-CN" dirty="0"/>
-          </a:p>
-          <a:p>
-            <a:r>
-              <a:rPr lang="zh-CN" altLang="en-US" dirty="0"/>
+            <a:endParaRPr lang="en-US" altLang="zh-CN"/>
+          </a:p>
+          <a:p>
+            <a:r>
+              <a:rPr lang="zh-CN" altLang="en-US"/>
               <a:t>理解到这里，才是方法：</a:t>
             </a:r>
-            <a:endParaRPr lang="en-US" altLang="zh-CN" dirty="0"/>
+            <a:endParaRPr lang="en-US" altLang="zh-CN"/>
           </a:p>
           <a:p>
             <a:pPr marL="0" indent="0">
               <a:buNone/>
             </a:pPr>
             <a:r>
-              <a:rPr lang="zh-CN" altLang="en-US" dirty="0"/>
+              <a:rPr lang="zh-CN" altLang="en-US"/>
               <a:t>工作点附近 ： 非线性函数 ≈ 工作点函数值 </a:t>
             </a:r>
             <a:r>
-              <a:rPr lang="en-US" altLang="zh-CN" dirty="0"/>
+              <a:rPr lang="en-US" altLang="zh-CN"/>
               <a:t>+ </a:t>
             </a:r>
             <a:r>
-              <a:rPr lang="zh-CN" altLang="en-US" dirty="0"/>
+              <a:rPr lang="zh-CN" altLang="en-US"/>
               <a:t>自变量</a:t>
             </a:r>
             <a:r>
-              <a:rPr lang="en-US" altLang="zh-CN" dirty="0"/>
+              <a:rPr lang="en-US" altLang="zh-CN"/>
               <a:t>1</a:t>
             </a:r>
             <a:r>
-              <a:rPr lang="zh-CN" altLang="en-US" dirty="0"/>
+              <a:rPr lang="zh-CN" altLang="en-US"/>
               <a:t>雅可比 </a:t>
             </a:r>
             <a:r>
-              <a:rPr lang="en-US" altLang="zh-CN" dirty="0"/>
+              <a:rPr lang="en-US" altLang="zh-CN"/>
               <a:t>× Δ</a:t>
             </a:r>
             <a:r>
-              <a:rPr lang="zh-CN" altLang="en-US" dirty="0"/>
+              <a:rPr lang="zh-CN" altLang="en-US"/>
               <a:t>自变量</a:t>
             </a:r>
             <a:r>
-              <a:rPr lang="en-US" altLang="zh-CN" dirty="0"/>
+              <a:rPr lang="en-US" altLang="zh-CN"/>
               <a:t>1 +</a:t>
             </a:r>
             <a:r>
-              <a:rPr lang="zh-CN" altLang="en-US" dirty="0"/>
+              <a:rPr lang="zh-CN" altLang="en-US"/>
               <a:t>自变量</a:t>
             </a:r>
             <a:r>
-              <a:rPr lang="en-US" altLang="zh-CN" dirty="0"/>
+              <a:rPr lang="en-US" altLang="zh-CN"/>
               <a:t>2</a:t>
             </a:r>
             <a:r>
-              <a:rPr lang="zh-CN" altLang="en-US" dirty="0"/>
+              <a:rPr lang="zh-CN" altLang="en-US"/>
               <a:t>雅可比 </a:t>
             </a:r>
             <a:r>
-              <a:rPr lang="en-US" altLang="zh-CN" dirty="0"/>
+              <a:rPr lang="en-US" altLang="zh-CN"/>
               <a:t>× Δ</a:t>
             </a:r>
             <a:r>
-              <a:rPr lang="zh-CN" altLang="en-US" dirty="0"/>
+              <a:rPr lang="zh-CN" altLang="en-US"/>
               <a:t>自变量</a:t>
             </a:r>
             <a:r>
-              <a:rPr lang="en-US" altLang="zh-CN" dirty="0"/>
+              <a:rPr lang="en-US" altLang="zh-CN"/>
               <a:t>2  + …</a:t>
             </a:r>
           </a:p>
@@ -6695,18 +7640,18 @@
               <a:buNone/>
             </a:pPr>
             <a:r>
-              <a:rPr lang="zh-CN" altLang="en-US" dirty="0"/>
+              <a:rPr lang="zh-CN" altLang="en-US"/>
               <a:t>其实就是 </a:t>
             </a:r>
             <a:r>
-              <a:rPr lang="en-US" altLang="zh-CN" dirty="0"/>
+              <a:rPr lang="en-US" altLang="zh-CN"/>
               <a:t>y = y0 + k(x-x0)</a:t>
             </a:r>
             <a:r>
-              <a:rPr lang="zh-CN" altLang="en-US" dirty="0"/>
+              <a:rPr lang="zh-CN" altLang="en-US"/>
               <a:t>的升级版</a:t>
             </a:r>
-            <a:endParaRPr lang="en-US" altLang="zh-CN" dirty="0"/>
+            <a:endParaRPr lang="en-US" altLang="zh-CN"/>
           </a:p>
         </p:txBody>
       </p:sp>
@@ -6723,7 +7668,7 @@
 </p:sld>
 </file>
 
-<file path=ppt/slides/slide39.xml><?xml version="1.0" encoding="utf-8"?>
+<file path=ppt/slides/slide45.xml><?xml version="1.0" encoding="utf-8"?>
 <p:sld xmlns:a="http://schemas.openxmlformats.org/drawingml/2006/main" xmlns:r="http://schemas.openxmlformats.org/officeDocument/2006/relationships" xmlns:p="http://schemas.openxmlformats.org/presentationml/2006/main">
   <p:cSld>
     <p:spTree>
@@ -6762,7 +7707,7 @@
           <a:lstStyle/>
           <a:p>
             <a:r>
-              <a:rPr lang="zh-CN" altLang="en-US" dirty="0"/>
+              <a:rPr lang="zh-CN" altLang="en-US"/>
               <a:t>在状态估计里面，怎么做线性化？</a:t>
             </a:r>
           </a:p>
@@ -6790,20 +7735,20 @@
           <a:lstStyle/>
           <a:p>
             <a:r>
-              <a:rPr lang="zh-CN" altLang="en-US" dirty="0"/>
+              <a:rPr lang="zh-CN" altLang="en-US"/>
               <a:t>需要手动推导一下</a:t>
             </a:r>
-            <a:endParaRPr lang="en-US" altLang="zh-CN" dirty="0"/>
-          </a:p>
-          <a:p>
-            <a:r>
-              <a:rPr lang="zh-CN" altLang="en-US" dirty="0"/>
+            <a:endParaRPr lang="en-US" altLang="zh-CN"/>
+          </a:p>
+          <a:p>
+            <a:r>
+              <a:rPr lang="zh-CN" altLang="en-US"/>
               <a:t>下面是截图答案</a:t>
             </a:r>
-            <a:endParaRPr lang="en-US" altLang="zh-CN" dirty="0"/>
-          </a:p>
-          <a:p>
-            <a:endParaRPr lang="zh-CN" altLang="en-US" dirty="0"/>
+            <a:endParaRPr lang="en-US" altLang="zh-CN"/>
+          </a:p>
+          <a:p>
+            <a:endParaRPr lang="zh-CN" altLang="en-US"/>
           </a:p>
         </p:txBody>
       </p:sp>
@@ -6850,7 +7795,7 @@
 </p:sld>
 </file>
 
-<file path=ppt/slides/slide4.xml><?xml version="1.0" encoding="utf-8"?>
+<file path=ppt/slides/slide46.xml><?xml version="1.0" encoding="utf-8"?>
 <p:sld xmlns:a="http://schemas.openxmlformats.org/drawingml/2006/main" xmlns:r="http://schemas.openxmlformats.org/officeDocument/2006/relationships" xmlns:p="http://schemas.openxmlformats.org/presentationml/2006/main">
   <p:cSld>
     <p:spTree>
@@ -6869,87 +7814,6 @@
       </p:grpSpPr>
       <p:sp>
         <p:nvSpPr>
-          <p:cNvPr id="2" name="标题 1"/>
-          <p:cNvSpPr>
-            <a:spLocks noGrp="1"/>
-          </p:cNvSpPr>
-          <p:nvPr>
-            <p:ph type="title"/>
-          </p:nvPr>
-        </p:nvSpPr>
-        <p:spPr/>
-        <p:txBody>
-          <a:bodyPr/>
-          <a:lstStyle/>
-          <a:p>
-            <a:r>
-              <a:rPr lang="en-US" altLang="zh-CN"/>
-              <a:t>状态估计为啥跟概率论扯上了关系？</a:t>
-            </a:r>
-          </a:p>
-        </p:txBody>
-      </p:sp>
-      <p:sp>
-        <p:nvSpPr>
-          <p:cNvPr id="3" name="内容占位符 2"/>
-          <p:cNvSpPr>
-            <a:spLocks noGrp="1"/>
-          </p:cNvSpPr>
-          <p:nvPr>
-            <p:ph idx="1"/>
-          </p:nvPr>
-        </p:nvSpPr>
-        <p:spPr/>
-        <p:txBody>
-          <a:bodyPr/>
-          <a:lstStyle/>
-          <a:p>
-            <a:r>
-              <a:rPr lang="en-US" altLang="zh-CN"/>
-              <a:t>很简单，状态是一个随机变量</a:t>
-            </a:r>
-          </a:p>
-          <a:p>
-            <a:r>
-              <a:rPr lang="en-US" altLang="zh-CN"/>
-              <a:t>概率论是研究随机变量的学科</a:t>
-            </a:r>
-          </a:p>
-          <a:p>
-            <a:r>
-              <a:rPr lang="en-US" altLang="zh-CN"/>
-              <a:t>研究状态，就是研究随机变量的概率分布</a:t>
-            </a:r>
-          </a:p>
-        </p:txBody>
-      </p:sp>
-    </p:spTree>
-  </p:cSld>
-  <p:clrMapOvr>
-    <a:masterClrMapping/>
-  </p:clrMapOvr>
-</p:sld>
-</file>
-
-<file path=ppt/slides/slide40.xml><?xml version="1.0" encoding="utf-8"?>
-<p:sld xmlns:a="http://schemas.openxmlformats.org/drawingml/2006/main" xmlns:r="http://schemas.openxmlformats.org/officeDocument/2006/relationships" xmlns:p="http://schemas.openxmlformats.org/presentationml/2006/main">
-  <p:cSld>
-    <p:spTree>
-      <p:nvGrpSpPr>
-        <p:cNvPr id="1" name=""/>
-        <p:cNvGrpSpPr/>
-        <p:nvPr/>
-      </p:nvGrpSpPr>
-      <p:grpSpPr>
-        <a:xfrm>
-          <a:off x="0" y="0"/>
-          <a:ext cx="0" cy="0"/>
-          <a:chOff x="0" y="0"/>
-          <a:chExt cx="0" cy="0"/>
-        </a:xfrm>
-      </p:grpSpPr>
-      <p:sp>
-        <p:nvSpPr>
           <p:cNvPr id="2" name="标题 1">
             <a:extLst>
               <a:ext uri="{FF2B5EF4-FFF2-40B4-BE49-F238E27FC236}">
@@ -6970,11 +7834,11 @@
           <a:lstStyle/>
           <a:p>
             <a:r>
-              <a:rPr lang="en-US" altLang="zh-CN" dirty="0"/>
+              <a:rPr lang="en-US" altLang="zh-CN"/>
               <a:t>EKF</a:t>
             </a:r>
             <a:r>
-              <a:rPr lang="zh-CN" altLang="en-US" dirty="0"/>
+              <a:rPr lang="zh-CN" altLang="en-US"/>
               <a:t>是什么形式？</a:t>
             </a:r>
           </a:p>
@@ -7022,7 +7886,7 @@
 </p:sld>
 </file>
 
-<file path=ppt/slides/slide41.xml><?xml version="1.0" encoding="utf-8"?>
+<file path=ppt/slides/slide47.xml><?xml version="1.0" encoding="utf-8"?>
 <p:sld xmlns:a="http://schemas.openxmlformats.org/drawingml/2006/main" xmlns:r="http://schemas.openxmlformats.org/officeDocument/2006/relationships" xmlns:p="http://schemas.openxmlformats.org/presentationml/2006/main">
   <p:cSld>
     <p:spTree>
@@ -7061,11 +7925,11 @@
           <a:lstStyle/>
           <a:p>
             <a:r>
-              <a:rPr lang="en-US" altLang="zh-CN" dirty="0"/>
+              <a:rPr lang="en-US" altLang="zh-CN"/>
               <a:t>EKF</a:t>
             </a:r>
             <a:r>
-              <a:rPr lang="zh-CN" altLang="en-US" dirty="0"/>
+              <a:rPr lang="zh-CN" altLang="en-US"/>
               <a:t>问题是什么？</a:t>
             </a:r>
           </a:p>
@@ -7093,21 +7957,21 @@
           <a:lstStyle/>
           <a:p>
             <a:r>
-              <a:rPr lang="zh-CN" altLang="en-US" dirty="0"/>
+              <a:rPr lang="zh-CN" altLang="en-US"/>
               <a:t>不是无偏的</a:t>
             </a:r>
-            <a:endParaRPr lang="en-US" altLang="zh-CN" dirty="0"/>
-          </a:p>
-          <a:p>
-            <a:r>
-              <a:rPr lang="zh-CN" altLang="en-US" dirty="0"/>
+            <a:endParaRPr lang="en-US" altLang="zh-CN"/>
+          </a:p>
+          <a:p>
+            <a:r>
+              <a:rPr lang="zh-CN" altLang="en-US"/>
               <a:t>不保证收敛</a:t>
             </a:r>
-            <a:endParaRPr lang="en-US" altLang="zh-CN" dirty="0"/>
-          </a:p>
-          <a:p>
-            <a:r>
-              <a:rPr lang="zh-CN" altLang="en-US" dirty="0"/>
+            <a:endParaRPr lang="en-US" altLang="zh-CN"/>
+          </a:p>
+          <a:p>
+            <a:r>
+              <a:rPr lang="zh-CN" altLang="en-US"/>
               <a:t>线性化点离真值可以比较远</a:t>
             </a:r>
           </a:p>
@@ -7126,7 +7990,7 @@
 </p:sld>
 </file>
 
-<file path=ppt/slides/slide42.xml><?xml version="1.0" encoding="utf-8"?>
+<file path=ppt/slides/slide48.xml><?xml version="1.0" encoding="utf-8"?>
 <p:sld xmlns:a="http://schemas.openxmlformats.org/drawingml/2006/main" xmlns:r="http://schemas.openxmlformats.org/officeDocument/2006/relationships" xmlns:p="http://schemas.openxmlformats.org/presentationml/2006/main">
   <p:cSld>
     <p:spTree>
@@ -7165,7 +8029,7 @@
           <a:lstStyle/>
           <a:p>
             <a:r>
-              <a:rPr lang="zh-CN" altLang="en-US" dirty="0"/>
+              <a:rPr lang="zh-CN" altLang="en-US"/>
               <a:t>广义高斯滤波是啥？有啥作用？</a:t>
             </a:r>
           </a:p>
@@ -7193,14 +8057,14 @@
           <a:lstStyle/>
           <a:p>
             <a:r>
-              <a:rPr lang="zh-CN" altLang="en-US" dirty="0"/>
+              <a:rPr lang="zh-CN" altLang="en-US"/>
               <a:t>就是高斯推断的一个应用</a:t>
             </a:r>
-            <a:endParaRPr lang="en-US" altLang="zh-CN" dirty="0"/>
-          </a:p>
-          <a:p>
-            <a:r>
-              <a:rPr lang="zh-CN" altLang="en-US" dirty="0"/>
+            <a:endParaRPr lang="en-US" altLang="zh-CN"/>
+          </a:p>
+          <a:p>
+            <a:r>
+              <a:rPr lang="zh-CN" altLang="en-US"/>
               <a:t>没啥作用</a:t>
             </a:r>
           </a:p>
@@ -7219,7 +8083,7 @@
 </p:sld>
 </file>
 
-<file path=ppt/slides/slide43.xml><?xml version="1.0" encoding="utf-8"?>
+<file path=ppt/slides/slide49.xml><?xml version="1.0" encoding="utf-8"?>
 <p:sld xmlns:a="http://schemas.openxmlformats.org/drawingml/2006/main" xmlns:r="http://schemas.openxmlformats.org/officeDocument/2006/relationships" xmlns:p="http://schemas.openxmlformats.org/presentationml/2006/main">
   <p:cSld>
     <p:spTree>
@@ -7258,7 +8122,7 @@
           <a:lstStyle/>
           <a:p>
             <a:r>
-              <a:rPr lang="zh-CN" altLang="en-US" dirty="0"/>
+              <a:rPr lang="zh-CN" altLang="en-US"/>
               <a:t>迭代卡尔曼滤波是啥意思</a:t>
             </a:r>
           </a:p>
@@ -7286,27 +8150,27 @@
           <a:lstStyle/>
           <a:p>
             <a:r>
-              <a:rPr lang="en-US" altLang="zh-CN" dirty="0"/>
+              <a:rPr lang="en-US" altLang="zh-CN"/>
               <a:t>EKF</a:t>
             </a:r>
             <a:r>
-              <a:rPr lang="zh-CN" altLang="en-US" dirty="0"/>
+              <a:rPr lang="zh-CN" altLang="en-US"/>
               <a:t>不止进行一次</a:t>
             </a:r>
-            <a:endParaRPr lang="en-US" altLang="zh-CN" dirty="0"/>
-          </a:p>
-          <a:p>
-            <a:r>
-              <a:rPr lang="zh-CN" altLang="en-US" dirty="0"/>
+            <a:endParaRPr lang="en-US" altLang="zh-CN"/>
+          </a:p>
+          <a:p>
+            <a:r>
+              <a:rPr lang="zh-CN" altLang="en-US"/>
               <a:t>就是把上一次滤波的结果作为下一次的工作点，迭代进行</a:t>
             </a:r>
-            <a:endParaRPr lang="en-US" altLang="zh-CN" dirty="0"/>
+            <a:endParaRPr lang="en-US" altLang="zh-CN"/>
           </a:p>
           <a:p>
             <a:pPr marL="0" indent="0">
               <a:buNone/>
             </a:pPr>
-            <a:endParaRPr lang="zh-CN" altLang="en-US" dirty="0"/>
+            <a:endParaRPr lang="zh-CN" altLang="en-US"/>
           </a:p>
         </p:txBody>
       </p:sp>
@@ -7353,7 +8217,7 @@
 </p:sld>
 </file>
 
-<file path=ppt/slides/slide44.xml><?xml version="1.0" encoding="utf-8"?>
+<file path=ppt/slides/slide5.xml><?xml version="1.0" encoding="utf-8"?>
 <p:sld xmlns:a="http://schemas.openxmlformats.org/drawingml/2006/main" xmlns:r="http://schemas.openxmlformats.org/officeDocument/2006/relationships" xmlns:p="http://schemas.openxmlformats.org/presentationml/2006/main">
   <p:cSld>
     <p:spTree>
@@ -7372,13 +8236,7 @@
       </p:grpSpPr>
       <p:sp>
         <p:nvSpPr>
-          <p:cNvPr id="2" name="标题 1">
-            <a:extLst>
-              <a:ext uri="{FF2B5EF4-FFF2-40B4-BE49-F238E27FC236}">
-                <a16:creationId xmlns:a16="http://schemas.microsoft.com/office/drawing/2014/main" id="{0672252D-DEC3-45D8-B416-100BC044994E}"/>
-              </a:ext>
-            </a:extLst>
-          </p:cNvPr>
+          <p:cNvPr id="2" name="标题 1"/>
           <p:cNvSpPr>
             <a:spLocks noGrp="1"/>
           </p:cNvSpPr>
@@ -7392,21 +8250,15 @@
           <a:lstStyle/>
           <a:p>
             <a:r>
-              <a:rPr lang="zh-CN" altLang="en-US" dirty="0"/>
-              <a:t>处理非线性函数都有哪些方法？</a:t>
-            </a:r>
-          </a:p>
-        </p:txBody>
-      </p:sp>
-      <p:sp>
-        <p:nvSpPr>
-          <p:cNvPr id="3" name="内容占位符 2">
-            <a:extLst>
-              <a:ext uri="{FF2B5EF4-FFF2-40B4-BE49-F238E27FC236}">
-                <a16:creationId xmlns:a16="http://schemas.microsoft.com/office/drawing/2014/main" id="{AB6C582C-1266-4F73-B3C6-D7A7EF406C75}"/>
-              </a:ext>
-            </a:extLst>
-          </p:cNvPr>
+              <a:rPr lang="en-US" altLang="zh-CN"/>
+              <a:t>小插曲：如何用数学来研究现实问题？</a:t>
+            </a:r>
+          </a:p>
+        </p:txBody>
+      </p:sp>
+      <p:sp>
+        <p:nvSpPr>
+          <p:cNvPr id="3" name="内容占位符 2"/>
           <p:cNvSpPr>
             <a:spLocks noGrp="1"/>
           </p:cNvSpPr>
@@ -7420,42 +8272,46 @@
           <a:lstStyle/>
           <a:p>
             <a:r>
-              <a:rPr lang="zh-CN" altLang="en-US" dirty="0"/>
-              <a:t>线性化点近似法</a:t>
-            </a:r>
-            <a:endParaRPr lang="en-US" altLang="zh-CN" dirty="0"/>
-          </a:p>
-          <a:p>
-            <a:endParaRPr lang="en-US" altLang="zh-CN" dirty="0"/>
-          </a:p>
-          <a:p>
-            <a:r>
-              <a:rPr lang="zh-CN" altLang="en-US" dirty="0"/>
-              <a:t>蒙特卡洛法</a:t>
-            </a:r>
-            <a:endParaRPr lang="en-US" altLang="zh-CN" dirty="0"/>
-          </a:p>
-          <a:p>
-            <a:endParaRPr lang="en-US" altLang="zh-CN" dirty="0"/>
-          </a:p>
-          <a:p>
-            <a:r>
-              <a:rPr lang="en-US" altLang="zh-CN" dirty="0"/>
-              <a:t>Sigma</a:t>
-            </a:r>
-            <a:r>
-              <a:rPr lang="zh-CN" altLang="en-US" dirty="0"/>
-              <a:t>变换法</a:t>
+              <a:rPr lang="en-US" altLang="zh-CN"/>
+              <a:t>答案是通过模型作为桥梁。也就是，模型是数学和现实世界的桥梁。</a:t>
+            </a:r>
+          </a:p>
+          <a:p>
+            <a:r>
+              <a:rPr lang="en-US" altLang="zh-CN"/>
+              <a:t>数学要干的就是三件事：</a:t>
+            </a:r>
+          </a:p>
+          <a:p>
+            <a:pPr marL="514350" indent="-514350">
+              <a:buAutoNum type="arabicPeriod"/>
+            </a:pPr>
+            <a:r>
+              <a:rPr lang="en-US" altLang="zh-CN"/>
+              <a:t>建立模型，现实世界数学化</a:t>
+            </a:r>
+          </a:p>
+          <a:p>
+            <a:pPr marL="514350" indent="-514350">
+              <a:buAutoNum type="arabicPeriod"/>
+            </a:pPr>
+            <a:r>
+              <a:rPr lang="en-US" altLang="zh-CN"/>
+              <a:t>修正模型，使之更符合现实世界</a:t>
+            </a:r>
+          </a:p>
+          <a:p>
+            <a:pPr marL="514350" indent="-514350">
+              <a:buAutoNum type="arabicPeriod"/>
+            </a:pPr>
+            <a:r>
+              <a:rPr lang="en-US" altLang="zh-CN"/>
+              <a:t>在模型内研究解决问题</a:t>
             </a:r>
           </a:p>
         </p:txBody>
       </p:sp>
     </p:spTree>
-    <p:extLst>
-      <p:ext uri="{BB962C8B-B14F-4D97-AF65-F5344CB8AC3E}">
-        <p14:creationId xmlns:p14="http://schemas.microsoft.com/office/powerpoint/2010/main" val="1887701685"/>
-      </p:ext>
-    </p:extLst>
   </p:cSld>
   <p:clrMapOvr>
     <a:masterClrMapping/>
@@ -7463,7 +8319,7 @@
 </p:sld>
 </file>
 
-<file path=ppt/slides/slide45.xml><?xml version="1.0" encoding="utf-8"?>
+<file path=ppt/slides/slide50.xml><?xml version="1.0" encoding="utf-8"?>
 <p:sld xmlns:a="http://schemas.openxmlformats.org/drawingml/2006/main" xmlns:r="http://schemas.openxmlformats.org/officeDocument/2006/relationships" xmlns:p="http://schemas.openxmlformats.org/presentationml/2006/main">
   <p:cSld>
     <p:spTree>
@@ -7485,7 +8341,7 @@
           <p:cNvPr id="2" name="标题 1">
             <a:extLst>
               <a:ext uri="{FF2B5EF4-FFF2-40B4-BE49-F238E27FC236}">
-                <a16:creationId xmlns:a16="http://schemas.microsoft.com/office/drawing/2014/main" id="{1E24B5A6-A2E3-4177-B8E6-8E8DFD122AE5}"/>
+                <a16:creationId xmlns:a16="http://schemas.microsoft.com/office/drawing/2014/main" id="{0672252D-DEC3-45D8-B416-100BC044994E}"/>
               </a:ext>
             </a:extLst>
           </p:cNvPr>
@@ -7502,8 +8358,8 @@
           <a:lstStyle/>
           <a:p>
             <a:r>
-              <a:rPr lang="zh-CN" altLang="en-US" dirty="0"/>
-              <a:t>蒙特卡洛法的操作步骤、主要优缺点是什么？</a:t>
+              <a:rPr lang="zh-CN" altLang="en-US"/>
+              <a:t>处理非线性函数都有哪些方法？</a:t>
             </a:r>
           </a:p>
         </p:txBody>
@@ -7513,7 +8369,7 @@
           <p:cNvPr id="3" name="内容占位符 2">
             <a:extLst>
               <a:ext uri="{FF2B5EF4-FFF2-40B4-BE49-F238E27FC236}">
-                <a16:creationId xmlns:a16="http://schemas.microsoft.com/office/drawing/2014/main" id="{990E8968-410D-43C5-A024-C48A5075EF5F}"/>
+                <a16:creationId xmlns:a16="http://schemas.microsoft.com/office/drawing/2014/main" id="{AB6C582C-1266-4F73-B3C6-D7A7EF406C75}"/>
               </a:ext>
             </a:extLst>
           </p:cNvPr>
@@ -7530,28 +8386,32 @@
           <a:lstStyle/>
           <a:p>
             <a:r>
-              <a:rPr lang="zh-CN" altLang="en-US" dirty="0"/>
-              <a:t>步骤：对于非线性变换，对于输入部分大量采样，计算非线性变换后的值，再用变换后的值构建输出分布</a:t>
-            </a:r>
-            <a:endParaRPr lang="en-US" altLang="zh-CN" dirty="0"/>
-          </a:p>
-          <a:p>
-            <a:endParaRPr lang="en-US" altLang="zh-CN" dirty="0"/>
-          </a:p>
-          <a:p>
-            <a:r>
-              <a:rPr lang="zh-CN" altLang="en-US" dirty="0"/>
-              <a:t>主要优点：可以用于任何分布</a:t>
-            </a:r>
-            <a:endParaRPr lang="en-US" altLang="zh-CN" dirty="0"/>
-          </a:p>
-          <a:p>
-            <a:endParaRPr lang="en-US" altLang="zh-CN" dirty="0"/>
-          </a:p>
-          <a:p>
-            <a:r>
-              <a:rPr lang="zh-CN" altLang="en-US" dirty="0"/>
-              <a:t>主要缺点：计算量随维数指数增长</a:t>
+              <a:rPr lang="zh-CN" altLang="en-US"/>
+              <a:t>线性化点近似法</a:t>
+            </a:r>
+            <a:endParaRPr lang="en-US" altLang="zh-CN"/>
+          </a:p>
+          <a:p>
+            <a:endParaRPr lang="en-US" altLang="zh-CN"/>
+          </a:p>
+          <a:p>
+            <a:r>
+              <a:rPr lang="zh-CN" altLang="en-US"/>
+              <a:t>蒙特卡洛法</a:t>
+            </a:r>
+            <a:endParaRPr lang="en-US" altLang="zh-CN"/>
+          </a:p>
+          <a:p>
+            <a:endParaRPr lang="en-US" altLang="zh-CN"/>
+          </a:p>
+          <a:p>
+            <a:r>
+              <a:rPr lang="en-US" altLang="zh-CN"/>
+              <a:t>Sigma</a:t>
+            </a:r>
+            <a:r>
+              <a:rPr lang="zh-CN" altLang="en-US"/>
+              <a:t>变换法</a:t>
             </a:r>
           </a:p>
         </p:txBody>
@@ -7559,7 +8419,7 @@
     </p:spTree>
     <p:extLst>
       <p:ext uri="{BB962C8B-B14F-4D97-AF65-F5344CB8AC3E}">
-        <p14:creationId xmlns:p14="http://schemas.microsoft.com/office/powerpoint/2010/main" val="3971663722"/>
+        <p14:creationId xmlns:p14="http://schemas.microsoft.com/office/powerpoint/2010/main" val="1887701685"/>
       </p:ext>
     </p:extLst>
   </p:cSld>
@@ -7569,7 +8429,7 @@
 </p:sld>
 </file>
 
-<file path=ppt/slides/slide46.xml><?xml version="1.0" encoding="utf-8"?>
+<file path=ppt/slides/slide51.xml><?xml version="1.0" encoding="utf-8"?>
 <p:sld xmlns:a="http://schemas.openxmlformats.org/drawingml/2006/main" xmlns:r="http://schemas.openxmlformats.org/officeDocument/2006/relationships" xmlns:p="http://schemas.openxmlformats.org/presentationml/2006/main">
   <p:cSld>
     <p:spTree>
@@ -7591,7 +8451,7 @@
           <p:cNvPr id="2" name="标题 1">
             <a:extLst>
               <a:ext uri="{FF2B5EF4-FFF2-40B4-BE49-F238E27FC236}">
-                <a16:creationId xmlns:a16="http://schemas.microsoft.com/office/drawing/2014/main" id="{5B8437E0-409F-49C8-A056-27A76A4715F9}"/>
+                <a16:creationId xmlns:a16="http://schemas.microsoft.com/office/drawing/2014/main" id="{1E24B5A6-A2E3-4177-B8E6-8E8DFD122AE5}"/>
               </a:ext>
             </a:extLst>
           </p:cNvPr>
@@ -7608,8 +8468,8 @@
           <a:lstStyle/>
           <a:p>
             <a:r>
-              <a:rPr lang="zh-CN" altLang="en-US" dirty="0"/>
-              <a:t>线性化方法不准确的原因有哪四点？</a:t>
+              <a:rPr lang="zh-CN" altLang="en-US"/>
+              <a:t>蒙特卡洛法的操作步骤、主要优缺点是什么？</a:t>
             </a:r>
           </a:p>
         </p:txBody>
@@ -7619,7 +8479,7 @@
           <p:cNvPr id="3" name="内容占位符 2">
             <a:extLst>
               <a:ext uri="{FF2B5EF4-FFF2-40B4-BE49-F238E27FC236}">
-                <a16:creationId xmlns:a16="http://schemas.microsoft.com/office/drawing/2014/main" id="{0C80EC6A-E99B-43E8-8A84-004EFC617052}"/>
+                <a16:creationId xmlns:a16="http://schemas.microsoft.com/office/drawing/2014/main" id="{990E8968-410D-43C5-A024-C48A5075EF5F}"/>
               </a:ext>
             </a:extLst>
           </p:cNvPr>
@@ -7636,37 +8496,28 @@
           <a:lstStyle/>
           <a:p>
             <a:r>
-              <a:rPr lang="en-US" altLang="zh-CN" dirty="0"/>
-              <a:t>X</a:t>
-            </a:r>
-            <a:r>
-              <a:rPr lang="zh-CN" altLang="en-US" dirty="0"/>
-              <a:t>均值有问题，只是个估计</a:t>
-            </a:r>
-            <a:endParaRPr lang="en-US" altLang="zh-CN" dirty="0"/>
-          </a:p>
-          <a:p>
-            <a:r>
-              <a:rPr lang="en-US" altLang="zh-CN" dirty="0"/>
-              <a:t>Y</a:t>
-            </a:r>
-            <a:r>
-              <a:rPr lang="zh-CN" altLang="en-US" dirty="0"/>
-              <a:t>均值有问题，只是个估计</a:t>
-            </a:r>
-            <a:endParaRPr lang="en-US" altLang="zh-CN" dirty="0"/>
-          </a:p>
-          <a:p>
-            <a:r>
-              <a:rPr lang="zh-CN" altLang="en-US" dirty="0"/>
-              <a:t>分布有问题，不是高斯分布硬要用</a:t>
-            </a:r>
-            <a:endParaRPr lang="en-US" altLang="zh-CN" dirty="0"/>
-          </a:p>
-          <a:p>
-            <a:r>
-              <a:rPr lang="zh-CN" altLang="en-US" dirty="0"/>
-              <a:t>非线性线性化本身也是个近似</a:t>
+              <a:rPr lang="zh-CN" altLang="en-US"/>
+              <a:t>步骤：对于非线性变换，对于输入部分大量采样，计算非线性变换后的值，再用变换后的值构建输出分布</a:t>
+            </a:r>
+            <a:endParaRPr lang="en-US" altLang="zh-CN"/>
+          </a:p>
+          <a:p>
+            <a:endParaRPr lang="en-US" altLang="zh-CN"/>
+          </a:p>
+          <a:p>
+            <a:r>
+              <a:rPr lang="zh-CN" altLang="en-US"/>
+              <a:t>主要优点：可以用于任何分布</a:t>
+            </a:r>
+            <a:endParaRPr lang="en-US" altLang="zh-CN"/>
+          </a:p>
+          <a:p>
+            <a:endParaRPr lang="en-US" altLang="zh-CN"/>
+          </a:p>
+          <a:p>
+            <a:r>
+              <a:rPr lang="zh-CN" altLang="en-US"/>
+              <a:t>主要缺点：计算量随维数指数增长</a:t>
             </a:r>
           </a:p>
         </p:txBody>
@@ -7674,7 +8525,7 @@
     </p:spTree>
     <p:extLst>
       <p:ext uri="{BB962C8B-B14F-4D97-AF65-F5344CB8AC3E}">
-        <p14:creationId xmlns:p14="http://schemas.microsoft.com/office/powerpoint/2010/main" val="2321566058"/>
+        <p14:creationId xmlns:p14="http://schemas.microsoft.com/office/powerpoint/2010/main" val="3971663722"/>
       </p:ext>
     </p:extLst>
   </p:cSld>
@@ -7684,7 +8535,7 @@
 </p:sld>
 </file>
 
-<file path=ppt/slides/slide47.xml><?xml version="1.0" encoding="utf-8"?>
+<file path=ppt/slides/slide52.xml><?xml version="1.0" encoding="utf-8"?>
 <p:sld xmlns:a="http://schemas.openxmlformats.org/drawingml/2006/main" xmlns:r="http://schemas.openxmlformats.org/officeDocument/2006/relationships" xmlns:p="http://schemas.openxmlformats.org/presentationml/2006/main">
   <p:cSld>
     <p:spTree>
@@ -7706,7 +8557,7 @@
           <p:cNvPr id="2" name="标题 1">
             <a:extLst>
               <a:ext uri="{FF2B5EF4-FFF2-40B4-BE49-F238E27FC236}">
-                <a16:creationId xmlns:a16="http://schemas.microsoft.com/office/drawing/2014/main" id="{89FC16BB-6FB5-4DF2-B929-58C538095333}"/>
+                <a16:creationId xmlns:a16="http://schemas.microsoft.com/office/drawing/2014/main" id="{5B8437E0-409F-49C8-A056-27A76A4715F9}"/>
               </a:ext>
             </a:extLst>
           </p:cNvPr>
@@ -7723,12 +8574,8 @@
           <a:lstStyle/>
           <a:p>
             <a:r>
-              <a:rPr lang="en-US" altLang="zh-CN" dirty="0"/>
-              <a:t>Sigma</a:t>
-            </a:r>
-            <a:r>
-              <a:rPr lang="zh-CN" altLang="en-US" dirty="0"/>
-              <a:t>变换，你能想到什么？</a:t>
+              <a:rPr lang="zh-CN" altLang="en-US"/>
+              <a:t>线性化方法不准确的原因有哪四点？</a:t>
             </a:r>
           </a:p>
         </p:txBody>
@@ -7738,7 +8585,7 @@
           <p:cNvPr id="3" name="内容占位符 2">
             <a:extLst>
               <a:ext uri="{FF2B5EF4-FFF2-40B4-BE49-F238E27FC236}">
-                <a16:creationId xmlns:a16="http://schemas.microsoft.com/office/drawing/2014/main" id="{3CB4F36B-8E1E-45B5-AE68-AAB2DF713C12}"/>
+                <a16:creationId xmlns:a16="http://schemas.microsoft.com/office/drawing/2014/main" id="{0C80EC6A-E99B-43E8-8A84-004EFC617052}"/>
               </a:ext>
             </a:extLst>
           </p:cNvPr>
@@ -7755,55 +8602,45 @@
           <a:lstStyle/>
           <a:p>
             <a:r>
-              <a:rPr lang="zh-CN" altLang="en-US" dirty="0"/>
-              <a:t>好像是对某个东西进行</a:t>
-            </a:r>
-            <a:r>
-              <a:rPr lang="en-US" altLang="zh-CN" dirty="0" err="1"/>
-              <a:t>cholosky</a:t>
-            </a:r>
-            <a:r>
-              <a:rPr lang="zh-CN" altLang="en-US" dirty="0"/>
-              <a:t>分解，对协方差吗？</a:t>
-            </a:r>
-            <a:endParaRPr lang="en-US" altLang="zh-CN" dirty="0"/>
-          </a:p>
-          <a:p>
-            <a:r>
-              <a:rPr lang="zh-CN" altLang="en-US" dirty="0"/>
-              <a:t>对</a:t>
-            </a:r>
-            <a:r>
-              <a:rPr lang="en-US" altLang="zh-CN" dirty="0"/>
-              <a:t>L</a:t>
-            </a:r>
-            <a:r>
-              <a:rPr lang="zh-CN" altLang="en-US" dirty="0"/>
-              <a:t>进行一堆带根号的操作，得到一些列的点</a:t>
-            </a:r>
-            <a:r>
-              <a:rPr lang="en-US" altLang="zh-CN" dirty="0"/>
-              <a:t>……</a:t>
-            </a:r>
-          </a:p>
-          <a:p>
-            <a:r>
-              <a:rPr lang="en-US" altLang="zh-CN" dirty="0"/>
-              <a:t>————————————————————————</a:t>
-            </a:r>
-          </a:p>
-          <a:p>
-            <a:pPr marL="0" indent="0">
-              <a:buNone/>
-            </a:pPr>
-            <a:endParaRPr lang="zh-CN" altLang="en-US" dirty="0"/>
+              <a:rPr lang="en-US" altLang="zh-CN"/>
+              <a:t>X</a:t>
+            </a:r>
+            <a:r>
+              <a:rPr lang="zh-CN" altLang="en-US"/>
+              <a:t>均值有问题，只是个估计</a:t>
+            </a:r>
+            <a:endParaRPr lang="en-US" altLang="zh-CN"/>
+          </a:p>
+          <a:p>
+            <a:r>
+              <a:rPr lang="en-US" altLang="zh-CN"/>
+              <a:t>Y</a:t>
+            </a:r>
+            <a:r>
+              <a:rPr lang="zh-CN" altLang="en-US"/>
+              <a:t>均值有问题，只是个估计</a:t>
+            </a:r>
+            <a:endParaRPr lang="en-US" altLang="zh-CN"/>
+          </a:p>
+          <a:p>
+            <a:r>
+              <a:rPr lang="zh-CN" altLang="en-US"/>
+              <a:t>分布有问题，不是高斯分布硬要用</a:t>
+            </a:r>
+            <a:endParaRPr lang="en-US" altLang="zh-CN"/>
+          </a:p>
+          <a:p>
+            <a:r>
+              <a:rPr lang="zh-CN" altLang="en-US"/>
+              <a:t>非线性线性化本身也是个近似</a:t>
+            </a:r>
           </a:p>
         </p:txBody>
       </p:sp>
     </p:spTree>
     <p:extLst>
       <p:ext uri="{BB962C8B-B14F-4D97-AF65-F5344CB8AC3E}">
-        <p14:creationId xmlns:p14="http://schemas.microsoft.com/office/powerpoint/2010/main" val="3567815295"/>
+        <p14:creationId xmlns:p14="http://schemas.microsoft.com/office/powerpoint/2010/main" val="2321566058"/>
       </p:ext>
     </p:extLst>
   </p:cSld>
@@ -7813,7 +8650,7 @@
 </p:sld>
 </file>
 
-<file path=ppt/slides/slide48.xml><?xml version="1.0" encoding="utf-8"?>
+<file path=ppt/slides/slide53.xml><?xml version="1.0" encoding="utf-8"?>
 <p:sld xmlns:a="http://schemas.openxmlformats.org/drawingml/2006/main" xmlns:r="http://schemas.openxmlformats.org/officeDocument/2006/relationships" xmlns:p="http://schemas.openxmlformats.org/presentationml/2006/main">
   <p:cSld>
     <p:spTree>
@@ -7835,6 +8672,135 @@
           <p:cNvPr id="2" name="标题 1">
             <a:extLst>
               <a:ext uri="{FF2B5EF4-FFF2-40B4-BE49-F238E27FC236}">
+                <a16:creationId xmlns:a16="http://schemas.microsoft.com/office/drawing/2014/main" id="{89FC16BB-6FB5-4DF2-B929-58C538095333}"/>
+              </a:ext>
+            </a:extLst>
+          </p:cNvPr>
+          <p:cNvSpPr>
+            <a:spLocks noGrp="1"/>
+          </p:cNvSpPr>
+          <p:nvPr>
+            <p:ph type="title"/>
+          </p:nvPr>
+        </p:nvSpPr>
+        <p:spPr/>
+        <p:txBody>
+          <a:bodyPr/>
+          <a:lstStyle/>
+          <a:p>
+            <a:r>
+              <a:rPr lang="en-US" altLang="zh-CN"/>
+              <a:t>Sigma</a:t>
+            </a:r>
+            <a:r>
+              <a:rPr lang="zh-CN" altLang="en-US"/>
+              <a:t>变换，你能想到什么？</a:t>
+            </a:r>
+          </a:p>
+        </p:txBody>
+      </p:sp>
+      <p:sp>
+        <p:nvSpPr>
+          <p:cNvPr id="3" name="内容占位符 2">
+            <a:extLst>
+              <a:ext uri="{FF2B5EF4-FFF2-40B4-BE49-F238E27FC236}">
+                <a16:creationId xmlns:a16="http://schemas.microsoft.com/office/drawing/2014/main" id="{3CB4F36B-8E1E-45B5-AE68-AAB2DF713C12}"/>
+              </a:ext>
+            </a:extLst>
+          </p:cNvPr>
+          <p:cNvSpPr>
+            <a:spLocks noGrp="1"/>
+          </p:cNvSpPr>
+          <p:nvPr>
+            <p:ph idx="1"/>
+          </p:nvPr>
+        </p:nvSpPr>
+        <p:spPr/>
+        <p:txBody>
+          <a:bodyPr/>
+          <a:lstStyle/>
+          <a:p>
+            <a:r>
+              <a:rPr lang="zh-CN" altLang="en-US"/>
+              <a:t>好像是对某个东西进行</a:t>
+            </a:r>
+            <a:r>
+              <a:rPr lang="en-US" altLang="zh-CN" err="1"/>
+              <a:t>cholosky</a:t>
+            </a:r>
+            <a:r>
+              <a:rPr lang="zh-CN" altLang="en-US"/>
+              <a:t>分解，对协方差吗？</a:t>
+            </a:r>
+            <a:endParaRPr lang="en-US" altLang="zh-CN"/>
+          </a:p>
+          <a:p>
+            <a:r>
+              <a:rPr lang="zh-CN" altLang="en-US"/>
+              <a:t>对</a:t>
+            </a:r>
+            <a:r>
+              <a:rPr lang="en-US" altLang="zh-CN"/>
+              <a:t>L</a:t>
+            </a:r>
+            <a:r>
+              <a:rPr lang="zh-CN" altLang="en-US"/>
+              <a:t>进行一堆带根号的操作，得到一些列的点</a:t>
+            </a:r>
+            <a:r>
+              <a:rPr lang="en-US" altLang="zh-CN"/>
+              <a:t>……</a:t>
+            </a:r>
+          </a:p>
+          <a:p>
+            <a:r>
+              <a:rPr lang="en-US" altLang="zh-CN"/>
+              <a:t>————————————————————————</a:t>
+            </a:r>
+          </a:p>
+          <a:p>
+            <a:pPr marL="0" indent="0">
+              <a:buNone/>
+            </a:pPr>
+            <a:endParaRPr lang="zh-CN" altLang="en-US"/>
+          </a:p>
+        </p:txBody>
+      </p:sp>
+    </p:spTree>
+    <p:extLst>
+      <p:ext uri="{BB962C8B-B14F-4D97-AF65-F5344CB8AC3E}">
+        <p14:creationId xmlns:p14="http://schemas.microsoft.com/office/powerpoint/2010/main" val="3567815295"/>
+      </p:ext>
+    </p:extLst>
+  </p:cSld>
+  <p:clrMapOvr>
+    <a:masterClrMapping/>
+  </p:clrMapOvr>
+</p:sld>
+</file>
+
+<file path=ppt/slides/slide54.xml><?xml version="1.0" encoding="utf-8"?>
+<p:sld xmlns:a="http://schemas.openxmlformats.org/drawingml/2006/main" xmlns:r="http://schemas.openxmlformats.org/officeDocument/2006/relationships" xmlns:p="http://schemas.openxmlformats.org/presentationml/2006/main">
+  <p:cSld>
+    <p:spTree>
+      <p:nvGrpSpPr>
+        <p:cNvPr id="1" name=""/>
+        <p:cNvGrpSpPr/>
+        <p:nvPr/>
+      </p:nvGrpSpPr>
+      <p:grpSpPr>
+        <a:xfrm>
+          <a:off x="0" y="0"/>
+          <a:ext cx="0" cy="0"/>
+          <a:chOff x="0" y="0"/>
+          <a:chExt cx="0" cy="0"/>
+        </a:xfrm>
+      </p:grpSpPr>
+      <p:sp>
+        <p:nvSpPr>
+          <p:cNvPr id="2" name="标题 1">
+            <a:extLst>
+              <a:ext uri="{FF2B5EF4-FFF2-40B4-BE49-F238E27FC236}">
                 <a16:creationId xmlns:a16="http://schemas.microsoft.com/office/drawing/2014/main" id="{713D45AD-EA76-4FE6-8AAE-C332271C7EE5}"/>
               </a:ext>
             </a:extLst>
@@ -7852,11 +8818,11 @@
           <a:lstStyle/>
           <a:p>
             <a:r>
-              <a:rPr lang="en-US" altLang="zh-CN" dirty="0"/>
+              <a:rPr lang="en-US" altLang="zh-CN"/>
               <a:t>Sigma</a:t>
             </a:r>
             <a:r>
-              <a:rPr lang="zh-CN" altLang="en-US" dirty="0"/>
+              <a:rPr lang="zh-CN" altLang="en-US"/>
               <a:t>变换的操作是什么？</a:t>
             </a:r>
           </a:p>
@@ -7889,13 +8855,13 @@
           <a:lstStyle/>
           <a:p>
             <a:r>
-              <a:rPr lang="zh-CN" altLang="en-US" dirty="0"/>
+              <a:rPr lang="zh-CN" altLang="en-US"/>
               <a:t>手写一遍，口述一遍</a:t>
             </a:r>
-            <a:endParaRPr lang="en-US" altLang="zh-CN" dirty="0"/>
-          </a:p>
-          <a:p>
-            <a:endParaRPr lang="zh-CN" altLang="en-US" dirty="0"/>
+            <a:endParaRPr lang="en-US" altLang="zh-CN"/>
+          </a:p>
+          <a:p>
+            <a:endParaRPr lang="zh-CN" altLang="en-US"/>
           </a:p>
         </p:txBody>
       </p:sp>
@@ -7942,7 +8908,7 @@
 </p:sld>
 </file>
 
-<file path=ppt/slides/slide49.xml><?xml version="1.0" encoding="utf-8"?>
+<file path=ppt/slides/slide55.xml><?xml version="1.0" encoding="utf-8"?>
 <p:sld xmlns:a="http://schemas.openxmlformats.org/drawingml/2006/main" xmlns:r="http://schemas.openxmlformats.org/officeDocument/2006/relationships" xmlns:p="http://schemas.openxmlformats.org/presentationml/2006/main">
   <p:cSld>
     <p:spTree>
@@ -8005,7 +8971,7 @@
           <a:bodyPr/>
           <a:lstStyle/>
           <a:p>
-            <a:endParaRPr lang="zh-CN" altLang="en-US" dirty="0"/>
+            <a:endParaRPr lang="zh-CN" altLang="en-US"/>
           </a:p>
         </p:txBody>
       </p:sp>
@@ -8052,7 +9018,7 @@
 </p:sld>
 </file>
 
-<file path=ppt/slides/slide5.xml><?xml version="1.0" encoding="utf-8"?>
+<file path=ppt/slides/slide56.xml><?xml version="1.0" encoding="utf-8"?>
 <p:sld xmlns:a="http://schemas.openxmlformats.org/drawingml/2006/main" xmlns:r="http://schemas.openxmlformats.org/officeDocument/2006/relationships" xmlns:p="http://schemas.openxmlformats.org/presentationml/2006/main">
   <p:cSld>
     <p:spTree>
@@ -8071,7 +9037,13 @@
       </p:grpSpPr>
       <p:sp>
         <p:nvSpPr>
-          <p:cNvPr id="2" name="标题 1"/>
+          <p:cNvPr id="2" name="标题 1">
+            <a:extLst>
+              <a:ext uri="{FF2B5EF4-FFF2-40B4-BE49-F238E27FC236}">
+                <a16:creationId xmlns:a16="http://schemas.microsoft.com/office/drawing/2014/main" id="{027FADA3-3A04-47AA-826C-A83769597AFA}"/>
+              </a:ext>
+            </a:extLst>
+          </p:cNvPr>
           <p:cNvSpPr>
             <a:spLocks noGrp="1"/>
           </p:cNvSpPr>
@@ -8085,15 +9057,21 @@
           <a:lstStyle/>
           <a:p>
             <a:r>
-              <a:rPr lang="en-US" altLang="zh-CN"/>
-              <a:t>小插曲：如何用数学来研究现实问题？</a:t>
-            </a:r>
-          </a:p>
-        </p:txBody>
-      </p:sp>
-      <p:sp>
-        <p:nvSpPr>
-          <p:cNvPr id="3" name="内容占位符 2"/>
+              <a:rPr lang="zh-CN" altLang="en-US"/>
+              <a:t>线性化方法下，均值和方差不准体现在哪些方面？</a:t>
+            </a:r>
+          </a:p>
+        </p:txBody>
+      </p:sp>
+      <p:sp>
+        <p:nvSpPr>
+          <p:cNvPr id="3" name="内容占位符 2">
+            <a:extLst>
+              <a:ext uri="{FF2B5EF4-FFF2-40B4-BE49-F238E27FC236}">
+                <a16:creationId xmlns:a16="http://schemas.microsoft.com/office/drawing/2014/main" id="{A17753C4-1665-4C13-A2A2-39407A08DD93}"/>
+              </a:ext>
+            </a:extLst>
+          </p:cNvPr>
           <p:cNvSpPr>
             <a:spLocks noGrp="1"/>
           </p:cNvSpPr>
@@ -8107,46 +9085,18 @@
           <a:lstStyle/>
           <a:p>
             <a:r>
-              <a:rPr lang="en-US" altLang="zh-CN"/>
-              <a:t>答案是通过模型作为桥梁。也就是，模型是数学和现实世界的桥梁。</a:t>
-            </a:r>
-          </a:p>
-          <a:p>
-            <a:r>
-              <a:rPr lang="en-US" altLang="zh-CN"/>
-              <a:t>数学要干的就是三件事：</a:t>
-            </a:r>
-          </a:p>
-          <a:p>
-            <a:pPr marL="514350" indent="-514350">
-              <a:buAutoNum type="arabicPeriod"/>
-            </a:pPr>
-            <a:r>
-              <a:rPr lang="en-US" altLang="zh-CN"/>
-              <a:t>建立模型，现实世界数学化</a:t>
-            </a:r>
-          </a:p>
-          <a:p>
-            <a:pPr marL="514350" indent="-514350">
-              <a:buAutoNum type="arabicPeriod"/>
-            </a:pPr>
-            <a:r>
-              <a:rPr lang="en-US" altLang="zh-CN"/>
-              <a:t>修正模型，使之更符合现实世界</a:t>
-            </a:r>
-          </a:p>
-          <a:p>
-            <a:pPr marL="514350" indent="-514350">
-              <a:buAutoNum type="arabicPeriod"/>
-            </a:pPr>
-            <a:r>
-              <a:rPr lang="en-US" altLang="zh-CN"/>
-              <a:t>在模型内研究解决问题</a:t>
+              <a:rPr lang="zh-CN" altLang="en-US"/>
+              <a:t>均值有偏，方差偏小</a:t>
             </a:r>
           </a:p>
         </p:txBody>
       </p:sp>
     </p:spTree>
+    <p:extLst>
+      <p:ext uri="{BB962C8B-B14F-4D97-AF65-F5344CB8AC3E}">
+        <p14:creationId xmlns:p14="http://schemas.microsoft.com/office/powerpoint/2010/main" val="469605791"/>
+      </p:ext>
+    </p:extLst>
   </p:cSld>
   <p:clrMapOvr>
     <a:masterClrMapping/>
@@ -8154,7 +9104,7 @@
 </p:sld>
 </file>
 
-<file path=ppt/slides/slide50.xml><?xml version="1.0" encoding="utf-8"?>
+<file path=ppt/slides/slide57.xml><?xml version="1.0" encoding="utf-8"?>
 <p:sld xmlns:a="http://schemas.openxmlformats.org/drawingml/2006/main" xmlns:r="http://schemas.openxmlformats.org/officeDocument/2006/relationships" xmlns:p="http://schemas.openxmlformats.org/presentationml/2006/main">
   <p:cSld>
     <p:spTree>
@@ -8176,7 +9126,7 @@
           <p:cNvPr id="2" name="标题 1">
             <a:extLst>
               <a:ext uri="{FF2B5EF4-FFF2-40B4-BE49-F238E27FC236}">
-                <a16:creationId xmlns:a16="http://schemas.microsoft.com/office/drawing/2014/main" id="{027FADA3-3A04-47AA-826C-A83769597AFA}"/>
+                <a16:creationId xmlns:a16="http://schemas.microsoft.com/office/drawing/2014/main" id="{C51B3FB1-0042-4E1E-B062-6017F30378C5}"/>
               </a:ext>
             </a:extLst>
           </p:cNvPr>
@@ -8193,9 +9143,14 @@
           <a:lstStyle/>
           <a:p>
             <a:r>
-              <a:rPr lang="zh-CN" altLang="en-US" dirty="0"/>
-              <a:t>线性化方法下，均值和方差不准体现在哪些方面？</a:t>
-            </a:r>
+              <a:rPr lang="zh-CN" altLang="en-US"/>
+              <a:t>请简述粒子滤波的流程</a:t>
+            </a:r>
+            <a:r>
+              <a:rPr lang="en-US" altLang="zh-CN"/>
+              <a:t>	</a:t>
+            </a:r>
+            <a:endParaRPr lang="zh-CN" altLang="en-US"/>
           </a:p>
         </p:txBody>
       </p:sp>
@@ -8204,7 +9159,7 @@
           <p:cNvPr id="3" name="内容占位符 2">
             <a:extLst>
               <a:ext uri="{FF2B5EF4-FFF2-40B4-BE49-F238E27FC236}">
-                <a16:creationId xmlns:a16="http://schemas.microsoft.com/office/drawing/2014/main" id="{A17753C4-1665-4C13-A2A2-39407A08DD93}"/>
+                <a16:creationId xmlns:a16="http://schemas.microsoft.com/office/drawing/2014/main" id="{34315EDC-903E-481E-8FBA-69EA9114228B}"/>
               </a:ext>
             </a:extLst>
           </p:cNvPr>
@@ -8221,8 +9176,29 @@
           <a:lstStyle/>
           <a:p>
             <a:r>
-              <a:rPr lang="zh-CN" altLang="en-US" dirty="0"/>
-              <a:t>均值有偏，方差偏小</a:t>
+              <a:rPr lang="zh-CN" altLang="en-US"/>
+              <a:t>第一步，依概率采样</a:t>
+            </a:r>
+            <a:endParaRPr lang="en-US" altLang="zh-CN"/>
+          </a:p>
+          <a:p>
+            <a:r>
+              <a:rPr lang="zh-CN" altLang="en-US"/>
+              <a:t>第二步，运动方程预测</a:t>
+            </a:r>
+            <a:endParaRPr lang="en-US" altLang="zh-CN"/>
+          </a:p>
+          <a:p>
+            <a:r>
+              <a:rPr lang="zh-CN" altLang="en-US"/>
+              <a:t>第三步，根据观测方程更新权重</a:t>
+            </a:r>
+            <a:endParaRPr lang="en-US" altLang="zh-CN"/>
+          </a:p>
+          <a:p>
+            <a:r>
+              <a:rPr lang="zh-CN" altLang="en-US"/>
+              <a:t>第四步，依权重重采样</a:t>
             </a:r>
           </a:p>
         </p:txBody>
@@ -8230,7 +9206,7 @@
     </p:spTree>
     <p:extLst>
       <p:ext uri="{BB962C8B-B14F-4D97-AF65-F5344CB8AC3E}">
-        <p14:creationId xmlns:p14="http://schemas.microsoft.com/office/powerpoint/2010/main" val="469605791"/>
+        <p14:creationId xmlns:p14="http://schemas.microsoft.com/office/powerpoint/2010/main" val="835176943"/>
       </p:ext>
     </p:extLst>
   </p:cSld>
@@ -8240,7 +9216,7 @@
 </p:sld>
 </file>
 
-<file path=ppt/slides/slide51.xml><?xml version="1.0" encoding="utf-8"?>
+<file path=ppt/slides/slide58.xml><?xml version="1.0" encoding="utf-8"?>
 <p:sld xmlns:a="http://schemas.openxmlformats.org/drawingml/2006/main" xmlns:r="http://schemas.openxmlformats.org/officeDocument/2006/relationships" xmlns:p="http://schemas.openxmlformats.org/presentationml/2006/main">
   <p:cSld>
     <p:spTree>
@@ -8262,118 +9238,6 @@
           <p:cNvPr id="2" name="标题 1">
             <a:extLst>
               <a:ext uri="{FF2B5EF4-FFF2-40B4-BE49-F238E27FC236}">
-                <a16:creationId xmlns:a16="http://schemas.microsoft.com/office/drawing/2014/main" id="{C51B3FB1-0042-4E1E-B062-6017F30378C5}"/>
-              </a:ext>
-            </a:extLst>
-          </p:cNvPr>
-          <p:cNvSpPr>
-            <a:spLocks noGrp="1"/>
-          </p:cNvSpPr>
-          <p:nvPr>
-            <p:ph type="title"/>
-          </p:nvPr>
-        </p:nvSpPr>
-        <p:spPr/>
-        <p:txBody>
-          <a:bodyPr/>
-          <a:lstStyle/>
-          <a:p>
-            <a:r>
-              <a:rPr lang="zh-CN" altLang="en-US" dirty="0"/>
-              <a:t>请简述粒子滤波的流程</a:t>
-            </a:r>
-            <a:r>
-              <a:rPr lang="en-US" altLang="zh-CN" dirty="0"/>
-              <a:t>	</a:t>
-            </a:r>
-            <a:endParaRPr lang="zh-CN" altLang="en-US" dirty="0"/>
-          </a:p>
-        </p:txBody>
-      </p:sp>
-      <p:sp>
-        <p:nvSpPr>
-          <p:cNvPr id="3" name="内容占位符 2">
-            <a:extLst>
-              <a:ext uri="{FF2B5EF4-FFF2-40B4-BE49-F238E27FC236}">
-                <a16:creationId xmlns:a16="http://schemas.microsoft.com/office/drawing/2014/main" id="{34315EDC-903E-481E-8FBA-69EA9114228B}"/>
-              </a:ext>
-            </a:extLst>
-          </p:cNvPr>
-          <p:cNvSpPr>
-            <a:spLocks noGrp="1"/>
-          </p:cNvSpPr>
-          <p:nvPr>
-            <p:ph idx="1"/>
-          </p:nvPr>
-        </p:nvSpPr>
-        <p:spPr/>
-        <p:txBody>
-          <a:bodyPr/>
-          <a:lstStyle/>
-          <a:p>
-            <a:r>
-              <a:rPr lang="zh-CN" altLang="en-US" dirty="0"/>
-              <a:t>第一步，依概率采样</a:t>
-            </a:r>
-            <a:endParaRPr lang="en-US" altLang="zh-CN" dirty="0"/>
-          </a:p>
-          <a:p>
-            <a:r>
-              <a:rPr lang="zh-CN" altLang="en-US" dirty="0"/>
-              <a:t>第二步，运动方程预测</a:t>
-            </a:r>
-            <a:endParaRPr lang="en-US" altLang="zh-CN" dirty="0"/>
-          </a:p>
-          <a:p>
-            <a:r>
-              <a:rPr lang="zh-CN" altLang="en-US" dirty="0"/>
-              <a:t>第三步，根据观测方程更新权重</a:t>
-            </a:r>
-            <a:endParaRPr lang="en-US" altLang="zh-CN" dirty="0"/>
-          </a:p>
-          <a:p>
-            <a:r>
-              <a:rPr lang="zh-CN" altLang="en-US" dirty="0"/>
-              <a:t>第四步，依权重重采样</a:t>
-            </a:r>
-          </a:p>
-        </p:txBody>
-      </p:sp>
-    </p:spTree>
-    <p:extLst>
-      <p:ext uri="{BB962C8B-B14F-4D97-AF65-F5344CB8AC3E}">
-        <p14:creationId xmlns:p14="http://schemas.microsoft.com/office/powerpoint/2010/main" val="835176943"/>
-      </p:ext>
-    </p:extLst>
-  </p:cSld>
-  <p:clrMapOvr>
-    <a:masterClrMapping/>
-  </p:clrMapOvr>
-</p:sld>
-</file>
-
-<file path=ppt/slides/slide52.xml><?xml version="1.0" encoding="utf-8"?>
-<p:sld xmlns:a="http://schemas.openxmlformats.org/drawingml/2006/main" xmlns:r="http://schemas.openxmlformats.org/officeDocument/2006/relationships" xmlns:p="http://schemas.openxmlformats.org/presentationml/2006/main">
-  <p:cSld>
-    <p:spTree>
-      <p:nvGrpSpPr>
-        <p:cNvPr id="1" name=""/>
-        <p:cNvGrpSpPr/>
-        <p:nvPr/>
-      </p:nvGrpSpPr>
-      <p:grpSpPr>
-        <a:xfrm>
-          <a:off x="0" y="0"/>
-          <a:ext cx="0" cy="0"/>
-          <a:chOff x="0" y="0"/>
-          <a:chExt cx="0" cy="0"/>
-        </a:xfrm>
-      </p:grpSpPr>
-      <p:sp>
-        <p:nvSpPr>
-          <p:cNvPr id="2" name="标题 1">
-            <a:extLst>
-              <a:ext uri="{FF2B5EF4-FFF2-40B4-BE49-F238E27FC236}">
                 <a16:creationId xmlns:a16="http://schemas.microsoft.com/office/drawing/2014/main" id="{101B656E-1BEE-48D9-B727-3F7EB55983AD}"/>
               </a:ext>
             </a:extLst>
@@ -8391,15 +9255,15 @@
           <a:lstStyle/>
           <a:p>
             <a:r>
-              <a:rPr lang="zh-CN" altLang="en-US" dirty="0"/>
+              <a:rPr lang="zh-CN" altLang="en-US"/>
               <a:t>请简述</a:t>
             </a:r>
             <a:r>
-              <a:rPr lang="en-US" altLang="zh-CN" dirty="0"/>
+              <a:rPr lang="en-US" altLang="zh-CN"/>
               <a:t>SPKF/UKF</a:t>
             </a:r>
             <a:r>
-              <a:rPr lang="zh-CN" altLang="en-US" dirty="0"/>
+              <a:rPr lang="zh-CN" altLang="en-US"/>
               <a:t>的步骤</a:t>
             </a:r>
           </a:p>
@@ -8427,13 +9291,13 @@
           <a:lstStyle/>
           <a:p>
             <a:r>
-              <a:rPr lang="zh-CN" altLang="en-US" dirty="0"/>
+              <a:rPr lang="zh-CN" altLang="en-US"/>
               <a:t>预测部分</a:t>
             </a:r>
-            <a:endParaRPr lang="en-US" altLang="zh-CN" dirty="0"/>
-          </a:p>
-          <a:p>
-            <a:endParaRPr lang="zh-CN" altLang="en-US" dirty="0"/>
+            <a:endParaRPr lang="en-US" altLang="zh-CN"/>
+          </a:p>
+          <a:p>
+            <a:endParaRPr lang="zh-CN" altLang="en-US"/>
           </a:p>
         </p:txBody>
       </p:sp>
@@ -8480,7 +9344,7 @@
 </p:sld>
 </file>
 
-<file path=ppt/slides/slide53.xml><?xml version="1.0" encoding="utf-8"?>
+<file path=ppt/slides/slide59.xml><?xml version="1.0" encoding="utf-8"?>
 <p:sld xmlns:a="http://schemas.openxmlformats.org/drawingml/2006/main" xmlns:r="http://schemas.openxmlformats.org/officeDocument/2006/relationships" xmlns:p="http://schemas.openxmlformats.org/presentationml/2006/main">
   <p:cSld>
     <p:spTree>
@@ -8544,13 +9408,13 @@
           <a:lstStyle/>
           <a:p>
             <a:r>
-              <a:rPr lang="zh-CN" altLang="en-US" dirty="0"/>
+              <a:rPr lang="zh-CN" altLang="en-US"/>
               <a:t>观测部分，注意要再带入到广义高斯滤波里面进行高斯推断</a:t>
             </a:r>
-            <a:endParaRPr lang="en-US" altLang="zh-CN" dirty="0"/>
-          </a:p>
-          <a:p>
-            <a:endParaRPr lang="zh-CN" altLang="en-US" dirty="0"/>
+            <a:endParaRPr lang="en-US" altLang="zh-CN"/>
+          </a:p>
+          <a:p>
+            <a:endParaRPr lang="zh-CN" altLang="en-US"/>
           </a:p>
         </p:txBody>
       </p:sp>
@@ -8597,7 +9461,7 @@
 </p:sld>
 </file>
 
-<file path=ppt/slides/slide54.xml><?xml version="1.0" encoding="utf-8"?>
+<file path=ppt/slides/slide6.xml><?xml version="1.0" encoding="utf-8"?>
 <p:sld xmlns:a="http://schemas.openxmlformats.org/drawingml/2006/main" xmlns:r="http://schemas.openxmlformats.org/officeDocument/2006/relationships" xmlns:p="http://schemas.openxmlformats.org/presentationml/2006/main">
   <p:cSld>
     <p:spTree>
@@ -8616,6 +9480,87 @@
       </p:grpSpPr>
       <p:sp>
         <p:nvSpPr>
+          <p:cNvPr id="2" name="标题 1"/>
+          <p:cNvSpPr>
+            <a:spLocks noGrp="1"/>
+          </p:cNvSpPr>
+          <p:nvPr>
+            <p:ph type="title"/>
+          </p:nvPr>
+        </p:nvSpPr>
+        <p:spPr/>
+        <p:txBody>
+          <a:bodyPr/>
+          <a:lstStyle/>
+          <a:p>
+            <a:r>
+              <a:rPr lang="en-US" altLang="zh-CN"/>
+              <a:t>贝叶斯公式是怎么用在状态估计中的？</a:t>
+            </a:r>
+          </a:p>
+        </p:txBody>
+      </p:sp>
+      <p:sp>
+        <p:nvSpPr>
+          <p:cNvPr id="3" name="内容占位符 2"/>
+          <p:cNvSpPr>
+            <a:spLocks noGrp="1"/>
+          </p:cNvSpPr>
+          <p:nvPr>
+            <p:ph idx="1"/>
+          </p:nvPr>
+        </p:nvSpPr>
+        <p:spPr/>
+        <p:txBody>
+          <a:bodyPr/>
+          <a:lstStyle/>
+          <a:p>
+            <a:r>
+              <a:rPr lang="en-US" altLang="zh-CN"/>
+              <a:t>联合 = 条件 × 边缘</a:t>
+            </a:r>
+          </a:p>
+          <a:p>
+            <a:r>
+              <a:rPr lang="en-US" altLang="zh-CN"/>
+              <a:t>后验 = 观测 × 先验 × 归一化</a:t>
+            </a:r>
+          </a:p>
+          <a:p>
+            <a:r>
+              <a:rPr lang="en-US" altLang="zh-CN"/>
+              <a:t>专有名词的对应关系：先验、传感器模型、后验、归一化参数</a:t>
+            </a:r>
+          </a:p>
+        </p:txBody>
+      </p:sp>
+    </p:spTree>
+  </p:cSld>
+  <p:clrMapOvr>
+    <a:masterClrMapping/>
+  </p:clrMapOvr>
+</p:sld>
+</file>
+
+<file path=ppt/slides/slide60.xml><?xml version="1.0" encoding="utf-8"?>
+<p:sld xmlns:a="http://schemas.openxmlformats.org/drawingml/2006/main" xmlns:r="http://schemas.openxmlformats.org/officeDocument/2006/relationships" xmlns:p="http://schemas.openxmlformats.org/presentationml/2006/main">
+  <p:cSld>
+    <p:spTree>
+      <p:nvGrpSpPr>
+        <p:cNvPr id="1" name=""/>
+        <p:cNvGrpSpPr/>
+        <p:nvPr/>
+      </p:nvGrpSpPr>
+      <p:grpSpPr>
+        <a:xfrm>
+          <a:off x="0" y="0"/>
+          <a:ext cx="0" cy="0"/>
+          <a:chOff x="0" y="0"/>
+          <a:chExt cx="0" cy="0"/>
+        </a:xfrm>
+      </p:grpSpPr>
+      <p:sp>
+        <p:nvSpPr>
           <p:cNvPr id="2" name="标题 1">
             <a:extLst>
               <a:ext uri="{FF2B5EF4-FFF2-40B4-BE49-F238E27FC236}">
@@ -8636,7 +9581,7 @@
           <a:lstStyle/>
           <a:p>
             <a:r>
-              <a:rPr lang="zh-CN" altLang="en-US" dirty="0"/>
+              <a:rPr lang="zh-CN" altLang="en-US"/>
               <a:t>几种滤波器的比较图</a:t>
             </a:r>
           </a:p>
@@ -8684,1147 +9629,6 @@
 </p:sld>
 </file>
 
-<file path=ppt/slides/slide55.xml><?xml version="1.0" encoding="utf-8"?>
-<p:sld xmlns:a="http://schemas.openxmlformats.org/drawingml/2006/main" xmlns:r="http://schemas.openxmlformats.org/officeDocument/2006/relationships" xmlns:p="http://schemas.openxmlformats.org/presentationml/2006/main">
-  <p:cSld>
-    <p:spTree>
-      <p:nvGrpSpPr>
-        <p:cNvPr id="1" name=""/>
-        <p:cNvGrpSpPr/>
-        <p:nvPr/>
-      </p:nvGrpSpPr>
-      <p:grpSpPr>
-        <a:xfrm>
-          <a:off x="0" y="0"/>
-          <a:ext cx="0" cy="0"/>
-          <a:chOff x="0" y="0"/>
-          <a:chExt cx="0" cy="0"/>
-        </a:xfrm>
-      </p:grpSpPr>
-      <p:sp>
-        <p:nvSpPr>
-          <p:cNvPr id="2" name="标题 1">
-            <a:extLst>
-              <a:ext uri="{FF2B5EF4-FFF2-40B4-BE49-F238E27FC236}">
-                <a16:creationId xmlns:a16="http://schemas.microsoft.com/office/drawing/2014/main" id="{7AF1382C-3E3C-4143-84F0-9FD2B4F08201}"/>
-              </a:ext>
-            </a:extLst>
-          </p:cNvPr>
-          <p:cNvSpPr>
-            <a:spLocks noGrp="1"/>
-          </p:cNvSpPr>
-          <p:nvPr>
-            <p:ph type="title"/>
-          </p:nvPr>
-        </p:nvSpPr>
-        <p:spPr/>
-        <p:txBody>
-          <a:bodyPr/>
-          <a:lstStyle/>
-          <a:p>
-            <a:r>
-              <a:rPr lang="zh-CN" altLang="en-US" dirty="0"/>
-              <a:t>用自己的语言，检索回忆描述最小二乘问题、牛顿法、高斯牛顿法的推导</a:t>
-            </a:r>
-          </a:p>
-        </p:txBody>
-      </p:sp>
-      <p:sp>
-        <p:nvSpPr>
-          <p:cNvPr id="3" name="内容占位符 2">
-            <a:extLst>
-              <a:ext uri="{FF2B5EF4-FFF2-40B4-BE49-F238E27FC236}">
-                <a16:creationId xmlns:a16="http://schemas.microsoft.com/office/drawing/2014/main" id="{BEA7B089-E448-4A6C-A269-2974AB1B437A}"/>
-              </a:ext>
-            </a:extLst>
-          </p:cNvPr>
-          <p:cNvSpPr>
-            <a:spLocks noGrp="1"/>
-          </p:cNvSpPr>
-          <p:nvPr>
-            <p:ph idx="1"/>
-          </p:nvPr>
-        </p:nvSpPr>
-        <p:spPr/>
-        <p:txBody>
-          <a:bodyPr/>
-          <a:lstStyle/>
-          <a:p>
-            <a:r>
-              <a:rPr lang="zh-CN" altLang="en-US" dirty="0"/>
-              <a:t>参见状态估计书</a:t>
-            </a:r>
-            <a:endParaRPr lang="en-US" altLang="zh-CN" dirty="0"/>
-          </a:p>
-          <a:p>
-            <a:pPr marL="514350" indent="-514350">
-              <a:buFont typeface="+mj-lt"/>
-              <a:buAutoNum type="arabicPeriod"/>
-            </a:pPr>
-            <a:r>
-              <a:rPr lang="zh-CN" altLang="en-US" dirty="0"/>
-              <a:t>残差函数的构建</a:t>
-            </a:r>
-            <a:r>
-              <a:rPr lang="en-US" altLang="zh-CN" dirty="0"/>
-              <a:t>F = e</a:t>
-            </a:r>
-            <a:r>
-              <a:rPr lang="en-US" altLang="zh-CN" baseline="30000" dirty="0"/>
-              <a:t>T</a:t>
-            </a:r>
-            <a:r>
-              <a:rPr lang="en-US" altLang="zh-CN" dirty="0"/>
-              <a:t>W</a:t>
-            </a:r>
-            <a:r>
-              <a:rPr lang="en-US" altLang="zh-CN" baseline="30000" dirty="0"/>
-              <a:t>-1</a:t>
-            </a:r>
-            <a:r>
-              <a:rPr lang="en-US" altLang="zh-CN" dirty="0"/>
-              <a:t>e</a:t>
-            </a:r>
-          </a:p>
-          <a:p>
-            <a:pPr marL="514350" indent="-514350">
-              <a:buFont typeface="+mj-lt"/>
-              <a:buAutoNum type="arabicPeriod"/>
-            </a:pPr>
-            <a:r>
-              <a:rPr lang="zh-CN" altLang="en-US" dirty="0"/>
-              <a:t>残差函数的归一化</a:t>
-            </a:r>
-            <a:r>
-              <a:rPr lang="en-US" altLang="zh-CN" dirty="0"/>
-              <a:t>F = </a:t>
-            </a:r>
-            <a:r>
-              <a:rPr lang="en-US" altLang="zh-CN" dirty="0" err="1"/>
-              <a:t>u</a:t>
-            </a:r>
-            <a:r>
-              <a:rPr lang="en-US" altLang="zh-CN" baseline="30000" dirty="0" err="1"/>
-              <a:t>T</a:t>
-            </a:r>
-            <a:r>
-              <a:rPr lang="en-US" altLang="zh-CN" dirty="0" err="1"/>
-              <a:t>u</a:t>
-            </a:r>
-            <a:r>
-              <a:rPr lang="zh-CN" altLang="en-US" dirty="0"/>
-              <a:t>。运用了</a:t>
-            </a:r>
-            <a:r>
-              <a:rPr lang="en-US" altLang="zh-CN" dirty="0"/>
-              <a:t>LL</a:t>
-            </a:r>
-            <a:r>
-              <a:rPr lang="en-US" altLang="zh-CN" baseline="30000" dirty="0"/>
-              <a:t>T</a:t>
-            </a:r>
-            <a:r>
-              <a:rPr lang="en-US" altLang="zh-CN" dirty="0"/>
-              <a:t>=W</a:t>
-            </a:r>
-            <a:r>
-              <a:rPr lang="en-US" altLang="zh-CN" baseline="30000" dirty="0"/>
-              <a:t>-1</a:t>
-            </a:r>
-          </a:p>
-          <a:p>
-            <a:pPr marL="514350" indent="-514350">
-              <a:buFont typeface="+mj-lt"/>
-              <a:buAutoNum type="arabicPeriod"/>
-            </a:pPr>
-            <a:r>
-              <a:rPr lang="zh-CN" altLang="en-US" dirty="0"/>
-              <a:t>对</a:t>
-            </a:r>
-            <a:r>
-              <a:rPr lang="en-US" altLang="zh-CN" dirty="0"/>
-              <a:t>F</a:t>
-            </a:r>
-            <a:r>
-              <a:rPr lang="zh-CN" altLang="en-US" dirty="0"/>
-              <a:t>二阶泰勒展开，得到牛顿法</a:t>
-            </a:r>
-            <a:r>
-              <a:rPr lang="en-US" altLang="zh-CN" dirty="0" err="1"/>
-              <a:t>HΔx</a:t>
-            </a:r>
-            <a:r>
-              <a:rPr lang="en-US" altLang="zh-CN" dirty="0"/>
-              <a:t> = -J</a:t>
-            </a:r>
-            <a:r>
-              <a:rPr lang="en-US" altLang="zh-CN" baseline="30000" dirty="0"/>
-              <a:t>T</a:t>
-            </a:r>
-          </a:p>
-          <a:p>
-            <a:pPr marL="514350" indent="-514350">
-              <a:buFont typeface="+mj-lt"/>
-              <a:buAutoNum type="arabicPeriod"/>
-            </a:pPr>
-            <a:r>
-              <a:rPr lang="zh-CN" altLang="en-US" dirty="0"/>
-              <a:t>如果对</a:t>
-            </a:r>
-            <a:r>
-              <a:rPr lang="en-US" altLang="zh-CN" dirty="0"/>
-              <a:t>u</a:t>
-            </a:r>
-            <a:r>
-              <a:rPr lang="zh-CN" altLang="en-US" dirty="0"/>
-              <a:t>二阶泰勒展开，得到高斯牛顿法</a:t>
-            </a:r>
-            <a:r>
-              <a:rPr lang="en-US" altLang="zh-CN" dirty="0" err="1"/>
-              <a:t>J</a:t>
-            </a:r>
-            <a:r>
-              <a:rPr lang="en-US" altLang="zh-CN" baseline="30000" dirty="0" err="1"/>
-              <a:t>T</a:t>
-            </a:r>
-            <a:r>
-              <a:rPr lang="en-US" altLang="zh-CN" dirty="0" err="1"/>
-              <a:t>JΔx</a:t>
-            </a:r>
-            <a:r>
-              <a:rPr lang="en-US" altLang="zh-CN" dirty="0"/>
-              <a:t> = </a:t>
-            </a:r>
-            <a:r>
-              <a:rPr lang="en-US" altLang="zh-CN" dirty="0" err="1"/>
-              <a:t>J</a:t>
-            </a:r>
-            <a:r>
-              <a:rPr lang="en-US" altLang="zh-CN" baseline="30000" dirty="0" err="1"/>
-              <a:t>T</a:t>
-            </a:r>
-            <a:r>
-              <a:rPr lang="en-US" altLang="zh-CN" dirty="0" err="1"/>
-              <a:t>u</a:t>
-            </a:r>
-            <a:endParaRPr lang="en-US" altLang="zh-CN" dirty="0"/>
-          </a:p>
-          <a:p>
-            <a:pPr marL="514350" indent="-514350">
-              <a:buFont typeface="+mj-lt"/>
-              <a:buAutoNum type="arabicPeriod"/>
-            </a:pPr>
-            <a:r>
-              <a:rPr lang="zh-CN" altLang="en-US" dirty="0"/>
-              <a:t>加上</a:t>
-            </a:r>
-            <a:r>
-              <a:rPr lang="en-US" altLang="zh-CN" dirty="0" err="1"/>
-              <a:t>λD</a:t>
-            </a:r>
-            <a:r>
-              <a:rPr lang="zh-CN" altLang="en-US" dirty="0"/>
-              <a:t>，变成</a:t>
-            </a:r>
-            <a:r>
-              <a:rPr lang="en-US" altLang="zh-CN" dirty="0"/>
-              <a:t>LM</a:t>
-            </a:r>
-            <a:r>
-              <a:rPr lang="zh-CN" altLang="en-US" dirty="0"/>
-              <a:t>算法</a:t>
-            </a:r>
-            <a:r>
-              <a:rPr lang="en-US" altLang="zh-CN" dirty="0"/>
-              <a:t>(J</a:t>
-            </a:r>
-            <a:r>
-              <a:rPr lang="en-US" altLang="zh-CN" baseline="30000" dirty="0"/>
-              <a:t>T</a:t>
-            </a:r>
-            <a:r>
-              <a:rPr lang="en-US" altLang="zh-CN" dirty="0"/>
-              <a:t>J + </a:t>
-            </a:r>
-            <a:r>
-              <a:rPr lang="en-US" altLang="zh-CN" dirty="0" err="1"/>
-              <a:t>λD</a:t>
-            </a:r>
-            <a:r>
-              <a:rPr lang="en-US" altLang="zh-CN" dirty="0"/>
-              <a:t> )</a:t>
-            </a:r>
-            <a:r>
-              <a:rPr lang="en-US" altLang="zh-CN" dirty="0" err="1"/>
-              <a:t>Δx</a:t>
-            </a:r>
-            <a:r>
-              <a:rPr lang="en-US" altLang="zh-CN" dirty="0"/>
-              <a:t> = </a:t>
-            </a:r>
-            <a:r>
-              <a:rPr lang="en-US" altLang="zh-CN" dirty="0" err="1"/>
-              <a:t>J</a:t>
-            </a:r>
-            <a:r>
-              <a:rPr lang="en-US" altLang="zh-CN" baseline="30000" dirty="0" err="1"/>
-              <a:t>t</a:t>
-            </a:r>
-            <a:r>
-              <a:rPr lang="en-US" altLang="zh-CN" dirty="0" err="1"/>
-              <a:t>u</a:t>
-            </a:r>
-            <a:endParaRPr lang="en-US" altLang="zh-CN" dirty="0"/>
-          </a:p>
-          <a:p>
-            <a:pPr marL="514350" indent="-514350">
-              <a:buFont typeface="+mj-lt"/>
-              <a:buAutoNum type="arabicPeriod"/>
-            </a:pPr>
-            <a:r>
-              <a:rPr lang="zh-CN" altLang="en-US" dirty="0"/>
-              <a:t>带回误差</a:t>
-            </a:r>
-            <a:r>
-              <a:rPr lang="en-US" altLang="zh-CN" dirty="0"/>
-              <a:t>e</a:t>
-            </a:r>
-            <a:r>
-              <a:rPr lang="zh-CN" altLang="en-US" dirty="0"/>
-              <a:t>，变成</a:t>
-            </a:r>
-            <a:r>
-              <a:rPr lang="en-US" altLang="zh-CN" dirty="0"/>
-              <a:t>J</a:t>
-            </a:r>
-            <a:r>
-              <a:rPr lang="en-US" altLang="zh-CN" baseline="30000" dirty="0"/>
-              <a:t>T</a:t>
-            </a:r>
-            <a:r>
-              <a:rPr lang="zh-CN" altLang="en-US" baseline="30000" dirty="0"/>
-              <a:t> ∑</a:t>
-            </a:r>
-            <a:r>
-              <a:rPr lang="en-US" altLang="zh-CN" baseline="30000" dirty="0"/>
-              <a:t>-1</a:t>
-            </a:r>
-            <a:r>
-              <a:rPr lang="en-US" altLang="zh-CN" dirty="0"/>
-              <a:t>J </a:t>
-            </a:r>
-            <a:r>
-              <a:rPr lang="en-US" altLang="zh-CN" dirty="0" err="1"/>
-              <a:t>Δx</a:t>
-            </a:r>
-            <a:r>
-              <a:rPr lang="en-US" altLang="zh-CN" dirty="0"/>
-              <a:t> = J</a:t>
-            </a:r>
-            <a:r>
-              <a:rPr lang="en-US" altLang="zh-CN" baseline="30000" dirty="0"/>
-              <a:t>T</a:t>
-            </a:r>
-            <a:r>
-              <a:rPr lang="zh-CN" altLang="en-US" baseline="30000" dirty="0"/>
-              <a:t>∑</a:t>
-            </a:r>
-            <a:r>
-              <a:rPr lang="en-US" altLang="zh-CN" baseline="30000" dirty="0"/>
-              <a:t>-1</a:t>
-            </a:r>
-            <a:r>
-              <a:rPr lang="en-US" altLang="zh-CN" dirty="0"/>
-              <a:t>b</a:t>
-            </a:r>
-          </a:p>
-        </p:txBody>
-      </p:sp>
-    </p:spTree>
-    <p:extLst>
-      <p:ext uri="{BB962C8B-B14F-4D97-AF65-F5344CB8AC3E}">
-        <p14:creationId xmlns:p14="http://schemas.microsoft.com/office/powerpoint/2010/main" val="1896294513"/>
-      </p:ext>
-    </p:extLst>
-  </p:cSld>
-  <p:clrMapOvr>
-    <a:masterClrMapping/>
-  </p:clrMapOvr>
-</p:sld>
-</file>
-
-<file path=ppt/slides/slide56.xml><?xml version="1.0" encoding="utf-8"?>
-<p:sld xmlns:a="http://schemas.openxmlformats.org/drawingml/2006/main" xmlns:r="http://schemas.openxmlformats.org/officeDocument/2006/relationships" xmlns:p="http://schemas.openxmlformats.org/presentationml/2006/main">
-  <p:cSld>
-    <p:spTree>
-      <p:nvGrpSpPr>
-        <p:cNvPr id="1" name=""/>
-        <p:cNvGrpSpPr/>
-        <p:nvPr/>
-      </p:nvGrpSpPr>
-      <p:grpSpPr>
-        <a:xfrm>
-          <a:off x="0" y="0"/>
-          <a:ext cx="0" cy="0"/>
-          <a:chOff x="0" y="0"/>
-          <a:chExt cx="0" cy="0"/>
-        </a:xfrm>
-      </p:grpSpPr>
-      <p:sp>
-        <p:nvSpPr>
-          <p:cNvPr id="2" name="标题 1">
-            <a:extLst>
-              <a:ext uri="{FF2B5EF4-FFF2-40B4-BE49-F238E27FC236}">
-                <a16:creationId xmlns:a16="http://schemas.microsoft.com/office/drawing/2014/main" id="{08FB400F-9D4D-471D-BC63-4802B5B98003}"/>
-              </a:ext>
-            </a:extLst>
-          </p:cNvPr>
-          <p:cNvSpPr>
-            <a:spLocks noGrp="1"/>
-          </p:cNvSpPr>
-          <p:nvPr>
-            <p:ph type="title"/>
-          </p:nvPr>
-        </p:nvSpPr>
-        <p:spPr/>
-        <p:txBody>
-          <a:bodyPr/>
-          <a:lstStyle/>
-          <a:p>
-            <a:r>
-              <a:rPr lang="zh-CN" altLang="en-US" dirty="0"/>
-              <a:t>第四章 偏差、匹配和外点</a:t>
-            </a:r>
-            <a:r>
-              <a:rPr lang="en-US" altLang="zh-CN" dirty="0"/>
-              <a:t>	</a:t>
-            </a:r>
-            <a:endParaRPr lang="zh-CN" altLang="en-US" dirty="0"/>
-          </a:p>
-        </p:txBody>
-      </p:sp>
-      <p:sp>
-        <p:nvSpPr>
-          <p:cNvPr id="3" name="内容占位符 2">
-            <a:extLst>
-              <a:ext uri="{FF2B5EF4-FFF2-40B4-BE49-F238E27FC236}">
-                <a16:creationId xmlns:a16="http://schemas.microsoft.com/office/drawing/2014/main" id="{DD21EAA7-92A7-4335-8EB4-4B1ABAA77273}"/>
-              </a:ext>
-            </a:extLst>
-          </p:cNvPr>
-          <p:cNvSpPr>
-            <a:spLocks noGrp="1"/>
-          </p:cNvSpPr>
-          <p:nvPr>
-            <p:ph idx="1"/>
-          </p:nvPr>
-        </p:nvSpPr>
-        <p:spPr/>
-        <p:txBody>
-          <a:bodyPr/>
-          <a:lstStyle/>
-          <a:p>
-            <a:r>
-              <a:rPr lang="zh-CN" altLang="en-US" dirty="0"/>
-              <a:t>关于偏差，你能总结出几点？</a:t>
-            </a:r>
-            <a:endParaRPr lang="en-US" altLang="zh-CN" dirty="0"/>
-          </a:p>
-          <a:p>
-            <a:r>
-              <a:rPr lang="zh-CN" altLang="en-US" dirty="0"/>
-              <a:t>使用增广的方法对付偏差，有哪些要点？</a:t>
-            </a:r>
-            <a:endParaRPr lang="en-US" altLang="zh-CN" dirty="0"/>
-          </a:p>
-          <a:p>
-            <a:r>
-              <a:rPr lang="en-US" altLang="zh-CN" dirty="0"/>
-              <a:t>RANSAC</a:t>
-            </a:r>
-            <a:r>
-              <a:rPr lang="zh-CN" altLang="en-US" dirty="0"/>
-              <a:t>算法的思路和操作是什么？</a:t>
-            </a:r>
-            <a:endParaRPr lang="en-US" altLang="zh-CN" dirty="0"/>
-          </a:p>
-          <a:p>
-            <a:r>
-              <a:rPr lang="en-US" altLang="zh-CN" dirty="0"/>
-              <a:t>RANSAC</a:t>
-            </a:r>
-            <a:r>
-              <a:rPr lang="zh-CN" altLang="en-US" dirty="0"/>
-              <a:t>性能如何？</a:t>
-            </a:r>
-            <a:endParaRPr lang="en-US" altLang="zh-CN" dirty="0"/>
-          </a:p>
-          <a:p>
-            <a:r>
-              <a:rPr lang="en-US" altLang="zh-CN" dirty="0"/>
-              <a:t>M</a:t>
-            </a:r>
-            <a:r>
-              <a:rPr lang="zh-CN" altLang="en-US"/>
-              <a:t>估计方法是什么意思？</a:t>
-            </a:r>
-            <a:endParaRPr lang="en-US" altLang="zh-CN" dirty="0"/>
-          </a:p>
-          <a:p>
-            <a:endParaRPr lang="zh-CN" altLang="en-US" dirty="0"/>
-          </a:p>
-        </p:txBody>
-      </p:sp>
-    </p:spTree>
-    <p:extLst>
-      <p:ext uri="{BB962C8B-B14F-4D97-AF65-F5344CB8AC3E}">
-        <p14:creationId xmlns:p14="http://schemas.microsoft.com/office/powerpoint/2010/main" val="4151536564"/>
-      </p:ext>
-    </p:extLst>
-  </p:cSld>
-  <p:clrMapOvr>
-    <a:masterClrMapping/>
-  </p:clrMapOvr>
-</p:sld>
-</file>
-
-<file path=ppt/slides/slide57.xml><?xml version="1.0" encoding="utf-8"?>
-<p:sld xmlns:a="http://schemas.openxmlformats.org/drawingml/2006/main" xmlns:r="http://schemas.openxmlformats.org/officeDocument/2006/relationships" xmlns:p="http://schemas.openxmlformats.org/presentationml/2006/main">
-  <p:cSld>
-    <p:spTree>
-      <p:nvGrpSpPr>
-        <p:cNvPr id="1" name=""/>
-        <p:cNvGrpSpPr/>
-        <p:nvPr/>
-      </p:nvGrpSpPr>
-      <p:grpSpPr>
-        <a:xfrm>
-          <a:off x="0" y="0"/>
-          <a:ext cx="0" cy="0"/>
-          <a:chOff x="0" y="0"/>
-          <a:chExt cx="0" cy="0"/>
-        </a:xfrm>
-      </p:grpSpPr>
-      <p:sp>
-        <p:nvSpPr>
-          <p:cNvPr id="2" name="标题 1">
-            <a:extLst>
-              <a:ext uri="{FF2B5EF4-FFF2-40B4-BE49-F238E27FC236}">
-                <a16:creationId xmlns:a16="http://schemas.microsoft.com/office/drawing/2014/main" id="{319FF5ED-4E55-40B6-B023-314E6BFFCB99}"/>
-              </a:ext>
-            </a:extLst>
-          </p:cNvPr>
-          <p:cNvSpPr>
-            <a:spLocks noGrp="1"/>
-          </p:cNvSpPr>
-          <p:nvPr>
-            <p:ph type="title"/>
-          </p:nvPr>
-        </p:nvSpPr>
-        <p:spPr/>
-        <p:txBody>
-          <a:bodyPr/>
-          <a:lstStyle/>
-          <a:p>
-            <a:r>
-              <a:rPr lang="zh-CN" altLang="en-US" dirty="0"/>
-              <a:t>关于偏差，你能总结出几点？</a:t>
-            </a:r>
-          </a:p>
-        </p:txBody>
-      </p:sp>
-      <p:sp>
-        <p:nvSpPr>
-          <p:cNvPr id="3" name="内容占位符 2">
-            <a:extLst>
-              <a:ext uri="{FF2B5EF4-FFF2-40B4-BE49-F238E27FC236}">
-                <a16:creationId xmlns:a16="http://schemas.microsoft.com/office/drawing/2014/main" id="{F3CC8DDA-81C7-4742-87E1-3B6C9CC18BB7}"/>
-              </a:ext>
-            </a:extLst>
-          </p:cNvPr>
-          <p:cNvSpPr>
-            <a:spLocks noGrp="1"/>
-          </p:cNvSpPr>
-          <p:nvPr>
-            <p:ph idx="1"/>
-          </p:nvPr>
-        </p:nvSpPr>
-        <p:spPr/>
-        <p:txBody>
-          <a:bodyPr/>
-          <a:lstStyle/>
-          <a:p>
-            <a:pPr marL="514350" indent="-514350">
-              <a:buFont typeface="+mj-lt"/>
-              <a:buAutoNum type="arabicPeriod"/>
-            </a:pPr>
-            <a:r>
-              <a:rPr lang="zh-CN" altLang="en-US" dirty="0"/>
-              <a:t>误差</a:t>
-            </a:r>
-            <a:r>
-              <a:rPr lang="en-US" altLang="zh-CN" dirty="0"/>
-              <a:t>e</a:t>
-            </a:r>
-            <a:r>
-              <a:rPr lang="zh-CN" altLang="en-US" dirty="0"/>
-              <a:t>的定义是什么？估计值</a:t>
-            </a:r>
-            <a:r>
-              <a:rPr lang="en-US" altLang="zh-CN" dirty="0"/>
-              <a:t>-</a:t>
-            </a:r>
-            <a:r>
-              <a:rPr lang="zh-CN" altLang="en-US" dirty="0"/>
-              <a:t>真值</a:t>
-            </a:r>
-            <a:endParaRPr lang="en-US" altLang="zh-CN" dirty="0"/>
-          </a:p>
-          <a:p>
-            <a:pPr marL="514350" indent="-514350">
-              <a:buFont typeface="+mj-lt"/>
-              <a:buAutoNum type="arabicPeriod"/>
-            </a:pPr>
-            <a:r>
-              <a:rPr lang="zh-CN" altLang="en-US" dirty="0"/>
-              <a:t>误差的动态过程是如何得到？</a:t>
-            </a:r>
-            <a:endParaRPr lang="en-US" altLang="zh-CN" dirty="0"/>
-          </a:p>
-          <a:p>
-            <a:pPr marL="514350" indent="-514350">
-              <a:buFont typeface="+mj-lt"/>
-              <a:buAutoNum type="arabicPeriod"/>
-            </a:pPr>
-            <a:r>
-              <a:rPr lang="zh-CN" altLang="en-US" dirty="0"/>
-              <a:t>偏差会对估计产生何种影响？</a:t>
-            </a:r>
-            <a:endParaRPr lang="en-US" altLang="zh-CN" dirty="0"/>
-          </a:p>
-          <a:p>
-            <a:pPr marL="514350" indent="-514350">
-              <a:buFont typeface="+mj-lt"/>
-              <a:buAutoNum type="arabicPeriod"/>
-            </a:pPr>
-            <a:r>
-              <a:rPr lang="zh-CN" altLang="en-US" dirty="0"/>
-              <a:t>一般用什么办法来对付偏差</a:t>
-            </a:r>
-          </a:p>
-        </p:txBody>
-      </p:sp>
-    </p:spTree>
-    <p:extLst>
-      <p:ext uri="{BB962C8B-B14F-4D97-AF65-F5344CB8AC3E}">
-        <p14:creationId xmlns:p14="http://schemas.microsoft.com/office/powerpoint/2010/main" val="2717643576"/>
-      </p:ext>
-    </p:extLst>
-  </p:cSld>
-  <p:clrMapOvr>
-    <a:masterClrMapping/>
-  </p:clrMapOvr>
-</p:sld>
-</file>
-
-<file path=ppt/slides/slide58.xml><?xml version="1.0" encoding="utf-8"?>
-<p:sld xmlns:a="http://schemas.openxmlformats.org/drawingml/2006/main" xmlns:r="http://schemas.openxmlformats.org/officeDocument/2006/relationships" xmlns:p="http://schemas.openxmlformats.org/presentationml/2006/main">
-  <p:cSld>
-    <p:spTree>
-      <p:nvGrpSpPr>
-        <p:cNvPr id="1" name=""/>
-        <p:cNvGrpSpPr/>
-        <p:nvPr/>
-      </p:nvGrpSpPr>
-      <p:grpSpPr>
-        <a:xfrm>
-          <a:off x="0" y="0"/>
-          <a:ext cx="0" cy="0"/>
-          <a:chOff x="0" y="0"/>
-          <a:chExt cx="0" cy="0"/>
-        </a:xfrm>
-      </p:grpSpPr>
-      <p:sp>
-        <p:nvSpPr>
-          <p:cNvPr id="2" name="标题 1">
-            <a:extLst>
-              <a:ext uri="{FF2B5EF4-FFF2-40B4-BE49-F238E27FC236}">
-                <a16:creationId xmlns:a16="http://schemas.microsoft.com/office/drawing/2014/main" id="{85DA1357-C714-4FAE-ACD9-0C85497B8879}"/>
-              </a:ext>
-            </a:extLst>
-          </p:cNvPr>
-          <p:cNvSpPr>
-            <a:spLocks noGrp="1"/>
-          </p:cNvSpPr>
-          <p:nvPr>
-            <p:ph type="title"/>
-          </p:nvPr>
-        </p:nvSpPr>
-        <p:spPr/>
-        <p:txBody>
-          <a:bodyPr/>
-          <a:lstStyle/>
-          <a:p>
-            <a:r>
-              <a:rPr lang="zh-CN" altLang="en-US" dirty="0"/>
-              <a:t>使用增广的方法对付偏差，有哪些要点？</a:t>
-            </a:r>
-          </a:p>
-        </p:txBody>
-      </p:sp>
-      <p:sp>
-        <p:nvSpPr>
-          <p:cNvPr id="3" name="内容占位符 2">
-            <a:extLst>
-              <a:ext uri="{FF2B5EF4-FFF2-40B4-BE49-F238E27FC236}">
-                <a16:creationId xmlns:a16="http://schemas.microsoft.com/office/drawing/2014/main" id="{9AC1F6C6-6C12-451F-BBBF-54D2C7AB1414}"/>
-              </a:ext>
-            </a:extLst>
-          </p:cNvPr>
-          <p:cNvSpPr>
-            <a:spLocks noGrp="1"/>
-          </p:cNvSpPr>
-          <p:nvPr>
-            <p:ph idx="1"/>
-          </p:nvPr>
-        </p:nvSpPr>
-        <p:spPr/>
-        <p:txBody>
-          <a:bodyPr/>
-          <a:lstStyle/>
-          <a:p>
-            <a:r>
-              <a:rPr lang="zh-CN" altLang="en-US" dirty="0"/>
-              <a:t>操作方法：把偏差加到状态里面，形成增广</a:t>
-            </a:r>
-            <a:endParaRPr lang="en-US" altLang="zh-CN" dirty="0"/>
-          </a:p>
-          <a:p>
-            <a:r>
-              <a:rPr lang="zh-CN" altLang="en-US" dirty="0"/>
-              <a:t>能观性：大部分不能关</a:t>
-            </a:r>
-            <a:endParaRPr lang="en-US" altLang="zh-CN" dirty="0"/>
-          </a:p>
-          <a:p>
-            <a:r>
-              <a:rPr lang="zh-CN" altLang="en-US" dirty="0"/>
-              <a:t>不能观的原因：增广后左侧矩阵存在</a:t>
-            </a:r>
-            <a:r>
-              <a:rPr lang="en-US" altLang="zh-CN" dirty="0"/>
-              <a:t>0</a:t>
-            </a:r>
-            <a:r>
-              <a:rPr lang="zh-CN" altLang="en-US" dirty="0"/>
-              <a:t>空间，不能直接求逆</a:t>
-            </a:r>
-            <a:endParaRPr lang="en-US" altLang="zh-CN" dirty="0"/>
-          </a:p>
-          <a:p>
-            <a:r>
-              <a:rPr lang="zh-CN" altLang="en-US" dirty="0"/>
-              <a:t>解决方法：找出</a:t>
-            </a:r>
-            <a:r>
-              <a:rPr lang="en-US" altLang="zh-CN" dirty="0"/>
-              <a:t>0</a:t>
-            </a:r>
-            <a:r>
-              <a:rPr lang="zh-CN" altLang="en-US" dirty="0"/>
-              <a:t>空间把对应的变量</a:t>
-            </a:r>
-            <a:r>
-              <a:rPr lang="en-US" altLang="zh-CN" dirty="0"/>
-              <a:t>fix</a:t>
-            </a:r>
-            <a:r>
-              <a:rPr lang="zh-CN" altLang="en-US" dirty="0"/>
-              <a:t>住，并且保证过程中零空间不变。这里面的细节参见</a:t>
-            </a:r>
-            <a:r>
-              <a:rPr lang="en-US" altLang="zh-CN" dirty="0"/>
-              <a:t>VIO</a:t>
-            </a:r>
-            <a:r>
-              <a:rPr lang="zh-CN" altLang="en-US" dirty="0"/>
-              <a:t>课程</a:t>
-            </a:r>
-          </a:p>
-        </p:txBody>
-      </p:sp>
-    </p:spTree>
-    <p:extLst>
-      <p:ext uri="{BB962C8B-B14F-4D97-AF65-F5344CB8AC3E}">
-        <p14:creationId xmlns:p14="http://schemas.microsoft.com/office/powerpoint/2010/main" val="3588351934"/>
-      </p:ext>
-    </p:extLst>
-  </p:cSld>
-  <p:clrMapOvr>
-    <a:masterClrMapping/>
-  </p:clrMapOvr>
-</p:sld>
-</file>
-
-<file path=ppt/slides/slide59.xml><?xml version="1.0" encoding="utf-8"?>
-<p:sld xmlns:a="http://schemas.openxmlformats.org/drawingml/2006/main" xmlns:r="http://schemas.openxmlformats.org/officeDocument/2006/relationships" xmlns:p="http://schemas.openxmlformats.org/presentationml/2006/main">
-  <p:cSld>
-    <p:spTree>
-      <p:nvGrpSpPr>
-        <p:cNvPr id="1" name=""/>
-        <p:cNvGrpSpPr/>
-        <p:nvPr/>
-      </p:nvGrpSpPr>
-      <p:grpSpPr>
-        <a:xfrm>
-          <a:off x="0" y="0"/>
-          <a:ext cx="0" cy="0"/>
-          <a:chOff x="0" y="0"/>
-          <a:chExt cx="0" cy="0"/>
-        </a:xfrm>
-      </p:grpSpPr>
-      <p:sp>
-        <p:nvSpPr>
-          <p:cNvPr id="2" name="标题 1">
-            <a:extLst>
-              <a:ext uri="{FF2B5EF4-FFF2-40B4-BE49-F238E27FC236}">
-                <a16:creationId xmlns:a16="http://schemas.microsoft.com/office/drawing/2014/main" id="{D20589D3-7D09-419B-AD75-B4A544F2EAFF}"/>
-              </a:ext>
-            </a:extLst>
-          </p:cNvPr>
-          <p:cNvSpPr>
-            <a:spLocks noGrp="1"/>
-          </p:cNvSpPr>
-          <p:nvPr>
-            <p:ph type="title"/>
-          </p:nvPr>
-        </p:nvSpPr>
-        <p:spPr/>
-        <p:txBody>
-          <a:bodyPr/>
-          <a:lstStyle/>
-          <a:p>
-            <a:r>
-              <a:rPr lang="en-US" altLang="zh-CN" dirty="0"/>
-              <a:t>RANSAC</a:t>
-            </a:r>
-            <a:r>
-              <a:rPr lang="zh-CN" altLang="en-US" dirty="0"/>
-              <a:t>算法的思路和操作是什么？</a:t>
-            </a:r>
-          </a:p>
-        </p:txBody>
-      </p:sp>
-      <p:sp>
-        <p:nvSpPr>
-          <p:cNvPr id="3" name="内容占位符 2">
-            <a:extLst>
-              <a:ext uri="{FF2B5EF4-FFF2-40B4-BE49-F238E27FC236}">
-                <a16:creationId xmlns:a16="http://schemas.microsoft.com/office/drawing/2014/main" id="{9B6A0DF8-E1C8-4468-AE89-8B9FFDDD32AB}"/>
-              </a:ext>
-            </a:extLst>
-          </p:cNvPr>
-          <p:cNvSpPr>
-            <a:spLocks noGrp="1"/>
-          </p:cNvSpPr>
-          <p:nvPr>
-            <p:ph idx="1"/>
-          </p:nvPr>
-        </p:nvSpPr>
-        <p:spPr/>
-        <p:txBody>
-          <a:bodyPr/>
-          <a:lstStyle/>
-          <a:p>
-            <a:r>
-              <a:rPr lang="zh-CN" altLang="en-US" dirty="0"/>
-              <a:t>假设数据由内点和外点组成，内点符合预设模型，外点不符合</a:t>
-            </a:r>
-            <a:endParaRPr lang="en-US" altLang="zh-CN" dirty="0"/>
-          </a:p>
-          <a:p>
-            <a:endParaRPr lang="en-US" altLang="zh-CN" dirty="0"/>
-          </a:p>
-          <a:p>
-            <a:r>
-              <a:rPr lang="zh-CN" altLang="en-US" dirty="0"/>
-              <a:t>算法流程</a:t>
-            </a:r>
-            <a:endParaRPr lang="en-US" altLang="zh-CN" dirty="0"/>
-          </a:p>
-          <a:p>
-            <a:pPr marL="514350" indent="-514350">
-              <a:buFont typeface="+mj-lt"/>
-              <a:buAutoNum type="arabicPeriod"/>
-            </a:pPr>
-            <a:r>
-              <a:rPr lang="zh-CN" altLang="en-US" dirty="0"/>
-              <a:t>随机假设一部分点为内点</a:t>
-            </a:r>
-            <a:endParaRPr lang="en-US" altLang="zh-CN" dirty="0"/>
-          </a:p>
-          <a:p>
-            <a:pPr marL="514350" indent="-514350">
-              <a:buFont typeface="+mj-lt"/>
-              <a:buAutoNum type="arabicPeriod"/>
-            </a:pPr>
-            <a:r>
-              <a:rPr lang="zh-CN" altLang="en-US" dirty="0"/>
-              <a:t>利用这些内点算出一个模型</a:t>
-            </a:r>
-            <a:endParaRPr lang="en-US" altLang="zh-CN" dirty="0"/>
-          </a:p>
-          <a:p>
-            <a:pPr marL="514350" indent="-514350">
-              <a:buFont typeface="+mj-lt"/>
-              <a:buAutoNum type="arabicPeriod"/>
-            </a:pPr>
-            <a:r>
-              <a:rPr lang="zh-CN" altLang="en-US" dirty="0"/>
-              <a:t>判断剩余的点是否符合这个模型，如果内点太少，回到</a:t>
-            </a:r>
-            <a:r>
-              <a:rPr lang="en-US" altLang="zh-CN" dirty="0"/>
-              <a:t>1</a:t>
-            </a:r>
-          </a:p>
-          <a:p>
-            <a:pPr marL="514350" indent="-514350">
-              <a:buFont typeface="+mj-lt"/>
-              <a:buAutoNum type="arabicPeriod"/>
-            </a:pPr>
-            <a:r>
-              <a:rPr lang="zh-CN" altLang="en-US" dirty="0"/>
-              <a:t>根据</a:t>
-            </a:r>
-            <a:r>
-              <a:rPr lang="en-US" altLang="zh-CN" dirty="0"/>
-              <a:t>3</a:t>
-            </a:r>
-            <a:r>
-              <a:rPr lang="zh-CN" altLang="en-US" dirty="0"/>
-              <a:t>得到的内点，重新计算模型</a:t>
-            </a:r>
-            <a:endParaRPr lang="en-US" altLang="zh-CN" dirty="0"/>
-          </a:p>
-          <a:p>
-            <a:pPr marL="514350" indent="-514350">
-              <a:buFont typeface="+mj-lt"/>
-              <a:buAutoNum type="arabicPeriod"/>
-            </a:pPr>
-            <a:r>
-              <a:rPr lang="zh-CN" altLang="en-US" dirty="0"/>
-              <a:t>利用</a:t>
-            </a:r>
-            <a:r>
-              <a:rPr lang="en-US" altLang="zh-CN" dirty="0"/>
-              <a:t>4</a:t>
-            </a:r>
-            <a:r>
-              <a:rPr lang="zh-CN" altLang="en-US" dirty="0"/>
-              <a:t>得到的模型重新判断内外点，直到收敛</a:t>
-            </a:r>
-            <a:endParaRPr lang="en-US" altLang="zh-CN" dirty="0"/>
-          </a:p>
-          <a:p>
-            <a:pPr marL="514350" indent="-514350">
-              <a:buFont typeface="+mj-lt"/>
-              <a:buAutoNum type="arabicPeriod"/>
-            </a:pPr>
-            <a:endParaRPr lang="zh-CN" altLang="en-US" dirty="0"/>
-          </a:p>
-          <a:p>
-            <a:endParaRPr lang="zh-CN" altLang="en-US" dirty="0"/>
-          </a:p>
-        </p:txBody>
-      </p:sp>
-    </p:spTree>
-    <p:extLst>
-      <p:ext uri="{BB962C8B-B14F-4D97-AF65-F5344CB8AC3E}">
-        <p14:creationId xmlns:p14="http://schemas.microsoft.com/office/powerpoint/2010/main" val="2237319041"/>
-      </p:ext>
-    </p:extLst>
-  </p:cSld>
-  <p:clrMapOvr>
-    <a:masterClrMapping/>
-  </p:clrMapOvr>
-</p:sld>
-</file>
-
-<file path=ppt/slides/slide6.xml><?xml version="1.0" encoding="utf-8"?>
-<p:sld xmlns:a="http://schemas.openxmlformats.org/drawingml/2006/main" xmlns:r="http://schemas.openxmlformats.org/officeDocument/2006/relationships" xmlns:p="http://schemas.openxmlformats.org/presentationml/2006/main">
-  <p:cSld>
-    <p:spTree>
-      <p:nvGrpSpPr>
-        <p:cNvPr id="1" name=""/>
-        <p:cNvGrpSpPr/>
-        <p:nvPr/>
-      </p:nvGrpSpPr>
-      <p:grpSpPr>
-        <a:xfrm>
-          <a:off x="0" y="0"/>
-          <a:ext cx="0" cy="0"/>
-          <a:chOff x="0" y="0"/>
-          <a:chExt cx="0" cy="0"/>
-        </a:xfrm>
-      </p:grpSpPr>
-      <p:sp>
-        <p:nvSpPr>
-          <p:cNvPr id="2" name="标题 1"/>
-          <p:cNvSpPr>
-            <a:spLocks noGrp="1"/>
-          </p:cNvSpPr>
-          <p:nvPr>
-            <p:ph type="title"/>
-          </p:nvPr>
-        </p:nvSpPr>
-        <p:spPr/>
-        <p:txBody>
-          <a:bodyPr/>
-          <a:lstStyle/>
-          <a:p>
-            <a:r>
-              <a:rPr lang="en-US" altLang="zh-CN"/>
-              <a:t>贝叶斯公式是怎么用在状态估计中的？</a:t>
-            </a:r>
-          </a:p>
-        </p:txBody>
-      </p:sp>
-      <p:sp>
-        <p:nvSpPr>
-          <p:cNvPr id="3" name="内容占位符 2"/>
-          <p:cNvSpPr>
-            <a:spLocks noGrp="1"/>
-          </p:cNvSpPr>
-          <p:nvPr>
-            <p:ph idx="1"/>
-          </p:nvPr>
-        </p:nvSpPr>
-        <p:spPr/>
-        <p:txBody>
-          <a:bodyPr/>
-          <a:lstStyle/>
-          <a:p>
-            <a:r>
-              <a:rPr lang="en-US" altLang="zh-CN"/>
-              <a:t>联合 = 条件 × 边缘</a:t>
-            </a:r>
-          </a:p>
-          <a:p>
-            <a:r>
-              <a:rPr lang="en-US" altLang="zh-CN"/>
-              <a:t>后验 = 观测 × 先验 × 归一化</a:t>
-            </a:r>
-          </a:p>
-          <a:p>
-            <a:r>
-              <a:rPr lang="en-US" altLang="zh-CN"/>
-              <a:t>专有名词的对应关系：先验、传感器模型、后验、归一化参数</a:t>
-            </a:r>
-          </a:p>
-        </p:txBody>
-      </p:sp>
-    </p:spTree>
-  </p:cSld>
-  <p:clrMapOvr>
-    <a:masterClrMapping/>
-  </p:clrMapOvr>
-</p:sld>
-</file>
-
-<file path=ppt/slides/slide60.xml><?xml version="1.0" encoding="utf-8"?>
-<p:sld xmlns:a="http://schemas.openxmlformats.org/drawingml/2006/main" xmlns:r="http://schemas.openxmlformats.org/officeDocument/2006/relationships" xmlns:p="http://schemas.openxmlformats.org/presentationml/2006/main">
-  <p:cSld>
-    <p:spTree>
-      <p:nvGrpSpPr>
-        <p:cNvPr id="1" name=""/>
-        <p:cNvGrpSpPr/>
-        <p:nvPr/>
-      </p:nvGrpSpPr>
-      <p:grpSpPr>
-        <a:xfrm>
-          <a:off x="0" y="0"/>
-          <a:ext cx="0" cy="0"/>
-          <a:chOff x="0" y="0"/>
-          <a:chExt cx="0" cy="0"/>
-        </a:xfrm>
-      </p:grpSpPr>
-      <p:sp>
-        <p:nvSpPr>
-          <p:cNvPr id="2" name="标题 1">
-            <a:extLst>
-              <a:ext uri="{FF2B5EF4-FFF2-40B4-BE49-F238E27FC236}">
-                <a16:creationId xmlns:a16="http://schemas.microsoft.com/office/drawing/2014/main" id="{B358C93A-3D9D-4827-95EB-A414D8DD0AAA}"/>
-              </a:ext>
-            </a:extLst>
-          </p:cNvPr>
-          <p:cNvSpPr>
-            <a:spLocks noGrp="1"/>
-          </p:cNvSpPr>
-          <p:nvPr>
-            <p:ph type="title"/>
-          </p:nvPr>
-        </p:nvSpPr>
-        <p:spPr/>
-        <p:txBody>
-          <a:bodyPr/>
-          <a:lstStyle/>
-          <a:p>
-            <a:r>
-              <a:rPr lang="en-US" altLang="zh-CN" dirty="0"/>
-              <a:t>RANSAC</a:t>
-            </a:r>
-            <a:r>
-              <a:rPr lang="zh-CN" altLang="en-US" dirty="0"/>
-              <a:t>性能如何？</a:t>
-            </a:r>
-          </a:p>
-        </p:txBody>
-      </p:sp>
-      <p:sp>
-        <p:nvSpPr>
-          <p:cNvPr id="3" name="内容占位符 2">
-            <a:extLst>
-              <a:ext uri="{FF2B5EF4-FFF2-40B4-BE49-F238E27FC236}">
-                <a16:creationId xmlns:a16="http://schemas.microsoft.com/office/drawing/2014/main" id="{35E3E01C-7059-4435-984D-69E08C08518A}"/>
-              </a:ext>
-            </a:extLst>
-          </p:cNvPr>
-          <p:cNvSpPr>
-            <a:spLocks noGrp="1"/>
-          </p:cNvSpPr>
-          <p:nvPr>
-            <p:ph idx="1"/>
-          </p:nvPr>
-        </p:nvSpPr>
-        <p:spPr/>
-        <p:txBody>
-          <a:bodyPr/>
-          <a:lstStyle/>
-          <a:p>
-            <a:pPr marL="0" indent="0">
-              <a:buNone/>
-            </a:pPr>
-            <a:r>
-              <a:rPr lang="zh-CN" altLang="en-US" dirty="0"/>
-              <a:t>比较简洁高效，设计算法时可以参考</a:t>
-            </a:r>
-          </a:p>
-        </p:txBody>
-      </p:sp>
-    </p:spTree>
-    <p:extLst>
-      <p:ext uri="{BB962C8B-B14F-4D97-AF65-F5344CB8AC3E}">
-        <p14:creationId xmlns:p14="http://schemas.microsoft.com/office/powerpoint/2010/main" val="3633513262"/>
-      </p:ext>
-    </p:extLst>
-  </p:cSld>
-  <p:clrMapOvr>
-    <a:masterClrMapping/>
-  </p:clrMapOvr>
-</p:sld>
-</file>
-
 <file path=ppt/slides/slide61.xml><?xml version="1.0" encoding="utf-8"?>
 <p:sld xmlns:a="http://schemas.openxmlformats.org/drawingml/2006/main" xmlns:r="http://schemas.openxmlformats.org/officeDocument/2006/relationships" xmlns:p="http://schemas.openxmlformats.org/presentationml/2006/main">
   <p:cSld>
@@ -9847,6 +9651,1066 @@
           <p:cNvPr id="2" name="标题 1">
             <a:extLst>
               <a:ext uri="{FF2B5EF4-FFF2-40B4-BE49-F238E27FC236}">
+                <a16:creationId xmlns:a16="http://schemas.microsoft.com/office/drawing/2014/main" id="{7AF1382C-3E3C-4143-84F0-9FD2B4F08201}"/>
+              </a:ext>
+            </a:extLst>
+          </p:cNvPr>
+          <p:cNvSpPr>
+            <a:spLocks noGrp="1"/>
+          </p:cNvSpPr>
+          <p:nvPr>
+            <p:ph type="title"/>
+          </p:nvPr>
+        </p:nvSpPr>
+        <p:spPr/>
+        <p:txBody>
+          <a:bodyPr/>
+          <a:lstStyle/>
+          <a:p>
+            <a:r>
+              <a:rPr lang="zh-CN" altLang="en-US"/>
+              <a:t>用自己的语言，检索回忆描述最小二乘问题、牛顿法、高斯牛顿法的推导</a:t>
+            </a:r>
+          </a:p>
+        </p:txBody>
+      </p:sp>
+      <p:sp>
+        <p:nvSpPr>
+          <p:cNvPr id="3" name="内容占位符 2">
+            <a:extLst>
+              <a:ext uri="{FF2B5EF4-FFF2-40B4-BE49-F238E27FC236}">
+                <a16:creationId xmlns:a16="http://schemas.microsoft.com/office/drawing/2014/main" id="{BEA7B089-E448-4A6C-A269-2974AB1B437A}"/>
+              </a:ext>
+            </a:extLst>
+          </p:cNvPr>
+          <p:cNvSpPr>
+            <a:spLocks noGrp="1"/>
+          </p:cNvSpPr>
+          <p:nvPr>
+            <p:ph idx="1"/>
+          </p:nvPr>
+        </p:nvSpPr>
+        <p:spPr/>
+        <p:txBody>
+          <a:bodyPr/>
+          <a:lstStyle/>
+          <a:p>
+            <a:r>
+              <a:rPr lang="zh-CN" altLang="en-US"/>
+              <a:t>参见状态估计书</a:t>
+            </a:r>
+            <a:endParaRPr lang="en-US" altLang="zh-CN"/>
+          </a:p>
+          <a:p>
+            <a:pPr marL="514350" indent="-514350">
+              <a:buFont typeface="+mj-lt"/>
+              <a:buAutoNum type="arabicPeriod"/>
+            </a:pPr>
+            <a:r>
+              <a:rPr lang="zh-CN" altLang="en-US"/>
+              <a:t>残差函数的构建</a:t>
+            </a:r>
+            <a:r>
+              <a:rPr lang="en-US" altLang="zh-CN"/>
+              <a:t>F = e</a:t>
+            </a:r>
+            <a:r>
+              <a:rPr lang="en-US" altLang="zh-CN" baseline="30000"/>
+              <a:t>T</a:t>
+            </a:r>
+            <a:r>
+              <a:rPr lang="en-US" altLang="zh-CN"/>
+              <a:t>W</a:t>
+            </a:r>
+            <a:r>
+              <a:rPr lang="en-US" altLang="zh-CN" baseline="30000"/>
+              <a:t>-1</a:t>
+            </a:r>
+            <a:r>
+              <a:rPr lang="en-US" altLang="zh-CN"/>
+              <a:t>e</a:t>
+            </a:r>
+          </a:p>
+          <a:p>
+            <a:pPr marL="514350" indent="-514350">
+              <a:buFont typeface="+mj-lt"/>
+              <a:buAutoNum type="arabicPeriod"/>
+            </a:pPr>
+            <a:r>
+              <a:rPr lang="zh-CN" altLang="en-US"/>
+              <a:t>残差函数的归一化</a:t>
+            </a:r>
+            <a:r>
+              <a:rPr lang="en-US" altLang="zh-CN"/>
+              <a:t>F = </a:t>
+            </a:r>
+            <a:r>
+              <a:rPr lang="en-US" altLang="zh-CN" err="1"/>
+              <a:t>u</a:t>
+            </a:r>
+            <a:r>
+              <a:rPr lang="en-US" altLang="zh-CN" baseline="30000" err="1"/>
+              <a:t>T</a:t>
+            </a:r>
+            <a:r>
+              <a:rPr lang="en-US" altLang="zh-CN" err="1"/>
+              <a:t>u</a:t>
+            </a:r>
+            <a:r>
+              <a:rPr lang="zh-CN" altLang="en-US"/>
+              <a:t>。运用了</a:t>
+            </a:r>
+            <a:r>
+              <a:rPr lang="en-US" altLang="zh-CN"/>
+              <a:t>LL</a:t>
+            </a:r>
+            <a:r>
+              <a:rPr lang="en-US" altLang="zh-CN" baseline="30000"/>
+              <a:t>T</a:t>
+            </a:r>
+            <a:r>
+              <a:rPr lang="en-US" altLang="zh-CN"/>
+              <a:t>=W</a:t>
+            </a:r>
+            <a:r>
+              <a:rPr lang="en-US" altLang="zh-CN" baseline="30000"/>
+              <a:t>-1</a:t>
+            </a:r>
+          </a:p>
+          <a:p>
+            <a:pPr marL="514350" indent="-514350">
+              <a:buFont typeface="+mj-lt"/>
+              <a:buAutoNum type="arabicPeriod"/>
+            </a:pPr>
+            <a:r>
+              <a:rPr lang="zh-CN" altLang="en-US"/>
+              <a:t>对</a:t>
+            </a:r>
+            <a:r>
+              <a:rPr lang="en-US" altLang="zh-CN"/>
+              <a:t>F</a:t>
+            </a:r>
+            <a:r>
+              <a:rPr lang="zh-CN" altLang="en-US"/>
+              <a:t>二阶泰勒展开，得到牛顿法</a:t>
+            </a:r>
+            <a:r>
+              <a:rPr lang="en-US" altLang="zh-CN" err="1"/>
+              <a:t>HΔx</a:t>
+            </a:r>
+            <a:r>
+              <a:rPr lang="en-US" altLang="zh-CN"/>
+              <a:t> = -J</a:t>
+            </a:r>
+            <a:r>
+              <a:rPr lang="en-US" altLang="zh-CN" baseline="30000"/>
+              <a:t>T</a:t>
+            </a:r>
+          </a:p>
+          <a:p>
+            <a:pPr marL="514350" indent="-514350">
+              <a:buFont typeface="+mj-lt"/>
+              <a:buAutoNum type="arabicPeriod"/>
+            </a:pPr>
+            <a:r>
+              <a:rPr lang="zh-CN" altLang="en-US"/>
+              <a:t>如果对</a:t>
+            </a:r>
+            <a:r>
+              <a:rPr lang="en-US" altLang="zh-CN"/>
+              <a:t>u</a:t>
+            </a:r>
+            <a:r>
+              <a:rPr lang="zh-CN" altLang="en-US"/>
+              <a:t>二阶泰勒展开，得到高斯牛顿法</a:t>
+            </a:r>
+            <a:r>
+              <a:rPr lang="en-US" altLang="zh-CN" err="1"/>
+              <a:t>J</a:t>
+            </a:r>
+            <a:r>
+              <a:rPr lang="en-US" altLang="zh-CN" baseline="30000" err="1"/>
+              <a:t>T</a:t>
+            </a:r>
+            <a:r>
+              <a:rPr lang="en-US" altLang="zh-CN" err="1"/>
+              <a:t>JΔx</a:t>
+            </a:r>
+            <a:r>
+              <a:rPr lang="en-US" altLang="zh-CN"/>
+              <a:t> = </a:t>
+            </a:r>
+            <a:r>
+              <a:rPr lang="en-US" altLang="zh-CN" err="1"/>
+              <a:t>J</a:t>
+            </a:r>
+            <a:r>
+              <a:rPr lang="en-US" altLang="zh-CN" baseline="30000" err="1"/>
+              <a:t>T</a:t>
+            </a:r>
+            <a:r>
+              <a:rPr lang="en-US" altLang="zh-CN" err="1"/>
+              <a:t>u</a:t>
+            </a:r>
+            <a:endParaRPr lang="en-US" altLang="zh-CN"/>
+          </a:p>
+          <a:p>
+            <a:pPr marL="514350" indent="-514350">
+              <a:buFont typeface="+mj-lt"/>
+              <a:buAutoNum type="arabicPeriod"/>
+            </a:pPr>
+            <a:r>
+              <a:rPr lang="zh-CN" altLang="en-US"/>
+              <a:t>加上</a:t>
+            </a:r>
+            <a:r>
+              <a:rPr lang="en-US" altLang="zh-CN" err="1"/>
+              <a:t>λD</a:t>
+            </a:r>
+            <a:r>
+              <a:rPr lang="zh-CN" altLang="en-US"/>
+              <a:t>，变成</a:t>
+            </a:r>
+            <a:r>
+              <a:rPr lang="en-US" altLang="zh-CN"/>
+              <a:t>LM</a:t>
+            </a:r>
+            <a:r>
+              <a:rPr lang="zh-CN" altLang="en-US"/>
+              <a:t>算法</a:t>
+            </a:r>
+            <a:r>
+              <a:rPr lang="en-US" altLang="zh-CN"/>
+              <a:t>(J</a:t>
+            </a:r>
+            <a:r>
+              <a:rPr lang="en-US" altLang="zh-CN" baseline="30000"/>
+              <a:t>T</a:t>
+            </a:r>
+            <a:r>
+              <a:rPr lang="en-US" altLang="zh-CN"/>
+              <a:t>J + </a:t>
+            </a:r>
+            <a:r>
+              <a:rPr lang="en-US" altLang="zh-CN" err="1"/>
+              <a:t>λD</a:t>
+            </a:r>
+            <a:r>
+              <a:rPr lang="en-US" altLang="zh-CN"/>
+              <a:t> )</a:t>
+            </a:r>
+            <a:r>
+              <a:rPr lang="en-US" altLang="zh-CN" err="1"/>
+              <a:t>Δx</a:t>
+            </a:r>
+            <a:r>
+              <a:rPr lang="en-US" altLang="zh-CN"/>
+              <a:t> = </a:t>
+            </a:r>
+            <a:r>
+              <a:rPr lang="en-US" altLang="zh-CN" err="1"/>
+              <a:t>J</a:t>
+            </a:r>
+            <a:r>
+              <a:rPr lang="en-US" altLang="zh-CN" baseline="30000" err="1"/>
+              <a:t>t</a:t>
+            </a:r>
+            <a:r>
+              <a:rPr lang="en-US" altLang="zh-CN" err="1"/>
+              <a:t>u</a:t>
+            </a:r>
+            <a:endParaRPr lang="en-US" altLang="zh-CN"/>
+          </a:p>
+          <a:p>
+            <a:pPr marL="514350" indent="-514350">
+              <a:buFont typeface="+mj-lt"/>
+              <a:buAutoNum type="arabicPeriod"/>
+            </a:pPr>
+            <a:r>
+              <a:rPr lang="zh-CN" altLang="en-US"/>
+              <a:t>带回误差</a:t>
+            </a:r>
+            <a:r>
+              <a:rPr lang="en-US" altLang="zh-CN"/>
+              <a:t>e</a:t>
+            </a:r>
+            <a:r>
+              <a:rPr lang="zh-CN" altLang="en-US"/>
+              <a:t>，变成</a:t>
+            </a:r>
+            <a:r>
+              <a:rPr lang="en-US" altLang="zh-CN"/>
+              <a:t>J</a:t>
+            </a:r>
+            <a:r>
+              <a:rPr lang="en-US" altLang="zh-CN" baseline="30000"/>
+              <a:t>T</a:t>
+            </a:r>
+            <a:r>
+              <a:rPr lang="zh-CN" altLang="en-US" baseline="30000"/>
+              <a:t> ∑</a:t>
+            </a:r>
+            <a:r>
+              <a:rPr lang="en-US" altLang="zh-CN" baseline="30000"/>
+              <a:t>-1</a:t>
+            </a:r>
+            <a:r>
+              <a:rPr lang="en-US" altLang="zh-CN"/>
+              <a:t>J </a:t>
+            </a:r>
+            <a:r>
+              <a:rPr lang="en-US" altLang="zh-CN" err="1"/>
+              <a:t>Δx</a:t>
+            </a:r>
+            <a:r>
+              <a:rPr lang="en-US" altLang="zh-CN"/>
+              <a:t> = J</a:t>
+            </a:r>
+            <a:r>
+              <a:rPr lang="en-US" altLang="zh-CN" baseline="30000"/>
+              <a:t>T</a:t>
+            </a:r>
+            <a:r>
+              <a:rPr lang="zh-CN" altLang="en-US" baseline="30000"/>
+              <a:t>∑</a:t>
+            </a:r>
+            <a:r>
+              <a:rPr lang="en-US" altLang="zh-CN" baseline="30000"/>
+              <a:t>-1</a:t>
+            </a:r>
+            <a:r>
+              <a:rPr lang="en-US" altLang="zh-CN"/>
+              <a:t>b</a:t>
+            </a:r>
+          </a:p>
+        </p:txBody>
+      </p:sp>
+    </p:spTree>
+    <p:extLst>
+      <p:ext uri="{BB962C8B-B14F-4D97-AF65-F5344CB8AC3E}">
+        <p14:creationId xmlns:p14="http://schemas.microsoft.com/office/powerpoint/2010/main" val="1896294513"/>
+      </p:ext>
+    </p:extLst>
+  </p:cSld>
+  <p:clrMapOvr>
+    <a:masterClrMapping/>
+  </p:clrMapOvr>
+</p:sld>
+</file>
+
+<file path=ppt/slides/slide62.xml><?xml version="1.0" encoding="utf-8"?>
+<p:sld xmlns:a="http://schemas.openxmlformats.org/drawingml/2006/main" xmlns:r="http://schemas.openxmlformats.org/officeDocument/2006/relationships" xmlns:p="http://schemas.openxmlformats.org/presentationml/2006/main">
+  <p:cSld>
+    <p:spTree>
+      <p:nvGrpSpPr>
+        <p:cNvPr id="1" name=""/>
+        <p:cNvGrpSpPr/>
+        <p:nvPr/>
+      </p:nvGrpSpPr>
+      <p:grpSpPr>
+        <a:xfrm>
+          <a:off x="0" y="0"/>
+          <a:ext cx="0" cy="0"/>
+          <a:chOff x="0" y="0"/>
+          <a:chExt cx="0" cy="0"/>
+        </a:xfrm>
+      </p:grpSpPr>
+      <p:sp>
+        <p:nvSpPr>
+          <p:cNvPr id="2" name="标题 1">
+            <a:extLst>
+              <a:ext uri="{FF2B5EF4-FFF2-40B4-BE49-F238E27FC236}">
+                <a16:creationId xmlns:a16="http://schemas.microsoft.com/office/drawing/2014/main" id="{08FB400F-9D4D-471D-BC63-4802B5B98003}"/>
+              </a:ext>
+            </a:extLst>
+          </p:cNvPr>
+          <p:cNvSpPr>
+            <a:spLocks noGrp="1"/>
+          </p:cNvSpPr>
+          <p:nvPr>
+            <p:ph type="title"/>
+          </p:nvPr>
+        </p:nvSpPr>
+        <p:spPr/>
+        <p:txBody>
+          <a:bodyPr/>
+          <a:lstStyle/>
+          <a:p>
+            <a:r>
+              <a:rPr lang="zh-CN" altLang="en-US"/>
+              <a:t>第四章 偏差、匹配和外点</a:t>
+            </a:r>
+            <a:r>
+              <a:rPr lang="en-US" altLang="zh-CN"/>
+              <a:t>	</a:t>
+            </a:r>
+            <a:endParaRPr lang="zh-CN" altLang="en-US"/>
+          </a:p>
+        </p:txBody>
+      </p:sp>
+      <p:sp>
+        <p:nvSpPr>
+          <p:cNvPr id="3" name="内容占位符 2">
+            <a:extLst>
+              <a:ext uri="{FF2B5EF4-FFF2-40B4-BE49-F238E27FC236}">
+                <a16:creationId xmlns:a16="http://schemas.microsoft.com/office/drawing/2014/main" id="{DD21EAA7-92A7-4335-8EB4-4B1ABAA77273}"/>
+              </a:ext>
+            </a:extLst>
+          </p:cNvPr>
+          <p:cNvSpPr>
+            <a:spLocks noGrp="1"/>
+          </p:cNvSpPr>
+          <p:nvPr>
+            <p:ph idx="1"/>
+          </p:nvPr>
+        </p:nvSpPr>
+        <p:spPr/>
+        <p:txBody>
+          <a:bodyPr/>
+          <a:lstStyle/>
+          <a:p>
+            <a:r>
+              <a:rPr lang="zh-CN" altLang="en-US"/>
+              <a:t>关于偏差，你能总结出几点？</a:t>
+            </a:r>
+            <a:endParaRPr lang="en-US" altLang="zh-CN"/>
+          </a:p>
+          <a:p>
+            <a:r>
+              <a:rPr lang="zh-CN" altLang="en-US"/>
+              <a:t>使用增广的方法对付偏差，有哪些要点？</a:t>
+            </a:r>
+            <a:endParaRPr lang="en-US" altLang="zh-CN"/>
+          </a:p>
+          <a:p>
+            <a:r>
+              <a:rPr lang="en-US" altLang="zh-CN"/>
+              <a:t>RANSAC</a:t>
+            </a:r>
+            <a:r>
+              <a:rPr lang="zh-CN" altLang="en-US"/>
+              <a:t>算法的思路和操作是什么？</a:t>
+            </a:r>
+            <a:endParaRPr lang="en-US" altLang="zh-CN"/>
+          </a:p>
+          <a:p>
+            <a:r>
+              <a:rPr lang="en-US" altLang="zh-CN"/>
+              <a:t>RANSAC</a:t>
+            </a:r>
+            <a:r>
+              <a:rPr lang="zh-CN" altLang="en-US"/>
+              <a:t>性能如何？</a:t>
+            </a:r>
+            <a:endParaRPr lang="en-US" altLang="zh-CN"/>
+          </a:p>
+          <a:p>
+            <a:r>
+              <a:rPr lang="en-US" altLang="zh-CN"/>
+              <a:t>M</a:t>
+            </a:r>
+            <a:r>
+              <a:rPr lang="zh-CN" altLang="en-US"/>
+              <a:t>估计方法是什么意思？</a:t>
+            </a:r>
+            <a:endParaRPr lang="en-US" altLang="zh-CN"/>
+          </a:p>
+          <a:p>
+            <a:endParaRPr lang="zh-CN" altLang="en-US"/>
+          </a:p>
+        </p:txBody>
+      </p:sp>
+    </p:spTree>
+    <p:extLst>
+      <p:ext uri="{BB962C8B-B14F-4D97-AF65-F5344CB8AC3E}">
+        <p14:creationId xmlns:p14="http://schemas.microsoft.com/office/powerpoint/2010/main" val="4151536564"/>
+      </p:ext>
+    </p:extLst>
+  </p:cSld>
+  <p:clrMapOvr>
+    <a:masterClrMapping/>
+  </p:clrMapOvr>
+</p:sld>
+</file>
+
+<file path=ppt/slides/slide63.xml><?xml version="1.0" encoding="utf-8"?>
+<p:sld xmlns:a="http://schemas.openxmlformats.org/drawingml/2006/main" xmlns:r="http://schemas.openxmlformats.org/officeDocument/2006/relationships" xmlns:p="http://schemas.openxmlformats.org/presentationml/2006/main">
+  <p:cSld>
+    <p:spTree>
+      <p:nvGrpSpPr>
+        <p:cNvPr id="1" name=""/>
+        <p:cNvGrpSpPr/>
+        <p:nvPr/>
+      </p:nvGrpSpPr>
+      <p:grpSpPr>
+        <a:xfrm>
+          <a:off x="0" y="0"/>
+          <a:ext cx="0" cy="0"/>
+          <a:chOff x="0" y="0"/>
+          <a:chExt cx="0" cy="0"/>
+        </a:xfrm>
+      </p:grpSpPr>
+      <p:sp>
+        <p:nvSpPr>
+          <p:cNvPr id="2" name="标题 1">
+            <a:extLst>
+              <a:ext uri="{FF2B5EF4-FFF2-40B4-BE49-F238E27FC236}">
+                <a16:creationId xmlns:a16="http://schemas.microsoft.com/office/drawing/2014/main" id="{319FF5ED-4E55-40B6-B023-314E6BFFCB99}"/>
+              </a:ext>
+            </a:extLst>
+          </p:cNvPr>
+          <p:cNvSpPr>
+            <a:spLocks noGrp="1"/>
+          </p:cNvSpPr>
+          <p:nvPr>
+            <p:ph type="title"/>
+          </p:nvPr>
+        </p:nvSpPr>
+        <p:spPr/>
+        <p:txBody>
+          <a:bodyPr/>
+          <a:lstStyle/>
+          <a:p>
+            <a:r>
+              <a:rPr lang="zh-CN" altLang="en-US"/>
+              <a:t>关于偏差，你能总结出几点？</a:t>
+            </a:r>
+          </a:p>
+        </p:txBody>
+      </p:sp>
+      <p:sp>
+        <p:nvSpPr>
+          <p:cNvPr id="3" name="内容占位符 2">
+            <a:extLst>
+              <a:ext uri="{FF2B5EF4-FFF2-40B4-BE49-F238E27FC236}">
+                <a16:creationId xmlns:a16="http://schemas.microsoft.com/office/drawing/2014/main" id="{F3CC8DDA-81C7-4742-87E1-3B6C9CC18BB7}"/>
+              </a:ext>
+            </a:extLst>
+          </p:cNvPr>
+          <p:cNvSpPr>
+            <a:spLocks noGrp="1"/>
+          </p:cNvSpPr>
+          <p:nvPr>
+            <p:ph idx="1"/>
+          </p:nvPr>
+        </p:nvSpPr>
+        <p:spPr/>
+        <p:txBody>
+          <a:bodyPr/>
+          <a:lstStyle/>
+          <a:p>
+            <a:pPr marL="514350" indent="-514350">
+              <a:buFont typeface="+mj-lt"/>
+              <a:buAutoNum type="arabicPeriod"/>
+            </a:pPr>
+            <a:r>
+              <a:rPr lang="zh-CN" altLang="en-US"/>
+              <a:t>误差</a:t>
+            </a:r>
+            <a:r>
+              <a:rPr lang="en-US" altLang="zh-CN"/>
+              <a:t>e</a:t>
+            </a:r>
+            <a:r>
+              <a:rPr lang="zh-CN" altLang="en-US"/>
+              <a:t>的定义是什么？估计值</a:t>
+            </a:r>
+            <a:r>
+              <a:rPr lang="en-US" altLang="zh-CN"/>
+              <a:t>-</a:t>
+            </a:r>
+            <a:r>
+              <a:rPr lang="zh-CN" altLang="en-US"/>
+              <a:t>真值</a:t>
+            </a:r>
+            <a:endParaRPr lang="en-US" altLang="zh-CN"/>
+          </a:p>
+          <a:p>
+            <a:pPr marL="514350" indent="-514350">
+              <a:buFont typeface="+mj-lt"/>
+              <a:buAutoNum type="arabicPeriod"/>
+            </a:pPr>
+            <a:r>
+              <a:rPr lang="zh-CN" altLang="en-US"/>
+              <a:t>误差的动态过程是如何得到？</a:t>
+            </a:r>
+            <a:endParaRPr lang="en-US" altLang="zh-CN"/>
+          </a:p>
+          <a:p>
+            <a:pPr marL="514350" indent="-514350">
+              <a:buFont typeface="+mj-lt"/>
+              <a:buAutoNum type="arabicPeriod"/>
+            </a:pPr>
+            <a:r>
+              <a:rPr lang="zh-CN" altLang="en-US"/>
+              <a:t>偏差会对估计产生何种影响？</a:t>
+            </a:r>
+            <a:endParaRPr lang="en-US" altLang="zh-CN"/>
+          </a:p>
+          <a:p>
+            <a:pPr marL="514350" indent="-514350">
+              <a:buFont typeface="+mj-lt"/>
+              <a:buAutoNum type="arabicPeriod"/>
+            </a:pPr>
+            <a:r>
+              <a:rPr lang="zh-CN" altLang="en-US"/>
+              <a:t>一般用什么办法来对付偏差</a:t>
+            </a:r>
+          </a:p>
+        </p:txBody>
+      </p:sp>
+    </p:spTree>
+    <p:extLst>
+      <p:ext uri="{BB962C8B-B14F-4D97-AF65-F5344CB8AC3E}">
+        <p14:creationId xmlns:p14="http://schemas.microsoft.com/office/powerpoint/2010/main" val="2717643576"/>
+      </p:ext>
+    </p:extLst>
+  </p:cSld>
+  <p:clrMapOvr>
+    <a:masterClrMapping/>
+  </p:clrMapOvr>
+</p:sld>
+</file>
+
+<file path=ppt/slides/slide64.xml><?xml version="1.0" encoding="utf-8"?>
+<p:sld xmlns:a="http://schemas.openxmlformats.org/drawingml/2006/main" xmlns:r="http://schemas.openxmlformats.org/officeDocument/2006/relationships" xmlns:p="http://schemas.openxmlformats.org/presentationml/2006/main">
+  <p:cSld>
+    <p:spTree>
+      <p:nvGrpSpPr>
+        <p:cNvPr id="1" name=""/>
+        <p:cNvGrpSpPr/>
+        <p:nvPr/>
+      </p:nvGrpSpPr>
+      <p:grpSpPr>
+        <a:xfrm>
+          <a:off x="0" y="0"/>
+          <a:ext cx="0" cy="0"/>
+          <a:chOff x="0" y="0"/>
+          <a:chExt cx="0" cy="0"/>
+        </a:xfrm>
+      </p:grpSpPr>
+      <p:sp>
+        <p:nvSpPr>
+          <p:cNvPr id="2" name="标题 1">
+            <a:extLst>
+              <a:ext uri="{FF2B5EF4-FFF2-40B4-BE49-F238E27FC236}">
+                <a16:creationId xmlns:a16="http://schemas.microsoft.com/office/drawing/2014/main" id="{85DA1357-C714-4FAE-ACD9-0C85497B8879}"/>
+              </a:ext>
+            </a:extLst>
+          </p:cNvPr>
+          <p:cNvSpPr>
+            <a:spLocks noGrp="1"/>
+          </p:cNvSpPr>
+          <p:nvPr>
+            <p:ph type="title"/>
+          </p:nvPr>
+        </p:nvSpPr>
+        <p:spPr/>
+        <p:txBody>
+          <a:bodyPr/>
+          <a:lstStyle/>
+          <a:p>
+            <a:r>
+              <a:rPr lang="zh-CN" altLang="en-US"/>
+              <a:t>使用增广的方法对付偏差，有哪些要点？</a:t>
+            </a:r>
+          </a:p>
+        </p:txBody>
+      </p:sp>
+      <p:sp>
+        <p:nvSpPr>
+          <p:cNvPr id="3" name="内容占位符 2">
+            <a:extLst>
+              <a:ext uri="{FF2B5EF4-FFF2-40B4-BE49-F238E27FC236}">
+                <a16:creationId xmlns:a16="http://schemas.microsoft.com/office/drawing/2014/main" id="{9AC1F6C6-6C12-451F-BBBF-54D2C7AB1414}"/>
+              </a:ext>
+            </a:extLst>
+          </p:cNvPr>
+          <p:cNvSpPr>
+            <a:spLocks noGrp="1"/>
+          </p:cNvSpPr>
+          <p:nvPr>
+            <p:ph idx="1"/>
+          </p:nvPr>
+        </p:nvSpPr>
+        <p:spPr/>
+        <p:txBody>
+          <a:bodyPr/>
+          <a:lstStyle/>
+          <a:p>
+            <a:r>
+              <a:rPr lang="zh-CN" altLang="en-US"/>
+              <a:t>操作方法：把偏差加到状态里面，形成增广</a:t>
+            </a:r>
+            <a:endParaRPr lang="en-US" altLang="zh-CN"/>
+          </a:p>
+          <a:p>
+            <a:r>
+              <a:rPr lang="zh-CN" altLang="en-US"/>
+              <a:t>能观性：大部分不能关</a:t>
+            </a:r>
+            <a:endParaRPr lang="en-US" altLang="zh-CN"/>
+          </a:p>
+          <a:p>
+            <a:r>
+              <a:rPr lang="zh-CN" altLang="en-US"/>
+              <a:t>不能观的原因：增广后左侧矩阵存在</a:t>
+            </a:r>
+            <a:r>
+              <a:rPr lang="en-US" altLang="zh-CN"/>
+              <a:t>0</a:t>
+            </a:r>
+            <a:r>
+              <a:rPr lang="zh-CN" altLang="en-US"/>
+              <a:t>空间，不能直接求逆</a:t>
+            </a:r>
+            <a:endParaRPr lang="en-US" altLang="zh-CN"/>
+          </a:p>
+          <a:p>
+            <a:r>
+              <a:rPr lang="zh-CN" altLang="en-US"/>
+              <a:t>解决方法：找出</a:t>
+            </a:r>
+            <a:r>
+              <a:rPr lang="en-US" altLang="zh-CN"/>
+              <a:t>0</a:t>
+            </a:r>
+            <a:r>
+              <a:rPr lang="zh-CN" altLang="en-US"/>
+              <a:t>空间把对应的变量</a:t>
+            </a:r>
+            <a:r>
+              <a:rPr lang="en-US" altLang="zh-CN"/>
+              <a:t>fix</a:t>
+            </a:r>
+            <a:r>
+              <a:rPr lang="zh-CN" altLang="en-US"/>
+              <a:t>住，并且保证过程中零空间不变。这里面的细节参见</a:t>
+            </a:r>
+            <a:r>
+              <a:rPr lang="en-US" altLang="zh-CN"/>
+              <a:t>VIO</a:t>
+            </a:r>
+            <a:r>
+              <a:rPr lang="zh-CN" altLang="en-US"/>
+              <a:t>课程</a:t>
+            </a:r>
+          </a:p>
+        </p:txBody>
+      </p:sp>
+    </p:spTree>
+    <p:extLst>
+      <p:ext uri="{BB962C8B-B14F-4D97-AF65-F5344CB8AC3E}">
+        <p14:creationId xmlns:p14="http://schemas.microsoft.com/office/powerpoint/2010/main" val="3588351934"/>
+      </p:ext>
+    </p:extLst>
+  </p:cSld>
+  <p:clrMapOvr>
+    <a:masterClrMapping/>
+  </p:clrMapOvr>
+</p:sld>
+</file>
+
+<file path=ppt/slides/slide65.xml><?xml version="1.0" encoding="utf-8"?>
+<p:sld xmlns:a="http://schemas.openxmlformats.org/drawingml/2006/main" xmlns:r="http://schemas.openxmlformats.org/officeDocument/2006/relationships" xmlns:p="http://schemas.openxmlformats.org/presentationml/2006/main">
+  <p:cSld>
+    <p:spTree>
+      <p:nvGrpSpPr>
+        <p:cNvPr id="1" name=""/>
+        <p:cNvGrpSpPr/>
+        <p:nvPr/>
+      </p:nvGrpSpPr>
+      <p:grpSpPr>
+        <a:xfrm>
+          <a:off x="0" y="0"/>
+          <a:ext cx="0" cy="0"/>
+          <a:chOff x="0" y="0"/>
+          <a:chExt cx="0" cy="0"/>
+        </a:xfrm>
+      </p:grpSpPr>
+      <p:sp>
+        <p:nvSpPr>
+          <p:cNvPr id="2" name="标题 1">
+            <a:extLst>
+              <a:ext uri="{FF2B5EF4-FFF2-40B4-BE49-F238E27FC236}">
+                <a16:creationId xmlns:a16="http://schemas.microsoft.com/office/drawing/2014/main" id="{D20589D3-7D09-419B-AD75-B4A544F2EAFF}"/>
+              </a:ext>
+            </a:extLst>
+          </p:cNvPr>
+          <p:cNvSpPr>
+            <a:spLocks noGrp="1"/>
+          </p:cNvSpPr>
+          <p:nvPr>
+            <p:ph type="title"/>
+          </p:nvPr>
+        </p:nvSpPr>
+        <p:spPr/>
+        <p:txBody>
+          <a:bodyPr/>
+          <a:lstStyle/>
+          <a:p>
+            <a:r>
+              <a:rPr lang="en-US" altLang="zh-CN"/>
+              <a:t>RANSAC</a:t>
+            </a:r>
+            <a:r>
+              <a:rPr lang="zh-CN" altLang="en-US"/>
+              <a:t>算法的思路和操作是什么？</a:t>
+            </a:r>
+          </a:p>
+        </p:txBody>
+      </p:sp>
+      <p:sp>
+        <p:nvSpPr>
+          <p:cNvPr id="3" name="内容占位符 2">
+            <a:extLst>
+              <a:ext uri="{FF2B5EF4-FFF2-40B4-BE49-F238E27FC236}">
+                <a16:creationId xmlns:a16="http://schemas.microsoft.com/office/drawing/2014/main" id="{9B6A0DF8-E1C8-4468-AE89-8B9FFDDD32AB}"/>
+              </a:ext>
+            </a:extLst>
+          </p:cNvPr>
+          <p:cNvSpPr>
+            <a:spLocks noGrp="1"/>
+          </p:cNvSpPr>
+          <p:nvPr>
+            <p:ph idx="1"/>
+          </p:nvPr>
+        </p:nvSpPr>
+        <p:spPr/>
+        <p:txBody>
+          <a:bodyPr/>
+          <a:lstStyle/>
+          <a:p>
+            <a:r>
+              <a:rPr lang="zh-CN" altLang="en-US"/>
+              <a:t>假设数据由内点和外点组成，内点符合预设模型，外点不符合</a:t>
+            </a:r>
+            <a:endParaRPr lang="en-US" altLang="zh-CN"/>
+          </a:p>
+          <a:p>
+            <a:endParaRPr lang="en-US" altLang="zh-CN"/>
+          </a:p>
+          <a:p>
+            <a:r>
+              <a:rPr lang="zh-CN" altLang="en-US"/>
+              <a:t>算法流程</a:t>
+            </a:r>
+            <a:endParaRPr lang="en-US" altLang="zh-CN"/>
+          </a:p>
+          <a:p>
+            <a:pPr marL="514350" indent="-514350">
+              <a:buFont typeface="+mj-lt"/>
+              <a:buAutoNum type="arabicPeriod"/>
+            </a:pPr>
+            <a:r>
+              <a:rPr lang="zh-CN" altLang="en-US"/>
+              <a:t>随机假设一部分点为内点</a:t>
+            </a:r>
+            <a:endParaRPr lang="en-US" altLang="zh-CN"/>
+          </a:p>
+          <a:p>
+            <a:pPr marL="514350" indent="-514350">
+              <a:buFont typeface="+mj-lt"/>
+              <a:buAutoNum type="arabicPeriod"/>
+            </a:pPr>
+            <a:r>
+              <a:rPr lang="zh-CN" altLang="en-US"/>
+              <a:t>利用这些内点算出一个模型</a:t>
+            </a:r>
+            <a:endParaRPr lang="en-US" altLang="zh-CN"/>
+          </a:p>
+          <a:p>
+            <a:pPr marL="514350" indent="-514350">
+              <a:buFont typeface="+mj-lt"/>
+              <a:buAutoNum type="arabicPeriod"/>
+            </a:pPr>
+            <a:r>
+              <a:rPr lang="zh-CN" altLang="en-US"/>
+              <a:t>判断剩余的点是否符合这个模型，如果内点太少，回到</a:t>
+            </a:r>
+            <a:r>
+              <a:rPr lang="en-US" altLang="zh-CN"/>
+              <a:t>1</a:t>
+            </a:r>
+          </a:p>
+          <a:p>
+            <a:pPr marL="514350" indent="-514350">
+              <a:buFont typeface="+mj-lt"/>
+              <a:buAutoNum type="arabicPeriod"/>
+            </a:pPr>
+            <a:r>
+              <a:rPr lang="zh-CN" altLang="en-US"/>
+              <a:t>根据</a:t>
+            </a:r>
+            <a:r>
+              <a:rPr lang="en-US" altLang="zh-CN"/>
+              <a:t>3</a:t>
+            </a:r>
+            <a:r>
+              <a:rPr lang="zh-CN" altLang="en-US"/>
+              <a:t>得到的内点，重新计算模型</a:t>
+            </a:r>
+            <a:endParaRPr lang="en-US" altLang="zh-CN"/>
+          </a:p>
+          <a:p>
+            <a:pPr marL="514350" indent="-514350">
+              <a:buFont typeface="+mj-lt"/>
+              <a:buAutoNum type="arabicPeriod"/>
+            </a:pPr>
+            <a:r>
+              <a:rPr lang="zh-CN" altLang="en-US"/>
+              <a:t>利用</a:t>
+            </a:r>
+            <a:r>
+              <a:rPr lang="en-US" altLang="zh-CN"/>
+              <a:t>4</a:t>
+            </a:r>
+            <a:r>
+              <a:rPr lang="zh-CN" altLang="en-US"/>
+              <a:t>得到的模型重新判断内外点，直到收敛</a:t>
+            </a:r>
+            <a:endParaRPr lang="en-US" altLang="zh-CN"/>
+          </a:p>
+          <a:p>
+            <a:pPr marL="514350" indent="-514350">
+              <a:buFont typeface="+mj-lt"/>
+              <a:buAutoNum type="arabicPeriod"/>
+            </a:pPr>
+            <a:endParaRPr lang="zh-CN" altLang="en-US"/>
+          </a:p>
+          <a:p>
+            <a:endParaRPr lang="zh-CN" altLang="en-US"/>
+          </a:p>
+        </p:txBody>
+      </p:sp>
+    </p:spTree>
+    <p:extLst>
+      <p:ext uri="{BB962C8B-B14F-4D97-AF65-F5344CB8AC3E}">
+        <p14:creationId xmlns:p14="http://schemas.microsoft.com/office/powerpoint/2010/main" val="2237319041"/>
+      </p:ext>
+    </p:extLst>
+  </p:cSld>
+  <p:clrMapOvr>
+    <a:masterClrMapping/>
+  </p:clrMapOvr>
+</p:sld>
+</file>
+
+<file path=ppt/slides/slide66.xml><?xml version="1.0" encoding="utf-8"?>
+<p:sld xmlns:a="http://schemas.openxmlformats.org/drawingml/2006/main" xmlns:r="http://schemas.openxmlformats.org/officeDocument/2006/relationships" xmlns:p="http://schemas.openxmlformats.org/presentationml/2006/main">
+  <p:cSld>
+    <p:spTree>
+      <p:nvGrpSpPr>
+        <p:cNvPr id="1" name=""/>
+        <p:cNvGrpSpPr/>
+        <p:nvPr/>
+      </p:nvGrpSpPr>
+      <p:grpSpPr>
+        <a:xfrm>
+          <a:off x="0" y="0"/>
+          <a:ext cx="0" cy="0"/>
+          <a:chOff x="0" y="0"/>
+          <a:chExt cx="0" cy="0"/>
+        </a:xfrm>
+      </p:grpSpPr>
+      <p:sp>
+        <p:nvSpPr>
+          <p:cNvPr id="2" name="标题 1">
+            <a:extLst>
+              <a:ext uri="{FF2B5EF4-FFF2-40B4-BE49-F238E27FC236}">
+                <a16:creationId xmlns:a16="http://schemas.microsoft.com/office/drawing/2014/main" id="{B358C93A-3D9D-4827-95EB-A414D8DD0AAA}"/>
+              </a:ext>
+            </a:extLst>
+          </p:cNvPr>
+          <p:cNvSpPr>
+            <a:spLocks noGrp="1"/>
+          </p:cNvSpPr>
+          <p:nvPr>
+            <p:ph type="title"/>
+          </p:nvPr>
+        </p:nvSpPr>
+        <p:spPr/>
+        <p:txBody>
+          <a:bodyPr/>
+          <a:lstStyle/>
+          <a:p>
+            <a:r>
+              <a:rPr lang="en-US" altLang="zh-CN"/>
+              <a:t>RANSAC</a:t>
+            </a:r>
+            <a:r>
+              <a:rPr lang="zh-CN" altLang="en-US"/>
+              <a:t>性能如何？</a:t>
+            </a:r>
+          </a:p>
+        </p:txBody>
+      </p:sp>
+      <p:sp>
+        <p:nvSpPr>
+          <p:cNvPr id="3" name="内容占位符 2">
+            <a:extLst>
+              <a:ext uri="{FF2B5EF4-FFF2-40B4-BE49-F238E27FC236}">
+                <a16:creationId xmlns:a16="http://schemas.microsoft.com/office/drawing/2014/main" id="{35E3E01C-7059-4435-984D-69E08C08518A}"/>
+              </a:ext>
+            </a:extLst>
+          </p:cNvPr>
+          <p:cNvSpPr>
+            <a:spLocks noGrp="1"/>
+          </p:cNvSpPr>
+          <p:nvPr>
+            <p:ph idx="1"/>
+          </p:nvPr>
+        </p:nvSpPr>
+        <p:spPr/>
+        <p:txBody>
+          <a:bodyPr/>
+          <a:lstStyle/>
+          <a:p>
+            <a:pPr marL="0" indent="0">
+              <a:buNone/>
+            </a:pPr>
+            <a:r>
+              <a:rPr lang="zh-CN" altLang="en-US"/>
+              <a:t>比较简洁高效，设计算法时可以参考</a:t>
+            </a:r>
+          </a:p>
+        </p:txBody>
+      </p:sp>
+    </p:spTree>
+    <p:extLst>
+      <p:ext uri="{BB962C8B-B14F-4D97-AF65-F5344CB8AC3E}">
+        <p14:creationId xmlns:p14="http://schemas.microsoft.com/office/powerpoint/2010/main" val="3633513262"/>
+      </p:ext>
+    </p:extLst>
+  </p:cSld>
+  <p:clrMapOvr>
+    <a:masterClrMapping/>
+  </p:clrMapOvr>
+</p:sld>
+</file>
+
+<file path=ppt/slides/slide67.xml><?xml version="1.0" encoding="utf-8"?>
+<p:sld xmlns:a="http://schemas.openxmlformats.org/drawingml/2006/main" xmlns:r="http://schemas.openxmlformats.org/officeDocument/2006/relationships" xmlns:p="http://schemas.openxmlformats.org/presentationml/2006/main">
+  <p:cSld>
+    <p:spTree>
+      <p:nvGrpSpPr>
+        <p:cNvPr id="1" name=""/>
+        <p:cNvGrpSpPr/>
+        <p:nvPr/>
+      </p:nvGrpSpPr>
+      <p:grpSpPr>
+        <a:xfrm>
+          <a:off x="0" y="0"/>
+          <a:ext cx="0" cy="0"/>
+          <a:chOff x="0" y="0"/>
+          <a:chExt cx="0" cy="0"/>
+        </a:xfrm>
+      </p:grpSpPr>
+      <p:sp>
+        <p:nvSpPr>
+          <p:cNvPr id="2" name="标题 1">
+            <a:extLst>
+              <a:ext uri="{FF2B5EF4-FFF2-40B4-BE49-F238E27FC236}">
                 <a16:creationId xmlns:a16="http://schemas.microsoft.com/office/drawing/2014/main" id="{7536FDB3-8A4E-442F-814F-57D6C8FDA89C}"/>
               </a:ext>
             </a:extLst>
@@ -9864,11 +10728,11 @@
           <a:lstStyle/>
           <a:p>
             <a:r>
-              <a:rPr lang="en-US" altLang="zh-CN" dirty="0"/>
+              <a:rPr lang="en-US" altLang="zh-CN"/>
               <a:t>M</a:t>
             </a:r>
             <a:r>
-              <a:rPr lang="zh-CN" altLang="en-US" dirty="0"/>
+              <a:rPr lang="zh-CN" altLang="en-US"/>
               <a:t>估计方法是什么意思？</a:t>
             </a:r>
           </a:p>
@@ -9896,22 +10760,22 @@
           <a:lstStyle/>
           <a:p>
             <a:r>
-              <a:rPr lang="zh-CN" altLang="en-US" dirty="0"/>
+              <a:rPr lang="zh-CN" altLang="en-US"/>
               <a:t>就是鲁棒核函数大法</a:t>
             </a:r>
-            <a:endParaRPr lang="en-US" altLang="zh-CN" dirty="0"/>
-          </a:p>
-          <a:p>
-            <a:r>
-              <a:rPr lang="zh-CN" altLang="en-US" dirty="0"/>
+            <a:endParaRPr lang="en-US" altLang="zh-CN"/>
+          </a:p>
+          <a:p>
+            <a:r>
+              <a:rPr lang="zh-CN" altLang="en-US"/>
               <a:t>具体就是二次型开方，然后通过一个</a:t>
             </a:r>
             <a:r>
-              <a:rPr lang="en-US" altLang="zh-CN" dirty="0"/>
+              <a:rPr lang="en-US" altLang="zh-CN"/>
               <a:t>ρ</a:t>
             </a:r>
             <a:r>
-              <a:rPr lang="zh-CN" altLang="en-US" dirty="0"/>
+              <a:rPr lang="zh-CN" altLang="en-US"/>
               <a:t>函数映射，把残差的平方项变成一个对外点不那么敏感的曲线。</a:t>
             </a:r>
           </a:p>
@@ -9949,7 +10813,13 @@
       </p:grpSpPr>
       <p:sp>
         <p:nvSpPr>
-          <p:cNvPr id="2" name="标题 1"/>
+          <p:cNvPr id="2" name="标题 1">
+            <a:extLst>
+              <a:ext uri="{FF2B5EF4-FFF2-40B4-BE49-F238E27FC236}">
+                <a16:creationId xmlns:a16="http://schemas.microsoft.com/office/drawing/2014/main" id="{1542B898-B5E4-4D05-BA4B-A15F64E8B9ED}"/>
+              </a:ext>
+            </a:extLst>
+          </p:cNvPr>
           <p:cNvSpPr>
             <a:spLocks noGrp="1"/>
           </p:cNvSpPr>
@@ -9963,47 +10833,47 @@
           <a:lstStyle/>
           <a:p>
             <a:r>
-              <a:rPr lang="en-US" altLang="zh-CN"/>
-              <a:t>矩是啥？</a:t>
-            </a:r>
-          </a:p>
-        </p:txBody>
-      </p:sp>
-      <p:sp>
-        <p:nvSpPr>
-          <p:cNvPr id="3" name="内容占位符 2"/>
-          <p:cNvSpPr>
-            <a:spLocks noGrp="1"/>
-          </p:cNvSpPr>
+              <a:rPr lang="zh-CN" altLang="en-US"/>
+              <a:t>贝叶斯公式的分母有几种变式？</a:t>
+            </a:r>
+          </a:p>
+        </p:txBody>
+      </p:sp>
+      <p:pic>
+        <p:nvPicPr>
+          <p:cNvPr id="5" name="内容占位符 4">
+            <a:extLst>
+              <a:ext uri="{FF2B5EF4-FFF2-40B4-BE49-F238E27FC236}">
+                <a16:creationId xmlns:a16="http://schemas.microsoft.com/office/drawing/2014/main" id="{E059BDDF-E4AE-4049-BA30-020327DF0EA2}"/>
+              </a:ext>
+            </a:extLst>
+          </p:cNvPr>
+          <p:cNvPicPr>
+            <a:picLocks noGrp="1" noChangeAspect="1"/>
+          </p:cNvPicPr>
           <p:nvPr>
             <p:ph idx="1"/>
           </p:nvPr>
-        </p:nvSpPr>
-        <p:spPr/>
-        <p:txBody>
-          <a:bodyPr/>
-          <a:lstStyle/>
-          <a:p>
-            <a:r>
-              <a:rPr lang="en-US" altLang="zh-CN"/>
-              <a:t>有时候给出一个概率分布很困难，就会转而采用矩来进行简化</a:t>
-            </a:r>
-          </a:p>
-          <a:p>
-            <a:r>
-              <a:rPr lang="en-US" altLang="zh-CN"/>
-              <a:t>0阶矩是1;1阶矩是期望；二阶矩是方差；三阶偏度；四阶峰度</a:t>
-            </a:r>
-          </a:p>
-          <a:p>
-            <a:pPr marL="0" indent="0">
-              <a:buNone/>
-            </a:pPr>
-            <a:endParaRPr lang="en-US" altLang="zh-CN"/>
-          </a:p>
-        </p:txBody>
-      </p:sp>
+        </p:nvPicPr>
+        <p:blipFill>
+          <a:blip r:embed="rId2"/>
+          <a:stretch>
+            <a:fillRect/>
+          </a:stretch>
+        </p:blipFill>
+        <p:spPr>
+          <a:xfrm>
+            <a:off x="2002713" y="2530136"/>
+            <a:ext cx="5802540" cy="1963265"/>
+          </a:xfrm>
+        </p:spPr>
+      </p:pic>
     </p:spTree>
+    <p:extLst>
+      <p:ext uri="{BB962C8B-B14F-4D97-AF65-F5344CB8AC3E}">
+        <p14:creationId xmlns:p14="http://schemas.microsoft.com/office/powerpoint/2010/main" val="3463390798"/>
+      </p:ext>
+    </p:extLst>
   </p:cSld>
   <p:clrMapOvr>
     <a:masterClrMapping/>
@@ -10040,14 +10910,12 @@
         </p:nvSpPr>
         <p:spPr/>
         <p:txBody>
-          <a:bodyPr>
-            <a:normAutofit/>
-          </a:bodyPr>
-          <a:lstStyle/>
-          <a:p>
-            <a:r>
-              <a:rPr lang="en-US" altLang="zh-CN"/>
-              <a:t>期望和方差的数学定义和样本求法有啥区别？</a:t>
+          <a:bodyPr/>
+          <a:lstStyle/>
+          <a:p>
+            <a:r>
+              <a:rPr lang="en-US" altLang="zh-CN"/>
+              <a:t>矩是啥？</a:t>
             </a:r>
           </a:p>
         </p:txBody>
@@ -10069,26 +10937,33 @@
           <a:p>
             <a:r>
               <a:rPr lang="en-US" altLang="zh-CN"/>
-              <a:t>期望定义，数学定义，不再多说</a:t>
-            </a:r>
-          </a:p>
-          <a:p>
-            <a:r>
-              <a:rPr lang="en-US" altLang="zh-CN"/>
-              <a:t>方差定义，对状态去中心化，然后列乘行，变成n×n矩阵；上述矩阵的期望就是协方差矩阵</a:t>
-            </a:r>
-          </a:p>
-          <a:p>
-            <a:r>
-              <a:rPr lang="en-US" altLang="zh-CN"/>
-              <a:t>样本求期望：直接求均值</a:t>
-            </a:r>
-          </a:p>
-          <a:p>
-            <a:r>
-              <a:rPr lang="en-US" altLang="zh-CN"/>
-              <a:t>样本求方差：每一个样本减去均值，然后列乘行，变成n×n矩阵；对上述矩阵求均值，注意贝塞尔修正！</a:t>
-            </a:r>
+              <a:t>有时候给出一个概率分布很困难，就会转而采用矩来进行</a:t>
+            </a:r>
+            <a:r>
+              <a:rPr lang="zh-CN" altLang="en-US"/>
+              <a:t>刻画</a:t>
+            </a:r>
+            <a:endParaRPr lang="en-US" altLang="zh-CN"/>
+          </a:p>
+          <a:p>
+            <a:r>
+              <a:rPr lang="en-US" altLang="zh-CN"/>
+              <a:t>0阶矩是1</a:t>
+            </a:r>
+            <a:r>
+              <a:rPr lang="zh-CN" altLang="en-US"/>
+              <a:t>；</a:t>
+            </a:r>
+            <a:r>
+              <a:rPr lang="en-US" altLang="zh-CN"/>
+              <a:t>1阶矩是期望；二阶矩是方差；三阶偏度；四阶峰度</a:t>
+            </a:r>
+          </a:p>
+          <a:p>
+            <a:pPr marL="0" indent="0">
+              <a:buNone/>
+            </a:pPr>
+            <a:endParaRPr lang="en-US" altLang="zh-CN"/>
           </a:p>
         </p:txBody>
       </p:sp>
@@ -10129,12 +11004,14 @@
         </p:nvSpPr>
         <p:spPr/>
         <p:txBody>
-          <a:bodyPr/>
-          <a:lstStyle/>
-          <a:p>
-            <a:r>
-              <a:rPr lang="en-US" altLang="zh-CN"/>
-              <a:t>独立性和不相关性，你能说清楚吗？</a:t>
+          <a:bodyPr>
+            <a:normAutofit/>
+          </a:bodyPr>
+          <a:lstStyle/>
+          <a:p>
+            <a:r>
+              <a:rPr lang="en-US" altLang="zh-CN"/>
+              <a:t>期望和方差的数学定义和样本求法有啥区别？</a:t>
             </a:r>
           </a:p>
         </p:txBody>
@@ -10156,43 +11033,25 @@
           <a:p>
             <a:r>
               <a:rPr lang="en-US" altLang="zh-CN"/>
-              <a:t>独立性p(xy) = p(x)p(y)</a:t>
-            </a:r>
-          </a:p>
-          <a:p>
-            <a:r>
-              <a:rPr lang="en-US" altLang="zh-CN"/>
-              <a:t>不相关性E[xy] = E[x] E[y]</a:t>
-            </a:r>
-          </a:p>
-          <a:p>
-            <a:pPr marL="0" indent="0">
-              <a:buNone/>
-            </a:pPr>
-            <a:endParaRPr lang="en-US" altLang="zh-CN"/>
-          </a:p>
-          <a:p>
-            <a:pPr marL="0" indent="0">
-              <a:buNone/>
-            </a:pPr>
-            <a:r>
-              <a:rPr lang="en-US" altLang="zh-CN"/>
-              <a:t>独立一定不相关，不相关不一定独立</a:t>
-            </a:r>
-          </a:p>
-          <a:p>
-            <a:pPr marL="0" indent="0">
-              <a:buNone/>
-            </a:pPr>
-            <a:endParaRPr lang="en-US" altLang="zh-CN"/>
-          </a:p>
-          <a:p>
-            <a:pPr marL="0" indent="0">
-              <a:buNone/>
-            </a:pPr>
-            <a:r>
-              <a:rPr lang="en-US" altLang="zh-CN"/>
-              <a:t>对于高斯分布，两者等价</a:t>
+              <a:t>期望定义，数学定义，不再多说</a:t>
+            </a:r>
+          </a:p>
+          <a:p>
+            <a:r>
+              <a:rPr lang="en-US" altLang="zh-CN"/>
+              <a:t>方差定义，对状态去中心化，然后列乘行，变成n×n矩阵；上述矩阵的期望就是协方差矩阵</a:t>
+            </a:r>
+          </a:p>
+          <a:p>
+            <a:r>
+              <a:rPr lang="en-US" altLang="zh-CN"/>
+              <a:t>样本求期望：直接求均值</a:t>
+            </a:r>
+          </a:p>
+          <a:p>
+            <a:r>
+              <a:rPr lang="en-US" altLang="zh-CN"/>
+              <a:t>样本求方差：每一个样本减去均值，然后列乘行，变成n×n矩阵；对上述矩阵求均值，注意贝塞尔修正！</a:t>
             </a:r>
           </a:p>
         </p:txBody>
